--- a/topic10/talk-0/mongoDB-2020.pptx
+++ b/topic10/talk-0/mongoDB-2020.pptx
@@ -5,7 +5,7 @@
     <p:sldMasterId id="2147483648" r:id="rId1"/>
   </p:sldMasterIdLst>
   <p:notesMasterIdLst>
-    <p:notesMasterId r:id="rId45"/>
+    <p:notesMasterId r:id="rId43"/>
   </p:notesMasterIdLst>
   <p:sldIdLst>
     <p:sldId id="256" r:id="rId2"/>
@@ -49,8 +49,6 @@
     <p:sldId id="321" r:id="rId40"/>
     <p:sldId id="323" r:id="rId41"/>
     <p:sldId id="324" r:id="rId42"/>
-    <p:sldId id="322" r:id="rId43"/>
-    <p:sldId id="308" r:id="rId44"/>
   </p:sldIdLst>
   <p:sldSz cx="12192000" cy="6858000"/>
   <p:notesSz cx="6858000" cy="9144000"/>
@@ -18820,625 +18818,6 @@
   <p:clrMapOvr>
     <a:masterClrMapping/>
   </p:clrMapOvr>
-</p:sld>
-</file>
-
-<file path=ppt/slides/slide42.xml><?xml version="1.0" encoding="utf-8"?>
-<p:sld xmlns:a="http://schemas.openxmlformats.org/drawingml/2006/main" xmlns:r="http://schemas.openxmlformats.org/officeDocument/2006/relationships" xmlns:p="http://schemas.openxmlformats.org/presentationml/2006/main">
-  <p:cSld>
-    <p:spTree>
-      <p:nvGrpSpPr>
-        <p:cNvPr id="1" name=""/>
-        <p:cNvGrpSpPr/>
-        <p:nvPr/>
-      </p:nvGrpSpPr>
-      <p:grpSpPr>
-        <a:xfrm>
-          <a:off x="0" y="0"/>
-          <a:ext cx="0" cy="0"/>
-          <a:chOff x="0" y="0"/>
-          <a:chExt cx="0" cy="0"/>
-        </a:xfrm>
-      </p:grpSpPr>
-      <p:sp>
-        <p:nvSpPr>
-          <p:cNvPr id="2" name="Title 1">
-            <a:extLst>
-              <a:ext uri="{FF2B5EF4-FFF2-40B4-BE49-F238E27FC236}">
-                <a16:creationId xmlns:a16="http://schemas.microsoft.com/office/drawing/2014/main" id="{2DE3B5A0-9537-4930-8791-F4AE7F5D8413}"/>
-              </a:ext>
-            </a:extLst>
-          </p:cNvPr>
-          <p:cNvSpPr>
-            <a:spLocks noGrp="1"/>
-          </p:cNvSpPr>
-          <p:nvPr>
-            <p:ph type="title"/>
-          </p:nvPr>
-        </p:nvSpPr>
-        <p:spPr/>
-        <p:txBody>
-          <a:bodyPr/>
-          <a:lstStyle/>
-          <a:p>
-            <a:r>
-              <a:rPr lang="en-IE" dirty="0"/>
-              <a:t>MongoDB as a service</a:t>
-            </a:r>
-          </a:p>
-        </p:txBody>
-      </p:sp>
-      <p:sp>
-        <p:nvSpPr>
-          <p:cNvPr id="3" name="Text Placeholder 2">
-            <a:extLst>
-              <a:ext uri="{FF2B5EF4-FFF2-40B4-BE49-F238E27FC236}">
-                <a16:creationId xmlns:a16="http://schemas.microsoft.com/office/drawing/2014/main" id="{D530ADFE-72EE-4028-A92E-64D89D972507}"/>
-              </a:ext>
-            </a:extLst>
-          </p:cNvPr>
-          <p:cNvSpPr>
-            <a:spLocks noGrp="1"/>
-          </p:cNvSpPr>
-          <p:nvPr>
-            <p:ph type="body" idx="1"/>
-          </p:nvPr>
-        </p:nvSpPr>
-        <p:spPr/>
-        <p:txBody>
-          <a:bodyPr/>
-          <a:lstStyle/>
-          <a:p>
-            <a:endParaRPr lang="en-IE"/>
-          </a:p>
-        </p:txBody>
-      </p:sp>
-    </p:spTree>
-    <p:extLst>
-      <p:ext uri="{BB962C8B-B14F-4D97-AF65-F5344CB8AC3E}">
-        <p14:creationId xmlns:p14="http://schemas.microsoft.com/office/powerpoint/2010/main" val="2458695779"/>
-      </p:ext>
-    </p:extLst>
-  </p:cSld>
-  <p:clrMapOvr>
-    <a:masterClrMapping/>
-  </p:clrMapOvr>
-</p:sld>
-</file>
-
-<file path=ppt/slides/slide43.xml><?xml version="1.0" encoding="utf-8"?>
-<p:sld xmlns:a="http://schemas.openxmlformats.org/drawingml/2006/main" xmlns:r="http://schemas.openxmlformats.org/officeDocument/2006/relationships" xmlns:p="http://schemas.openxmlformats.org/presentationml/2006/main">
-  <p:cSld>
-    <p:bg>
-      <p:bgPr>
-        <a:solidFill>
-          <a:schemeClr val="bg1"/>
-        </a:solidFill>
-        <a:effectLst/>
-      </p:bgPr>
-    </p:bg>
-    <p:spTree>
-      <p:nvGrpSpPr>
-        <p:cNvPr id="1" name=""/>
-        <p:cNvGrpSpPr/>
-        <p:nvPr/>
-      </p:nvGrpSpPr>
-      <p:grpSpPr>
-        <a:xfrm>
-          <a:off x="0" y="0"/>
-          <a:ext cx="0" cy="0"/>
-          <a:chOff x="0" y="0"/>
-          <a:chExt cx="0" cy="0"/>
-        </a:xfrm>
-      </p:grpSpPr>
-      <p:sp>
-        <p:nvSpPr>
-          <p:cNvPr id="2" name="Title 1"/>
-          <p:cNvSpPr>
-            <a:spLocks noGrp="1"/>
-          </p:cNvSpPr>
-          <p:nvPr>
-            <p:ph type="title"/>
-          </p:nvPr>
-        </p:nvSpPr>
-        <p:spPr>
-          <a:xfrm>
-            <a:off x="648929" y="629266"/>
-            <a:ext cx="5127031" cy="1676603"/>
-          </a:xfrm>
-        </p:spPr>
-        <p:txBody>
-          <a:bodyPr>
-            <a:normAutofit/>
-          </a:bodyPr>
-          <a:lstStyle/>
-          <a:p>
-            <a:r>
-              <a:rPr lang="en-IE"/>
-              <a:t>MongoDB as a Service</a:t>
-            </a:r>
-          </a:p>
-        </p:txBody>
-      </p:sp>
-      <p:sp>
-        <p:nvSpPr>
-          <p:cNvPr id="3" name="Content Placeholder 2"/>
-          <p:cNvSpPr>
-            <a:spLocks noGrp="1"/>
-          </p:cNvSpPr>
-          <p:nvPr>
-            <p:ph idx="1"/>
-          </p:nvPr>
-        </p:nvSpPr>
-        <p:spPr>
-          <a:xfrm>
-            <a:off x="648930" y="2438400"/>
-            <a:ext cx="5127029" cy="3785419"/>
-          </a:xfrm>
-        </p:spPr>
-        <p:txBody>
-          <a:bodyPr>
-            <a:normAutofit/>
-          </a:bodyPr>
-          <a:lstStyle/>
-          <a:p>
-            <a:pPr>
-              <a:lnSpc>
-                <a:spcPct val="90000"/>
-              </a:lnSpc>
-            </a:pPr>
-            <a:r>
-              <a:rPr lang="en-IE" sz="1700"/>
-              <a:t>Best practice for initial development is to host </a:t>
-            </a:r>
-            <a:r>
-              <a:rPr lang="en-IE" sz="1700" err="1"/>
-              <a:t>MongDB</a:t>
-            </a:r>
-            <a:r>
-              <a:rPr lang="en-IE" sz="1700"/>
-              <a:t> process on your development machine</a:t>
-            </a:r>
-          </a:p>
-          <a:p>
-            <a:pPr>
-              <a:lnSpc>
-                <a:spcPct val="90000"/>
-              </a:lnSpc>
-            </a:pPr>
-            <a:r>
-              <a:rPr lang="en-IE" sz="1700"/>
-              <a:t>In production environments, Mongo will be hosted:</a:t>
-            </a:r>
-          </a:p>
-          <a:p>
-            <a:pPr lvl="1">
-              <a:lnSpc>
-                <a:spcPct val="90000"/>
-              </a:lnSpc>
-            </a:pPr>
-            <a:r>
-              <a:rPr lang="en-IE" sz="1700"/>
-              <a:t> on it’s own instance or </a:t>
-            </a:r>
-          </a:p>
-          <a:p>
-            <a:pPr lvl="1">
-              <a:lnSpc>
-                <a:spcPct val="90000"/>
-              </a:lnSpc>
-            </a:pPr>
-            <a:r>
-              <a:rPr lang="en-IE" sz="1700"/>
-              <a:t>provisioned as a service</a:t>
-            </a:r>
-          </a:p>
-        </p:txBody>
-      </p:sp>
-      <p:pic>
-        <p:nvPicPr>
-          <p:cNvPr id="5" name="Picture 4" descr="A close up of a logo&#10;&#10;Description automatically generated">
-            <a:extLst>
-              <a:ext uri="{FF2B5EF4-FFF2-40B4-BE49-F238E27FC236}">
-                <a16:creationId xmlns:a16="http://schemas.microsoft.com/office/drawing/2014/main" id="{0898F785-5A80-4D11-B086-D7A138E6A6DC}"/>
-              </a:ext>
-            </a:extLst>
-          </p:cNvPr>
-          <p:cNvPicPr>
-            <a:picLocks noChangeAspect="1"/>
-          </p:cNvPicPr>
-          <p:nvPr/>
-        </p:nvPicPr>
-        <p:blipFill rotWithShape="1">
-          <a:blip r:embed="rId2">
-            <a:extLst>
-              <a:ext uri="{28A0092B-C50C-407E-A947-70E740481C1C}">
-                <a14:useLocalDpi xmlns:a14="http://schemas.microsoft.com/office/drawing/2010/main" val="0"/>
-              </a:ext>
-              <a:ext uri="{837473B0-CC2E-450A-ABE3-18F120FF3D39}">
-                <a1611:picAttrSrcUrl xmlns:a1611="http://schemas.microsoft.com/office/drawing/2016/11/main" r:id="rId3"/>
-              </a:ext>
-            </a:extLst>
-          </a:blip>
-          <a:srcRect l="1237" r="843" b="-2"/>
-          <a:stretch/>
-        </p:blipFill>
-        <p:spPr>
-          <a:xfrm>
-            <a:off x="6090613" y="640082"/>
-            <a:ext cx="5461724" cy="5577837"/>
-          </a:xfrm>
-          <a:prstGeom prst="rect">
-            <a:avLst/>
-          </a:prstGeom>
-          <a:effectLst/>
-        </p:spPr>
-      </p:pic>
-      <p:sp>
-        <p:nvSpPr>
-          <p:cNvPr id="6" name="TextBox 5">
-            <a:extLst>
-              <a:ext uri="{FF2B5EF4-FFF2-40B4-BE49-F238E27FC236}">
-                <a16:creationId xmlns:a16="http://schemas.microsoft.com/office/drawing/2014/main" id="{A3AE1B3C-510A-4662-8EF2-9AA99977CD9A}"/>
-              </a:ext>
-            </a:extLst>
-          </p:cNvPr>
-          <p:cNvSpPr txBox="1"/>
-          <p:nvPr/>
-        </p:nvSpPr>
-        <p:spPr>
-          <a:xfrm>
-            <a:off x="9245295" y="6017864"/>
-            <a:ext cx="2307042" cy="200055"/>
-          </a:xfrm>
-          <a:prstGeom prst="rect">
-            <a:avLst/>
-          </a:prstGeom>
-          <a:solidFill>
-            <a:srgbClr val="000000"/>
-          </a:solidFill>
-        </p:spPr>
-        <p:txBody>
-          <a:bodyPr wrap="none" rtlCol="0">
-            <a:spAutoFit/>
-          </a:bodyPr>
-          <a:lstStyle/>
-          <a:p>
-            <a:pPr algn="r">
-              <a:spcAft>
-                <a:spcPts val="600"/>
-              </a:spcAft>
-            </a:pPr>
-            <a:r>
-              <a:rPr lang="en-IE" sz="700">
-                <a:solidFill>
-                  <a:srgbClr val="FFFFFF"/>
-                </a:solidFill>
-                <a:hlinkClick r:id="rId3" tooltip="https://graphicdesign.stackexchange.com/questions/77654/what-is-the-unambiguously-correct-pictogram-for-database-storage">
-                  <a:extLst>
-                    <a:ext uri="{A12FA001-AC4F-418D-AE19-62706E023703}">
-                      <ahyp:hlinkClr xmlns:ahyp="http://schemas.microsoft.com/office/drawing/2018/hyperlinkcolor" val="tx"/>
-                    </a:ext>
-                  </a:extLst>
-                </a:hlinkClick>
-              </a:rPr>
-              <a:t>This Photo</a:t>
-            </a:r>
-            <a:r>
-              <a:rPr lang="en-IE" sz="700">
-                <a:solidFill>
-                  <a:srgbClr val="FFFFFF"/>
-                </a:solidFill>
-              </a:rPr>
-              <a:t> by Unknown Author is licensed under </a:t>
-            </a:r>
-            <a:r>
-              <a:rPr lang="en-IE" sz="700">
-                <a:solidFill>
-                  <a:srgbClr val="FFFFFF"/>
-                </a:solidFill>
-                <a:hlinkClick r:id="rId4" tooltip="https://creativecommons.org/licenses/by-sa/3.0/">
-                  <a:extLst>
-                    <a:ext uri="{A12FA001-AC4F-418D-AE19-62706E023703}">
-                      <ahyp:hlinkClr xmlns:ahyp="http://schemas.microsoft.com/office/drawing/2018/hyperlinkcolor" val="tx"/>
-                    </a:ext>
-                  </a:extLst>
-                </a:hlinkClick>
-              </a:rPr>
-              <a:t>CC BY-SA</a:t>
-            </a:r>
-            <a:endParaRPr lang="en-IE" sz="700">
-              <a:solidFill>
-                <a:srgbClr val="FFFFFF"/>
-              </a:solidFill>
-            </a:endParaRPr>
-          </a:p>
-        </p:txBody>
-      </p:sp>
-    </p:spTree>
-    <p:extLst>
-      <p:ext uri="{BB962C8B-B14F-4D97-AF65-F5344CB8AC3E}">
-        <p14:creationId xmlns:p14="http://schemas.microsoft.com/office/powerpoint/2010/main" val="3399238275"/>
-      </p:ext>
-    </p:extLst>
-  </p:cSld>
-  <p:clrMapOvr>
-    <a:masterClrMapping/>
-  </p:clrMapOvr>
-  <p:timing>
-    <p:tnLst>
-      <p:par>
-        <p:cTn id="1" dur="indefinite" restart="never" nodeType="tmRoot">
-          <p:childTnLst>
-            <p:seq concurrent="1" nextAc="seek">
-              <p:cTn id="2" dur="indefinite" nodeType="mainSeq">
-                <p:childTnLst>
-                  <p:par>
-                    <p:cTn id="3" fill="hold">
-                      <p:stCondLst>
-                        <p:cond delay="indefinite"/>
-                      </p:stCondLst>
-                      <p:childTnLst>
-                        <p:par>
-                          <p:cTn id="4" fill="hold">
-                            <p:stCondLst>
-                              <p:cond delay="0"/>
-                            </p:stCondLst>
-                            <p:childTnLst>
-                              <p:par>
-                                <p:cTn id="5" presetID="10" presetClass="entr" presetSubtype="0" fill="hold" nodeType="clickEffect">
-                                  <p:stCondLst>
-                                    <p:cond delay="0"/>
-                                  </p:stCondLst>
-                                  <p:childTnLst>
-                                    <p:set>
-                                      <p:cBhvr>
-                                        <p:cTn id="6" dur="1" fill="hold">
-                                          <p:stCondLst>
-                                            <p:cond delay="0"/>
-                                          </p:stCondLst>
-                                        </p:cTn>
-                                        <p:tgtEl>
-                                          <p:spTgt spid="3">
-                                            <p:txEl>
-                                              <p:pRg st="0" end="0"/>
-                                            </p:txEl>
-                                          </p:spTgt>
-                                        </p:tgtEl>
-                                        <p:attrNameLst>
-                                          <p:attrName>style.visibility</p:attrName>
-                                        </p:attrNameLst>
-                                      </p:cBhvr>
-                                      <p:to>
-                                        <p:strVal val="visible"/>
-                                      </p:to>
-                                    </p:set>
-                                    <p:animEffect transition="in" filter="fade">
-                                      <p:cBhvr>
-                                        <p:cTn id="7" dur="500"/>
-                                        <p:tgtEl>
-                                          <p:spTgt spid="3">
-                                            <p:txEl>
-                                              <p:pRg st="0" end="0"/>
-                                            </p:txEl>
-                                          </p:spTgt>
-                                        </p:tgtEl>
-                                      </p:cBhvr>
-                                    </p:animEffect>
-                                  </p:childTnLst>
-                                </p:cTn>
-                              </p:par>
-                            </p:childTnLst>
-                          </p:cTn>
-                        </p:par>
-                      </p:childTnLst>
-                    </p:cTn>
-                  </p:par>
-                  <p:par>
-                    <p:cTn id="8" fill="hold">
-                      <p:stCondLst>
-                        <p:cond delay="indefinite"/>
-                      </p:stCondLst>
-                      <p:childTnLst>
-                        <p:par>
-                          <p:cTn id="9" fill="hold">
-                            <p:stCondLst>
-                              <p:cond delay="0"/>
-                            </p:stCondLst>
-                            <p:childTnLst>
-                              <p:par>
-                                <p:cTn id="10" presetID="10" presetClass="entr" presetSubtype="0" fill="hold" nodeType="clickEffect">
-                                  <p:stCondLst>
-                                    <p:cond delay="0"/>
-                                  </p:stCondLst>
-                                  <p:childTnLst>
-                                    <p:set>
-                                      <p:cBhvr>
-                                        <p:cTn id="11" dur="1" fill="hold">
-                                          <p:stCondLst>
-                                            <p:cond delay="0"/>
-                                          </p:stCondLst>
-                                        </p:cTn>
-                                        <p:tgtEl>
-                                          <p:spTgt spid="3">
-                                            <p:txEl>
-                                              <p:pRg st="1" end="1"/>
-                                            </p:txEl>
-                                          </p:spTgt>
-                                        </p:tgtEl>
-                                        <p:attrNameLst>
-                                          <p:attrName>style.visibility</p:attrName>
-                                        </p:attrNameLst>
-                                      </p:cBhvr>
-                                      <p:to>
-                                        <p:strVal val="visible"/>
-                                      </p:to>
-                                    </p:set>
-                                    <p:animEffect transition="in" filter="fade">
-                                      <p:cBhvr>
-                                        <p:cTn id="12" dur="500"/>
-                                        <p:tgtEl>
-                                          <p:spTgt spid="3">
-                                            <p:txEl>
-                                              <p:pRg st="1" end="1"/>
-                                            </p:txEl>
-                                          </p:spTgt>
-                                        </p:tgtEl>
-                                      </p:cBhvr>
-                                    </p:animEffect>
-                                  </p:childTnLst>
-                                </p:cTn>
-                              </p:par>
-                            </p:childTnLst>
-                          </p:cTn>
-                        </p:par>
-                      </p:childTnLst>
-                    </p:cTn>
-                  </p:par>
-                  <p:par>
-                    <p:cTn id="13" fill="hold">
-                      <p:stCondLst>
-                        <p:cond delay="indefinite"/>
-                      </p:stCondLst>
-                      <p:childTnLst>
-                        <p:par>
-                          <p:cTn id="14" fill="hold">
-                            <p:stCondLst>
-                              <p:cond delay="0"/>
-                            </p:stCondLst>
-                            <p:childTnLst>
-                              <p:par>
-                                <p:cTn id="15" presetID="10" presetClass="entr" presetSubtype="0" fill="hold" nodeType="clickEffect">
-                                  <p:stCondLst>
-                                    <p:cond delay="0"/>
-                                  </p:stCondLst>
-                                  <p:childTnLst>
-                                    <p:set>
-                                      <p:cBhvr>
-                                        <p:cTn id="16" dur="1" fill="hold">
-                                          <p:stCondLst>
-                                            <p:cond delay="0"/>
-                                          </p:stCondLst>
-                                        </p:cTn>
-                                        <p:tgtEl>
-                                          <p:spTgt spid="3">
-                                            <p:txEl>
-                                              <p:pRg st="2" end="2"/>
-                                            </p:txEl>
-                                          </p:spTgt>
-                                        </p:tgtEl>
-                                        <p:attrNameLst>
-                                          <p:attrName>style.visibility</p:attrName>
-                                        </p:attrNameLst>
-                                      </p:cBhvr>
-                                      <p:to>
-                                        <p:strVal val="visible"/>
-                                      </p:to>
-                                    </p:set>
-                                    <p:animEffect transition="in" filter="fade">
-                                      <p:cBhvr>
-                                        <p:cTn id="17" dur="500"/>
-                                        <p:tgtEl>
-                                          <p:spTgt spid="3">
-                                            <p:txEl>
-                                              <p:pRg st="2" end="2"/>
-                                            </p:txEl>
-                                          </p:spTgt>
-                                        </p:tgtEl>
-                                      </p:cBhvr>
-                                    </p:animEffect>
-                                  </p:childTnLst>
-                                </p:cTn>
-                              </p:par>
-                            </p:childTnLst>
-                          </p:cTn>
-                        </p:par>
-                      </p:childTnLst>
-                    </p:cTn>
-                  </p:par>
-                  <p:par>
-                    <p:cTn id="18" fill="hold">
-                      <p:stCondLst>
-                        <p:cond delay="indefinite"/>
-                      </p:stCondLst>
-                      <p:childTnLst>
-                        <p:par>
-                          <p:cTn id="19" fill="hold">
-                            <p:stCondLst>
-                              <p:cond delay="0"/>
-                            </p:stCondLst>
-                            <p:childTnLst>
-                              <p:par>
-                                <p:cTn id="20" presetID="10" presetClass="entr" presetSubtype="0" fill="hold" nodeType="clickEffect">
-                                  <p:stCondLst>
-                                    <p:cond delay="0"/>
-                                  </p:stCondLst>
-                                  <p:childTnLst>
-                                    <p:set>
-                                      <p:cBhvr>
-                                        <p:cTn id="21" dur="1" fill="hold">
-                                          <p:stCondLst>
-                                            <p:cond delay="0"/>
-                                          </p:stCondLst>
-                                        </p:cTn>
-                                        <p:tgtEl>
-                                          <p:spTgt spid="3">
-                                            <p:txEl>
-                                              <p:pRg st="3" end="3"/>
-                                            </p:txEl>
-                                          </p:spTgt>
-                                        </p:tgtEl>
-                                        <p:attrNameLst>
-                                          <p:attrName>style.visibility</p:attrName>
-                                        </p:attrNameLst>
-                                      </p:cBhvr>
-                                      <p:to>
-                                        <p:strVal val="visible"/>
-                                      </p:to>
-                                    </p:set>
-                                    <p:animEffect transition="in" filter="fade">
-                                      <p:cBhvr>
-                                        <p:cTn id="22" dur="500"/>
-                                        <p:tgtEl>
-                                          <p:spTgt spid="3">
-                                            <p:txEl>
-                                              <p:pRg st="3" end="3"/>
-                                            </p:txEl>
-                                          </p:spTgt>
-                                        </p:tgtEl>
-                                      </p:cBhvr>
-                                    </p:animEffect>
-                                  </p:childTnLst>
-                                </p:cTn>
-                              </p:par>
-                            </p:childTnLst>
-                          </p:cTn>
-                        </p:par>
-                      </p:childTnLst>
-                    </p:cTn>
-                  </p:par>
-                </p:childTnLst>
-              </p:cTn>
-              <p:prevCondLst>
-                <p:cond evt="onPrev" delay="0">
-                  <p:tgtEl>
-                    <p:sldTgt/>
-                  </p:tgtEl>
-                </p:cond>
-              </p:prevCondLst>
-              <p:nextCondLst>
-                <p:cond evt="onNext" delay="0">
-                  <p:tgtEl>
-                    <p:sldTgt/>
-                  </p:tgtEl>
-                </p:cond>
-              </p:nextCondLst>
-            </p:seq>
-          </p:childTnLst>
-        </p:cTn>
-      </p:par>
-    </p:tnLst>
-  </p:timing>
 </p:sld>
 </file>
 

--- a/topic10/talk-0/mongoDB-2020.pptx
+++ b/topic10/talk-0/mongoDB-2020.pptx
@@ -5,7 +5,7 @@
     <p:sldMasterId id="2147483648" r:id="rId1"/>
   </p:sldMasterIdLst>
   <p:notesMasterIdLst>
-    <p:notesMasterId r:id="rId43"/>
+    <p:notesMasterId r:id="rId39"/>
   </p:notesMasterIdLst>
   <p:sldIdLst>
     <p:sldId id="256" r:id="rId2"/>
@@ -15,40 +15,36 @@
     <p:sldId id="312" r:id="rId6"/>
     <p:sldId id="259" r:id="rId7"/>
     <p:sldId id="260" r:id="rId8"/>
-    <p:sldId id="267" r:id="rId9"/>
-    <p:sldId id="268" r:id="rId10"/>
-    <p:sldId id="272" r:id="rId11"/>
-    <p:sldId id="273" r:id="rId12"/>
-    <p:sldId id="274" r:id="rId13"/>
-    <p:sldId id="316" r:id="rId14"/>
-    <p:sldId id="289" r:id="rId15"/>
-    <p:sldId id="313" r:id="rId16"/>
-    <p:sldId id="293" r:id="rId17"/>
-    <p:sldId id="292" r:id="rId18"/>
-    <p:sldId id="314" r:id="rId19"/>
-    <p:sldId id="294" r:id="rId20"/>
-    <p:sldId id="295" r:id="rId21"/>
-    <p:sldId id="298" r:id="rId22"/>
-    <p:sldId id="326" r:id="rId23"/>
-    <p:sldId id="296" r:id="rId24"/>
-    <p:sldId id="297" r:id="rId25"/>
-    <p:sldId id="327" r:id="rId26"/>
-    <p:sldId id="299" r:id="rId27"/>
-    <p:sldId id="328" r:id="rId28"/>
-    <p:sldId id="329" r:id="rId29"/>
-    <p:sldId id="302" r:id="rId30"/>
-    <p:sldId id="330" r:id="rId31"/>
-    <p:sldId id="304" r:id="rId32"/>
-    <p:sldId id="331" r:id="rId33"/>
-    <p:sldId id="315" r:id="rId34"/>
-    <p:sldId id="318" r:id="rId35"/>
-    <p:sldId id="325" r:id="rId36"/>
-    <p:sldId id="317" r:id="rId37"/>
-    <p:sldId id="319" r:id="rId38"/>
-    <p:sldId id="320" r:id="rId39"/>
-    <p:sldId id="321" r:id="rId40"/>
-    <p:sldId id="323" r:id="rId41"/>
-    <p:sldId id="324" r:id="rId42"/>
+    <p:sldId id="272" r:id="rId9"/>
+    <p:sldId id="273" r:id="rId10"/>
+    <p:sldId id="274" r:id="rId11"/>
+    <p:sldId id="316" r:id="rId12"/>
+    <p:sldId id="289" r:id="rId13"/>
+    <p:sldId id="313" r:id="rId14"/>
+    <p:sldId id="293" r:id="rId15"/>
+    <p:sldId id="292" r:id="rId16"/>
+    <p:sldId id="314" r:id="rId17"/>
+    <p:sldId id="294" r:id="rId18"/>
+    <p:sldId id="295" r:id="rId19"/>
+    <p:sldId id="326" r:id="rId20"/>
+    <p:sldId id="296" r:id="rId21"/>
+    <p:sldId id="297" r:id="rId22"/>
+    <p:sldId id="327" r:id="rId23"/>
+    <p:sldId id="299" r:id="rId24"/>
+    <p:sldId id="334" r:id="rId25"/>
+    <p:sldId id="329" r:id="rId26"/>
+    <p:sldId id="330" r:id="rId27"/>
+    <p:sldId id="304" r:id="rId28"/>
+    <p:sldId id="331" r:id="rId29"/>
+    <p:sldId id="315" r:id="rId30"/>
+    <p:sldId id="318" r:id="rId31"/>
+    <p:sldId id="325" r:id="rId32"/>
+    <p:sldId id="317" r:id="rId33"/>
+    <p:sldId id="319" r:id="rId34"/>
+    <p:sldId id="320" r:id="rId35"/>
+    <p:sldId id="321" r:id="rId36"/>
+    <p:sldId id="323" r:id="rId37"/>
+    <p:sldId id="324" r:id="rId38"/>
   </p:sldIdLst>
   <p:sldSz cx="12192000" cy="6858000"/>
   <p:notesSz cx="6858000" cy="9144000"/>
@@ -212,7 +208,7 @@
           <inkml:channelProperty channel="OE" name="resolution" value="1000" units="1/deg"/>
         </inkml:channelProperties>
       </inkml:inkSource>
-      <inkml:timestamp xml:id="ts0" timeString="2020-03-24T07:57:14.184"/>
+      <inkml:timestamp xml:id="ts0" timeString="2021-04-20T11:27:24.463"/>
     </inkml:context>
     <inkml:brush xml:id="br0">
       <inkml:brushProperty name="width" value="0.05" units="cm"/>
@@ -220,39 +216,7 @@
       <inkml:brushProperty name="color" value="#E71224"/>
     </inkml:brush>
   </inkml:definitions>
-  <inkml:trace contextRef="#ctx0" brushRef="#br0">6826 1474 4232 0 0,'0'0'191'0'0,"0"0"74"0"0,0 0 207 0 0,0 0 82 0 0,-33 0 2746 0 0,30 1-3159 0 0,0-1 0 0 0,-1 1 0 0 0,1 0-1 0 0,0 0 1 0 0,0 0 0 0 0,0 0 0 0 0,0 1 0 0 0,0-1-1 0 0,0 1 1 0 0,0 0-141 0 0,-1 0 100 0 0,1 0 0 0 0,0 0 0 0 0,0-1 0 0 0,-1 1 0 0 0,1-1 0 0 0,-1 0 0 0 0,1 0 0 0 0,-1 0 0 0 0,1 0 0 0 0,-4-1-100 0 0,-4 1 327 0 0,0 0 1 0 0,0 1-1 0 0,1 0 0 0 0,-11 3-327 0 0,11-2 167 0 0,-1-1 1 0 0,1 0-1 0 0,-1 0 1 0 0,-9-1-168 0 0,-11 0 327 0 0,18 0-294 0 0,0-1 0 0 0,0 0 1 0 0,0-1-1 0 0,0-1 0 0 0,-4-1-33 0 0,-90-20 673 0 0,-92-23 432 0 0,93 21-248 0 0,-20 1-857 0 0,30 6 377 0 0,-59-19-377 0 0,-14-8 107 0 0,66 19-57 0 0,-19-10-50 0 0,-48-21 4 0 0,-116-42 174 0 0,-64-21 14 0 0,77 4 76 0 0,4 1-284 0 0,165 72-85 0 0,48 18 103 0 0,-1 3-1 0 0,-36-8-1 0 0,-228-74 0 0 0,231 77 306 0 0,48 14 241 0 0,0 1 0 0 0,-11 0-547 0 0,-445-61-776 0 0,346 53 1657 0 0,-153-13-450 0 0,205 23-2051 0 0,-43-13 1620 0 0,-76-8-316 0 0,161 26 1537 0 0,18 0-1457 0 0,0 2 0 0 0,-1 1 0 0 0,1 2 0 0 0,0 2-1 0 0,-31 6 237 0 0,48-4-46 0 0,1-2-1 0 0,-1-1 0 0 0,-19-1 47 0 0,22-1 3 0 0,0 2-1 0 0,0 0 1 0 0,0 1-1 0 0,0 1 0 0 0,-6 2-2 0 0,-35 1 165 0 0,52-6-131 0 0,1 0 0 0 0,0 0 0 0 0,-1 1 0 0 0,1 0 1 0 0,0 1-1 0 0,0 0 0 0 0,-1 0 0 0 0,2 1 0 0 0,-2 0-34 0 0,2 0 0 0 0,-1-1 0 0 0,0 0 0 0 0,1 0 0 0 0,-1-1 0 0 0,0 1 0 0 0,0-2 0 0 0,0 1 0 0 0,-49 8 0 0 0,51-7-34 0 0,1-1-1 0 0,-1 0 0 0 0,0 0 0 0 0,0-1 0 0 0,0 1 0 0 0,0-1 0 0 0,0-1 0 0 0,0 1 0 0 0,0-1 0 0 0,0 0 0 0 0,-4-1 35 0 0,6 2-106 0 0,-5 2 84 0 0,-1-1 22 0 0,-14-3 0 0 0,-9 5 0 0 0,20 1 14 0 0,-1-2 728 0 0,-17-3 456 0 0,-50 4-3120 0 0,23 6 1922 0 0,55-10 0 0 0,0 1 0 0 0,0-1 0 0 0,0 1 0 0 0,0 0 0 0 0,0 0 0 0 0,-1 0 0 0 0,1 0 0 0 0,0 1 0 0 0,0-1 0 0 0,-1 1 0 0 0,-12-1 0 0 0,-25 8 422 0 0,41-7-474 0 0,-18-4-318 0 0,3 6 592 0 0,0-1 0 0 0,1 0 0 0 0,-1-1 0 0 0,0 0 0 0 0,0-1 0 0 0,-4-2-222 0 0,-7 2-414 0 0,3-3 793 0 0,19 2-505 0 0,1 0-1 0 0,-1 0 1 0 0,0 1-1 0 0,0 0 1 0 0,0-1-1 0 0,0 2 1 0 0,0-1-1 0 0,0 0 1 0 0,0 1-1 0 0,-1 0 127 0 0,3 1 0 0 0,-3-2 0 0 0,-19 0 0 0 0,5-5-5 0 0,-2-5 74 0 0,3 9 537 0 0,10 1-1312 0 0,16-13 742 0 0,12-6-7 0 0,0 0-1 0 0,1 1 1 0 0,9-5-29 0 0,5-4-6 0 0,42-22 6 0 0,-26 14 245 0 0,-41 30-12 0 0,-1 0 0 0 0,0-1-1 0 0,-1 0 1 0 0,1-1 0 0 0,-1 0 0 0 0,0 0 0 0 0,-1-1-233 0 0,0 2-111 0 0,0-1 1 0 0,1 2-1 0 0,0-1 0 0 0,0 1 0 0 0,0 0 0 0 0,1 0 1 0 0,-1 1-1 0 0,1 1 0 0 0,0-1 0 0 0,0 1 0 0 0,3 0 111 0 0,-11 3-16 0 0,0 0-1 0 0,0 0 1 0 0,0 0-1 0 0,0 0 1 0 0,0 0-1 0 0,0 0 1 0 0,-1 0-1 0 0,1-1 0 0 0,0 1 1 0 0,0 0-1 0 0,0 0 1 0 0,0-1-1 0 0,-1 1 1 0 0,1-1-1 0 0,0 1 0 0 0,0-1 1 0 0,-1 1-1 0 0,1-1 1 0 0,0 1-1 0 0,-1-1 1 0 0,1 1-1 0 0,0-1 1 0 0,-1 0-1 0 0,1 0 0 0 0,-1 0 17 0 0,1-1-4 0 0,1 1 84 0 0,0 0-47 0 0,-1 1 0 0 0,0 0 0 0 0,0 0 0 0 0,0 0 0 0 0,0 0 0 0 0,0 0 0 0 0,0 0 0 0 0,1 0 0 0 0,-1 0 0 0 0,0 1 0 0 0,0-1 0 0 0,0 0-1 0 0,0 1 1 0 0,0-1 0 0 0,1 1-33 0 0,-6 6-111 0 0,-1 0-1 0 0,0 0 0 0 0,0-1 0 0 0,-1 1 0 0 0,0-1 1 0 0,0 0-1 0 0,0-1 0 0 0,-4 3 112 0 0,-12 12-256 0 0,-65 66-102 0 0,-14 6 358 0 0,49-40-64 0 0,-55 30 64 0 0,2-8-53 0 0,105-74 53 0 0,-2 1-3 0 0,0 1 0 0 0,-1-1 0 0 0,1 1 0 0 0,0 0 0 0 0,0-1 0 0 0,0 1 0 0 0,1 0 1 0 0,-1 1-1 0 0,0-1 0 0 0,1 0 0 0 0,0 0 0 0 0,-1 1 0 0 0,1-1 0 0 0,0 0 0 0 0,0 1 0 0 0,0-1 1 0 0,0 1-1 0 0,1 0 0 0 0,-1-1 0 0 0,1 1 0 0 0,-1 0 0 0 0,1 0 3 0 0,0 1-3 0 0,0-1 0 0 0,0 1 0 0 0,1 0 0 0 0,-1-1 0 0 0,1 1 0 0 0,0-1 0 0 0,-1 1 0 0 0,2-1 0 0 0,-1 0 0 0 0,0 1 0 0 0,1-1 0 0 0,-1 0 0 0 0,1 0 0 0 0,0 0 0 0 0,0 0 0 0 0,0 0 0 0 0,1-1 0 0 0,-1 1 0 0 0,1 0 0 0 0,-1-1 0 0 0,1 0 0 0 0,0 0 0 0 0,0 0 0 0 0,0 0 0 0 0,0 0 0 0 0,2 0 3 0 0,6 6 5 0 0,1-2-1 0 0,0 0 1 0 0,0 0 0 0 0,1-1 0 0 0,-1 0 0 0 0,8 0-5 0 0,23 2 208 0 0,0-1 0 0 0,0-3 1 0 0,0-2-1 0 0,27-2-208 0 0,-2 0 209 0 0,20 4-209 0 0,120 15-53 0 0,-187-14-6177 0 0</inkml:trace>
-</inkml:ink>
-</file>
-
-<file path=ppt/ink/ink2.xml><?xml version="1.0" encoding="utf-8"?>
-<inkml:ink xmlns:inkml="http://www.w3.org/2003/InkML">
-  <inkml:definitions>
-    <inkml:context xml:id="ctx0">
-      <inkml:inkSource xml:id="inkSrc0">
-        <inkml:traceFormat>
-          <inkml:channel name="X" type="integer" min="-2.14748E9" max="2.14748E9" units="cm"/>
-          <inkml:channel name="Y" type="integer" min="-2.14748E9" max="2.14748E9" units="cm"/>
-          <inkml:channel name="F" type="integer" max="32767" units="dev"/>
-          <inkml:channel name="OA" type="integer" max="360" units="deg"/>
-          <inkml:channel name="OE" type="integer" max="90" units="deg"/>
-        </inkml:traceFormat>
-        <inkml:channelProperties>
-          <inkml:channelProperty channel="X" name="resolution" value="1000" units="1/cm"/>
-          <inkml:channelProperty channel="Y" name="resolution" value="1000" units="1/cm"/>
-          <inkml:channelProperty channel="F" name="resolution" value="0" units="1/dev"/>
-          <inkml:channelProperty channel="OA" name="resolution" value="1000" units="1/deg"/>
-          <inkml:channelProperty channel="OE" name="resolution" value="1000" units="1/deg"/>
-        </inkml:channelProperties>
-      </inkml:inkSource>
-      <inkml:timestamp xml:id="ts0" timeString="2020-03-24T07:57:17.020"/>
-    </inkml:context>
-    <inkml:brush xml:id="br0">
-      <inkml:brushProperty name="width" value="0.05" units="cm"/>
-      <inkml:brushProperty name="height" value="0.05" units="cm"/>
-      <inkml:brushProperty name="color" value="#E71224"/>
-    </inkml:brush>
-  </inkml:definitions>
-  <inkml:trace contextRef="#ctx0" brushRef="#br0">270 270 3624 0 0,'-37'-15'165'0'0,"35"14"-153"0"0,1 1 0 0 0,-1-1 1 0 0,1 0-1 0 0,-1 0 0 0 0,1 0 0 0 0,-1 0 0 0 0,1 0 0 0 0,-1 0 0 0 0,1 0 1 0 0,0-1-1 0 0,0 1 0 0 0,0 0 0 0 0,0-1 0 0 0,0 1 0 0 0,0-1 0 0 0,-1 0-12 0 0,2 0 3 0 0,-1 1 0 0 0,0 0-1 0 0,1 0 1 0 0,-1-1-1 0 0,0 1 1 0 0,0 0-1 0 0,0 0 1 0 0,0 0-1 0 0,0 0 1 0 0,0 0-1 0 0,0 0 1 0 0,0 1-1 0 0,-1-1 1 0 0,1 0-1 0 0,0 1 1 0 0,0-1 0 0 0,-2 0-3 0 0,-53-22 1523 0 0,56 23-1515 0 0,0 0-1 0 0,-1 0 0 0 0,1 1 0 0 0,0-1 0 0 0,0 0 1 0 0,0 0-1 0 0,-1 0 0 0 0,1 0 0 0 0,0 0 0 0 0,0 0 0 0 0,-1 0 1 0 0,1 0-1 0 0,0 0 0 0 0,0 0 0 0 0,0 0 0 0 0,-1 0 0 0 0,1 0 1 0 0,0 0-1 0 0,0 0 0 0 0,0 0 0 0 0,-1-1 0 0 0,1 1 0 0 0,0 0 1 0 0,0 0-1 0 0,0 0 0 0 0,-1 0 0 0 0,1 0 0 0 0,0 0 1 0 0,0-1-1 0 0,0 1 0 0 0,0 0 0 0 0,-1 0 0 0 0,1 0 0 0 0,0 0 1 0 0,0-1-1 0 0,0 1 0 0 0,0 0 0 0 0,0 0 0 0 0,0 0 0 0 0,0-1 1 0 0,0 1-1 0 0,-1 0 0 0 0,1 0 0 0 0,0 0 0 0 0,0-1 0 0 0,0 1 1 0 0,0 0-1 0 0,0 0 0 0 0,0-1 0 0 0,0 1 0 0 0,0 0 1 0 0,0 0-1 0 0,1-1-7 0 0,-1 1 9 0 0,0 0 0 0 0,0 0 1 0 0,0 0-1 0 0,0 0 0 0 0,0-1 1 0 0,0 1-1 0 0,0 0 0 0 0,0 0 0 0 0,0 0 1 0 0,0-1-1 0 0,0 1 0 0 0,0 0 1 0 0,0 0-1 0 0,0 0 0 0 0,0 0 1 0 0,-1-1-1 0 0,1 1 0 0 0,0 0 0 0 0,0 0 1 0 0,0 0-1 0 0,0 0 0 0 0,0-1 1 0 0,0 1-1 0 0,0 0 0 0 0,0 0 1 0 0,-1 0-1 0 0,1 0 0 0 0,0 0 1 0 0,0 0-1 0 0,0-1 0 0 0,0 1 0 0 0,0 0 1 0 0,-1 0-1 0 0,1 0 0 0 0,0 0 1 0 0,0 0-1 0 0,0 0 0 0 0,0 0 1 0 0,-1 0-1 0 0,1 0 0 0 0,0 0 0 0 0,0 0 1 0 0,0 0-1 0 0,-1 0 0 0 0,1 0 1 0 0,0 0-1 0 0,0 0 0 0 0,0 0 1 0 0,0 0-1 0 0,-1 0 0 0 0,1 0 1 0 0,0 0-1 0 0,0 0 0 0 0,0 0-9 0 0,-6 0 141 0 0,5 0-98 0 0,0 0-1 0 0,0 0 1 0 0,0 0-1 0 0,0 0 1 0 0,0 0-1 0 0,0 0 0 0 0,0 0 1 0 0,0 0-1 0 0,0 0 1 0 0,0-1-1 0 0,0 1 1 0 0,0 0-1 0 0,0-1 1 0 0,0 1-1 0 0,0-1 0 0 0,0 1 1 0 0,0-1-1 0 0,0 1 1 0 0,0-1-1 0 0,1 0 1 0 0,-1 1-1 0 0,0-1 0 0 0,0 0 1 0 0,1 0-1 0 0,-1 1 1 0 0,0-1-1 0 0,1 0 1 0 0,-1 0-1 0 0,1 0 1 0 0,-1 0-1 0 0,1 0 0 0 0,0 0 1 0 0,-1 0-1 0 0,1 0 1 0 0,0 0-43 0 0,0 0 437 0 0,-14-9 725 0 0,-11-2 897 0 0,-13-1-276 0 0,28 7-1721 0 0,13 0-33 0 0,14-3 29 0 0,7 8-23 0 0,-1-1 0 0 0,0-2 0 0 0,0 0 0 0 0,-1-2 0 0 0,2 0-35 0 0,66-15 219 0 0,294-18 145 0 0,-283 30-275 0 0,41 4-89 0 0,-60 3 28 0 0,223-6 47 0 0,301 32-75 0 0,-364-2-6 0 0,346 40 140 0 0,-324-19-222 0 0,185 58 88 0 0,-446-100 0 0 0,97 26 0 0 0,-1 3 0 0 0,70 35 0 0 0,-56-12-45 0 0,21 18 45 0 0,-84-42-7 0 0,-2 3 1 0 0,-1 2 0 0 0,33 30 6 0 0,182 172 0 0 0,-232-203 0 0 0,-1 1 1 0 0,12 18-1 0 0,-14-16 9 0 0,-1 3 64 0 0,-2 0 0 0 0,-2 1-1 0 0,-1 2 1 0 0,8 26-73 0 0,-11-17 39 0 0,-2 2 1 0 0,-2 0-1 0 0,-1 12-39 0 0,-11-59-14 0 0,7 48 63 0 0,-1 1-1 0 0,-3 0 1 0 0,-3 0 0 0 0,-2 0-1 0 0,-2 0 1 0 0,-3 0 0 0 0,-2 0-1 0 0,-14 52-48 0 0,15-76 50 0 0,-2 0 0 0 0,-2-1 0 0 0,0 0-1 0 0,-2 0 1 0 0,-2-2 0 0 0,-13 24-50 0 0,-32 38 183 0 0,-4-4-1 0 0,-3-2 1 0 0,-4-3 0 0 0,-24 18-183 0 0,33-31 55 0 0,46-49-39 0 0,0-1 0 0 0,-2 0 0 0 0,0-2 0 0 0,-1 0 1 0 0,-10 7-17 0 0,-76 65 83 0 0,-56 21-17 0 0,-48 37-72 0 0,-145 142 70 0 0,187-153-10 0 0,138-111-48 0 0,-1-2 0 0 0,-12 6-6 0 0,16-12-1 0 0,0 1 1 0 0,2 2 0 0 0,0 0-1 0 0,0 3 1 0 0,-68 68 0 0 0,-20 9 0 0 0,17-16 0 0 0,-25 38 0 0 0,4 4 0 0 0,-48 76 0 0 0,114-139 0 0 0,-31 28 0 0 0,48-55 0 0 0,1 1 0 0 0,2 1 0 0 0,-11 19 0 0 0,1 8 0 0 0,-24 38 0 0 0,-1 15 0 0 0,-1-9 0 0 0,44-77 0 0 0,2 1 0 0 0,-14 31 0 0 0,22-32 0 0 0,-5 10 0 0 0,-57 102 0 0 0,28-44 0 0 0,34-66 0 0 0,-2 6 0 0 0,7-29-2 0 0,-21 31 28 0 0,2 2 0 0 0,2 0-1 0 0,-4 13-25 0 0,3-18 54 0 0,20-34-46 0 0,1 1-1 0 0,-1-1 0 0 0,1 1 1 0 0,0 0-1 0 0,1-1 1 0 0,-1 1-1 0 0,1 0 0 0 0,-1 4-7 0 0,-12 25 13 0 0,13-31-13 0 0,1-1 0 0 0,-1 1 0 0 0,1-1 0 0 0,0 1 0 0 0,-1-1 0 0 0,1 1 0 0 0,0 0 0 0 0,1 0 0 0 0,-1 0 0 0 0,1-1 0 0 0,-1 1 0 0 0,1 0 0 0 0,0 0 0 0 0,0 0 0 0 0,0 0 0 0 0,0 0 0 0 0,0 0 0 0 0,1-1-1 0 0,0 2 1 0 0,-1-2 1 0 0,0 0-1 0 0,1 1 1 0 0,-1-1-1 0 0,0 0 0 0 0,0 0 1 0 0,0 0-1 0 0,0 0 1 0 0,-1 0-1 0 0,1 1 0 0 0,0-1 1 0 0,-1 0-1 0 0,0 0 1 0 0,1 0-1 0 0,-1 0 0 0 0,0 0 1 0 0,0 0-1 0 0,0-1 1 0 0,-1 1-1 0 0,1 0 2 0 0,0 0 0 0 0,1-1 1 0 0,-1 1-1 0 0,0-1 1 0 0,0 1-1 0 0,1 0 0 0 0,-1 0 1 0 0,1-1-1 0 0,-1 1 0 0 0,1 0 1 0 0,0 0-1 0 0,0 0 0 0 0,-1-1 1 0 0,1 1-1 0 0,1 0 1 0 0,-1 0-1 0 0,0 0 0 0 0,0-1 1 0 0,1 1-1 0 0,-1 0 0 0 0,1 0 1 0 0,-1-1-1 0 0,1 1 1 0 0,0 0-4 0 0,0-1 1 0 0,-1 0 0 0 0,0 0 0 0 0,1 1 0 0 0,-1-1 0 0 0,0 0 0 0 0,0 0 0 0 0,1 0 0 0 0,-1 0 0 0 0,0 0 0 0 0,0 1 0 0 0,0-1 0 0 0,-1 0 0 0 0,1 0 0 0 0,0 0 0 0 0,0 0 0 0 0,0 0 0 0 0,-1 1 0 0 0,1-1 0 0 0,-1 0 0 0 0,1 0 0 0 0,-1 0 0 0 0,1 0 0 0 0,-1 0 0 0 0,0 0 0 0 0,0 0 0 0 0,1 0 0 0 0,-1 0 0 0 0,0 0 0 0 0,1 0 0 0 0,-1 0 0 0 0,1 1 0 0 0,-1-1 0 0 0,1 0 0 0 0,0 0 0 0 0,0 0 0 0 0,-1 0 0 0 0,1 1 0 0 0,0-1 0 0 0,0 0 0 0 0,0 0 0 0 0,0 0 0 0 0,0 1 0 0 0,1-1 0 0 0,-1 0 0 0 0,0 0 0 0 0,0 0 0 0 0,1 0 0 0 0,-1 1 0 0 0,0 1 0 0 0,0 0 0 0 0,-1 0 0 0 0,0 0-1 0 0,1 0 1 0 0,-1-1 0 0 0,0 1 0 0 0,-1 0-1 0 0,1 0 1 0 0,0-1 0 0 0,-1 1 0 0 0,1-1-1 0 0,-1 1 1 0 0,-9 19 57 0 0,10-19-46 0 0,0 0 1 0 0,0-1 0 0 0,-1 1-1 0 0,1 0 1 0 0,-1-1 0 0 0,1 1-1 0 0,-1-1 1 0 0,0 0-1 0 0,0 0 1 0 0,-1 2-12 0 0,-15 20 1350 0 0,1-7-777 0 0,16-16-572 0 0,0-1 1 0 0,1 1-1 0 0,-1-1 0 0 0,0 1 0 0 0,0 0 0 0 0,0-1 0 0 0,0 1 1 0 0,0 0-1 0 0,1 0 0 0 0,-1 0 0 0 0,0 0 0 0 0,1-1 0 0 0,-1 1 1 0 0,0 0-1 0 0,1 0 0 0 0,0 0 0 0 0,-1 0 0 0 0,1 0 1 0 0,-1 0-1 0 0,1 1 0 0 0,0-1 0 0 0,0 0 0 0 0,0 0 0 0 0,-1 0 1 0 0,1 0-1 0 0,0 0 0 0 0,0 0 0 0 0,1 0 0 0 0,-1 0 0 0 0,0 1-1 0 0,0-1 0 0 0,0 0 0 0 0,1 0 0 0 0,-1 0-1 0 0,0 0 1 0 0,0 0 0 0 0,0 1 0 0 0,-1-1-1 0 0,1 0 1 0 0,0 0 0 0 0,0 0-1 0 0,-1 0 1 0 0,1 0 0 0 0,0 0 0 0 0,-1 0-1 0 0,1 0 1 0 0,-1 0 0 0 0,1 0 0 0 0,-1 0-1 0 0,1-1 1 0 0,-1 1 0 0 0,0 0-1 0 0,0 0 1 0 0,1 0 0 0 0,-1-1 0 0 0,-1 1 0 0 0,1 1 8 0 0,-1-1 0 0 0,1 1 0 0 0,0-1 0 0 0,-1 1 0 0 0,1 0 0 0 0,0-1 0 0 0,0 1 0 0 0,0 0 0 0 0,0 0 0 0 0,0 0 0 0 0,1 0 1 0 0,-1 0-1 0 0,1 0 0 0 0,-1 0 0 0 0,1 0 0 0 0,-1 0 0 0 0,1 0 0 0 0,0 0 0 0 0,0 0-8 0 0,0-1-10 0 0,0-1 1 0 0,0 1-1 0 0,0 0 0 0 0,1-1 1 0 0,-1 1-1 0 0,0-1 0 0 0,0 1 1 0 0,0-1-1 0 0,1 1 0 0 0,-1-1 1 0 0,0 1-1 0 0,0-1 0 0 0,1 0 1 0 0,-1 1-1 0 0,0-1 0 0 0,1 1 1 0 0,-1-1-1 0 0,1 0 0 0 0,-1 1 1 0 0,0-1-1 0 0,1 0 0 0 0,-1 1 1 0 0,1-1-1 0 0,-1 0 0 0 0,1 0 1 0 0,-1 1-1 0 0,1-1 0 0 0,-1 0 1 0 0,1 0-1 0 0,-1 0 0 0 0,1 0 10 0 0,5 5-339 0 0,-12 6 38 0 0,5-9 284 0 0,0-1-1 0 0,-1 1 0 0 0,1 0 1 0 0,-1-1-1 0 0,1 1 1 0 0,-1-1-1 0 0,1 0 1 0 0,-1 0-1 0 0,0 1 1 0 0,0-1-1 0 0,0 0 1 0 0,1-1-1 0 0,-1 1 0 0 0,0 0 1 0 0,0 0-1 0 0,0-1 1 0 0,0 1-1 0 0,0-1 1 0 0,-2 0 17 0 0,12 0 26 0 0,-7 1-7 0 0,0-1 0 0 0,0 0-1 0 0,0-1 1 0 0,0 1 0 0 0,0 0-1 0 0,0 0 1 0 0,0 0 0 0 0,0-1-1 0 0,0 1 1 0 0,0 0 0 0 0,0-1-1 0 0,0 1 1 0 0,0-1 0 0 0,0 1-1 0 0,0-1 1 0 0,0 0 0 0 0,0 1-1 0 0,0-1 1 0 0,-1 0 0 0 0,1 1-1 0 0,0-1 1 0 0,-1 0 0 0 0,1 0-1 0 0,0 0 1 0 0,-1 0 0 0 0,1 0-1 0 0,-1 0 1 0 0,1 0 0 0 0,-1 0-1 0 0,0 0 1 0 0,1 0 0 0 0,-1 0-1 0 0,0 0 1 0 0,0 0 0 0 0,0 0-1 0 0,0 0 1 0 0,0 0-19 0 0,-4-49 398 0 0,0 18-99 0 0,5 27-254 0 0,0 0-1 0 0,-1 1 0 0 0,1-1 0 0 0,-1 0 0 0 0,0 0 0 0 0,-1 0 0 0 0,1 0 0 0 0,-1 1 0 0 0,0-1 1 0 0,0 0-1 0 0,-1 1 0 0 0,0-4-44 0 0,1 6 26 0 0,0 0 1 0 0,1-1-1 0 0,0 1 0 0 0,-1-1 1 0 0,1 1-1 0 0,0 0 1 0 0,0-1-1 0 0,0 1 1 0 0,1-1-1 0 0,-1 1 0 0 0,1-1 1 0 0,-1 1-1 0 0,1 0 1 0 0,0-1-1 0 0,0-1-26 0 0,5-23 189 0 0,-11-61 136 0 0,6 62-276 0 0,-1 1 0 0 0,-1-1 0 0 0,-3-7-49 0 0,2 5 13 0 0,2 23-13 0 0,0 0 0 0 0,0 0 0 0 0,1 0 0 0 0,-1 0 0 0 0,1 0 0 0 0,0 0 0 0 0,1 0 0 0 0,-1 1 0 0 0,1-1 0 0 0,1-1 0 0 0,-1 2 0 0 0,-1-1 0 0 0,1 1 0 0 0,-1 0 0 0 0,0-1 0 0 0,0 1 0 0 0,0-1 0 0 0,0 1 0 0 0,-1-1 0 0 0,0 0 0 0 0,0 1 0 0 0,0-2 0 0 0,0 4 0 0 0,-2-10-2 0 0,0 0 0 0 0,1-1-1 0 0,1 1 1 0 0,0 0 0 0 0,1 0 0 0 0,0-1-1 0 0,3-9 3 0 0,-3 12-30 0 0,0-1-1 0 0,0 0 1 0 0,-1 0 0 0 0,-1 0-1 0 0,-1-9 31 0 0,0 7-54 0 0,1 0 0 0 0,1 1-1 0 0,0-1 1 0 0,2-11 54 0 0,-1 15-53 0 0,-1-1-1 0 0,0 1 1 0 0,0-1-1 0 0,-1 1 1 0 0,-2-8 53 0 0,-1-25-204 0 0,4 40 187 0 0,1-1-1 0 0,-1 1 1 0 0,1 0-1 0 0,-1-1 0 0 0,1 1 1 0 0,0-1-1 0 0,0 1 1 0 0,0 0-1 0 0,0 0 0 0 0,0 0 1 0 0,0-1-1 0 0,2-1 18 0 0,9-22-325 0 0,-12 25 308 0 0,0 1-1 0 0,-1 0 0 0 0,1 0 1 0 0,0 0-1 0 0,0 0 1 0 0,0-1-1 0 0,-1 1 0 0 0,1 0 1 0 0,0 0-1 0 0,0 0 0 0 0,0 0 1 0 0,-1 0-1 0 0,1 0 0 0 0,0 0 1 0 0,0 0-1 0 0,-1 0 1 0 0,1-1-1 0 0,0 1 0 0 0,0 0 1 0 0,-1 0-1 0 0,1 0 0 0 0,0 0 1 0 0,0 0-1 0 0,-1 0 0 0 0,1 1 1 0 0,0-1-1 0 0,0 0 0 0 0,0 0 1 0 0,-1 0-1 0 0,1 0 1 0 0,0 0-1 0 0,0 0 0 0 0,-1 0 1 0 0,1 0-1 0 0,0 1 0 0 0,0-1 1 0 0,0 0-1 0 0,0 0 0 0 0,-1 0 18 0 0,6 20-105 0 0,-1 1 0 0 0,0-1-1 0 0,-2 1 1 0 0,-1 0 0 0 0,0-1-1 0 0,-2 18 106 0 0,4 20-148 0 0,-2-52 134 0 0,0 0 0 0 0,0 0 0 0 0,-1 1-1 0 0,1-1 1 0 0,-1 0 0 0 0,-1 0 0 0 0,1 0 0 0 0,-1 0 0 0 0,0 1 0 0 0,-1-1-1 0 0,0 3 15 0 0,0-3-5 0 0,1 0 0 0 0,0 0-1 0 0,0 1 1 0 0,0-1-1 0 0,1 1 1 0 0,0-1 0 0 0,1 0-1 0 0,-1 1 1 0 0,1-1-1 0 0,0 0 1 0 0,1 1-1 0 0,0-1 1 0 0,0 0 0 0 0,1 3 5 0 0,0-2 0 0 0,-1 1 0 0 0,0 0 1 0 0,0 1-1 0 0,-1-1 1 0 0,0 0-1 0 0,0 0 1 0 0,-1 1-1 0 0,0-1 0 0 0,0 3 0 0 0,-2-2 0 0 0,0 0 0 0 0,1 0 0 0 0,0 0 0 0 0,1 0 0 0 0,0 0 0 0 0,1 0 0 0 0,-1 0 0 0 0,2 0 0 0 0,-1 0 0 0 0,1 0 0 0 0,3 6 0 0 0,-2-7-9 0 0,-1 0-1 0 0,0 1 0 0 0,-1-1 0 0 0,1 1 0 0 0,-1 4 10 0 0,-1-6-26 0 0,1 0 0 0 0,0-1 0 0 0,0 1 1 0 0,0-1-1 0 0,1 0 0 0 0,0 1 0 0 0,1-1 0 0 0,1 5 26 0 0,15 43-17 0 0,-18-46 48 0 0,1-1 0 0 0,0-1 0 0 0,0 1 1 0 0,1 0-1 0 0,0 0 0 0 0,0-1 0 0 0,0 1 0 0 0,2 1-31 0 0,-4-7 2 0 0,1 1-1 0 0,0-1-1 0 0,-1 1 1 0 0,1 0-1 0 0,-1 0 1 0 0,0 0 0 0 0,1 0-1 0 0,-1 0 1 0 0,0 0-1 0 0,0 0 1 0 0,0 0 0 0 0,-1 0-1 0 0,1 0 1 0 0,0 1-1 0 0,-1-1 1 0 0,1 0 0 0 0,-1 0-1 0 0,0 1 1 0 0,0-1-1 0 0,0 0 1 0 0,0 1 0 0 0,0-1-1 0 0,0 0 1 0 0,-1 1-1 0 0,0 0 0 0 0,1-1 2 0 0,0 0-1 0 0,0-1 1 0 0,0 1-1 0 0,0 0 1 0 0,0 0-1 0 0,0-1 1 0 0,0 1-1 0 0,1 0 1 0 0,-1 0-1 0 0,1-1 1 0 0,-1 1-1 0 0,1 0 1 0 0,0-1-1 0 0,0 1 0 0 0,-1 0 1 0 0,1-1-1 0 0,0 1 1 0 0,0-1-1 0 0,1 0 1 0 0,-1 1-2 0 0,0-2 22 0 0,0 1 1 0 0,0-1-1 0 0,-1 1 1 0 0,1-1-1 0 0,0 0 1 0 0,0 0-1 0 0,0 1 1 0 0,0-1-1 0 0,0 0 1 0 0,0 0-1 0 0,0 0 0 0 0,0 0 1 0 0,0 0-1 0 0,0 0 1 0 0,0 0-1 0 0,0 0 1 0 0,0-1-1 0 0,0 1 1 0 0,0 0-1 0 0,0 0 1 0 0,0-1-1 0 0,0 1 1 0 0,0-1-1 0 0,-1 1 1 0 0,1-1-1 0 0,0 1 1 0 0,0-1-23 0 0,20-26 1058 0 0,-13 16-854 0 0,24-53 950 0 0,-1 0-521 0 0,-10 33-396 0 0,118-171 243 0 0,-108 162-579 0 0,2 1-1 0 0,2 1 0 0 0,32-25 100 0 0,-24 24-218 0 0,-11 10-404 0 0,0 1 0 0 0,2 2 0 0 0,1 0 1 0 0,1 3-1 0 0,1 1 0 0 0,16-5 622 0 0,24-8-1364 0 0,-10 0-10 0 0</inkml:trace>
+  <inkml:trace contextRef="#ctx0" brushRef="#br0">1 1126 3224 0 0,'3'-1'240'0'0,"-1"1"-218"0"0,0-1 14 0 0,1 0 1 0 0,-1 0-1 0 0,1 0 1 0 0,-1 0-1 0 0,0 0 1 0 0,0 0-1 0 0,1-1 1 0 0,-1 1-1 0 0,0-1 1 0 0,0 0-1 0 0,0 1 1 0 0,0-1-1 0 0,-1 0 1 0 0,1 0-1 0 0,0 0 1 0 0,1-3 0 0 0,-1 2 63 0 0,1 0 1 0 0,-1 1 0 0 0,1 0-1 0 0,0-1 1 0 0,0 1 0 0 0,0 0 0 0 0,0 0-1 0 0,0 0 1 0 0,0 1 0 0 0,0-1-1 0 0,1 1 1 0 0,4-1 0 0 0,14-8 529 0 0,-21 9-605 0 0,23-12 701 0 0,1 1-1 0 0,45-16 1 0 0,-36 16-498 0 0,-26 8-161 0 0,1 0 0 0 0,0 1 0 0 0,14-3 0 0 0,-8 4-19 0 0,-5 1-4 0 0,0-1 0 0 0,1 0 0 0 0,-1-1 0 0 0,0 0 0 0 0,18-8 0 0 0,-15 5-5 0 0,1 0 1 0 0,22-6-1 0 0,-20 7-19 0 0,0 0 0 0 0,16-9 0 0 0,31-14 103 0 0,-41 20-53 0 0,0-2-1 0 0,-1-1 1 0 0,24-15 0 0 0,-20 11 7 0 0,2 0 0 0 0,0 1 1 0 0,40-13-1 0 0,7-4 243 0 0,105-34 687 0 0,-109 42-607 0 0,103-26 372 0 0,-164 47-734 0 0,76-15 236 0 0,-47 10-91 0 0,47-14 0 0 0,282-69 89 0 0,-227 61-226 0 0,-20 0-28 0 0,102-20 28 0 0,54-2-46 0 0,65-10 0 0 0,-80 12 99 0 0,82-11 92 0 0,-163 36 12 0 0,95-11 101 0 0,-248 33-290 0 0,443-26 217 0 0,-298 17-172 0 0,56 0 8 0 0,-89 7-67 0 0,59 2 0 0 0,310 31 232 0 0,37 0 229 0 0,250 43 74 0 0,-612-54-462 0 0,326 47 122 0 0,-425-57-195 0 0,193 26 10 0 0,-105-13 43 0 0,5 0 1 0 0,146 28 111 0 0,-117-14 10 0 0,-23-4 63 0 0,203 44 274 0 0,-234-38-303 0 0,98 28 54 0 0,193 90 127 0 0,-261-85-286 0 0,-63-26-13 0 0,44 20 31 0 0,-27-10-109 0 0,-59-25-2 0 0,77 31 53 0 0,-18-15-11 0 0,-17-7 1 0 0,-119-38-54 0 0,68 27 69 0 0,80 44 0 0 0,-8 3 15 0 0,-82-40-28 0 0,-15-10-2 0 0,-1 2-1 0 0,44 35 0 0 0,11 4 74 0 0,-60-37-86 0 0,-2 1-1 0 0,-1 3 1 0 0,-1 0 0 0 0,-2 2-1 0 0,35 50 1 0 0,-6-8 75 0 0,-24-33-64 0 0,-21-24-14 0 0,9 11 25 0 0,0 2 1 0 0,19 36 0 0 0,12 20 8 0 0,31 48 66 0 0,33 37 152 0 0,-19-45-42 0 0,-53-62-162 0 0,7 9 60 0 0,-7-16-92 0 0,10 3-33 0 0,-57-62-21 0 0,7 7 11 0 0,0 1-1 0 0,0-1 1 0 0,0 1 0 0 0,-1 1-1 0 0,10 16 1 0 0,-7-7 13 0 0,0-1 0 0 0,22 29 1 0 0,2 5 19 0 0,-9-11-35 0 0,20 38 36 0 0,-24-38-18 0 0,-7-14 10 0 0,-1 1 0 0 0,11 36 0 0 0,-14-38-1 0 0,1-1-1 0 0,16 28 1 0 0,-12-23 7 0 0,12 30-1 0 0,7 19 44 0 0,-11-30-44 0 0,37 118 234 0 0,-44-118-360 0 0,-10-32 85 0 0,0-1 0 0 0,1 1-1 0 0,11 21 1 0 0,-10-22 29 0 0,0 1-1 0 0,9 29 1 0 0,6 15-10 0 0,11 12-20 0 0,-26-56 62 0 0,-1-1 0 0 0,6 20 0 0 0,-2-5-20 0 0,-6-17-72 0 0,-1-1 0 0 0,2 22 0 0 0,-3-21 5 0 0,0 0 1 0 0,7 21-1 0 0,-5-24 38 0 0,-1 0-1 0 0,-1 0 1 0 0,0 0-1 0 0,0 0 1 0 0,0 11-1 0 0,-2-18-5 0 0,0 1 1 0 0,0-1-1 0 0,0 0 1 0 0,0 0-1 0 0,1 0 0 0 0,-1 1 1 0 0,1-1-1 0 0,0 0 1 0 0,0 0-1 0 0,2 4 0 0 0,1 7 25 0 0,3 34 40 0 0,1 13 12 0 0,-6-47-60 0 0,-1 0-1 0 0,0 25 1 0 0,-1-23-2 0 0,0-1 0 0 0,3 19-1 0 0,5 28 36 0 0,-2 120 0 0 0,-6-171-53 0 0,5 23 3 0 0,-3-26 7 0 0,0-1 0 0 0,-1 1 1 0 0,1 14-1 0 0,7 24-4 0 0,3 3-10 0 0,-7-40 16 0 0,-4-6-10 0 0,1-1-1 0 0,-1 1 0 0 0,0 0 1 0 0,0 0-1 0 0,0 0 0 0 0,0 0 1 0 0,-1 0-1 0 0,1 0 0 0 0,-1 0 1 0 0,1 5-1 0 0,3 4 27 0 0,-2-9-29 0 0,-1-1-1 0 0,0 0 1 0 0,0 1-1 0 0,-1-1 0 0 0,1 1 1 0 0,0-1-1 0 0,-1 1 1 0 0,0-1-1 0 0,1 1 1 0 0,-1 0-1 0 0,0-1 1 0 0,-1 4-1 0 0,3 17 23 0 0,1-19-4 0 0,0-1-14 0 0,5 27 57 0 0,-6-21-64 0 0,0 0 0 0 0,0 0 0 0 0,1 0 0 0 0,5 12 0 0 0,-7-19 0 0 0,0 2 0 0 0,1 0 0 0 0,-1 0 0 0 0,0 0 0 0 0,-1 0 0 0 0,1 0 0 0 0,-1-1 0 0 0,1 9 0 0 0,-2-6 11 0 0,2-1 32 0 0,4 2-22 0 0,-2-2 22 0 0,2 9-33 0 0,-4 0 1 0 0,-1 7 39 0 0,2-18-47 0 0,-1-2 0 0 0,-1 0-1 0 0,1 0 1 0 0,0-1 0 0 0,-1 1 0 0 0,1 0 0 0 0,-1 0 0 0 0,0 0-1 0 0,1-1 1 0 0,-1 1 0 0 0,0 0 0 0 0,1 0 0 0 0,-1 0 0 0 0,0 0-1 0 0,0 0 1 0 0,0 0 0 0 0,0 0 0 0 0,0 0 0 0 0,0 1 0 0 0,3 13 18 0 0,-2-11 22 0 0,0 5-33 0 0,4 3-10 0 0,-3-2 11 0 0,-2-5 32 0 0,1 9-33 0 0,4-1-10 0 0,-4 0 0 0 0,-1 1 11 0 0,0-9 32 0 0,0 10-32 0 0,0-13-11 0 0,4 14-1 0 0,-3-4 1 0 0,-1 30 1095 0 0,-21-58-766 0 0,3 4-233 0 0,16 11-85 0 0,0 0 0 0 0,0 0 0 0 0,0 0 0 0 0,0-1 1 0 0,0 1-1 0 0,0-1 0 0 0,0 1 0 0 0,-2-3 0 0 0,-84-114 397 0 0,53 75-395 0 0,25 32-11 0 0,1 0 1 0 0,0-1-1 0 0,-8-13 1 0 0,-43-82-110 0 0,-30-66 64 0 0,45 89 222 0 0,-27-34-163 0 0,37 63-16 0 0,21 31 0 0 0,-18-22 0 0 0,-28-20-22 0 0,59 65-86 0 0,0 4-291 0 0,0 3 376 0 0,0 1 0 0 0,0-1 0 0 0,1 0 0 0 0,0 1 0 0 0,0-1 0 0 0,1 0 0 0 0,-1 0 0 0 0,1 0 0 0 0,1 1 0 0 0,1 5 0 0 0,3 4-34 0 0,0 1 0 0 0,13 22 0 0 0,-1-7 3 0 0,2 0 0 0 0,32 39 0 0 0,55 52-4 0 0,-24-29 2 0 0,-51-57 101 0 0,39 50-139 0 0,-45-55 32 0 0,3-1 0 0 0,41 38 0 0 0,-62-62 62 0 0,-5-4 1 0 0,0 0 0 0 0,1-1 0 0 0,-1 1 0 0 0,1-1 0 0 0,0 1 0 0 0,0-1 0 0 0,0 0 0 0 0,0-1 0 0 0,0 1 0 0 0,0-1 0 0 0,6 2 0 0 0,-7-3 59 0 0,8 0 72 0 0,-2-4-120 0 0,-8 3-12 0 0,0 1 0 0 0,0 0 0 0 0,0-1 1 0 0,0 1-1 0 0,0 0 0 0 0,0-1 0 0 0,0 1 0 0 0,0-1 0 0 0,0 0 0 0 0,-1 1 0 0 0,1-1 0 0 0,0 1 0 0 0,0-1 0 0 0,-1 0 0 0 0,1 0 0 0 0,0 0 0 0 0,-1 1 0 0 0,1-1 0 0 0,-1 0 1 0 0,1 0-1 0 0,-1 0 0 0 0,0 0 0 0 0,1 0 0 0 0,-1 0 0 0 0,0 0 0 0 0,1 0 0 0 0,-1-2 0 0 0,0-1 22 0 0,9-19 139 0 0,68-184 936 0 0,-53 150-890 0 0,50-83 0 0 0,22-4-68 0 0,-59 90-86 0 0,208-240-2 0 0,-142 178-2040 0 0,-44 50-6704 0 0</inkml:trace>
 </inkml:ink>
 </file>
 
@@ -338,7 +302,7 @@
           <a:p>
             <a:fld id="{E753CC8B-2C22-4294-82AF-E18635F6C8A8}" type="datetimeFigureOut">
               <a:rPr lang="en-US" smtClean="0"/>
-              <a:t>3/24/2020</a:t>
+              <a:t>4/20/2021</a:t>
             </a:fld>
             <a:endParaRPr lang="en-US"/>
           </a:p>
@@ -1043,7 +1007,7 @@
           <a:p>
             <a:fld id="{F41A18DF-4A92-427C-AD9F-04E22FE0E9C0}" type="slidenum">
               <a:rPr lang="en-US" smtClean="0"/>
-              <a:t>11</a:t>
+              <a:t>9</a:t>
             </a:fld>
             <a:endParaRPr lang="en-US"/>
           </a:p>
@@ -1127,7 +1091,7 @@
           <a:p>
             <a:fld id="{F41A18DF-4A92-427C-AD9F-04E22FE0E9C0}" type="slidenum">
               <a:rPr lang="en-US" smtClean="0"/>
-              <a:t>13</a:t>
+              <a:t>11</a:t>
             </a:fld>
             <a:endParaRPr lang="en-US"/>
           </a:p>
@@ -1190,6 +1154,76 @@
           <a:bodyPr/>
           <a:lstStyle/>
           <a:p>
+            <a:r>
+              <a:rPr lang="en-GB" b="0" i="0" dirty="0">
+                <a:solidFill>
+                  <a:srgbClr val="000000"/>
+                </a:solidFill>
+                <a:effectLst/>
+                <a:latin typeface="Open Sans"/>
+              </a:rPr>
+              <a:t>The first argument is the </a:t>
+            </a:r>
+            <a:r>
+              <a:rPr lang="en-GB" b="0" i="1" dirty="0">
+                <a:solidFill>
+                  <a:srgbClr val="000000"/>
+                </a:solidFill>
+                <a:effectLst/>
+                <a:latin typeface="Open Sans"/>
+              </a:rPr>
+              <a:t>singular</a:t>
+            </a:r>
+            <a:r>
+              <a:rPr lang="en-GB" b="0" i="0" dirty="0">
+                <a:solidFill>
+                  <a:srgbClr val="000000"/>
+                </a:solidFill>
+                <a:effectLst/>
+                <a:latin typeface="Open Sans"/>
+              </a:rPr>
+              <a:t> name of the collection your model is for. </a:t>
+            </a:r>
+            <a:r>
+              <a:rPr lang="en-GB" b="1" i="0" dirty="0">
+                <a:solidFill>
+                  <a:srgbClr val="000000"/>
+                </a:solidFill>
+                <a:effectLst/>
+                <a:latin typeface="Open Sans"/>
+              </a:rPr>
+              <a:t>Mongoose automatically looks for the plural, lowercased version of your model name.</a:t>
+            </a:r>
+            <a:r>
+              <a:rPr lang="en-GB" b="0" i="0" dirty="0">
+                <a:solidFill>
+                  <a:srgbClr val="000000"/>
+                </a:solidFill>
+                <a:effectLst/>
+                <a:latin typeface="Open Sans"/>
+              </a:rPr>
+              <a:t> Thus, for the example above, the model User is for the </a:t>
+            </a:r>
+            <a:r>
+              <a:rPr lang="en-GB" b="1" i="0" dirty="0">
+                <a:solidFill>
+                  <a:srgbClr val="000000"/>
+                </a:solidFill>
+                <a:effectLst/>
+                <a:latin typeface="Open Sans"/>
+              </a:rPr>
+              <a:t>users</a:t>
+            </a:r>
+            <a:r>
+              <a:rPr lang="en-GB" b="0" i="0" dirty="0">
+                <a:solidFill>
+                  <a:srgbClr val="000000"/>
+                </a:solidFill>
+                <a:effectLst/>
+                <a:latin typeface="Open Sans"/>
+              </a:rPr>
+              <a:t> collection in the database.</a:t>
+            </a:r>
             <a:endParaRPr lang="en-IE" dirty="0"/>
           </a:p>
         </p:txBody>
@@ -1211,7 +1245,7 @@
           <a:p>
             <a:fld id="{F41A18DF-4A92-427C-AD9F-04E22FE0E9C0}" type="slidenum">
               <a:rPr lang="en-US" smtClean="0"/>
-              <a:t>25</a:t>
+              <a:t>18</a:t>
             </a:fld>
             <a:endParaRPr lang="en-US"/>
           </a:p>
@@ -1220,7 +1254,7 @@
     </p:spTree>
     <p:extLst>
       <p:ext uri="{BB962C8B-B14F-4D97-AF65-F5344CB8AC3E}">
-        <p14:creationId xmlns:p14="http://schemas.microsoft.com/office/powerpoint/2010/main" val="363450933"/>
+        <p14:creationId xmlns:p14="http://schemas.microsoft.com/office/powerpoint/2010/main" val="427153702"/>
       </p:ext>
     </p:extLst>
   </p:cSld>
@@ -1295,7 +1329,175 @@
           <a:p>
             <a:fld id="{F41A18DF-4A92-427C-AD9F-04E22FE0E9C0}" type="slidenum">
               <a:rPr lang="en-US" smtClean="0"/>
-              <a:t>36</a:t>
+              <a:t>21</a:t>
+            </a:fld>
+            <a:endParaRPr lang="en-US"/>
+          </a:p>
+        </p:txBody>
+      </p:sp>
+    </p:spTree>
+    <p:extLst>
+      <p:ext uri="{BB962C8B-B14F-4D97-AF65-F5344CB8AC3E}">
+        <p14:creationId xmlns:p14="http://schemas.microsoft.com/office/powerpoint/2010/main" val="1503287198"/>
+      </p:ext>
+    </p:extLst>
+  </p:cSld>
+  <p:clrMapOvr>
+    <a:masterClrMapping/>
+  </p:clrMapOvr>
+</p:notes>
+</file>
+
+<file path=ppt/notesSlides/notesSlide8.xml><?xml version="1.0" encoding="utf-8"?>
+<p:notes xmlns:a="http://schemas.openxmlformats.org/drawingml/2006/main" xmlns:r="http://schemas.openxmlformats.org/officeDocument/2006/relationships" xmlns:p="http://schemas.openxmlformats.org/presentationml/2006/main">
+  <p:cSld>
+    <p:spTree>
+      <p:nvGrpSpPr>
+        <p:cNvPr id="1" name=""/>
+        <p:cNvGrpSpPr/>
+        <p:nvPr/>
+      </p:nvGrpSpPr>
+      <p:grpSpPr>
+        <a:xfrm>
+          <a:off x="0" y="0"/>
+          <a:ext cx="0" cy="0"/>
+          <a:chOff x="0" y="0"/>
+          <a:chExt cx="0" cy="0"/>
+        </a:xfrm>
+      </p:grpSpPr>
+      <p:sp>
+        <p:nvSpPr>
+          <p:cNvPr id="2" name="Slide Image Placeholder 1"/>
+          <p:cNvSpPr>
+            <a:spLocks noGrp="1" noRot="1" noChangeAspect="1"/>
+          </p:cNvSpPr>
+          <p:nvPr>
+            <p:ph type="sldImg"/>
+          </p:nvPr>
+        </p:nvSpPr>
+        <p:spPr/>
+      </p:sp>
+      <p:sp>
+        <p:nvSpPr>
+          <p:cNvPr id="3" name="Notes Placeholder 2"/>
+          <p:cNvSpPr>
+            <a:spLocks noGrp="1"/>
+          </p:cNvSpPr>
+          <p:nvPr>
+            <p:ph type="body" idx="1"/>
+          </p:nvPr>
+        </p:nvSpPr>
+        <p:spPr/>
+        <p:txBody>
+          <a:bodyPr/>
+          <a:lstStyle/>
+          <a:p>
+            <a:endParaRPr lang="en-IE" dirty="0"/>
+          </a:p>
+        </p:txBody>
+      </p:sp>
+      <p:sp>
+        <p:nvSpPr>
+          <p:cNvPr id="4" name="Slide Number Placeholder 3"/>
+          <p:cNvSpPr>
+            <a:spLocks noGrp="1"/>
+          </p:cNvSpPr>
+          <p:nvPr>
+            <p:ph type="sldNum" sz="quarter" idx="5"/>
+          </p:nvPr>
+        </p:nvSpPr>
+        <p:spPr/>
+        <p:txBody>
+          <a:bodyPr/>
+          <a:lstStyle/>
+          <a:p>
+            <a:fld id="{F41A18DF-4A92-427C-AD9F-04E22FE0E9C0}" type="slidenum">
+              <a:rPr lang="en-US" smtClean="0"/>
+              <a:t>22</a:t>
+            </a:fld>
+            <a:endParaRPr lang="en-US"/>
+          </a:p>
+        </p:txBody>
+      </p:sp>
+    </p:spTree>
+    <p:extLst>
+      <p:ext uri="{BB962C8B-B14F-4D97-AF65-F5344CB8AC3E}">
+        <p14:creationId xmlns:p14="http://schemas.microsoft.com/office/powerpoint/2010/main" val="363450933"/>
+      </p:ext>
+    </p:extLst>
+  </p:cSld>
+  <p:clrMapOvr>
+    <a:masterClrMapping/>
+  </p:clrMapOvr>
+</p:notes>
+</file>
+
+<file path=ppt/notesSlides/notesSlide9.xml><?xml version="1.0" encoding="utf-8"?>
+<p:notes xmlns:a="http://schemas.openxmlformats.org/drawingml/2006/main" xmlns:r="http://schemas.openxmlformats.org/officeDocument/2006/relationships" xmlns:p="http://schemas.openxmlformats.org/presentationml/2006/main">
+  <p:cSld>
+    <p:spTree>
+      <p:nvGrpSpPr>
+        <p:cNvPr id="1" name=""/>
+        <p:cNvGrpSpPr/>
+        <p:nvPr/>
+      </p:nvGrpSpPr>
+      <p:grpSpPr>
+        <a:xfrm>
+          <a:off x="0" y="0"/>
+          <a:ext cx="0" cy="0"/>
+          <a:chOff x="0" y="0"/>
+          <a:chExt cx="0" cy="0"/>
+        </a:xfrm>
+      </p:grpSpPr>
+      <p:sp>
+        <p:nvSpPr>
+          <p:cNvPr id="2" name="Slide Image Placeholder 1"/>
+          <p:cNvSpPr>
+            <a:spLocks noGrp="1" noRot="1" noChangeAspect="1"/>
+          </p:cNvSpPr>
+          <p:nvPr>
+            <p:ph type="sldImg"/>
+          </p:nvPr>
+        </p:nvSpPr>
+        <p:spPr/>
+      </p:sp>
+      <p:sp>
+        <p:nvSpPr>
+          <p:cNvPr id="3" name="Notes Placeholder 2"/>
+          <p:cNvSpPr>
+            <a:spLocks noGrp="1"/>
+          </p:cNvSpPr>
+          <p:nvPr>
+            <p:ph type="body" idx="1"/>
+          </p:nvPr>
+        </p:nvSpPr>
+        <p:spPr/>
+        <p:txBody>
+          <a:bodyPr/>
+          <a:lstStyle/>
+          <a:p>
+            <a:endParaRPr lang="en-IE" dirty="0"/>
+          </a:p>
+        </p:txBody>
+      </p:sp>
+      <p:sp>
+        <p:nvSpPr>
+          <p:cNvPr id="4" name="Slide Number Placeholder 3"/>
+          <p:cNvSpPr>
+            <a:spLocks noGrp="1"/>
+          </p:cNvSpPr>
+          <p:nvPr>
+            <p:ph type="sldNum" sz="quarter" idx="5"/>
+          </p:nvPr>
+        </p:nvSpPr>
+        <p:spPr/>
+        <p:txBody>
+          <a:bodyPr/>
+          <a:lstStyle/>
+          <a:p>
+            <a:fld id="{F41A18DF-4A92-427C-AD9F-04E22FE0E9C0}" type="slidenum">
+              <a:rPr lang="en-US" smtClean="0"/>
+              <a:t>32</a:t>
             </a:fld>
             <a:endParaRPr lang="en-US"/>
           </a:p>
@@ -1493,7 +1695,7 @@
           <a:p>
             <a:fld id="{B9A3E4E1-EAAE-4738-8551-BAE8BA49A08B}" type="datetimeFigureOut">
               <a:rPr lang="en-US" smtClean="0"/>
-              <a:t>3/24/2020</a:t>
+              <a:t>4/20/2021</a:t>
             </a:fld>
             <a:endParaRPr lang="en-US"/>
           </a:p>
@@ -1661,7 +1863,7 @@
           <a:p>
             <a:fld id="{B9A3E4E1-EAAE-4738-8551-BAE8BA49A08B}" type="datetimeFigureOut">
               <a:rPr lang="en-US" smtClean="0"/>
-              <a:t>3/24/2020</a:t>
+              <a:t>4/20/2021</a:t>
             </a:fld>
             <a:endParaRPr lang="en-US"/>
           </a:p>
@@ -1839,7 +2041,7 @@
           <a:p>
             <a:fld id="{B9A3E4E1-EAAE-4738-8551-BAE8BA49A08B}" type="datetimeFigureOut">
               <a:rPr lang="en-US" smtClean="0"/>
-              <a:t>3/24/2020</a:t>
+              <a:t>4/20/2021</a:t>
             </a:fld>
             <a:endParaRPr lang="en-US"/>
           </a:p>
@@ -2007,7 +2209,7 @@
           <a:p>
             <a:fld id="{B9A3E4E1-EAAE-4738-8551-BAE8BA49A08B}" type="datetimeFigureOut">
               <a:rPr lang="en-US" smtClean="0"/>
-              <a:t>3/24/2020</a:t>
+              <a:t>4/20/2021</a:t>
             </a:fld>
             <a:endParaRPr lang="en-US"/>
           </a:p>
@@ -2252,7 +2454,7 @@
           <a:p>
             <a:fld id="{B9A3E4E1-EAAE-4738-8551-BAE8BA49A08B}" type="datetimeFigureOut">
               <a:rPr lang="en-US" smtClean="0"/>
-              <a:t>3/24/2020</a:t>
+              <a:t>4/20/2021</a:t>
             </a:fld>
             <a:endParaRPr lang="en-US"/>
           </a:p>
@@ -2537,7 +2739,7 @@
           <a:p>
             <a:fld id="{B9A3E4E1-EAAE-4738-8551-BAE8BA49A08B}" type="datetimeFigureOut">
               <a:rPr lang="en-US" smtClean="0"/>
-              <a:t>3/24/2020</a:t>
+              <a:t>4/20/2021</a:t>
             </a:fld>
             <a:endParaRPr lang="en-US"/>
           </a:p>
@@ -2956,7 +3158,7 @@
           <a:p>
             <a:fld id="{B9A3E4E1-EAAE-4738-8551-BAE8BA49A08B}" type="datetimeFigureOut">
               <a:rPr lang="en-US" smtClean="0"/>
-              <a:t>3/24/2020</a:t>
+              <a:t>4/20/2021</a:t>
             </a:fld>
             <a:endParaRPr lang="en-US"/>
           </a:p>
@@ -3073,7 +3275,7 @@
           <a:p>
             <a:fld id="{B9A3E4E1-EAAE-4738-8551-BAE8BA49A08B}" type="datetimeFigureOut">
               <a:rPr lang="en-US" smtClean="0"/>
-              <a:t>3/24/2020</a:t>
+              <a:t>4/20/2021</a:t>
             </a:fld>
             <a:endParaRPr lang="en-US"/>
           </a:p>
@@ -3168,7 +3370,7 @@
           <a:p>
             <a:fld id="{B9A3E4E1-EAAE-4738-8551-BAE8BA49A08B}" type="datetimeFigureOut">
               <a:rPr lang="en-US" smtClean="0"/>
-              <a:t>3/24/2020</a:t>
+              <a:t>4/20/2021</a:t>
             </a:fld>
             <a:endParaRPr lang="en-US"/>
           </a:p>
@@ -3443,7 +3645,7 @@
           <a:p>
             <a:fld id="{B9A3E4E1-EAAE-4738-8551-BAE8BA49A08B}" type="datetimeFigureOut">
               <a:rPr lang="en-US" smtClean="0"/>
-              <a:t>3/24/2020</a:t>
+              <a:t>4/20/2021</a:t>
             </a:fld>
             <a:endParaRPr lang="en-US"/>
           </a:p>
@@ -3695,7 +3897,7 @@
           <a:p>
             <a:fld id="{B9A3E4E1-EAAE-4738-8551-BAE8BA49A08B}" type="datetimeFigureOut">
               <a:rPr lang="en-US" smtClean="0"/>
-              <a:t>3/24/2020</a:t>
+              <a:t>4/20/2021</a:t>
             </a:fld>
             <a:endParaRPr lang="en-US"/>
           </a:p>
@@ -3906,7 +4108,7 @@
           <a:p>
             <a:fld id="{B9A3E4E1-EAAE-4738-8551-BAE8BA49A08B}" type="datetimeFigureOut">
               <a:rPr lang="en-US" smtClean="0"/>
-              <a:t>3/24/2020</a:t>
+              <a:t>4/20/2021</a:t>
             </a:fld>
             <a:endParaRPr lang="en-US"/>
           </a:p>
@@ -4392,1175 +4594,6 @@
 <file path=ppt/slides/slide10.xml><?xml version="1.0" encoding="utf-8"?>
 <p:sld xmlns:a="http://schemas.openxmlformats.org/drawingml/2006/main" xmlns:r="http://schemas.openxmlformats.org/officeDocument/2006/relationships" xmlns:p="http://schemas.openxmlformats.org/presentationml/2006/main">
   <p:cSld>
-    <p:bg>
-      <p:bgPr>
-        <a:solidFill>
-          <a:schemeClr val="bg1"/>
-        </a:solidFill>
-        <a:effectLst/>
-      </p:bgPr>
-    </p:bg>
-    <p:spTree>
-      <p:nvGrpSpPr>
-        <p:cNvPr id="1" name=""/>
-        <p:cNvGrpSpPr/>
-        <p:nvPr/>
-      </p:nvGrpSpPr>
-      <p:grpSpPr>
-        <a:xfrm>
-          <a:off x="0" y="0"/>
-          <a:ext cx="0" cy="0"/>
-          <a:chOff x="0" y="0"/>
-          <a:chExt cx="0" cy="0"/>
-        </a:xfrm>
-      </p:grpSpPr>
-      <p:sp>
-        <p:nvSpPr>
-          <p:cNvPr id="16" name="Rectangle 10">
-            <a:extLst>
-              <a:ext uri="{FF2B5EF4-FFF2-40B4-BE49-F238E27FC236}">
-                <a16:creationId xmlns:a16="http://schemas.microsoft.com/office/drawing/2014/main" id="{C0B27210-D0CA-4654-B3E3-9ABB4F178EA1}"/>
-              </a:ext>
-              <a:ext uri="{C183D7F6-B498-43B3-948B-1728B52AA6E4}">
-                <adec:decorative xmlns:adec="http://schemas.microsoft.com/office/drawing/2017/decorative" val="1"/>
-              </a:ext>
-            </a:extLst>
-          </p:cNvPr>
-          <p:cNvSpPr>
-            <a:spLocks noGrp="1" noRot="1" noChangeAspect="1" noMove="1" noResize="1" noEditPoints="1" noAdjustHandles="1" noChangeArrowheads="1" noChangeShapeType="1" noTextEdit="1"/>
-          </p:cNvSpPr>
-          <p:nvPr>
-            <p:extLst>
-              <p:ext uri="{386F3935-93C4-4BCD-93E2-E3B085C9AB24}">
-                <p16:designElem xmlns:p16="http://schemas.microsoft.com/office/powerpoint/2015/main" val="1"/>
-              </p:ext>
-            </p:extLst>
-          </p:nvPr>
-        </p:nvSpPr>
-        <p:spPr>
-          <a:xfrm>
-            <a:off x="0" y="0"/>
-            <a:ext cx="12192000" cy="6858000"/>
-          </a:xfrm>
-          <a:prstGeom prst="rect">
-            <a:avLst/>
-          </a:prstGeom>
-          <a:solidFill>
-            <a:schemeClr val="tx1">
-              <a:lumMod val="75000"/>
-              <a:lumOff val="25000"/>
-            </a:schemeClr>
-          </a:solidFill>
-          <a:ln>
-            <a:noFill/>
-          </a:ln>
-        </p:spPr>
-        <p:style>
-          <a:lnRef idx="2">
-            <a:schemeClr val="accent1">
-              <a:shade val="50000"/>
-            </a:schemeClr>
-          </a:lnRef>
-          <a:fillRef idx="1">
-            <a:schemeClr val="accent1"/>
-          </a:fillRef>
-          <a:effectRef idx="0">
-            <a:schemeClr val="accent1"/>
-          </a:effectRef>
-          <a:fontRef idx="minor">
-            <a:schemeClr val="lt1"/>
-          </a:fontRef>
-        </p:style>
-        <p:txBody>
-          <a:bodyPr rtlCol="0" anchor="ctr"/>
-          <a:lstStyle/>
-          <a:p>
-            <a:pPr algn="ctr"/>
-            <a:endParaRPr lang="en-US"/>
-          </a:p>
-        </p:txBody>
-      </p:sp>
-      <p:sp>
-        <p:nvSpPr>
-          <p:cNvPr id="2" name="Title 1"/>
-          <p:cNvSpPr>
-            <a:spLocks noGrp="1"/>
-          </p:cNvSpPr>
-          <p:nvPr>
-            <p:ph type="title"/>
-          </p:nvPr>
-        </p:nvSpPr>
-        <p:spPr>
-          <a:xfrm>
-            <a:off x="6746628" y="1783959"/>
-            <a:ext cx="4645250" cy="2889114"/>
-          </a:xfrm>
-        </p:spPr>
-        <p:txBody>
-          <a:bodyPr vert="horz" lIns="91440" tIns="45720" rIns="91440" bIns="45720" rtlCol="0" anchor="b">
-            <a:normAutofit/>
-          </a:bodyPr>
-          <a:lstStyle/>
-          <a:p>
-            <a:pPr>
-              <a:lnSpc>
-                <a:spcPct val="90000"/>
-              </a:lnSpc>
-            </a:pPr>
-            <a:r>
-              <a:rPr lang="en-US" sz="6000" kern="1200">
-                <a:solidFill>
-                  <a:schemeClr val="bg1"/>
-                </a:solidFill>
-                <a:latin typeface="+mj-lt"/>
-                <a:ea typeface="+mj-ea"/>
-                <a:cs typeface="+mj-cs"/>
-              </a:rPr>
-              <a:t>Mongodb</a:t>
-            </a:r>
-          </a:p>
-        </p:txBody>
-      </p:sp>
-      <p:sp>
-        <p:nvSpPr>
-          <p:cNvPr id="3" name="Text Placeholder 2"/>
-          <p:cNvSpPr>
-            <a:spLocks noGrp="1"/>
-          </p:cNvSpPr>
-          <p:nvPr>
-            <p:ph type="body" idx="1"/>
-          </p:nvPr>
-        </p:nvSpPr>
-        <p:spPr>
-          <a:xfrm>
-            <a:off x="6746627" y="4750893"/>
-            <a:ext cx="4645250" cy="1147863"/>
-          </a:xfrm>
-        </p:spPr>
-        <p:txBody>
-          <a:bodyPr vert="horz" lIns="91440" tIns="45720" rIns="91440" bIns="45720" rtlCol="0" anchor="t">
-            <a:normAutofit/>
-          </a:bodyPr>
-          <a:lstStyle/>
-          <a:p>
-            <a:pPr>
-              <a:lnSpc>
-                <a:spcPct val="90000"/>
-              </a:lnSpc>
-              <a:spcBef>
-                <a:spcPts val="1000"/>
-              </a:spcBef>
-            </a:pPr>
-            <a:endParaRPr lang="en-US" kern="1200">
-              <a:solidFill>
-                <a:schemeClr val="bg1"/>
-              </a:solidFill>
-              <a:latin typeface="+mn-lt"/>
-              <a:ea typeface="+mn-ea"/>
-              <a:cs typeface="+mn-cs"/>
-            </a:endParaRPr>
-          </a:p>
-        </p:txBody>
-      </p:sp>
-      <p:sp>
-        <p:nvSpPr>
-          <p:cNvPr id="17" name="Freeform: Shape 12">
-            <a:extLst>
-              <a:ext uri="{FF2B5EF4-FFF2-40B4-BE49-F238E27FC236}">
-                <a16:creationId xmlns:a16="http://schemas.microsoft.com/office/drawing/2014/main" id="{1DB7C82F-AB7E-4F0C-B829-FA1B9C415180}"/>
-              </a:ext>
-              <a:ext uri="{C183D7F6-B498-43B3-948B-1728B52AA6E4}">
-                <adec:decorative xmlns:adec="http://schemas.microsoft.com/office/drawing/2017/decorative" val="1"/>
-              </a:ext>
-            </a:extLst>
-          </p:cNvPr>
-          <p:cNvSpPr>
-            <a:spLocks noGrp="1" noRot="1" noChangeAspect="1" noMove="1" noResize="1" noEditPoints="1" noAdjustHandles="1" noChangeArrowheads="1" noChangeShapeType="1" noTextEdit="1"/>
-          </p:cNvSpPr>
-          <p:nvPr>
-            <p:extLst>
-              <p:ext uri="{386F3935-93C4-4BCD-93E2-E3B085C9AB24}">
-                <p16:designElem xmlns:p16="http://schemas.microsoft.com/office/powerpoint/2015/main" val="1"/>
-              </p:ext>
-            </p:extLst>
-          </p:nvPr>
-        </p:nvSpPr>
-        <p:spPr>
-          <a:xfrm flipH="1">
-            <a:off x="0" y="0"/>
-            <a:ext cx="6172782" cy="6858000"/>
-          </a:xfrm>
-          <a:custGeom>
-            <a:avLst/>
-            <a:gdLst>
-              <a:gd name="connsiteX0" fmla="*/ 6172782 w 6172782"/>
-              <a:gd name="connsiteY0" fmla="*/ 0 h 6858000"/>
-              <a:gd name="connsiteX1" fmla="*/ 69075 w 6172782"/>
-              <a:gd name="connsiteY1" fmla="*/ 0 h 6858000"/>
-              <a:gd name="connsiteX2" fmla="*/ 35131 w 6172782"/>
-              <a:gd name="connsiteY2" fmla="*/ 267128 h 6858000"/>
-              <a:gd name="connsiteX3" fmla="*/ 0 w 6172782"/>
-              <a:gd name="connsiteY3" fmla="*/ 962845 h 6858000"/>
-              <a:gd name="connsiteX4" fmla="*/ 3276103 w 6172782"/>
-              <a:gd name="connsiteY4" fmla="*/ 6782205 h 6858000"/>
-              <a:gd name="connsiteX5" fmla="*/ 3407923 w 6172782"/>
-              <a:gd name="connsiteY5" fmla="*/ 6858000 h 6858000"/>
-              <a:gd name="connsiteX6" fmla="*/ 6172782 w 6172782"/>
-              <a:gd name="connsiteY6" fmla="*/ 6858000 h 6858000"/>
-            </a:gdLst>
-            <a:ahLst/>
-            <a:cxnLst>
-              <a:cxn ang="0">
-                <a:pos x="connsiteX0" y="connsiteY0"/>
-              </a:cxn>
-              <a:cxn ang="0">
-                <a:pos x="connsiteX1" y="connsiteY1"/>
-              </a:cxn>
-              <a:cxn ang="0">
-                <a:pos x="connsiteX2" y="connsiteY2"/>
-              </a:cxn>
-              <a:cxn ang="0">
-                <a:pos x="connsiteX3" y="connsiteY3"/>
-              </a:cxn>
-              <a:cxn ang="0">
-                <a:pos x="connsiteX4" y="connsiteY4"/>
-              </a:cxn>
-              <a:cxn ang="0">
-                <a:pos x="connsiteX5" y="connsiteY5"/>
-              </a:cxn>
-              <a:cxn ang="0">
-                <a:pos x="connsiteX6" y="connsiteY6"/>
-              </a:cxn>
-            </a:cxnLst>
-            <a:rect l="l" t="t" r="r" b="b"/>
-            <a:pathLst>
-              <a:path w="6172782" h="6858000">
-                <a:moveTo>
-                  <a:pt x="6172782" y="0"/>
-                </a:moveTo>
-                <a:lnTo>
-                  <a:pt x="69075" y="0"/>
-                </a:lnTo>
-                <a:lnTo>
-                  <a:pt x="35131" y="267128"/>
-                </a:lnTo>
-                <a:cubicBezTo>
-                  <a:pt x="11901" y="495874"/>
-                  <a:pt x="0" y="727970"/>
-                  <a:pt x="0" y="962845"/>
-                </a:cubicBezTo>
-                <a:cubicBezTo>
-                  <a:pt x="0" y="3429034"/>
-                  <a:pt x="1312002" y="5588789"/>
-                  <a:pt x="3276103" y="6782205"/>
-                </a:cubicBezTo>
-                <a:lnTo>
-                  <a:pt x="3407923" y="6858000"/>
-                </a:lnTo>
-                <a:lnTo>
-                  <a:pt x="6172782" y="6858000"/>
-                </a:lnTo>
-                <a:close/>
-              </a:path>
-            </a:pathLst>
-          </a:custGeom>
-          <a:solidFill>
-            <a:schemeClr val="bg1">
-              <a:alpha val="80000"/>
-            </a:schemeClr>
-          </a:solidFill>
-          <a:ln>
-            <a:noFill/>
-          </a:ln>
-        </p:spPr>
-        <p:style>
-          <a:lnRef idx="2">
-            <a:schemeClr val="accent1">
-              <a:shade val="50000"/>
-            </a:schemeClr>
-          </a:lnRef>
-          <a:fillRef idx="1">
-            <a:schemeClr val="accent1"/>
-          </a:fillRef>
-          <a:effectRef idx="0">
-            <a:schemeClr val="accent1"/>
-          </a:effectRef>
-          <a:fontRef idx="minor">
-            <a:schemeClr val="lt1"/>
-          </a:fontRef>
-        </p:style>
-        <p:txBody>
-          <a:bodyPr wrap="square" rtlCol="0" anchor="ctr">
-            <a:noAutofit/>
-          </a:bodyPr>
-          <a:lstStyle/>
-          <a:p>
-            <a:pPr marL="0" marR="0" lvl="0" indent="0" algn="ctr" defTabSz="914400" rtl="0" eaLnBrk="1" fontAlgn="auto" latinLnBrk="0" hangingPunct="1">
-              <a:lnSpc>
-                <a:spcPct val="100000"/>
-              </a:lnSpc>
-              <a:spcBef>
-                <a:spcPts val="0"/>
-              </a:spcBef>
-              <a:spcAft>
-                <a:spcPts val="0"/>
-              </a:spcAft>
-              <a:buClrTx/>
-              <a:buSzTx/>
-              <a:buFontTx/>
-              <a:buNone/>
-              <a:tabLst/>
-              <a:defRPr/>
-            </a:pPr>
-            <a:endParaRPr kumimoji="0" lang="en-US" sz="1800" b="0" i="0" u="none" strike="noStrike" kern="1200" cap="none" spc="0" normalizeH="0" baseline="0" noProof="0">
-              <a:ln>
-                <a:noFill/>
-              </a:ln>
-              <a:solidFill>
-                <a:prstClr val="white"/>
-              </a:solidFill>
-              <a:effectLst/>
-              <a:uLnTx/>
-              <a:uFillTx/>
-              <a:latin typeface="Calibri" panose="020F0502020204030204"/>
-              <a:ea typeface="+mn-ea"/>
-              <a:cs typeface="+mn-cs"/>
-            </a:endParaRPr>
-          </a:p>
-        </p:txBody>
-      </p:sp>
-      <p:sp>
-        <p:nvSpPr>
-          <p:cNvPr id="15" name="Freeform: Shape 14">
-            <a:extLst>
-              <a:ext uri="{FF2B5EF4-FFF2-40B4-BE49-F238E27FC236}">
-                <a16:creationId xmlns:a16="http://schemas.microsoft.com/office/drawing/2014/main" id="{70B66945-4967-4040-926D-DCA44313CDAB}"/>
-              </a:ext>
-              <a:ext uri="{C183D7F6-B498-43B3-948B-1728B52AA6E4}">
-                <adec:decorative xmlns:adec="http://schemas.microsoft.com/office/drawing/2017/decorative" val="1"/>
-              </a:ext>
-            </a:extLst>
-          </p:cNvPr>
-          <p:cNvSpPr>
-            <a:spLocks noGrp="1" noRot="1" noChangeAspect="1" noMove="1" noResize="1" noEditPoints="1" noAdjustHandles="1" noChangeArrowheads="1" noChangeShapeType="1" noTextEdit="1"/>
-          </p:cNvSpPr>
-          <p:nvPr>
-            <p:extLst>
-              <p:ext uri="{386F3935-93C4-4BCD-93E2-E3B085C9AB24}">
-                <p16:designElem xmlns:p16="http://schemas.microsoft.com/office/powerpoint/2015/main" val="1"/>
-              </p:ext>
-            </p:extLst>
-          </p:nvPr>
-        </p:nvSpPr>
-        <p:spPr>
-          <a:xfrm>
-            <a:off x="0" y="0"/>
-            <a:ext cx="6024154" cy="6858000"/>
-          </a:xfrm>
-          <a:custGeom>
-            <a:avLst/>
-            <a:gdLst>
-              <a:gd name="connsiteX0" fmla="*/ 0 w 6024154"/>
-              <a:gd name="connsiteY0" fmla="*/ 0 h 6858000"/>
-              <a:gd name="connsiteX1" fmla="*/ 5953780 w 6024154"/>
-              <a:gd name="connsiteY1" fmla="*/ 0 h 6858000"/>
-              <a:gd name="connsiteX2" fmla="*/ 5989880 w 6024154"/>
-              <a:gd name="connsiteY2" fmla="*/ 284091 h 6858000"/>
-              <a:gd name="connsiteX3" fmla="*/ 6024154 w 6024154"/>
-              <a:gd name="connsiteY3" fmla="*/ 962844 h 6858000"/>
-              <a:gd name="connsiteX4" fmla="*/ 2549934 w 6024154"/>
-              <a:gd name="connsiteY4" fmla="*/ 6800152 h 6858000"/>
-              <a:gd name="connsiteX5" fmla="*/ 2436987 w 6024154"/>
-              <a:gd name="connsiteY5" fmla="*/ 6858000 h 6858000"/>
-              <a:gd name="connsiteX6" fmla="*/ 0 w 6024154"/>
-              <a:gd name="connsiteY6" fmla="*/ 6858000 h 6858000"/>
-            </a:gdLst>
-            <a:ahLst/>
-            <a:cxnLst>
-              <a:cxn ang="0">
-                <a:pos x="connsiteX0" y="connsiteY0"/>
-              </a:cxn>
-              <a:cxn ang="0">
-                <a:pos x="connsiteX1" y="connsiteY1"/>
-              </a:cxn>
-              <a:cxn ang="0">
-                <a:pos x="connsiteX2" y="connsiteY2"/>
-              </a:cxn>
-              <a:cxn ang="0">
-                <a:pos x="connsiteX3" y="connsiteY3"/>
-              </a:cxn>
-              <a:cxn ang="0">
-                <a:pos x="connsiteX4" y="connsiteY4"/>
-              </a:cxn>
-              <a:cxn ang="0">
-                <a:pos x="connsiteX5" y="connsiteY5"/>
-              </a:cxn>
-              <a:cxn ang="0">
-                <a:pos x="connsiteX6" y="connsiteY6"/>
-              </a:cxn>
-            </a:cxnLst>
-            <a:rect l="l" t="t" r="r" b="b"/>
-            <a:pathLst>
-              <a:path w="6024154" h="6858000">
-                <a:moveTo>
-                  <a:pt x="0" y="0"/>
-                </a:moveTo>
-                <a:lnTo>
-                  <a:pt x="5953780" y="0"/>
-                </a:lnTo>
-                <a:lnTo>
-                  <a:pt x="5989880" y="284091"/>
-                </a:lnTo>
-                <a:cubicBezTo>
-                  <a:pt x="6012544" y="507260"/>
-                  <a:pt x="6024154" y="733696"/>
-                  <a:pt x="6024154" y="962844"/>
-                </a:cubicBezTo>
-                <a:cubicBezTo>
-                  <a:pt x="6024154" y="3483472"/>
-                  <a:pt x="4619336" y="5675986"/>
-                  <a:pt x="2549934" y="6800152"/>
-                </a:cubicBezTo>
-                <a:lnTo>
-                  <a:pt x="2436987" y="6858000"/>
-                </a:lnTo>
-                <a:lnTo>
-                  <a:pt x="0" y="6858000"/>
-                </a:lnTo>
-                <a:close/>
-              </a:path>
-            </a:pathLst>
-          </a:custGeom>
-          <a:solidFill>
-            <a:schemeClr val="bg1"/>
-          </a:solidFill>
-          <a:ln>
-            <a:noFill/>
-          </a:ln>
-        </p:spPr>
-        <p:style>
-          <a:lnRef idx="2">
-            <a:schemeClr val="accent1">
-              <a:shade val="50000"/>
-            </a:schemeClr>
-          </a:lnRef>
-          <a:fillRef idx="1">
-            <a:schemeClr val="accent1"/>
-          </a:fillRef>
-          <a:effectRef idx="0">
-            <a:schemeClr val="accent1"/>
-          </a:effectRef>
-          <a:fontRef idx="minor">
-            <a:schemeClr val="lt1"/>
-          </a:fontRef>
-        </p:style>
-        <p:txBody>
-          <a:bodyPr wrap="square" rtlCol="0" anchor="ctr">
-            <a:noAutofit/>
-          </a:bodyPr>
-          <a:lstStyle/>
-          <a:p>
-            <a:pPr marL="0" marR="0" lvl="0" indent="0" algn="ctr" defTabSz="914400" rtl="0" eaLnBrk="1" fontAlgn="auto" latinLnBrk="0" hangingPunct="1">
-              <a:lnSpc>
-                <a:spcPct val="100000"/>
-              </a:lnSpc>
-              <a:spcBef>
-                <a:spcPts val="0"/>
-              </a:spcBef>
-              <a:spcAft>
-                <a:spcPts val="0"/>
-              </a:spcAft>
-              <a:buClrTx/>
-              <a:buSzTx/>
-              <a:buFontTx/>
-              <a:buNone/>
-              <a:tabLst/>
-              <a:defRPr/>
-            </a:pPr>
-            <a:endParaRPr kumimoji="0" lang="en-US" sz="1800" b="0" i="0" u="none" strike="noStrike" kern="1200" cap="none" spc="0" normalizeH="0" baseline="0" noProof="0">
-              <a:ln>
-                <a:noFill/>
-              </a:ln>
-              <a:solidFill>
-                <a:prstClr val="white"/>
-              </a:solidFill>
-              <a:effectLst/>
-              <a:uLnTx/>
-              <a:uFillTx/>
-              <a:latin typeface="Calibri" panose="020F0502020204030204"/>
-              <a:ea typeface="+mn-ea"/>
-              <a:cs typeface="+mn-cs"/>
-            </a:endParaRPr>
-          </a:p>
-        </p:txBody>
-      </p:sp>
-      <p:pic>
-        <p:nvPicPr>
-          <p:cNvPr id="5" name="Picture 4">
-            <a:extLst>
-              <a:ext uri="{FF2B5EF4-FFF2-40B4-BE49-F238E27FC236}">
-                <a16:creationId xmlns:a16="http://schemas.microsoft.com/office/drawing/2014/main" id="{1D74D354-CAA1-4AF4-83A2-01BC04242EC8}"/>
-              </a:ext>
-            </a:extLst>
-          </p:cNvPr>
-          <p:cNvPicPr>
-            <a:picLocks noChangeAspect="1"/>
-          </p:cNvPicPr>
-          <p:nvPr/>
-        </p:nvPicPr>
-        <p:blipFill>
-          <a:blip r:embed="rId2">
-            <a:extLst>
-              <a:ext uri="{28A0092B-C50C-407E-A947-70E740481C1C}">
-                <a14:useLocalDpi xmlns:a14="http://schemas.microsoft.com/office/drawing/2010/main" val="0"/>
-              </a:ext>
-              <a:ext uri="{837473B0-CC2E-450A-ABE3-18F120FF3D39}">
-                <a1611:picAttrSrcUrl xmlns:a1611="http://schemas.microsoft.com/office/drawing/2016/11/main" r:id="rId3"/>
-              </a:ext>
-            </a:extLst>
-          </a:blip>
-          <a:stretch>
-            <a:fillRect/>
-          </a:stretch>
-        </p:blipFill>
-        <p:spPr>
-          <a:xfrm>
-            <a:off x="419382" y="720993"/>
-            <a:ext cx="4047843" cy="4047843"/>
-          </a:xfrm>
-          <a:prstGeom prst="rect">
-            <a:avLst/>
-          </a:prstGeom>
-        </p:spPr>
-      </p:pic>
-      <p:sp>
-        <p:nvSpPr>
-          <p:cNvPr id="6" name="TextBox 5">
-            <a:extLst>
-              <a:ext uri="{FF2B5EF4-FFF2-40B4-BE49-F238E27FC236}">
-                <a16:creationId xmlns:a16="http://schemas.microsoft.com/office/drawing/2014/main" id="{DAE6B08B-4930-4D30-BCA5-ADF5601944A9}"/>
-              </a:ext>
-            </a:extLst>
-          </p:cNvPr>
-          <p:cNvSpPr txBox="1"/>
-          <p:nvPr/>
-        </p:nvSpPr>
-        <p:spPr>
-          <a:xfrm>
-            <a:off x="2007897" y="4568781"/>
-            <a:ext cx="2459328" cy="200055"/>
-          </a:xfrm>
-          <a:prstGeom prst="rect">
-            <a:avLst/>
-          </a:prstGeom>
-          <a:solidFill>
-            <a:srgbClr val="000000"/>
-          </a:solidFill>
-        </p:spPr>
-        <p:txBody>
-          <a:bodyPr wrap="none" rtlCol="0">
-            <a:spAutoFit/>
-          </a:bodyPr>
-          <a:lstStyle/>
-          <a:p>
-            <a:pPr algn="r">
-              <a:spcAft>
-                <a:spcPts val="600"/>
-              </a:spcAft>
-            </a:pPr>
-            <a:r>
-              <a:rPr lang="en-IE" sz="700">
-                <a:solidFill>
-                  <a:srgbClr val="FFFFFF"/>
-                </a:solidFill>
-                <a:hlinkClick r:id="rId3" tooltip="https://xkneo.deviantart.com/art/Icon-MongoDB-168052730">
-                  <a:extLst>
-                    <a:ext uri="{A12FA001-AC4F-418D-AE19-62706E023703}">
-                      <ahyp:hlinkClr xmlns:ahyp="http://schemas.microsoft.com/office/drawing/2018/hyperlinkcolor" val="tx"/>
-                    </a:ext>
-                  </a:extLst>
-                </a:hlinkClick>
-              </a:rPr>
-              <a:t>This Photo</a:t>
-            </a:r>
-            <a:r>
-              <a:rPr lang="en-IE" sz="700">
-                <a:solidFill>
-                  <a:srgbClr val="FFFFFF"/>
-                </a:solidFill>
-              </a:rPr>
-              <a:t> by Unknown Author is licensed under </a:t>
-            </a:r>
-            <a:r>
-              <a:rPr lang="en-IE" sz="700">
-                <a:solidFill>
-                  <a:srgbClr val="FFFFFF"/>
-                </a:solidFill>
-                <a:hlinkClick r:id="rId4" tooltip="https://creativecommons.org/licenses/by-nc-nd/3.0/">
-                  <a:extLst>
-                    <a:ext uri="{A12FA001-AC4F-418D-AE19-62706E023703}">
-                      <ahyp:hlinkClr xmlns:ahyp="http://schemas.microsoft.com/office/drawing/2018/hyperlinkcolor" val="tx"/>
-                    </a:ext>
-                  </a:extLst>
-                </a:hlinkClick>
-              </a:rPr>
-              <a:t>CC BY-NC-ND</a:t>
-            </a:r>
-            <a:endParaRPr lang="en-IE" sz="700">
-              <a:solidFill>
-                <a:srgbClr val="FFFFFF"/>
-              </a:solidFill>
-            </a:endParaRPr>
-          </a:p>
-        </p:txBody>
-      </p:sp>
-    </p:spTree>
-    <p:extLst>
-      <p:ext uri="{BB962C8B-B14F-4D97-AF65-F5344CB8AC3E}">
-        <p14:creationId xmlns:p14="http://schemas.microsoft.com/office/powerpoint/2010/main" val="804027773"/>
-      </p:ext>
-    </p:extLst>
-  </p:cSld>
-  <p:clrMapOvr>
-    <a:masterClrMapping/>
-  </p:clrMapOvr>
-</p:sld>
-</file>
-
-<file path=ppt/slides/slide11.xml><?xml version="1.0" encoding="utf-8"?>
-<p:sld xmlns:a="http://schemas.openxmlformats.org/drawingml/2006/main" xmlns:r="http://schemas.openxmlformats.org/officeDocument/2006/relationships" xmlns:p="http://schemas.openxmlformats.org/presentationml/2006/main">
-  <p:cSld>
-    <p:spTree>
-      <p:nvGrpSpPr>
-        <p:cNvPr id="1" name=""/>
-        <p:cNvGrpSpPr/>
-        <p:nvPr/>
-      </p:nvGrpSpPr>
-      <p:grpSpPr>
-        <a:xfrm>
-          <a:off x="0" y="0"/>
-          <a:ext cx="0" cy="0"/>
-          <a:chOff x="0" y="0"/>
-          <a:chExt cx="0" cy="0"/>
-        </a:xfrm>
-      </p:grpSpPr>
-      <p:sp>
-        <p:nvSpPr>
-          <p:cNvPr id="2" name="Title 1"/>
-          <p:cNvSpPr>
-            <a:spLocks noGrp="1"/>
-          </p:cNvSpPr>
-          <p:nvPr>
-            <p:ph type="title"/>
-          </p:nvPr>
-        </p:nvSpPr>
-        <p:spPr>
-          <a:xfrm>
-            <a:off x="1981200" y="274638"/>
-            <a:ext cx="8229600" cy="1143000"/>
-          </a:xfrm>
-        </p:spPr>
-        <p:txBody>
-          <a:bodyPr/>
-          <a:lstStyle/>
-          <a:p>
-            <a:r>
-              <a:rPr lang="en-IE"/>
-              <a:t>Introduction</a:t>
-            </a:r>
-            <a:endParaRPr lang="en-US"/>
-          </a:p>
-        </p:txBody>
-      </p:sp>
-      <p:sp>
-        <p:nvSpPr>
-          <p:cNvPr id="3" name="Content Placeholder 2"/>
-          <p:cNvSpPr>
-            <a:spLocks noGrp="1"/>
-          </p:cNvSpPr>
-          <p:nvPr>
-            <p:ph idx="1"/>
-          </p:nvPr>
-        </p:nvSpPr>
-        <p:spPr>
-          <a:xfrm>
-            <a:off x="962198" y="1378527"/>
-            <a:ext cx="9718964" cy="3304309"/>
-          </a:xfrm>
-        </p:spPr>
-        <p:txBody>
-          <a:bodyPr vert="horz" lIns="91440" tIns="45720" rIns="91440" bIns="45720" rtlCol="0" anchor="t">
-            <a:normAutofit fontScale="85000" lnSpcReduction="20000"/>
-          </a:bodyPr>
-          <a:lstStyle/>
-          <a:p>
-            <a:r>
-              <a:rPr lang="en-US" dirty="0"/>
-              <a:t>Document-oriented database</a:t>
-            </a:r>
-          </a:p>
-          <a:p>
-            <a:r>
-              <a:rPr lang="en-GB" dirty="0"/>
-              <a:t>A record in MongoDB is a document, which is a data structure composed of ﬁeld and value pairs. </a:t>
-            </a:r>
-          </a:p>
-          <a:p>
-            <a:r>
-              <a:rPr lang="en-US" dirty="0"/>
-              <a:t>MongoDB documents are  similar to JSON objects</a:t>
-            </a:r>
-          </a:p>
-          <a:p>
-            <a:r>
-              <a:rPr lang="en-US" dirty="0"/>
-              <a:t>Field Values can be other documents, arrays, arrays of other documents. </a:t>
-            </a:r>
-          </a:p>
-          <a:p>
-            <a:pPr lvl="1"/>
-            <a:r>
-              <a:rPr lang="en-US" dirty="0"/>
-              <a:t>Reduces need for “Joins”</a:t>
-            </a:r>
-          </a:p>
-          <a:p>
-            <a:r>
-              <a:rPr lang="en-US" dirty="0"/>
-              <a:t>Community support - popular choice</a:t>
-            </a:r>
-          </a:p>
-        </p:txBody>
-      </p:sp>
-      <p:pic>
-        <p:nvPicPr>
-          <p:cNvPr id="4" name="Picture 3">
-            <a:extLst>
-              <a:ext uri="{FF2B5EF4-FFF2-40B4-BE49-F238E27FC236}">
-                <a16:creationId xmlns:a16="http://schemas.microsoft.com/office/drawing/2014/main" id="{D546B720-8F6C-45D4-8617-844BF1E05C44}"/>
-              </a:ext>
-            </a:extLst>
-          </p:cNvPr>
-          <p:cNvPicPr>
-            <a:picLocks noChangeAspect="1"/>
-          </p:cNvPicPr>
-          <p:nvPr/>
-        </p:nvPicPr>
-        <p:blipFill>
-          <a:blip r:embed="rId3"/>
-          <a:stretch>
-            <a:fillRect/>
-          </a:stretch>
-        </p:blipFill>
-        <p:spPr>
-          <a:xfrm>
-            <a:off x="2324099" y="4761490"/>
-            <a:ext cx="6450585" cy="1821872"/>
-          </a:xfrm>
-          <a:prstGeom prst="rect">
-            <a:avLst/>
-          </a:prstGeom>
-          <a:ln>
-            <a:solidFill>
-              <a:schemeClr val="accent1"/>
-            </a:solidFill>
-          </a:ln>
-        </p:spPr>
-      </p:pic>
-    </p:spTree>
-    <p:extLst>
-      <p:ext uri="{BB962C8B-B14F-4D97-AF65-F5344CB8AC3E}">
-        <p14:creationId xmlns:p14="http://schemas.microsoft.com/office/powerpoint/2010/main" val="2105440200"/>
-      </p:ext>
-    </p:extLst>
-  </p:cSld>
-  <p:clrMapOvr>
-    <a:masterClrMapping/>
-  </p:clrMapOvr>
-  <p:timing>
-    <p:tnLst>
-      <p:par>
-        <p:cTn id="1" dur="indefinite" restart="never" nodeType="tmRoot">
-          <p:childTnLst>
-            <p:seq concurrent="1" nextAc="seek">
-              <p:cTn id="2" dur="indefinite" nodeType="mainSeq">
-                <p:childTnLst>
-                  <p:par>
-                    <p:cTn id="3" fill="hold">
-                      <p:stCondLst>
-                        <p:cond delay="indefinite"/>
-                      </p:stCondLst>
-                      <p:childTnLst>
-                        <p:par>
-                          <p:cTn id="4" fill="hold">
-                            <p:stCondLst>
-                              <p:cond delay="0"/>
-                            </p:stCondLst>
-                            <p:childTnLst>
-                              <p:par>
-                                <p:cTn id="5" presetID="10" presetClass="entr" presetSubtype="0" fill="hold" nodeType="clickEffect">
-                                  <p:stCondLst>
-                                    <p:cond delay="0"/>
-                                  </p:stCondLst>
-                                  <p:childTnLst>
-                                    <p:set>
-                                      <p:cBhvr>
-                                        <p:cTn id="6" dur="1" fill="hold">
-                                          <p:stCondLst>
-                                            <p:cond delay="0"/>
-                                          </p:stCondLst>
-                                        </p:cTn>
-                                        <p:tgtEl>
-                                          <p:spTgt spid="3">
-                                            <p:txEl>
-                                              <p:pRg st="0" end="0"/>
-                                            </p:txEl>
-                                          </p:spTgt>
-                                        </p:tgtEl>
-                                        <p:attrNameLst>
-                                          <p:attrName>style.visibility</p:attrName>
-                                        </p:attrNameLst>
-                                      </p:cBhvr>
-                                      <p:to>
-                                        <p:strVal val="visible"/>
-                                      </p:to>
-                                    </p:set>
-                                    <p:animEffect transition="in" filter="fade">
-                                      <p:cBhvr>
-                                        <p:cTn id="7" dur="500"/>
-                                        <p:tgtEl>
-                                          <p:spTgt spid="3">
-                                            <p:txEl>
-                                              <p:pRg st="0" end="0"/>
-                                            </p:txEl>
-                                          </p:spTgt>
-                                        </p:tgtEl>
-                                      </p:cBhvr>
-                                    </p:animEffect>
-                                  </p:childTnLst>
-                                </p:cTn>
-                              </p:par>
-                            </p:childTnLst>
-                          </p:cTn>
-                        </p:par>
-                      </p:childTnLst>
-                    </p:cTn>
-                  </p:par>
-                  <p:par>
-                    <p:cTn id="8" fill="hold">
-                      <p:stCondLst>
-                        <p:cond delay="indefinite"/>
-                      </p:stCondLst>
-                      <p:childTnLst>
-                        <p:par>
-                          <p:cTn id="9" fill="hold">
-                            <p:stCondLst>
-                              <p:cond delay="0"/>
-                            </p:stCondLst>
-                            <p:childTnLst>
-                              <p:par>
-                                <p:cTn id="10" presetID="10" presetClass="entr" presetSubtype="0" fill="hold" nodeType="clickEffect">
-                                  <p:stCondLst>
-                                    <p:cond delay="0"/>
-                                  </p:stCondLst>
-                                  <p:childTnLst>
-                                    <p:set>
-                                      <p:cBhvr>
-                                        <p:cTn id="11" dur="1" fill="hold">
-                                          <p:stCondLst>
-                                            <p:cond delay="0"/>
-                                          </p:stCondLst>
-                                        </p:cTn>
-                                        <p:tgtEl>
-                                          <p:spTgt spid="3">
-                                            <p:txEl>
-                                              <p:pRg st="1" end="1"/>
-                                            </p:txEl>
-                                          </p:spTgt>
-                                        </p:tgtEl>
-                                        <p:attrNameLst>
-                                          <p:attrName>style.visibility</p:attrName>
-                                        </p:attrNameLst>
-                                      </p:cBhvr>
-                                      <p:to>
-                                        <p:strVal val="visible"/>
-                                      </p:to>
-                                    </p:set>
-                                    <p:animEffect transition="in" filter="fade">
-                                      <p:cBhvr>
-                                        <p:cTn id="12" dur="500"/>
-                                        <p:tgtEl>
-                                          <p:spTgt spid="3">
-                                            <p:txEl>
-                                              <p:pRg st="1" end="1"/>
-                                            </p:txEl>
-                                          </p:spTgt>
-                                        </p:tgtEl>
-                                      </p:cBhvr>
-                                    </p:animEffect>
-                                  </p:childTnLst>
-                                </p:cTn>
-                              </p:par>
-                            </p:childTnLst>
-                          </p:cTn>
-                        </p:par>
-                      </p:childTnLst>
-                    </p:cTn>
-                  </p:par>
-                  <p:par>
-                    <p:cTn id="13" fill="hold">
-                      <p:stCondLst>
-                        <p:cond delay="indefinite"/>
-                      </p:stCondLst>
-                      <p:childTnLst>
-                        <p:par>
-                          <p:cTn id="14" fill="hold">
-                            <p:stCondLst>
-                              <p:cond delay="0"/>
-                            </p:stCondLst>
-                            <p:childTnLst>
-                              <p:par>
-                                <p:cTn id="15" presetID="10" presetClass="entr" presetSubtype="0" fill="hold" nodeType="clickEffect">
-                                  <p:stCondLst>
-                                    <p:cond delay="0"/>
-                                  </p:stCondLst>
-                                  <p:childTnLst>
-                                    <p:set>
-                                      <p:cBhvr>
-                                        <p:cTn id="16" dur="1" fill="hold">
-                                          <p:stCondLst>
-                                            <p:cond delay="0"/>
-                                          </p:stCondLst>
-                                        </p:cTn>
-                                        <p:tgtEl>
-                                          <p:spTgt spid="3">
-                                            <p:txEl>
-                                              <p:pRg st="2" end="2"/>
-                                            </p:txEl>
-                                          </p:spTgt>
-                                        </p:tgtEl>
-                                        <p:attrNameLst>
-                                          <p:attrName>style.visibility</p:attrName>
-                                        </p:attrNameLst>
-                                      </p:cBhvr>
-                                      <p:to>
-                                        <p:strVal val="visible"/>
-                                      </p:to>
-                                    </p:set>
-                                    <p:animEffect transition="in" filter="fade">
-                                      <p:cBhvr>
-                                        <p:cTn id="17" dur="500"/>
-                                        <p:tgtEl>
-                                          <p:spTgt spid="3">
-                                            <p:txEl>
-                                              <p:pRg st="2" end="2"/>
-                                            </p:txEl>
-                                          </p:spTgt>
-                                        </p:tgtEl>
-                                      </p:cBhvr>
-                                    </p:animEffect>
-                                  </p:childTnLst>
-                                </p:cTn>
-                              </p:par>
-                            </p:childTnLst>
-                          </p:cTn>
-                        </p:par>
-                      </p:childTnLst>
-                    </p:cTn>
-                  </p:par>
-                  <p:par>
-                    <p:cTn id="18" fill="hold">
-                      <p:stCondLst>
-                        <p:cond delay="indefinite"/>
-                      </p:stCondLst>
-                      <p:childTnLst>
-                        <p:par>
-                          <p:cTn id="19" fill="hold">
-                            <p:stCondLst>
-                              <p:cond delay="0"/>
-                            </p:stCondLst>
-                            <p:childTnLst>
-                              <p:par>
-                                <p:cTn id="20" presetID="10" presetClass="entr" presetSubtype="0" fill="hold" nodeType="clickEffect">
-                                  <p:stCondLst>
-                                    <p:cond delay="0"/>
-                                  </p:stCondLst>
-                                  <p:childTnLst>
-                                    <p:set>
-                                      <p:cBhvr>
-                                        <p:cTn id="21" dur="1" fill="hold">
-                                          <p:stCondLst>
-                                            <p:cond delay="0"/>
-                                          </p:stCondLst>
-                                        </p:cTn>
-                                        <p:tgtEl>
-                                          <p:spTgt spid="3">
-                                            <p:txEl>
-                                              <p:pRg st="3" end="3"/>
-                                            </p:txEl>
-                                          </p:spTgt>
-                                        </p:tgtEl>
-                                        <p:attrNameLst>
-                                          <p:attrName>style.visibility</p:attrName>
-                                        </p:attrNameLst>
-                                      </p:cBhvr>
-                                      <p:to>
-                                        <p:strVal val="visible"/>
-                                      </p:to>
-                                    </p:set>
-                                    <p:animEffect transition="in" filter="fade">
-                                      <p:cBhvr>
-                                        <p:cTn id="22" dur="500"/>
-                                        <p:tgtEl>
-                                          <p:spTgt spid="3">
-                                            <p:txEl>
-                                              <p:pRg st="3" end="3"/>
-                                            </p:txEl>
-                                          </p:spTgt>
-                                        </p:tgtEl>
-                                      </p:cBhvr>
-                                    </p:animEffect>
-                                  </p:childTnLst>
-                                </p:cTn>
-                              </p:par>
-                              <p:par>
-                                <p:cTn id="23" presetID="10" presetClass="entr" presetSubtype="0" fill="hold" nodeType="withEffect">
-                                  <p:stCondLst>
-                                    <p:cond delay="0"/>
-                                  </p:stCondLst>
-                                  <p:childTnLst>
-                                    <p:set>
-                                      <p:cBhvr>
-                                        <p:cTn id="24" dur="1" fill="hold">
-                                          <p:stCondLst>
-                                            <p:cond delay="0"/>
-                                          </p:stCondLst>
-                                        </p:cTn>
-                                        <p:tgtEl>
-                                          <p:spTgt spid="3">
-                                            <p:txEl>
-                                              <p:pRg st="4" end="4"/>
-                                            </p:txEl>
-                                          </p:spTgt>
-                                        </p:tgtEl>
-                                        <p:attrNameLst>
-                                          <p:attrName>style.visibility</p:attrName>
-                                        </p:attrNameLst>
-                                      </p:cBhvr>
-                                      <p:to>
-                                        <p:strVal val="visible"/>
-                                      </p:to>
-                                    </p:set>
-                                    <p:animEffect transition="in" filter="fade">
-                                      <p:cBhvr>
-                                        <p:cTn id="25" dur="500"/>
-                                        <p:tgtEl>
-                                          <p:spTgt spid="3">
-                                            <p:txEl>
-                                              <p:pRg st="4" end="4"/>
-                                            </p:txEl>
-                                          </p:spTgt>
-                                        </p:tgtEl>
-                                      </p:cBhvr>
-                                    </p:animEffect>
-                                  </p:childTnLst>
-                                </p:cTn>
-                              </p:par>
-                            </p:childTnLst>
-                          </p:cTn>
-                        </p:par>
-                      </p:childTnLst>
-                    </p:cTn>
-                  </p:par>
-                  <p:par>
-                    <p:cTn id="26" fill="hold">
-                      <p:stCondLst>
-                        <p:cond delay="indefinite"/>
-                      </p:stCondLst>
-                      <p:childTnLst>
-                        <p:par>
-                          <p:cTn id="27" fill="hold">
-                            <p:stCondLst>
-                              <p:cond delay="0"/>
-                            </p:stCondLst>
-                            <p:childTnLst>
-                              <p:par>
-                                <p:cTn id="28" presetID="10" presetClass="entr" presetSubtype="0" fill="hold" nodeType="clickEffect">
-                                  <p:stCondLst>
-                                    <p:cond delay="0"/>
-                                  </p:stCondLst>
-                                  <p:childTnLst>
-                                    <p:set>
-                                      <p:cBhvr>
-                                        <p:cTn id="29" dur="1" fill="hold">
-                                          <p:stCondLst>
-                                            <p:cond delay="0"/>
-                                          </p:stCondLst>
-                                        </p:cTn>
-                                        <p:tgtEl>
-                                          <p:spTgt spid="3">
-                                            <p:txEl>
-                                              <p:pRg st="5" end="5"/>
-                                            </p:txEl>
-                                          </p:spTgt>
-                                        </p:tgtEl>
-                                        <p:attrNameLst>
-                                          <p:attrName>style.visibility</p:attrName>
-                                        </p:attrNameLst>
-                                      </p:cBhvr>
-                                      <p:to>
-                                        <p:strVal val="visible"/>
-                                      </p:to>
-                                    </p:set>
-                                    <p:animEffect transition="in" filter="fade">
-                                      <p:cBhvr>
-                                        <p:cTn id="30" dur="500"/>
-                                        <p:tgtEl>
-                                          <p:spTgt spid="3">
-                                            <p:txEl>
-                                              <p:pRg st="5" end="5"/>
-                                            </p:txEl>
-                                          </p:spTgt>
-                                        </p:tgtEl>
-                                      </p:cBhvr>
-                                    </p:animEffect>
-                                  </p:childTnLst>
-                                </p:cTn>
-                              </p:par>
-                            </p:childTnLst>
-                          </p:cTn>
-                        </p:par>
-                      </p:childTnLst>
-                    </p:cTn>
-                  </p:par>
-                </p:childTnLst>
-              </p:cTn>
-              <p:prevCondLst>
-                <p:cond evt="onPrev" delay="0">
-                  <p:tgtEl>
-                    <p:sldTgt/>
-                  </p:tgtEl>
-                </p:cond>
-              </p:prevCondLst>
-              <p:nextCondLst>
-                <p:cond evt="onNext" delay="0">
-                  <p:tgtEl>
-                    <p:sldTgt/>
-                  </p:tgtEl>
-                </p:cond>
-              </p:nextCondLst>
-            </p:seq>
-          </p:childTnLst>
-        </p:cTn>
-      </p:par>
-    </p:tnLst>
-  </p:timing>
-</p:sld>
-</file>
-
-<file path=ppt/slides/slide12.xml><?xml version="1.0" encoding="utf-8"?>
-<p:sld xmlns:a="http://schemas.openxmlformats.org/drawingml/2006/main" xmlns:r="http://schemas.openxmlformats.org/officeDocument/2006/relationships" xmlns:p="http://schemas.openxmlformats.org/presentationml/2006/main">
-  <p:cSld>
     <p:spTree>
       <p:nvGrpSpPr>
         <p:cNvPr id="1" name=""/>
@@ -6938,7 +5971,7 @@
 </p:sld>
 </file>
 
-<file path=ppt/slides/slide13.xml><?xml version="1.0" encoding="utf-8"?>
+<file path=ppt/slides/slide11.xml><?xml version="1.0" encoding="utf-8"?>
 <p:sld xmlns:a="http://schemas.openxmlformats.org/drawingml/2006/main" xmlns:r="http://schemas.openxmlformats.org/officeDocument/2006/relationships" xmlns:p="http://schemas.openxmlformats.org/presentationml/2006/main">
   <p:cSld>
     <p:spTree>
@@ -7450,7 +6483,7 @@
 </p:sld>
 </file>
 
-<file path=ppt/slides/slide14.xml><?xml version="1.0" encoding="utf-8"?>
+<file path=ppt/slides/slide12.xml><?xml version="1.0" encoding="utf-8"?>
 <p:sld xmlns:a="http://schemas.openxmlformats.org/drawingml/2006/main" xmlns:r="http://schemas.openxmlformats.org/officeDocument/2006/relationships" xmlns:p="http://schemas.openxmlformats.org/presentationml/2006/main">
   <p:cSld>
     <p:spTree>
@@ -8042,7 +7075,7 @@
 </p:sld>
 </file>
 
-<file path=ppt/slides/slide15.xml><?xml version="1.0" encoding="utf-8"?>
+<file path=ppt/slides/slide13.xml><?xml version="1.0" encoding="utf-8"?>
 <p:sld xmlns:a="http://schemas.openxmlformats.org/drawingml/2006/main" xmlns:r="http://schemas.openxmlformats.org/officeDocument/2006/relationships" xmlns:p="http://schemas.openxmlformats.org/presentationml/2006/main">
   <p:cSld>
     <p:spTree>
@@ -8190,7 +7223,7 @@
 </p:sld>
 </file>
 
-<file path=ppt/slides/slide16.xml><?xml version="1.0" encoding="utf-8"?>
+<file path=ppt/slides/slide14.xml><?xml version="1.0" encoding="utf-8"?>
 <p:sld xmlns:a="http://schemas.openxmlformats.org/drawingml/2006/main" xmlns:r="http://schemas.openxmlformats.org/officeDocument/2006/relationships" xmlns:p="http://schemas.openxmlformats.org/presentationml/2006/main">
   <p:cSld>
     <p:bg>
@@ -8641,7 +7674,7 @@
 </p:sld>
 </file>
 
-<file path=ppt/slides/slide17.xml><?xml version="1.0" encoding="utf-8"?>
+<file path=ppt/slides/slide15.xml><?xml version="1.0" encoding="utf-8"?>
 <p:sld xmlns:a="http://schemas.openxmlformats.org/drawingml/2006/main" xmlns:r="http://schemas.openxmlformats.org/officeDocument/2006/relationships" xmlns:p="http://schemas.openxmlformats.org/presentationml/2006/main">
   <p:cSld>
     <p:bg>
@@ -8915,7 +7948,7 @@
 </p:sld>
 </file>
 
-<file path=ppt/slides/slide18.xml><?xml version="1.0" encoding="utf-8"?>
+<file path=ppt/slides/slide16.xml><?xml version="1.0" encoding="utf-8"?>
 <p:sld xmlns:a="http://schemas.openxmlformats.org/drawingml/2006/main" xmlns:r="http://schemas.openxmlformats.org/officeDocument/2006/relationships" xmlns:p="http://schemas.openxmlformats.org/presentationml/2006/main">
   <p:cSld>
     <p:bg>
@@ -9052,7 +8085,7 @@
         </p:spPr>
         <p:txBody>
           <a:bodyPr>
-            <a:normAutofit/>
+            <a:normAutofit lnSpcReduction="10000"/>
           </a:bodyPr>
           <a:lstStyle/>
           <a:p>
@@ -9064,13 +8097,13 @@
           <a:p>
             <a:r>
               <a:rPr lang="en-GB" sz="2800" dirty="0"/>
-              <a:t>Similar to Object Relational Mapping libraries like JPA/Hibernate </a:t>
+              <a:t>Similar to Object Relational Mapping libraries like Hibernate </a:t>
             </a:r>
           </a:p>
           <a:p>
             <a:r>
               <a:rPr lang="en-GB" sz="2800" dirty="0"/>
-              <a:t>Easier concept if coming from relational DB background.</a:t>
+              <a:t>Perhaps an easier concept if coming from relational DB background.</a:t>
             </a:r>
             <a:endParaRPr lang="en-IE" sz="2800" dirty="0"/>
           </a:p>
@@ -9320,12 +8353,28 @@
           <a:p>
             <a:pPr algn="ctr"/>
             <a:r>
+              <a:rPr lang="en-GB" sz="3600" dirty="0">
+                <a:solidFill>
+                  <a:schemeClr val="tx1"/>
+                </a:solidFill>
+              </a:rPr>
+              <a:t>W</a:t>
+            </a:r>
+            <a:r>
+              <a:rPr lang="en-IE" sz="3600" dirty="0" err="1">
+                <a:solidFill>
+                  <a:schemeClr val="tx1"/>
+                </a:solidFill>
+              </a:rPr>
+              <a:t>hy</a:t>
+            </a:r>
+            <a:r>
               <a:rPr lang="en-IE" sz="3600" dirty="0">
                 <a:solidFill>
                   <a:schemeClr val="tx1"/>
                 </a:solidFill>
               </a:rPr>
-              <a:t>????</a:t>
+              <a:t> me?</a:t>
             </a:r>
           </a:p>
         </p:txBody>
@@ -9556,7 +8605,7 @@
 </p:sld>
 </file>
 
-<file path=ppt/slides/slide19.xml><?xml version="1.0" encoding="utf-8"?>
+<file path=ppt/slides/slide17.xml><?xml version="1.0" encoding="utf-8"?>
 <p:sld xmlns:a="http://schemas.openxmlformats.org/drawingml/2006/main" xmlns:r="http://schemas.openxmlformats.org/officeDocument/2006/relationships" xmlns:p="http://schemas.openxmlformats.org/presentationml/2006/main">
   <p:cSld>
     <p:spTree>
@@ -10094,6 +9143,296 @@
 </p:sld>
 </file>
 
+<file path=ppt/slides/slide18.xml><?xml version="1.0" encoding="utf-8"?>
+<p:sld xmlns:a="http://schemas.openxmlformats.org/drawingml/2006/main" xmlns:r="http://schemas.openxmlformats.org/officeDocument/2006/relationships" xmlns:p="http://schemas.openxmlformats.org/presentationml/2006/main">
+  <p:cSld>
+    <p:spTree>
+      <p:nvGrpSpPr>
+        <p:cNvPr id="1" name=""/>
+        <p:cNvGrpSpPr/>
+        <p:nvPr/>
+      </p:nvGrpSpPr>
+      <p:grpSpPr>
+        <a:xfrm>
+          <a:off x="0" y="0"/>
+          <a:ext cx="0" cy="0"/>
+          <a:chOff x="0" y="0"/>
+          <a:chExt cx="0" cy="0"/>
+        </a:xfrm>
+      </p:grpSpPr>
+      <p:sp>
+        <p:nvSpPr>
+          <p:cNvPr id="2" name="Title 1"/>
+          <p:cNvSpPr>
+            <a:spLocks noGrp="1"/>
+          </p:cNvSpPr>
+          <p:nvPr>
+            <p:ph type="title"/>
+          </p:nvPr>
+        </p:nvSpPr>
+        <p:spPr/>
+        <p:txBody>
+          <a:bodyPr/>
+          <a:lstStyle/>
+          <a:p>
+            <a:r>
+              <a:rPr lang="en-IE" b="1"/>
+              <a:t>Mongoose Schemas and Models</a:t>
+            </a:r>
+            <a:endParaRPr lang="en-IE"/>
+          </a:p>
+        </p:txBody>
+      </p:sp>
+      <p:sp>
+        <p:nvSpPr>
+          <p:cNvPr id="3" name="Content Placeholder 2"/>
+          <p:cNvSpPr>
+            <a:spLocks noGrp="1"/>
+          </p:cNvSpPr>
+          <p:nvPr>
+            <p:ph idx="1"/>
+          </p:nvPr>
+        </p:nvSpPr>
+        <p:spPr>
+          <a:xfrm>
+            <a:off x="1981200" y="1600201"/>
+            <a:ext cx="8229600" cy="1981200"/>
+          </a:xfrm>
+        </p:spPr>
+        <p:txBody>
+          <a:bodyPr>
+            <a:normAutofit fontScale="70000" lnSpcReduction="20000"/>
+          </a:bodyPr>
+          <a:lstStyle/>
+          <a:p>
+            <a:r>
+              <a:rPr lang="en-IE" dirty="0"/>
+              <a:t>Mongoose supports models </a:t>
+            </a:r>
+          </a:p>
+          <a:p>
+            <a:pPr lvl="1"/>
+            <a:r>
+              <a:rPr lang="en-GB" dirty="0"/>
+              <a:t>Used for creating and reading documents from the underlying MongoDB database</a:t>
+            </a:r>
+          </a:p>
+          <a:p>
+            <a:r>
+              <a:rPr lang="en-IE" dirty="0"/>
+              <a:t>Mongoose models are “compiled” using a </a:t>
+            </a:r>
+            <a:r>
+              <a:rPr lang="en-IE" b="1" dirty="0" err="1"/>
+              <a:t>mongoose.Schema</a:t>
+            </a:r>
+            <a:r>
+              <a:rPr lang="en-IE" b="1" dirty="0"/>
+              <a:t> </a:t>
+            </a:r>
+          </a:p>
+          <a:p>
+            <a:pPr lvl="1"/>
+            <a:r>
+              <a:rPr lang="en-IE" dirty="0"/>
+              <a:t>Each of the properties must have a type</a:t>
+            </a:r>
+          </a:p>
+          <a:p>
+            <a:pPr lvl="2"/>
+            <a:r>
+              <a:rPr lang="en-IE" dirty="0"/>
+              <a:t>Number, String, Boolean, array, object</a:t>
+            </a:r>
+          </a:p>
+          <a:p>
+            <a:pPr lvl="1"/>
+            <a:endParaRPr lang="en-IE" dirty="0"/>
+          </a:p>
+          <a:p>
+            <a:endParaRPr lang="en-IE" dirty="0"/>
+          </a:p>
+        </p:txBody>
+      </p:sp>
+      <p:pic>
+        <p:nvPicPr>
+          <p:cNvPr id="4" name="Picture 3">
+            <a:extLst>
+              <a:ext uri="{FF2B5EF4-FFF2-40B4-BE49-F238E27FC236}">
+                <a16:creationId xmlns:a16="http://schemas.microsoft.com/office/drawing/2014/main" id="{92D59B08-1310-473B-AB33-7AD1C8787E68}"/>
+              </a:ext>
+            </a:extLst>
+          </p:cNvPr>
+          <p:cNvPicPr>
+            <a:picLocks noChangeAspect="1"/>
+          </p:cNvPicPr>
+          <p:nvPr/>
+        </p:nvPicPr>
+        <p:blipFill>
+          <a:blip r:embed="rId3"/>
+          <a:stretch>
+            <a:fillRect/>
+          </a:stretch>
+        </p:blipFill>
+        <p:spPr>
+          <a:xfrm>
+            <a:off x="2058751" y="3749180"/>
+            <a:ext cx="6696075" cy="2762250"/>
+          </a:xfrm>
+          <a:prstGeom prst="rect">
+            <a:avLst/>
+          </a:prstGeom>
+        </p:spPr>
+      </p:pic>
+    </p:spTree>
+    <p:extLst>
+      <p:ext uri="{BB962C8B-B14F-4D97-AF65-F5344CB8AC3E}">
+        <p14:creationId xmlns:p14="http://schemas.microsoft.com/office/powerpoint/2010/main" val="3433364946"/>
+      </p:ext>
+    </p:extLst>
+  </p:cSld>
+  <p:clrMapOvr>
+    <a:masterClrMapping/>
+  </p:clrMapOvr>
+</p:sld>
+</file>
+
+<file path=ppt/slides/slide19.xml><?xml version="1.0" encoding="utf-8"?>
+<p:sld xmlns:a="http://schemas.openxmlformats.org/drawingml/2006/main" xmlns:r="http://schemas.openxmlformats.org/officeDocument/2006/relationships" xmlns:p="http://schemas.openxmlformats.org/presentationml/2006/main">
+  <p:cSld>
+    <p:spTree>
+      <p:nvGrpSpPr>
+        <p:cNvPr id="1" name=""/>
+        <p:cNvGrpSpPr/>
+        <p:nvPr/>
+      </p:nvGrpSpPr>
+      <p:grpSpPr>
+        <a:xfrm>
+          <a:off x="0" y="0"/>
+          <a:ext cx="0" cy="0"/>
+          <a:chOff x="0" y="0"/>
+          <a:chExt cx="0" cy="0"/>
+        </a:xfrm>
+      </p:grpSpPr>
+      <p:pic>
+        <p:nvPicPr>
+          <p:cNvPr id="3" name="Picture 2">
+            <a:extLst>
+              <a:ext uri="{FF2B5EF4-FFF2-40B4-BE49-F238E27FC236}">
+                <a16:creationId xmlns:a16="http://schemas.microsoft.com/office/drawing/2014/main" id="{BCB90FEF-AA18-4CE4-9224-75A0C23106A6}"/>
+              </a:ext>
+            </a:extLst>
+          </p:cNvPr>
+          <p:cNvPicPr>
+            <a:picLocks noChangeAspect="1"/>
+          </p:cNvPicPr>
+          <p:nvPr/>
+        </p:nvPicPr>
+        <p:blipFill>
+          <a:blip r:embed="rId2"/>
+          <a:stretch>
+            <a:fillRect/>
+          </a:stretch>
+        </p:blipFill>
+        <p:spPr>
+          <a:xfrm>
+            <a:off x="2283928" y="1268970"/>
+            <a:ext cx="5599097" cy="4301193"/>
+          </a:xfrm>
+          <a:prstGeom prst="rect">
+            <a:avLst/>
+          </a:prstGeom>
+        </p:spPr>
+      </p:pic>
+      <p:sp>
+        <p:nvSpPr>
+          <p:cNvPr id="2" name="Title 1"/>
+          <p:cNvSpPr>
+            <a:spLocks noGrp="1"/>
+          </p:cNvSpPr>
+          <p:nvPr>
+            <p:ph type="title"/>
+          </p:nvPr>
+        </p:nvSpPr>
+        <p:spPr/>
+        <p:txBody>
+          <a:bodyPr/>
+          <a:lstStyle/>
+          <a:p>
+            <a:r>
+              <a:rPr lang="en-IE" b="1" dirty="0"/>
+              <a:t>Mongoose Schemas – Arrays &amp; Subdocuments</a:t>
+            </a:r>
+            <a:endParaRPr lang="en-IE" dirty="0"/>
+          </a:p>
+        </p:txBody>
+      </p:sp>
+      <p:sp>
+        <p:nvSpPr>
+          <p:cNvPr id="5" name="Callout: Line 4"/>
+          <p:cNvSpPr/>
+          <p:nvPr/>
+        </p:nvSpPr>
+        <p:spPr>
+          <a:xfrm>
+            <a:off x="7787392" y="1198327"/>
+            <a:ext cx="2514600" cy="838200"/>
+          </a:xfrm>
+          <a:prstGeom prst="borderCallout1">
+            <a:avLst>
+              <a:gd name="adj1" fmla="val 18750"/>
+              <a:gd name="adj2" fmla="val -8333"/>
+              <a:gd name="adj3" fmla="val 458234"/>
+              <a:gd name="adj4" fmla="val -80851"/>
+            </a:avLst>
+          </a:prstGeom>
+        </p:spPr>
+        <p:style>
+          <a:lnRef idx="2">
+            <a:schemeClr val="accent1">
+              <a:shade val="50000"/>
+            </a:schemeClr>
+          </a:lnRef>
+          <a:fillRef idx="1">
+            <a:schemeClr val="accent1"/>
+          </a:fillRef>
+          <a:effectRef idx="0">
+            <a:schemeClr val="accent1"/>
+          </a:effectRef>
+          <a:fontRef idx="minor">
+            <a:schemeClr val="lt1"/>
+          </a:fontRef>
+        </p:style>
+        <p:txBody>
+          <a:bodyPr rtlCol="0" anchor="ctr"/>
+          <a:lstStyle/>
+          <a:p>
+            <a:pPr algn="ctr"/>
+            <a:r>
+              <a:rPr lang="en-IE" dirty="0"/>
+              <a:t>Review property is an Array of </a:t>
+            </a:r>
+            <a:r>
+              <a:rPr lang="en-IE" dirty="0" err="1"/>
+              <a:t>MovieReviewSchema</a:t>
+            </a:r>
+            <a:endParaRPr lang="en-IE" dirty="0"/>
+          </a:p>
+        </p:txBody>
+      </p:sp>
+    </p:spTree>
+    <p:extLst>
+      <p:ext uri="{BB962C8B-B14F-4D97-AF65-F5344CB8AC3E}">
+        <p14:creationId xmlns:p14="http://schemas.microsoft.com/office/powerpoint/2010/main" val="2417587214"/>
+      </p:ext>
+    </p:extLst>
+  </p:cSld>
+  <p:clrMapOvr>
+    <a:masterClrMapping/>
+  </p:clrMapOvr>
+</p:sld>
+</file>
+
 <file path=ppt/slides/slide2.xml><?xml version="1.0" encoding="utf-8"?>
 <p:sld xmlns:a="http://schemas.openxmlformats.org/drawingml/2006/main" xmlns:r="http://schemas.openxmlformats.org/officeDocument/2006/relationships" xmlns:p="http://schemas.openxmlformats.org/presentationml/2006/main">
   <p:cSld>
@@ -10544,503 +9883,6 @@
 </file>
 
 <file path=ppt/slides/slide20.xml><?xml version="1.0" encoding="utf-8"?>
-<p:sld xmlns:a="http://schemas.openxmlformats.org/drawingml/2006/main" xmlns:r="http://schemas.openxmlformats.org/officeDocument/2006/relationships" xmlns:p="http://schemas.openxmlformats.org/presentationml/2006/main">
-  <p:cSld>
-    <p:spTree>
-      <p:nvGrpSpPr>
-        <p:cNvPr id="1" name=""/>
-        <p:cNvGrpSpPr/>
-        <p:nvPr/>
-      </p:nvGrpSpPr>
-      <p:grpSpPr>
-        <a:xfrm>
-          <a:off x="0" y="0"/>
-          <a:ext cx="0" cy="0"/>
-          <a:chOff x="0" y="0"/>
-          <a:chExt cx="0" cy="0"/>
-        </a:xfrm>
-      </p:grpSpPr>
-      <p:sp>
-        <p:nvSpPr>
-          <p:cNvPr id="2" name="Title 1"/>
-          <p:cNvSpPr>
-            <a:spLocks noGrp="1"/>
-          </p:cNvSpPr>
-          <p:nvPr>
-            <p:ph type="title"/>
-          </p:nvPr>
-        </p:nvSpPr>
-        <p:spPr/>
-        <p:txBody>
-          <a:bodyPr/>
-          <a:lstStyle/>
-          <a:p>
-            <a:r>
-              <a:rPr lang="en-IE" b="1"/>
-              <a:t>Mongoose Schemas and Models</a:t>
-            </a:r>
-            <a:endParaRPr lang="en-IE"/>
-          </a:p>
-        </p:txBody>
-      </p:sp>
-      <p:sp>
-        <p:nvSpPr>
-          <p:cNvPr id="3" name="Content Placeholder 2"/>
-          <p:cNvSpPr>
-            <a:spLocks noGrp="1"/>
-          </p:cNvSpPr>
-          <p:nvPr>
-            <p:ph idx="1"/>
-          </p:nvPr>
-        </p:nvSpPr>
-        <p:spPr>
-          <a:xfrm>
-            <a:off x="1981200" y="1600201"/>
-            <a:ext cx="8229600" cy="1981200"/>
-          </a:xfrm>
-        </p:spPr>
-        <p:txBody>
-          <a:bodyPr>
-            <a:normAutofit fontScale="92500" lnSpcReduction="20000"/>
-          </a:bodyPr>
-          <a:lstStyle/>
-          <a:p>
-            <a:r>
-              <a:rPr lang="en-IE"/>
-              <a:t>Mongoose supports models </a:t>
-            </a:r>
-          </a:p>
-          <a:p>
-            <a:pPr lvl="1"/>
-            <a:r>
-              <a:rPr lang="en-IE"/>
-              <a:t>i.e. fixed types of documents </a:t>
-            </a:r>
-          </a:p>
-          <a:p>
-            <a:pPr lvl="1"/>
-            <a:r>
-              <a:rPr lang="en-IE"/>
-              <a:t>Needs a mongoose.Schema </a:t>
-            </a:r>
-          </a:p>
-          <a:p>
-            <a:pPr lvl="1"/>
-            <a:r>
-              <a:rPr lang="en-IE"/>
-              <a:t>Each of the properties must have a type</a:t>
-            </a:r>
-          </a:p>
-          <a:p>
-            <a:pPr lvl="2"/>
-            <a:r>
-              <a:rPr lang="en-IE"/>
-              <a:t>Number, String, Boolean, array, object</a:t>
-            </a:r>
-          </a:p>
-          <a:p>
-            <a:endParaRPr lang="en-IE" dirty="0"/>
-          </a:p>
-        </p:txBody>
-      </p:sp>
-      <p:pic>
-        <p:nvPicPr>
-          <p:cNvPr id="4" name="Picture 3">
-            <a:extLst>
-              <a:ext uri="{FF2B5EF4-FFF2-40B4-BE49-F238E27FC236}">
-                <a16:creationId xmlns:a16="http://schemas.microsoft.com/office/drawing/2014/main" id="{92D59B08-1310-473B-AB33-7AD1C8787E68}"/>
-              </a:ext>
-            </a:extLst>
-          </p:cNvPr>
-          <p:cNvPicPr>
-            <a:picLocks noChangeAspect="1"/>
-          </p:cNvPicPr>
-          <p:nvPr/>
-        </p:nvPicPr>
-        <p:blipFill>
-          <a:blip r:embed="rId2"/>
-          <a:stretch>
-            <a:fillRect/>
-          </a:stretch>
-        </p:blipFill>
-        <p:spPr>
-          <a:xfrm>
-            <a:off x="2058751" y="3749180"/>
-            <a:ext cx="6696075" cy="2762250"/>
-          </a:xfrm>
-          <a:prstGeom prst="rect">
-            <a:avLst/>
-          </a:prstGeom>
-        </p:spPr>
-      </p:pic>
-    </p:spTree>
-    <p:extLst>
-      <p:ext uri="{BB962C8B-B14F-4D97-AF65-F5344CB8AC3E}">
-        <p14:creationId xmlns:p14="http://schemas.microsoft.com/office/powerpoint/2010/main" val="3433364946"/>
-      </p:ext>
-    </p:extLst>
-  </p:cSld>
-  <p:clrMapOvr>
-    <a:masterClrMapping/>
-  </p:clrMapOvr>
-</p:sld>
-</file>
-
-<file path=ppt/slides/slide21.xml><?xml version="1.0" encoding="utf-8"?>
-<p:sld xmlns:a="http://schemas.openxmlformats.org/drawingml/2006/main" xmlns:r="http://schemas.openxmlformats.org/officeDocument/2006/relationships" xmlns:p="http://schemas.openxmlformats.org/presentationml/2006/main">
-  <p:cSld>
-    <p:spTree>
-      <p:nvGrpSpPr>
-        <p:cNvPr id="1" name=""/>
-        <p:cNvGrpSpPr/>
-        <p:nvPr/>
-      </p:nvGrpSpPr>
-      <p:grpSpPr>
-        <a:xfrm>
-          <a:off x="0" y="0"/>
-          <a:ext cx="0" cy="0"/>
-          <a:chOff x="0" y="0"/>
-          <a:chExt cx="0" cy="0"/>
-        </a:xfrm>
-      </p:grpSpPr>
-      <p:pic>
-        <p:nvPicPr>
-          <p:cNvPr id="8" name="Picture 7"/>
-          <p:cNvPicPr>
-            <a:picLocks noChangeAspect="1"/>
-          </p:cNvPicPr>
-          <p:nvPr/>
-        </p:nvPicPr>
-        <p:blipFill>
-          <a:blip r:embed="rId2"/>
-          <a:stretch>
-            <a:fillRect/>
-          </a:stretch>
-        </p:blipFill>
-        <p:spPr>
-          <a:xfrm>
-            <a:off x="3025494" y="1617427"/>
-            <a:ext cx="6962980" cy="4739652"/>
-          </a:xfrm>
-          <a:prstGeom prst="rect">
-            <a:avLst/>
-          </a:prstGeom>
-        </p:spPr>
-      </p:pic>
-      <p:sp>
-        <p:nvSpPr>
-          <p:cNvPr id="2" name="Title 1"/>
-          <p:cNvSpPr>
-            <a:spLocks noGrp="1"/>
-          </p:cNvSpPr>
-          <p:nvPr>
-            <p:ph type="title"/>
-          </p:nvPr>
-        </p:nvSpPr>
-        <p:spPr/>
-        <p:txBody>
-          <a:bodyPr>
-            <a:normAutofit fontScale="90000"/>
-          </a:bodyPr>
-          <a:lstStyle/>
-          <a:p>
-            <a:r>
-              <a:rPr lang="en-IE" b="1" dirty="0"/>
-              <a:t>Mongoose Schemas – Arrays &amp; sub-documents</a:t>
-            </a:r>
-            <a:endParaRPr lang="en-IE" dirty="0"/>
-          </a:p>
-        </p:txBody>
-      </p:sp>
-      <p:sp>
-        <p:nvSpPr>
-          <p:cNvPr id="5" name="Callout: Line 4"/>
-          <p:cNvSpPr/>
-          <p:nvPr/>
-        </p:nvSpPr>
-        <p:spPr>
-          <a:xfrm>
-            <a:off x="7787392" y="1198327"/>
-            <a:ext cx="2514600" cy="838200"/>
-          </a:xfrm>
-          <a:prstGeom prst="borderCallout1">
-            <a:avLst>
-              <a:gd name="adj1" fmla="val 18750"/>
-              <a:gd name="adj2" fmla="val -8333"/>
-              <a:gd name="adj3" fmla="val 458234"/>
-              <a:gd name="adj4" fmla="val -80851"/>
-            </a:avLst>
-          </a:prstGeom>
-        </p:spPr>
-        <p:style>
-          <a:lnRef idx="2">
-            <a:schemeClr val="accent1">
-              <a:shade val="50000"/>
-            </a:schemeClr>
-          </a:lnRef>
-          <a:fillRef idx="1">
-            <a:schemeClr val="accent1"/>
-          </a:fillRef>
-          <a:effectRef idx="0">
-            <a:schemeClr val="accent1"/>
-          </a:effectRef>
-          <a:fontRef idx="minor">
-            <a:schemeClr val="lt1"/>
-          </a:fontRef>
-        </p:style>
-        <p:txBody>
-          <a:bodyPr rtlCol="0" anchor="ctr"/>
-          <a:lstStyle/>
-          <a:p>
-            <a:pPr algn="ctr"/>
-            <a:r>
-              <a:rPr lang="en-IE" dirty="0"/>
-              <a:t>Comments property is an Array of </a:t>
-            </a:r>
-            <a:r>
-              <a:rPr lang="en-IE" dirty="0" err="1"/>
-              <a:t>CommentSchemas</a:t>
-            </a:r>
-            <a:endParaRPr lang="en-IE" dirty="0"/>
-          </a:p>
-        </p:txBody>
-      </p:sp>
-    </p:spTree>
-    <p:extLst>
-      <p:ext uri="{BB962C8B-B14F-4D97-AF65-F5344CB8AC3E}">
-        <p14:creationId xmlns:p14="http://schemas.microsoft.com/office/powerpoint/2010/main" val="2033143493"/>
-      </p:ext>
-    </p:extLst>
-  </p:cSld>
-  <p:clrMapOvr>
-    <a:masterClrMapping/>
-  </p:clrMapOvr>
-  <p:timing>
-    <p:tnLst>
-      <p:par>
-        <p:cTn id="1" dur="indefinite" restart="never" nodeType="tmRoot">
-          <p:childTnLst>
-            <p:seq concurrent="1" nextAc="seek">
-              <p:cTn id="2" dur="indefinite" nodeType="mainSeq">
-                <p:childTnLst>
-                  <p:par>
-                    <p:cTn id="3" fill="hold">
-                      <p:stCondLst>
-                        <p:cond delay="indefinite"/>
-                      </p:stCondLst>
-                      <p:childTnLst>
-                        <p:par>
-                          <p:cTn id="4" fill="hold">
-                            <p:stCondLst>
-                              <p:cond delay="0"/>
-                            </p:stCondLst>
-                            <p:childTnLst>
-                              <p:par>
-                                <p:cTn id="5" presetID="10" presetClass="entr" presetSubtype="0" fill="hold" grpId="0" nodeType="clickEffect">
-                                  <p:stCondLst>
-                                    <p:cond delay="0"/>
-                                  </p:stCondLst>
-                                  <p:childTnLst>
-                                    <p:set>
-                                      <p:cBhvr>
-                                        <p:cTn id="6" dur="1" fill="hold">
-                                          <p:stCondLst>
-                                            <p:cond delay="0"/>
-                                          </p:stCondLst>
-                                        </p:cTn>
-                                        <p:tgtEl>
-                                          <p:spTgt spid="5"/>
-                                        </p:tgtEl>
-                                        <p:attrNameLst>
-                                          <p:attrName>style.visibility</p:attrName>
-                                        </p:attrNameLst>
-                                      </p:cBhvr>
-                                      <p:to>
-                                        <p:strVal val="visible"/>
-                                      </p:to>
-                                    </p:set>
-                                    <p:animEffect transition="in" filter="fade">
-                                      <p:cBhvr>
-                                        <p:cTn id="7" dur="500"/>
-                                        <p:tgtEl>
-                                          <p:spTgt spid="5"/>
-                                        </p:tgtEl>
-                                      </p:cBhvr>
-                                    </p:animEffect>
-                                  </p:childTnLst>
-                                </p:cTn>
-                              </p:par>
-                            </p:childTnLst>
-                          </p:cTn>
-                        </p:par>
-                      </p:childTnLst>
-                    </p:cTn>
-                  </p:par>
-                </p:childTnLst>
-              </p:cTn>
-              <p:prevCondLst>
-                <p:cond evt="onPrev" delay="0">
-                  <p:tgtEl>
-                    <p:sldTgt/>
-                  </p:tgtEl>
-                </p:cond>
-              </p:prevCondLst>
-              <p:nextCondLst>
-                <p:cond evt="onNext" delay="0">
-                  <p:tgtEl>
-                    <p:sldTgt/>
-                  </p:tgtEl>
-                </p:cond>
-              </p:nextCondLst>
-            </p:seq>
-          </p:childTnLst>
-        </p:cTn>
-      </p:par>
-    </p:tnLst>
-    <p:bldLst>
-      <p:bldP spid="5" grpId="0" animBg="1"/>
-    </p:bldLst>
-  </p:timing>
-</p:sld>
-</file>
-
-<file path=ppt/slides/slide22.xml><?xml version="1.0" encoding="utf-8"?>
-<p:sld xmlns:a="http://schemas.openxmlformats.org/drawingml/2006/main" xmlns:r="http://schemas.openxmlformats.org/officeDocument/2006/relationships" xmlns:p="http://schemas.openxmlformats.org/presentationml/2006/main">
-  <p:cSld>
-    <p:spTree>
-      <p:nvGrpSpPr>
-        <p:cNvPr id="1" name=""/>
-        <p:cNvGrpSpPr/>
-        <p:nvPr/>
-      </p:nvGrpSpPr>
-      <p:grpSpPr>
-        <a:xfrm>
-          <a:off x="0" y="0"/>
-          <a:ext cx="0" cy="0"/>
-          <a:chOff x="0" y="0"/>
-          <a:chExt cx="0" cy="0"/>
-        </a:xfrm>
-      </p:grpSpPr>
-      <p:pic>
-        <p:nvPicPr>
-          <p:cNvPr id="3" name="Picture 2">
-            <a:extLst>
-              <a:ext uri="{FF2B5EF4-FFF2-40B4-BE49-F238E27FC236}">
-                <a16:creationId xmlns:a16="http://schemas.microsoft.com/office/drawing/2014/main" id="{BCB90FEF-AA18-4CE4-9224-75A0C23106A6}"/>
-              </a:ext>
-            </a:extLst>
-          </p:cNvPr>
-          <p:cNvPicPr>
-            <a:picLocks noChangeAspect="1"/>
-          </p:cNvPicPr>
-          <p:nvPr/>
-        </p:nvPicPr>
-        <p:blipFill>
-          <a:blip r:embed="rId2"/>
-          <a:stretch>
-            <a:fillRect/>
-          </a:stretch>
-        </p:blipFill>
-        <p:spPr>
-          <a:xfrm>
-            <a:off x="2283928" y="1268970"/>
-            <a:ext cx="5599097" cy="4301193"/>
-          </a:xfrm>
-          <a:prstGeom prst="rect">
-            <a:avLst/>
-          </a:prstGeom>
-        </p:spPr>
-      </p:pic>
-      <p:sp>
-        <p:nvSpPr>
-          <p:cNvPr id="2" name="Title 1"/>
-          <p:cNvSpPr>
-            <a:spLocks noGrp="1"/>
-          </p:cNvSpPr>
-          <p:nvPr>
-            <p:ph type="title"/>
-          </p:nvPr>
-        </p:nvSpPr>
-        <p:spPr/>
-        <p:txBody>
-          <a:bodyPr/>
-          <a:lstStyle/>
-          <a:p>
-            <a:r>
-              <a:rPr lang="en-IE" b="1"/>
-              <a:t>Mongoose Schemas - Arrays</a:t>
-            </a:r>
-            <a:endParaRPr lang="en-IE"/>
-          </a:p>
-        </p:txBody>
-      </p:sp>
-      <p:sp>
-        <p:nvSpPr>
-          <p:cNvPr id="5" name="Callout: Line 4"/>
-          <p:cNvSpPr/>
-          <p:nvPr/>
-        </p:nvSpPr>
-        <p:spPr>
-          <a:xfrm>
-            <a:off x="7787392" y="1198327"/>
-            <a:ext cx="2514600" cy="838200"/>
-          </a:xfrm>
-          <a:prstGeom prst="borderCallout1">
-            <a:avLst>
-              <a:gd name="adj1" fmla="val 18750"/>
-              <a:gd name="adj2" fmla="val -8333"/>
-              <a:gd name="adj3" fmla="val 458234"/>
-              <a:gd name="adj4" fmla="val -80851"/>
-            </a:avLst>
-          </a:prstGeom>
-        </p:spPr>
-        <p:style>
-          <a:lnRef idx="2">
-            <a:schemeClr val="accent1">
-              <a:shade val="50000"/>
-            </a:schemeClr>
-          </a:lnRef>
-          <a:fillRef idx="1">
-            <a:schemeClr val="accent1"/>
-          </a:fillRef>
-          <a:effectRef idx="0">
-            <a:schemeClr val="accent1"/>
-          </a:effectRef>
-          <a:fontRef idx="minor">
-            <a:schemeClr val="lt1"/>
-          </a:fontRef>
-        </p:style>
-        <p:txBody>
-          <a:bodyPr rtlCol="0" anchor="ctr"/>
-          <a:lstStyle/>
-          <a:p>
-            <a:pPr algn="ctr"/>
-            <a:r>
-              <a:rPr lang="en-IE" dirty="0"/>
-              <a:t>Review property is an Array of </a:t>
-            </a:r>
-            <a:r>
-              <a:rPr lang="en-IE" dirty="0" err="1"/>
-              <a:t>MovieReviewSchema</a:t>
-            </a:r>
-            <a:endParaRPr lang="en-IE" dirty="0"/>
-          </a:p>
-        </p:txBody>
-      </p:sp>
-    </p:spTree>
-    <p:extLst>
-      <p:ext uri="{BB962C8B-B14F-4D97-AF65-F5344CB8AC3E}">
-        <p14:creationId xmlns:p14="http://schemas.microsoft.com/office/powerpoint/2010/main" val="2417587214"/>
-      </p:ext>
-    </p:extLst>
-  </p:cSld>
-  <p:clrMapOvr>
-    <a:masterClrMapping/>
-  </p:clrMapOvr>
-</p:sld>
-</file>
-
-<file path=ppt/slides/slide23.xml><?xml version="1.0" encoding="utf-8"?>
 <p:sld xmlns:a="http://schemas.openxmlformats.org/drawingml/2006/main" xmlns:r="http://schemas.openxmlformats.org/officeDocument/2006/relationships" xmlns:p="http://schemas.openxmlformats.org/presentationml/2006/main">
   <p:cSld>
     <p:bg>
@@ -11387,7 +10229,7 @@
 </p:sld>
 </file>
 
-<file path=ppt/slides/slide24.xml><?xml version="1.0" encoding="utf-8"?>
+<file path=ppt/slides/slide21.xml><?xml version="1.0" encoding="utf-8"?>
 <p:sld xmlns:a="http://schemas.openxmlformats.org/drawingml/2006/main" xmlns:r="http://schemas.openxmlformats.org/officeDocument/2006/relationships" xmlns:p="http://schemas.openxmlformats.org/presentationml/2006/main">
   <p:cSld>
     <p:spTree>
@@ -11450,10 +10292,10 @@
       </p:sp>
       <p:pic>
         <p:nvPicPr>
-          <p:cNvPr id="8" name="Picture 7">
+          <p:cNvPr id="5" name="Picture 4">
             <a:extLst>
               <a:ext uri="{FF2B5EF4-FFF2-40B4-BE49-F238E27FC236}">
-                <a16:creationId xmlns:a16="http://schemas.microsoft.com/office/drawing/2014/main" id="{0125251D-E3B3-4DCF-8403-FAB5240F0914}"/>
+                <a16:creationId xmlns:a16="http://schemas.microsoft.com/office/drawing/2014/main" id="{4FF8CF14-6EF0-4FBA-BA62-FF370C3AE945}"/>
               </a:ext>
             </a:extLst>
           </p:cNvPr>
@@ -11463,15 +10305,15 @@
           <p:nvPr/>
         </p:nvPicPr>
         <p:blipFill>
-          <a:blip r:embed="rId2"/>
+          <a:blip r:embed="rId3"/>
           <a:stretch>
             <a:fillRect/>
           </a:stretch>
         </p:blipFill>
         <p:spPr>
           <a:xfrm>
-            <a:off x="855924" y="3089635"/>
-            <a:ext cx="7908205" cy="1529499"/>
+            <a:off x="489404" y="3030539"/>
+            <a:ext cx="8020050" cy="3095625"/>
           </a:xfrm>
           <a:prstGeom prst="rect">
             <a:avLst/>
@@ -11499,8 +10341,8 @@
             <a:avLst>
               <a:gd name="adj1" fmla="val 18750"/>
               <a:gd name="adj2" fmla="val -8333"/>
-              <a:gd name="adj3" fmla="val 53540"/>
-              <a:gd name="adj4" fmla="val -46938"/>
+              <a:gd name="adj3" fmla="val 82324"/>
+              <a:gd name="adj4" fmla="val -173341"/>
             </a:avLst>
           </a:prstGeom>
           <a:ln>
@@ -11643,7 +10485,7 @@
 </p:sld>
 </file>
 
-<file path=ppt/slides/slide25.xml><?xml version="1.0" encoding="utf-8"?>
+<file path=ppt/slides/slide22.xml><?xml version="1.0" encoding="utf-8"?>
 <p:sld xmlns:a="http://schemas.openxmlformats.org/drawingml/2006/main" xmlns:r="http://schemas.openxmlformats.org/officeDocument/2006/relationships" xmlns:p="http://schemas.openxmlformats.org/presentationml/2006/main">
   <p:cSld>
     <p:spTree>
@@ -11747,7 +10589,7 @@
 </p:sld>
 </file>
 
-<file path=ppt/slides/slide26.xml><?xml version="1.0" encoding="utf-8"?>
+<file path=ppt/slides/slide23.xml><?xml version="1.0" encoding="utf-8"?>
 <p:sld xmlns:a="http://schemas.openxmlformats.org/drawingml/2006/main" xmlns:r="http://schemas.openxmlformats.org/officeDocument/2006/relationships" xmlns:p="http://schemas.openxmlformats.org/presentationml/2006/main">
   <p:cSld>
     <p:spTree>
@@ -11917,7 +10759,13 @@
               <a:rPr lang="en-IE" dirty="0">
                 <a:cs typeface="Calibri"/>
               </a:rPr>
-              <a:t> or promises. </a:t>
+              <a:t>, promises, or </a:t>
+            </a:r>
+            <a:r>
+              <a:rPr lang="en-IE" b="1" dirty="0">
+                <a:cs typeface="Calibri"/>
+              </a:rPr>
+              <a:t>async await. </a:t>
             </a:r>
           </a:p>
           <a:p>
@@ -12337,6 +11185,557 @@
 </p:sld>
 </file>
 
+<file path=ppt/slides/slide24.xml><?xml version="1.0" encoding="utf-8"?>
+<p:sld xmlns:a="http://schemas.openxmlformats.org/drawingml/2006/main" xmlns:r="http://schemas.openxmlformats.org/officeDocument/2006/relationships" xmlns:p="http://schemas.openxmlformats.org/presentationml/2006/main">
+  <p:cSld>
+    <p:spTree>
+      <p:nvGrpSpPr>
+        <p:cNvPr id="1" name=""/>
+        <p:cNvGrpSpPr/>
+        <p:nvPr/>
+      </p:nvGrpSpPr>
+      <p:grpSpPr>
+        <a:xfrm>
+          <a:off x="0" y="0"/>
+          <a:ext cx="0" cy="0"/>
+          <a:chOff x="0" y="0"/>
+          <a:chExt cx="0" cy="0"/>
+        </a:xfrm>
+      </p:grpSpPr>
+      <p:pic>
+        <p:nvPicPr>
+          <p:cNvPr id="6" name="Picture 5">
+            <a:extLst>
+              <a:ext uri="{FF2B5EF4-FFF2-40B4-BE49-F238E27FC236}">
+                <a16:creationId xmlns:a16="http://schemas.microsoft.com/office/drawing/2014/main" id="{07F47104-24D2-4187-AD42-77549E0FEDF7}"/>
+              </a:ext>
+            </a:extLst>
+          </p:cNvPr>
+          <p:cNvPicPr>
+            <a:picLocks noChangeAspect="1"/>
+          </p:cNvPicPr>
+          <p:nvPr/>
+        </p:nvPicPr>
+        <p:blipFill>
+          <a:blip r:embed="rId2"/>
+          <a:stretch>
+            <a:fillRect/>
+          </a:stretch>
+        </p:blipFill>
+        <p:spPr>
+          <a:xfrm>
+            <a:off x="775291" y="2253457"/>
+            <a:ext cx="5838825" cy="3219450"/>
+          </a:xfrm>
+          <a:prstGeom prst="rect">
+            <a:avLst/>
+          </a:prstGeom>
+        </p:spPr>
+      </p:pic>
+      <p:sp>
+        <p:nvSpPr>
+          <p:cNvPr id="2" name="Title 1"/>
+          <p:cNvSpPr>
+            <a:spLocks noGrp="1"/>
+          </p:cNvSpPr>
+          <p:nvPr>
+            <p:ph type="title"/>
+          </p:nvPr>
+        </p:nvSpPr>
+        <p:spPr/>
+        <p:txBody>
+          <a:bodyPr/>
+          <a:lstStyle/>
+          <a:p>
+            <a:r>
+              <a:rPr lang="en-IE" dirty="0"/>
+              <a:t>Create with Mongoose</a:t>
+            </a:r>
+          </a:p>
+        </p:txBody>
+      </p:sp>
+      <p:sp>
+        <p:nvSpPr>
+          <p:cNvPr id="7" name="Content Placeholder 6">
+            <a:extLst>
+              <a:ext uri="{FF2B5EF4-FFF2-40B4-BE49-F238E27FC236}">
+                <a16:creationId xmlns:a16="http://schemas.microsoft.com/office/drawing/2014/main" id="{1FDC1653-AC7C-4E6B-8F6C-B6462EB4EAFC}"/>
+              </a:ext>
+            </a:extLst>
+          </p:cNvPr>
+          <p:cNvSpPr>
+            <a:spLocks noGrp="1"/>
+          </p:cNvSpPr>
+          <p:nvPr>
+            <p:ph idx="1"/>
+          </p:nvPr>
+        </p:nvSpPr>
+        <p:spPr/>
+        <p:txBody>
+          <a:bodyPr/>
+          <a:lstStyle/>
+          <a:p>
+            <a:r>
+              <a:rPr lang="en-IE" dirty="0"/>
+              <a:t>userModel.js</a:t>
+            </a:r>
+          </a:p>
+        </p:txBody>
+      </p:sp>
+      <p:pic>
+        <p:nvPicPr>
+          <p:cNvPr id="9" name="Picture 8">
+            <a:extLst>
+              <a:ext uri="{FF2B5EF4-FFF2-40B4-BE49-F238E27FC236}">
+                <a16:creationId xmlns:a16="http://schemas.microsoft.com/office/drawing/2014/main" id="{46D5176C-A9C4-4449-A1CF-D39C80C4EF95}"/>
+              </a:ext>
+            </a:extLst>
+          </p:cNvPr>
+          <p:cNvPicPr>
+            <a:picLocks noChangeAspect="1"/>
+          </p:cNvPicPr>
+          <p:nvPr/>
+        </p:nvPicPr>
+        <p:blipFill>
+          <a:blip r:embed="rId3"/>
+          <a:stretch>
+            <a:fillRect/>
+          </a:stretch>
+        </p:blipFill>
+        <p:spPr>
+          <a:xfrm>
+            <a:off x="6712458" y="3720664"/>
+            <a:ext cx="4276725" cy="352425"/>
+          </a:xfrm>
+          <a:prstGeom prst="rect">
+            <a:avLst/>
+          </a:prstGeom>
+        </p:spPr>
+      </p:pic>
+      <p:pic>
+        <p:nvPicPr>
+          <p:cNvPr id="15" name="Picture 14">
+            <a:extLst>
+              <a:ext uri="{FF2B5EF4-FFF2-40B4-BE49-F238E27FC236}">
+                <a16:creationId xmlns:a16="http://schemas.microsoft.com/office/drawing/2014/main" id="{8F2E0750-1D87-4552-930E-07D06758C9BA}"/>
+              </a:ext>
+            </a:extLst>
+          </p:cNvPr>
+          <p:cNvPicPr>
+            <a:picLocks noChangeAspect="1"/>
+          </p:cNvPicPr>
+          <p:nvPr/>
+        </p:nvPicPr>
+        <p:blipFill>
+          <a:blip r:embed="rId4"/>
+          <a:stretch>
+            <a:fillRect/>
+          </a:stretch>
+        </p:blipFill>
+        <p:spPr>
+          <a:xfrm>
+            <a:off x="6712458" y="4013559"/>
+            <a:ext cx="9829800" cy="990600"/>
+          </a:xfrm>
+          <a:prstGeom prst="rect">
+            <a:avLst/>
+          </a:prstGeom>
+        </p:spPr>
+      </p:pic>
+      <mc:AlternateContent xmlns:mc="http://schemas.openxmlformats.org/markup-compatibility/2006">
+        <mc:Choice xmlns:p14="http://schemas.microsoft.com/office/powerpoint/2010/main" Requires="p14">
+          <p:contentPart p14:bwMode="auto" r:id="rId5">
+            <p14:nvContentPartPr>
+              <p14:cNvPr id="17" name="Ink 16">
+                <a:extLst>
+                  <a:ext uri="{FF2B5EF4-FFF2-40B4-BE49-F238E27FC236}">
+                    <a16:creationId xmlns:a16="http://schemas.microsoft.com/office/drawing/2014/main" id="{2A048064-A5CB-4603-BCC2-DCB195F9C7C2}"/>
+                  </a:ext>
+                </a:extLst>
+              </p14:cNvPr>
+              <p14:cNvContentPartPr/>
+              <p14:nvPr/>
+            </p14:nvContentPartPr>
+            <p14:xfrm>
+              <a:off x="3733680" y="1650147"/>
+              <a:ext cx="5358960" cy="2041560"/>
+            </p14:xfrm>
+          </p:contentPart>
+        </mc:Choice>
+        <mc:Fallback>
+          <p:pic>
+            <p:nvPicPr>
+              <p:cNvPr id="17" name="Ink 16">
+                <a:extLst>
+                  <a:ext uri="{FF2B5EF4-FFF2-40B4-BE49-F238E27FC236}">
+                    <a16:creationId xmlns:a16="http://schemas.microsoft.com/office/drawing/2014/main" id="{2A048064-A5CB-4603-BCC2-DCB195F9C7C2}"/>
+                  </a:ext>
+                </a:extLst>
+              </p:cNvPr>
+              <p:cNvPicPr/>
+              <p:nvPr/>
+            </p:nvPicPr>
+            <p:blipFill>
+              <a:blip r:embed="rId6"/>
+              <a:stretch>
+                <a:fillRect/>
+              </a:stretch>
+            </p:blipFill>
+            <p:spPr>
+              <a:xfrm>
+                <a:off x="3725040" y="1641507"/>
+                <a:ext cx="5376600" cy="2059200"/>
+              </a:xfrm>
+              <a:prstGeom prst="rect">
+                <a:avLst/>
+              </a:prstGeom>
+            </p:spPr>
+          </p:pic>
+        </mc:Fallback>
+      </mc:AlternateContent>
+    </p:spTree>
+    <p:extLst>
+      <p:ext uri="{BB962C8B-B14F-4D97-AF65-F5344CB8AC3E}">
+        <p14:creationId xmlns:p14="http://schemas.microsoft.com/office/powerpoint/2010/main" val="4065369884"/>
+      </p:ext>
+    </p:extLst>
+  </p:cSld>
+  <p:clrMapOvr>
+    <a:masterClrMapping/>
+  </p:clrMapOvr>
+</p:sld>
+</file>
+
+<file path=ppt/slides/slide25.xml><?xml version="1.0" encoding="utf-8"?>
+<p:sld xmlns:a="http://schemas.openxmlformats.org/drawingml/2006/main" xmlns:r="http://schemas.openxmlformats.org/officeDocument/2006/relationships" xmlns:p="http://schemas.openxmlformats.org/presentationml/2006/main">
+  <p:cSld>
+    <p:spTree>
+      <p:nvGrpSpPr>
+        <p:cNvPr id="1" name=""/>
+        <p:cNvGrpSpPr/>
+        <p:nvPr/>
+      </p:nvGrpSpPr>
+      <p:grpSpPr>
+        <a:xfrm>
+          <a:off x="0" y="0"/>
+          <a:ext cx="0" cy="0"/>
+          <a:chOff x="0" y="0"/>
+          <a:chExt cx="0" cy="0"/>
+        </a:xfrm>
+      </p:grpSpPr>
+      <p:sp>
+        <p:nvSpPr>
+          <p:cNvPr id="2" name="Title 1"/>
+          <p:cNvSpPr>
+            <a:spLocks noGrp="1"/>
+          </p:cNvSpPr>
+          <p:nvPr>
+            <p:ph type="title"/>
+          </p:nvPr>
+        </p:nvSpPr>
+        <p:spPr/>
+        <p:txBody>
+          <a:bodyPr/>
+          <a:lstStyle/>
+          <a:p>
+            <a:r>
+              <a:rPr lang="en-IE" dirty="0"/>
+              <a:t>Update with Mongoose</a:t>
+            </a:r>
+          </a:p>
+        </p:txBody>
+      </p:sp>
+      <p:sp>
+        <p:nvSpPr>
+          <p:cNvPr id="4" name="Content Placeholder 3">
+            <a:extLst>
+              <a:ext uri="{FF2B5EF4-FFF2-40B4-BE49-F238E27FC236}">
+                <a16:creationId xmlns:a16="http://schemas.microsoft.com/office/drawing/2014/main" id="{F8AB79EB-7032-43A9-AC27-D5C5FE846300}"/>
+              </a:ext>
+            </a:extLst>
+          </p:cNvPr>
+          <p:cNvSpPr>
+            <a:spLocks noGrp="1"/>
+          </p:cNvSpPr>
+          <p:nvPr>
+            <p:ph idx="1"/>
+          </p:nvPr>
+        </p:nvSpPr>
+        <p:spPr/>
+        <p:txBody>
+          <a:bodyPr/>
+          <a:lstStyle/>
+          <a:p>
+            <a:endParaRPr lang="en-IE" dirty="0"/>
+          </a:p>
+        </p:txBody>
+      </p:sp>
+      <p:pic>
+        <p:nvPicPr>
+          <p:cNvPr id="6" name="Picture 5">
+            <a:extLst>
+              <a:ext uri="{FF2B5EF4-FFF2-40B4-BE49-F238E27FC236}">
+                <a16:creationId xmlns:a16="http://schemas.microsoft.com/office/drawing/2014/main" id="{26D77ED3-97A1-468B-BD6B-32E3962E215C}"/>
+              </a:ext>
+            </a:extLst>
+          </p:cNvPr>
+          <p:cNvPicPr>
+            <a:picLocks noChangeAspect="1"/>
+          </p:cNvPicPr>
+          <p:nvPr/>
+        </p:nvPicPr>
+        <p:blipFill>
+          <a:blip r:embed="rId2"/>
+          <a:stretch>
+            <a:fillRect/>
+          </a:stretch>
+        </p:blipFill>
+        <p:spPr>
+          <a:xfrm>
+            <a:off x="1131433" y="3224212"/>
+            <a:ext cx="7724775" cy="2124075"/>
+          </a:xfrm>
+          <a:prstGeom prst="rect">
+            <a:avLst/>
+          </a:prstGeom>
+        </p:spPr>
+      </p:pic>
+      <p:pic>
+        <p:nvPicPr>
+          <p:cNvPr id="7" name="Picture 6">
+            <a:extLst>
+              <a:ext uri="{FF2B5EF4-FFF2-40B4-BE49-F238E27FC236}">
+                <a16:creationId xmlns:a16="http://schemas.microsoft.com/office/drawing/2014/main" id="{BE18DAD8-374E-4B85-AB50-E00AB0FA688D}"/>
+              </a:ext>
+            </a:extLst>
+          </p:cNvPr>
+          <p:cNvPicPr>
+            <a:picLocks noChangeAspect="1"/>
+          </p:cNvPicPr>
+          <p:nvPr/>
+        </p:nvPicPr>
+        <p:blipFill>
+          <a:blip r:embed="rId3"/>
+          <a:stretch>
+            <a:fillRect/>
+          </a:stretch>
+        </p:blipFill>
+        <p:spPr>
+          <a:xfrm>
+            <a:off x="1131433" y="2871787"/>
+            <a:ext cx="4276725" cy="352425"/>
+          </a:xfrm>
+          <a:prstGeom prst="rect">
+            <a:avLst/>
+          </a:prstGeom>
+        </p:spPr>
+      </p:pic>
+    </p:spTree>
+    <p:extLst>
+      <p:ext uri="{BB962C8B-B14F-4D97-AF65-F5344CB8AC3E}">
+        <p14:creationId xmlns:p14="http://schemas.microsoft.com/office/powerpoint/2010/main" val="148236095"/>
+      </p:ext>
+    </p:extLst>
+  </p:cSld>
+  <p:clrMapOvr>
+    <a:masterClrMapping/>
+  </p:clrMapOvr>
+</p:sld>
+</file>
+
+<file path=ppt/slides/slide26.xml><?xml version="1.0" encoding="utf-8"?>
+<p:sld xmlns:a="http://schemas.openxmlformats.org/drawingml/2006/main" xmlns:r="http://schemas.openxmlformats.org/officeDocument/2006/relationships" xmlns:p="http://schemas.openxmlformats.org/presentationml/2006/main">
+  <p:cSld>
+    <p:spTree>
+      <p:nvGrpSpPr>
+        <p:cNvPr id="1" name=""/>
+        <p:cNvGrpSpPr/>
+        <p:nvPr/>
+      </p:nvGrpSpPr>
+      <p:grpSpPr>
+        <a:xfrm>
+          <a:off x="0" y="0"/>
+          <a:ext cx="0" cy="0"/>
+          <a:chOff x="0" y="0"/>
+          <a:chExt cx="0" cy="0"/>
+        </a:xfrm>
+      </p:grpSpPr>
+      <p:sp>
+        <p:nvSpPr>
+          <p:cNvPr id="2" name="Title 1"/>
+          <p:cNvSpPr>
+            <a:spLocks noGrp="1"/>
+          </p:cNvSpPr>
+          <p:nvPr>
+            <p:ph type="title"/>
+          </p:nvPr>
+        </p:nvSpPr>
+        <p:spPr/>
+        <p:txBody>
+          <a:bodyPr/>
+          <a:lstStyle/>
+          <a:p>
+            <a:r>
+              <a:rPr lang="en-IE"/>
+              <a:t>Mongoose Queries</a:t>
+            </a:r>
+          </a:p>
+        </p:txBody>
+      </p:sp>
+      <p:sp>
+        <p:nvSpPr>
+          <p:cNvPr id="3" name="Content Placeholder 2"/>
+          <p:cNvSpPr>
+            <a:spLocks noGrp="1"/>
+          </p:cNvSpPr>
+          <p:nvPr>
+            <p:ph idx="1"/>
+          </p:nvPr>
+        </p:nvSpPr>
+        <p:spPr>
+          <a:xfrm>
+            <a:off x="1981200" y="1600201"/>
+            <a:ext cx="8229600" cy="3048000"/>
+          </a:xfrm>
+        </p:spPr>
+        <p:txBody>
+          <a:bodyPr>
+            <a:normAutofit fontScale="70000" lnSpcReduction="20000"/>
+          </a:bodyPr>
+          <a:lstStyle/>
+          <a:p>
+            <a:r>
+              <a:rPr lang="en-IE" dirty="0"/>
+              <a:t>Mongoose supports many queries: </a:t>
+            </a:r>
+          </a:p>
+          <a:p>
+            <a:pPr lvl="1"/>
+            <a:r>
+              <a:rPr lang="en-IE" dirty="0"/>
+              <a:t>For equality/non-equality </a:t>
+            </a:r>
+          </a:p>
+          <a:p>
+            <a:pPr lvl="1"/>
+            <a:r>
+              <a:rPr lang="en-IE" dirty="0"/>
+              <a:t>Selection of some properties </a:t>
+            </a:r>
+          </a:p>
+          <a:p>
+            <a:pPr lvl="1"/>
+            <a:r>
+              <a:rPr lang="en-IE" dirty="0"/>
+              <a:t>Sorting </a:t>
+            </a:r>
+          </a:p>
+          <a:p>
+            <a:pPr lvl="1"/>
+            <a:r>
+              <a:rPr lang="en-IE" dirty="0"/>
+              <a:t>Limit &amp; skip </a:t>
+            </a:r>
+          </a:p>
+          <a:p>
+            <a:r>
+              <a:rPr lang="en-IE" dirty="0"/>
+              <a:t>All queries are executed over the object returned by </a:t>
+            </a:r>
+            <a:r>
+              <a:rPr lang="en-IE" dirty="0" err="1"/>
+              <a:t>Model.find</a:t>
+            </a:r>
+            <a:r>
+              <a:rPr lang="en-IE" dirty="0"/>
+              <a:t>*()</a:t>
+            </a:r>
+          </a:p>
+          <a:p>
+            <a:pPr lvl="1"/>
+            <a:r>
+              <a:rPr lang="en-IE" dirty="0" err="1"/>
+              <a:t>Model.findOne</a:t>
+            </a:r>
+            <a:r>
+              <a:rPr lang="en-IE" dirty="0"/>
+              <a:t>() returns a single document, the first match</a:t>
+            </a:r>
+          </a:p>
+          <a:p>
+            <a:pPr lvl="1"/>
+            <a:r>
+              <a:rPr lang="en-IE" dirty="0" err="1"/>
+              <a:t>Model.find</a:t>
+            </a:r>
+            <a:r>
+              <a:rPr lang="en-IE" dirty="0"/>
+              <a:t>() returns all</a:t>
+            </a:r>
+          </a:p>
+          <a:p>
+            <a:pPr lvl="1"/>
+            <a:r>
+              <a:rPr lang="en-IE" dirty="0" err="1"/>
+              <a:t>Model.findById</a:t>
+            </a:r>
+            <a:r>
+              <a:rPr lang="en-IE" dirty="0"/>
+              <a:t>() queries on the _id field.</a:t>
+            </a:r>
+          </a:p>
+          <a:p>
+            <a:pPr lvl="1"/>
+            <a:endParaRPr lang="en-IE" dirty="0"/>
+          </a:p>
+          <a:p>
+            <a:endParaRPr lang="en-IE" dirty="0"/>
+          </a:p>
+        </p:txBody>
+      </p:sp>
+      <p:pic>
+        <p:nvPicPr>
+          <p:cNvPr id="4" name="Picture 3">
+            <a:extLst>
+              <a:ext uri="{FF2B5EF4-FFF2-40B4-BE49-F238E27FC236}">
+                <a16:creationId xmlns:a16="http://schemas.microsoft.com/office/drawing/2014/main" id="{6FA9FFAE-F748-4157-97CB-4E5B32E601E4}"/>
+              </a:ext>
+            </a:extLst>
+          </p:cNvPr>
+          <p:cNvPicPr>
+            <a:picLocks noChangeAspect="1"/>
+          </p:cNvPicPr>
+          <p:nvPr/>
+        </p:nvPicPr>
+        <p:blipFill>
+          <a:blip r:embed="rId2"/>
+          <a:stretch>
+            <a:fillRect/>
+          </a:stretch>
+        </p:blipFill>
+        <p:spPr>
+          <a:xfrm>
+            <a:off x="2376706" y="4535427"/>
+            <a:ext cx="6810375" cy="2533650"/>
+          </a:xfrm>
+          <a:prstGeom prst="rect">
+            <a:avLst/>
+          </a:prstGeom>
+        </p:spPr>
+      </p:pic>
+    </p:spTree>
+    <p:extLst>
+      <p:ext uri="{BB962C8B-B14F-4D97-AF65-F5344CB8AC3E}">
+        <p14:creationId xmlns:p14="http://schemas.microsoft.com/office/powerpoint/2010/main" val="925599297"/>
+      </p:ext>
+    </p:extLst>
+  </p:cSld>
+  <p:clrMapOvr>
+    <a:masterClrMapping/>
+  </p:clrMapOvr>
+</p:sld>
+</file>
+
 <file path=ppt/slides/slide27.xml><?xml version="1.0" encoding="utf-8"?>
 <p:sld xmlns:a="http://schemas.openxmlformats.org/drawingml/2006/main" xmlns:r="http://schemas.openxmlformats.org/officeDocument/2006/relationships" xmlns:p="http://schemas.openxmlformats.org/presentationml/2006/main">
   <p:cSld>
@@ -12370,21 +11769,15 @@
           <a:lstStyle/>
           <a:p>
             <a:r>
-              <a:rPr lang="en-IE" dirty="0"/>
-              <a:t>Create with Mongoose</a:t>
+              <a:rPr lang="en-IE"/>
+              <a:t>Mongoose Queries</a:t>
             </a:r>
           </a:p>
         </p:txBody>
       </p:sp>
       <p:sp>
         <p:nvSpPr>
-          <p:cNvPr id="7" name="Content Placeholder 6">
-            <a:extLst>
-              <a:ext uri="{FF2B5EF4-FFF2-40B4-BE49-F238E27FC236}">
-                <a16:creationId xmlns:a16="http://schemas.microsoft.com/office/drawing/2014/main" id="{1FDC1653-AC7C-4E6B-8F6C-B6462EB4EAFC}"/>
-              </a:ext>
-            </a:extLst>
-          </p:cNvPr>
+          <p:cNvPr id="3" name="Content Placeholder 2"/>
           <p:cNvSpPr>
             <a:spLocks noGrp="1"/>
           </p:cNvSpPr>
@@ -12394,22 +11787,36 @@
         </p:nvSpPr>
         <p:spPr/>
         <p:txBody>
-          <a:bodyPr/>
+          <a:bodyPr>
+            <a:normAutofit/>
+          </a:bodyPr>
           <a:lstStyle/>
           <a:p>
-            <a:endParaRPr lang="en-IE" dirty="0"/>
+            <a:r>
+              <a:rPr lang="en-IE"/>
+              <a:t>Can build complex queries and execute them later</a:t>
+            </a:r>
+          </a:p>
+          <a:p>
+            <a:pPr marL="0" indent="0">
+              <a:buNone/>
+            </a:pPr>
+            <a:endParaRPr lang="en-IE"/>
+          </a:p>
+          <a:p>
+            <a:endParaRPr lang="en-IE"/>
+          </a:p>
+          <a:p>
+            <a:r>
+              <a:rPr lang="en-IE"/>
+              <a:t>The above finds all contacts where age &gt;17 and &lt;66 and living in either Waterford, Kilkenny or Wexford</a:t>
+            </a:r>
           </a:p>
         </p:txBody>
       </p:sp>
       <p:pic>
         <p:nvPicPr>
-          <p:cNvPr id="5" name="Picture 4">
-            <a:extLst>
-              <a:ext uri="{FF2B5EF4-FFF2-40B4-BE49-F238E27FC236}">
-                <a16:creationId xmlns:a16="http://schemas.microsoft.com/office/drawing/2014/main" id="{63FDA922-4E0D-46EB-91F9-0BAB0471D97A}"/>
-              </a:ext>
-            </a:extLst>
-          </p:cNvPr>
+          <p:cNvPr id="5" name="Picture 4"/>
           <p:cNvPicPr>
             <a:picLocks noChangeAspect="1"/>
           </p:cNvPicPr>
@@ -12423,231 +11830,18 @@
         </p:blipFill>
         <p:spPr>
           <a:xfrm>
-            <a:off x="702906" y="1417638"/>
-            <a:ext cx="4739264" cy="3640674"/>
+            <a:off x="2168828" y="2133600"/>
+            <a:ext cx="8094785" cy="1295400"/>
           </a:xfrm>
           <a:prstGeom prst="rect">
             <a:avLst/>
           </a:prstGeom>
         </p:spPr>
       </p:pic>
-      <p:pic>
-        <p:nvPicPr>
-          <p:cNvPr id="3" name="Picture 2">
-            <a:extLst>
-              <a:ext uri="{FF2B5EF4-FFF2-40B4-BE49-F238E27FC236}">
-                <a16:creationId xmlns:a16="http://schemas.microsoft.com/office/drawing/2014/main" id="{236416EE-CEC8-4E9F-A953-622194DD51B2}"/>
-              </a:ext>
-            </a:extLst>
-          </p:cNvPr>
-          <p:cNvPicPr>
-            <a:picLocks noChangeAspect="1"/>
-          </p:cNvPicPr>
-          <p:nvPr/>
-        </p:nvPicPr>
-        <p:blipFill>
-          <a:blip r:embed="rId3"/>
-          <a:stretch>
-            <a:fillRect/>
-          </a:stretch>
-        </p:blipFill>
-        <p:spPr>
-          <a:xfrm>
-            <a:off x="6483705" y="5139274"/>
-            <a:ext cx="4524375" cy="981075"/>
-          </a:xfrm>
-          <a:prstGeom prst="rect">
-            <a:avLst/>
-          </a:prstGeom>
-        </p:spPr>
-      </p:pic>
-      <p:pic>
-        <p:nvPicPr>
-          <p:cNvPr id="4" name="Picture 3">
-            <a:extLst>
-              <a:ext uri="{FF2B5EF4-FFF2-40B4-BE49-F238E27FC236}">
-                <a16:creationId xmlns:a16="http://schemas.microsoft.com/office/drawing/2014/main" id="{C4EC0ACE-D1D0-4E69-A75B-C26299F8C475}"/>
-              </a:ext>
-            </a:extLst>
-          </p:cNvPr>
-          <p:cNvPicPr>
-            <a:picLocks noChangeAspect="1"/>
-          </p:cNvPicPr>
-          <p:nvPr/>
-        </p:nvPicPr>
-        <p:blipFill>
-          <a:blip r:embed="rId4"/>
-          <a:stretch>
-            <a:fillRect/>
-          </a:stretch>
-        </p:blipFill>
-        <p:spPr>
-          <a:xfrm>
-            <a:off x="702906" y="5058312"/>
-            <a:ext cx="3581400" cy="571500"/>
-          </a:xfrm>
-          <a:prstGeom prst="rect">
-            <a:avLst/>
-          </a:prstGeom>
-        </p:spPr>
-      </p:pic>
-      <p:pic>
-        <p:nvPicPr>
-          <p:cNvPr id="11" name="Picture 10">
-            <a:extLst>
-              <a:ext uri="{FF2B5EF4-FFF2-40B4-BE49-F238E27FC236}">
-                <a16:creationId xmlns:a16="http://schemas.microsoft.com/office/drawing/2014/main" id="{88CCD983-17AC-4F5B-B4FF-B37FABE827A4}"/>
-              </a:ext>
-            </a:extLst>
-          </p:cNvPr>
-          <p:cNvPicPr>
-            <a:picLocks noChangeAspect="1"/>
-          </p:cNvPicPr>
-          <p:nvPr/>
-        </p:nvPicPr>
-        <p:blipFill>
-          <a:blip r:embed="rId5"/>
-          <a:stretch>
-            <a:fillRect/>
-          </a:stretch>
-        </p:blipFill>
-        <p:spPr>
-          <a:xfrm>
-            <a:off x="7389846" y="1417638"/>
-            <a:ext cx="3110690" cy="1983326"/>
-          </a:xfrm>
-          <a:prstGeom prst="rect">
-            <a:avLst/>
-          </a:prstGeom>
-        </p:spPr>
-      </p:pic>
-      <p:grpSp>
-        <p:nvGrpSpPr>
-          <p:cNvPr id="14" name="Group 13">
-            <a:extLst>
-              <a:ext uri="{FF2B5EF4-FFF2-40B4-BE49-F238E27FC236}">
-                <a16:creationId xmlns:a16="http://schemas.microsoft.com/office/drawing/2014/main" id="{506348A2-FC49-43EB-A47B-B4456625D6FA}"/>
-              </a:ext>
-            </a:extLst>
-          </p:cNvPr>
-          <p:cNvGrpSpPr/>
-          <p:nvPr/>
-        </p:nvGrpSpPr>
-        <p:grpSpPr>
-          <a:xfrm>
-            <a:off x="5220705" y="2648682"/>
-            <a:ext cx="5468400" cy="2451240"/>
-            <a:chOff x="5220705" y="2648682"/>
-            <a:chExt cx="5468400" cy="2451240"/>
-          </a:xfrm>
-        </p:grpSpPr>
-        <mc:AlternateContent xmlns:mc="http://schemas.openxmlformats.org/markup-compatibility/2006" xmlns:p14="http://schemas.microsoft.com/office/powerpoint/2010/main">
-          <mc:Choice Requires="p14">
-            <p:contentPart p14:bwMode="auto" r:id="rId6">
-              <p14:nvContentPartPr>
-                <p14:cNvPr id="12" name="Ink 11">
-                  <a:extLst>
-                    <a:ext uri="{FF2B5EF4-FFF2-40B4-BE49-F238E27FC236}">
-                      <a16:creationId xmlns:a16="http://schemas.microsoft.com/office/drawing/2014/main" id="{C14CABD8-3F25-4EA6-B13E-37B50AD0C226}"/>
-                    </a:ext>
-                  </a:extLst>
-                </p14:cNvPr>
-                <p14:cNvContentPartPr/>
-                <p14:nvPr/>
-              </p14:nvContentPartPr>
-              <p14:xfrm>
-                <a:off x="5220705" y="2648682"/>
-                <a:ext cx="2457720" cy="548640"/>
-              </p14:xfrm>
-            </p:contentPart>
-          </mc:Choice>
-          <mc:Fallback xmlns="">
-            <p:pic>
-              <p:nvPicPr>
-                <p:cNvPr id="12" name="Ink 11">
-                  <a:extLst>
-                    <a:ext uri="{FF2B5EF4-FFF2-40B4-BE49-F238E27FC236}">
-                      <a16:creationId xmlns:a16="http://schemas.microsoft.com/office/drawing/2014/main" id="{C14CABD8-3F25-4EA6-B13E-37B50AD0C226}"/>
-                    </a:ext>
-                  </a:extLst>
-                </p:cNvPr>
-                <p:cNvPicPr/>
-                <p:nvPr/>
-              </p:nvPicPr>
-              <p:blipFill>
-                <a:blip r:embed="rId7"/>
-                <a:stretch>
-                  <a:fillRect/>
-                </a:stretch>
-              </p:blipFill>
-              <p:spPr>
-                <a:xfrm>
-                  <a:off x="5211705" y="2640042"/>
-                  <a:ext cx="2475360" cy="566280"/>
-                </a:xfrm>
-                <a:prstGeom prst="rect">
-                  <a:avLst/>
-                </a:prstGeom>
-              </p:spPr>
-            </p:pic>
-          </mc:Fallback>
-        </mc:AlternateContent>
-        <mc:AlternateContent xmlns:mc="http://schemas.openxmlformats.org/markup-compatibility/2006" xmlns:p14="http://schemas.microsoft.com/office/powerpoint/2010/main">
-          <mc:Choice Requires="p14">
-            <p:contentPart p14:bwMode="auto" r:id="rId8">
-              <p14:nvContentPartPr>
-                <p14:cNvPr id="13" name="Ink 12">
-                  <a:extLst>
-                    <a:ext uri="{FF2B5EF4-FFF2-40B4-BE49-F238E27FC236}">
-                      <a16:creationId xmlns:a16="http://schemas.microsoft.com/office/drawing/2014/main" id="{94AB1B77-946F-410A-B812-8AF3D565BEAC}"/>
-                    </a:ext>
-                  </a:extLst>
-                </p14:cNvPr>
-                <p14:cNvContentPartPr/>
-                <p14:nvPr/>
-              </p14:nvContentPartPr>
-              <p14:xfrm>
-                <a:off x="8941305" y="2743002"/>
-                <a:ext cx="1747800" cy="2356920"/>
-              </p14:xfrm>
-            </p:contentPart>
-          </mc:Choice>
-          <mc:Fallback xmlns="">
-            <p:pic>
-              <p:nvPicPr>
-                <p:cNvPr id="13" name="Ink 12">
-                  <a:extLst>
-                    <a:ext uri="{FF2B5EF4-FFF2-40B4-BE49-F238E27FC236}">
-                      <a16:creationId xmlns:a16="http://schemas.microsoft.com/office/drawing/2014/main" id="{94AB1B77-946F-410A-B812-8AF3D565BEAC}"/>
-                    </a:ext>
-                  </a:extLst>
-                </p:cNvPr>
-                <p:cNvPicPr/>
-                <p:nvPr/>
-              </p:nvPicPr>
-              <p:blipFill>
-                <a:blip r:embed="rId9"/>
-                <a:stretch>
-                  <a:fillRect/>
-                </a:stretch>
-              </p:blipFill>
-              <p:spPr>
-                <a:xfrm>
-                  <a:off x="8932665" y="2734002"/>
-                  <a:ext cx="1765440" cy="2374560"/>
-                </a:xfrm>
-                <a:prstGeom prst="rect">
-                  <a:avLst/>
-                </a:prstGeom>
-              </p:spPr>
-            </p:pic>
-          </mc:Fallback>
-        </mc:AlternateContent>
-      </p:grpSp>
     </p:spTree>
     <p:extLst>
       <p:ext uri="{BB962C8B-B14F-4D97-AF65-F5344CB8AC3E}">
-        <p14:creationId xmlns:p14="http://schemas.microsoft.com/office/powerpoint/2010/main" val="3468382868"/>
+        <p14:creationId xmlns:p14="http://schemas.microsoft.com/office/powerpoint/2010/main" val="3169656245"/>
       </p:ext>
     </p:extLst>
   </p:cSld>
@@ -12684,27 +11878,26 @@
             <p:ph type="title"/>
           </p:nvPr>
         </p:nvSpPr>
-        <p:spPr/>
+        <p:spPr>
+          <a:xfrm>
+            <a:off x="1981200" y="274638"/>
+            <a:ext cx="8229600" cy="1143000"/>
+          </a:xfrm>
+        </p:spPr>
         <p:txBody>
           <a:bodyPr/>
           <a:lstStyle/>
           <a:p>
             <a:r>
-              <a:rPr lang="en-IE" dirty="0"/>
-              <a:t>Update with Mongoose</a:t>
+              <a:rPr lang="en-IE"/>
+              <a:t>Mongoose Sub-Docs</a:t>
             </a:r>
           </a:p>
         </p:txBody>
       </p:sp>
       <p:sp>
         <p:nvSpPr>
-          <p:cNvPr id="4" name="Content Placeholder 3">
-            <a:extLst>
-              <a:ext uri="{FF2B5EF4-FFF2-40B4-BE49-F238E27FC236}">
-                <a16:creationId xmlns:a16="http://schemas.microsoft.com/office/drawing/2014/main" id="{F8AB79EB-7032-43A9-AC27-D5C5FE846300}"/>
-              </a:ext>
-            </a:extLst>
-          </p:cNvPr>
+          <p:cNvPr id="3" name="Content Placeholder 2"/>
           <p:cNvSpPr>
             <a:spLocks noGrp="1"/>
           </p:cNvSpPr>
@@ -12712,21 +11905,35 @@
             <p:ph idx="1"/>
           </p:nvPr>
         </p:nvSpPr>
-        <p:spPr/>
+        <p:spPr>
+          <a:xfrm>
+            <a:off x="1981200" y="1600201"/>
+            <a:ext cx="8229600" cy="4525963"/>
+          </a:xfrm>
+        </p:spPr>
         <p:txBody>
           <a:bodyPr/>
           <a:lstStyle/>
           <a:p>
-            <a:endParaRPr lang="en-IE"/>
+            <a:r>
+              <a:rPr lang="en-IE" dirty="0"/>
+              <a:t>Ex: Movies – Adding a review to a favourite movie. </a:t>
+            </a:r>
+          </a:p>
+          <a:p>
+            <a:pPr marL="0" indent="0">
+              <a:buNone/>
+            </a:pPr>
+            <a:endParaRPr lang="en-IE" dirty="0"/>
           </a:p>
         </p:txBody>
       </p:sp>
       <p:pic>
         <p:nvPicPr>
-          <p:cNvPr id="5" name="Picture 4">
+          <p:cNvPr id="4" name="Picture 3">
             <a:extLst>
               <a:ext uri="{FF2B5EF4-FFF2-40B4-BE49-F238E27FC236}">
-                <a16:creationId xmlns:a16="http://schemas.microsoft.com/office/drawing/2014/main" id="{F2526521-AC7C-463E-ABCA-131AB1A6B1E4}"/>
+                <a16:creationId xmlns:a16="http://schemas.microsoft.com/office/drawing/2014/main" id="{F18226BF-2755-43B8-803A-62861BA27912}"/>
               </a:ext>
             </a:extLst>
           </p:cNvPr>
@@ -12743,8 +11950,8 @@
         </p:blipFill>
         <p:spPr>
           <a:xfrm>
-            <a:off x="1900565" y="1711302"/>
-            <a:ext cx="8225381" cy="2930500"/>
+            <a:off x="2293306" y="3294972"/>
+            <a:ext cx="7042357" cy="2012102"/>
           </a:xfrm>
           <a:prstGeom prst="rect">
             <a:avLst/>
@@ -12754,7 +11961,7 @@
     </p:spTree>
     <p:extLst>
       <p:ext uri="{BB962C8B-B14F-4D97-AF65-F5344CB8AC3E}">
-        <p14:creationId xmlns:p14="http://schemas.microsoft.com/office/powerpoint/2010/main" val="148236095"/>
+        <p14:creationId xmlns:p14="http://schemas.microsoft.com/office/powerpoint/2010/main" val="2200072294"/>
       </p:ext>
     </p:extLst>
   </p:cSld>
@@ -12783,7 +11990,13 @@
       </p:grpSpPr>
       <p:sp>
         <p:nvSpPr>
-          <p:cNvPr id="2" name="Title 1"/>
+          <p:cNvPr id="2" name="Title 1">
+            <a:extLst>
+              <a:ext uri="{FF2B5EF4-FFF2-40B4-BE49-F238E27FC236}">
+                <a16:creationId xmlns:a16="http://schemas.microsoft.com/office/drawing/2014/main" id="{C18C39FE-CE3F-4C7A-B5A8-A8DA77312E7B}"/>
+              </a:ext>
+            </a:extLst>
+          </p:cNvPr>
           <p:cNvSpPr>
             <a:spLocks noGrp="1"/>
           </p:cNvSpPr>
@@ -12793,100 +12006,36 @@
         </p:nvSpPr>
         <p:spPr/>
         <p:txBody>
-          <a:bodyPr>
-            <a:normAutofit/>
-          </a:bodyPr>
+          <a:bodyPr/>
           <a:lstStyle/>
           <a:p>
             <a:r>
-              <a:rPr lang="en-IE" b="1"/>
-              <a:t>Mongoose Queries </a:t>
-            </a:r>
-            <a:endParaRPr lang="en-IE"/>
+              <a:rPr lang="en-IE" dirty="0"/>
+              <a:t>Schema Methods</a:t>
+            </a:r>
           </a:p>
         </p:txBody>
       </p:sp>
       <p:sp>
         <p:nvSpPr>
-          <p:cNvPr id="3" name="Content Placeholder 2"/>
+          <p:cNvPr id="3" name="Text Placeholder 2">
+            <a:extLst>
+              <a:ext uri="{FF2B5EF4-FFF2-40B4-BE49-F238E27FC236}">
+                <a16:creationId xmlns:a16="http://schemas.microsoft.com/office/drawing/2014/main" id="{BEEE69F8-B32F-42A1-A2FA-61419E85F6EB}"/>
+              </a:ext>
+            </a:extLst>
+          </p:cNvPr>
           <p:cNvSpPr>
             <a:spLocks noGrp="1"/>
           </p:cNvSpPr>
           <p:nvPr>
-            <p:ph idx="1"/>
+            <p:ph type="body" idx="1"/>
           </p:nvPr>
         </p:nvSpPr>
         <p:spPr/>
         <p:txBody>
-          <a:bodyPr>
-            <a:normAutofit/>
-          </a:bodyPr>
+          <a:bodyPr/>
           <a:lstStyle/>
-          <a:p>
-            <a:r>
-              <a:rPr lang="en-IE" dirty="0"/>
-              <a:t>Mongoose provides a more expressive version of the native MongoDB</a:t>
-            </a:r>
-          </a:p>
-          <a:p>
-            <a:pPr lvl="1"/>
-            <a:r>
-              <a:rPr lang="en-IE" dirty="0"/>
-              <a:t>Instead of:</a:t>
-            </a:r>
-            <a:br>
-              <a:rPr lang="en-IE" dirty="0"/>
-            </a:br>
-            <a:r>
-              <a:rPr lang="en-IE" dirty="0"/>
-              <a:t>	{$or: [{</a:t>
-            </a:r>
-            <a:r>
-              <a:rPr lang="en-IE" dirty="0" err="1"/>
-              <a:t>conditionOne</a:t>
-            </a:r>
-            <a:r>
-              <a:rPr lang="en-IE" dirty="0"/>
-              <a:t>: true}, {</a:t>
-            </a:r>
-            <a:r>
-              <a:rPr lang="en-IE" dirty="0" err="1"/>
-              <a:t>conditionTwo</a:t>
-            </a:r>
-            <a:r>
-              <a:rPr lang="en-IE" dirty="0"/>
-              <a:t>: true}] </a:t>
-            </a:r>
-          </a:p>
-          <a:p>
-            <a:pPr lvl="1"/>
-            <a:r>
-              <a:rPr lang="en-IE" dirty="0"/>
-              <a:t>Do:    .where({</a:t>
-            </a:r>
-            <a:r>
-              <a:rPr lang="en-IE" dirty="0" err="1"/>
-              <a:t>conditionOne:true</a:t>
-            </a:r>
-            <a:r>
-              <a:rPr lang="en-IE" dirty="0"/>
-              <a:t>}).or({</a:t>
-            </a:r>
-            <a:r>
-              <a:rPr lang="en-IE" dirty="0" err="1"/>
-              <a:t>conditionTwo</a:t>
-            </a:r>
-            <a:r>
-              <a:rPr lang="en-IE" dirty="0"/>
-              <a:t>: true}) </a:t>
-            </a:r>
-          </a:p>
-          <a:p>
-            <a:pPr marL="457200" lvl="1" indent="0">
-              <a:buNone/>
-            </a:pPr>
-            <a:endParaRPr lang="en-IE" dirty="0"/>
-          </a:p>
           <a:p>
             <a:endParaRPr lang="en-IE" dirty="0"/>
           </a:p>
@@ -12895,7 +12044,7 @@
     </p:spTree>
     <p:extLst>
       <p:ext uri="{BB962C8B-B14F-4D97-AF65-F5344CB8AC3E}">
-        <p14:creationId xmlns:p14="http://schemas.microsoft.com/office/powerpoint/2010/main" val="2504938953"/>
+        <p14:creationId xmlns:p14="http://schemas.microsoft.com/office/powerpoint/2010/main" val="3049473272"/>
       </p:ext>
     </p:extLst>
   </p:cSld>
@@ -13626,517 +12775,6 @@
       </p:grpSpPr>
       <p:sp>
         <p:nvSpPr>
-          <p:cNvPr id="2" name="Title 1"/>
-          <p:cNvSpPr>
-            <a:spLocks noGrp="1"/>
-          </p:cNvSpPr>
-          <p:nvPr>
-            <p:ph type="title"/>
-          </p:nvPr>
-        </p:nvSpPr>
-        <p:spPr/>
-        <p:txBody>
-          <a:bodyPr/>
-          <a:lstStyle/>
-          <a:p>
-            <a:r>
-              <a:rPr lang="en-IE"/>
-              <a:t>Mongoose Queries</a:t>
-            </a:r>
-          </a:p>
-        </p:txBody>
-      </p:sp>
-      <p:sp>
-        <p:nvSpPr>
-          <p:cNvPr id="3" name="Content Placeholder 2"/>
-          <p:cNvSpPr>
-            <a:spLocks noGrp="1"/>
-          </p:cNvSpPr>
-          <p:nvPr>
-            <p:ph idx="1"/>
-          </p:nvPr>
-        </p:nvSpPr>
-        <p:spPr>
-          <a:xfrm>
-            <a:off x="1981200" y="1600201"/>
-            <a:ext cx="8229600" cy="3048000"/>
-          </a:xfrm>
-        </p:spPr>
-        <p:txBody>
-          <a:bodyPr>
-            <a:normAutofit fontScale="70000" lnSpcReduction="20000"/>
-          </a:bodyPr>
-          <a:lstStyle/>
-          <a:p>
-            <a:r>
-              <a:rPr lang="en-IE" dirty="0"/>
-              <a:t>Mongoose supports many queries: </a:t>
-            </a:r>
-          </a:p>
-          <a:p>
-            <a:pPr lvl="1"/>
-            <a:r>
-              <a:rPr lang="en-IE" dirty="0"/>
-              <a:t>For equality/non-equality </a:t>
-            </a:r>
-          </a:p>
-          <a:p>
-            <a:pPr lvl="1"/>
-            <a:r>
-              <a:rPr lang="en-IE" dirty="0"/>
-              <a:t>Selection of some properties </a:t>
-            </a:r>
-          </a:p>
-          <a:p>
-            <a:pPr lvl="1"/>
-            <a:r>
-              <a:rPr lang="en-IE" dirty="0"/>
-              <a:t>Sorting </a:t>
-            </a:r>
-          </a:p>
-          <a:p>
-            <a:pPr lvl="1"/>
-            <a:r>
-              <a:rPr lang="en-IE" dirty="0"/>
-              <a:t>Limit &amp; skip </a:t>
-            </a:r>
-          </a:p>
-          <a:p>
-            <a:r>
-              <a:rPr lang="en-IE" dirty="0"/>
-              <a:t>All queries are executed over the object returned by </a:t>
-            </a:r>
-            <a:r>
-              <a:rPr lang="en-IE" dirty="0" err="1"/>
-              <a:t>Model.find</a:t>
-            </a:r>
-            <a:r>
-              <a:rPr lang="en-IE" dirty="0"/>
-              <a:t>*()</a:t>
-            </a:r>
-          </a:p>
-          <a:p>
-            <a:pPr lvl="1"/>
-            <a:r>
-              <a:rPr lang="en-IE" dirty="0" err="1"/>
-              <a:t>Model.findOne</a:t>
-            </a:r>
-            <a:r>
-              <a:rPr lang="en-IE" dirty="0"/>
-              <a:t>() returns a single document, the first match</a:t>
-            </a:r>
-          </a:p>
-          <a:p>
-            <a:pPr lvl="1"/>
-            <a:r>
-              <a:rPr lang="en-IE" dirty="0" err="1"/>
-              <a:t>Model.find</a:t>
-            </a:r>
-            <a:r>
-              <a:rPr lang="en-IE" dirty="0"/>
-              <a:t>() returns all</a:t>
-            </a:r>
-          </a:p>
-          <a:p>
-            <a:pPr lvl="1"/>
-            <a:r>
-              <a:rPr lang="en-IE" dirty="0" err="1"/>
-              <a:t>Model.findById</a:t>
-            </a:r>
-            <a:r>
-              <a:rPr lang="en-IE" dirty="0"/>
-              <a:t>() queries on the _id field.</a:t>
-            </a:r>
-          </a:p>
-          <a:p>
-            <a:pPr lvl="1"/>
-            <a:endParaRPr lang="en-IE" dirty="0"/>
-          </a:p>
-          <a:p>
-            <a:endParaRPr lang="en-IE" dirty="0"/>
-          </a:p>
-        </p:txBody>
-      </p:sp>
-      <p:pic>
-        <p:nvPicPr>
-          <p:cNvPr id="4" name="Picture 3">
-            <a:extLst>
-              <a:ext uri="{FF2B5EF4-FFF2-40B4-BE49-F238E27FC236}">
-                <a16:creationId xmlns:a16="http://schemas.microsoft.com/office/drawing/2014/main" id="{6FA9FFAE-F748-4157-97CB-4E5B32E601E4}"/>
-              </a:ext>
-            </a:extLst>
-          </p:cNvPr>
-          <p:cNvPicPr>
-            <a:picLocks noChangeAspect="1"/>
-          </p:cNvPicPr>
-          <p:nvPr/>
-        </p:nvPicPr>
-        <p:blipFill>
-          <a:blip r:embed="rId2"/>
-          <a:stretch>
-            <a:fillRect/>
-          </a:stretch>
-        </p:blipFill>
-        <p:spPr>
-          <a:xfrm>
-            <a:off x="2376706" y="4535427"/>
-            <a:ext cx="6810375" cy="2533650"/>
-          </a:xfrm>
-          <a:prstGeom prst="rect">
-            <a:avLst/>
-          </a:prstGeom>
-        </p:spPr>
-      </p:pic>
-    </p:spTree>
-    <p:extLst>
-      <p:ext uri="{BB962C8B-B14F-4D97-AF65-F5344CB8AC3E}">
-        <p14:creationId xmlns:p14="http://schemas.microsoft.com/office/powerpoint/2010/main" val="925599297"/>
-      </p:ext>
-    </p:extLst>
-  </p:cSld>
-  <p:clrMapOvr>
-    <a:masterClrMapping/>
-  </p:clrMapOvr>
-</p:sld>
-</file>
-
-<file path=ppt/slides/slide31.xml><?xml version="1.0" encoding="utf-8"?>
-<p:sld xmlns:a="http://schemas.openxmlformats.org/drawingml/2006/main" xmlns:r="http://schemas.openxmlformats.org/officeDocument/2006/relationships" xmlns:p="http://schemas.openxmlformats.org/presentationml/2006/main">
-  <p:cSld>
-    <p:spTree>
-      <p:nvGrpSpPr>
-        <p:cNvPr id="1" name=""/>
-        <p:cNvGrpSpPr/>
-        <p:nvPr/>
-      </p:nvGrpSpPr>
-      <p:grpSpPr>
-        <a:xfrm>
-          <a:off x="0" y="0"/>
-          <a:ext cx="0" cy="0"/>
-          <a:chOff x="0" y="0"/>
-          <a:chExt cx="0" cy="0"/>
-        </a:xfrm>
-      </p:grpSpPr>
-      <p:sp>
-        <p:nvSpPr>
-          <p:cNvPr id="2" name="Title 1"/>
-          <p:cNvSpPr>
-            <a:spLocks noGrp="1"/>
-          </p:cNvSpPr>
-          <p:nvPr>
-            <p:ph type="title"/>
-          </p:nvPr>
-        </p:nvSpPr>
-        <p:spPr/>
-        <p:txBody>
-          <a:bodyPr/>
-          <a:lstStyle/>
-          <a:p>
-            <a:r>
-              <a:rPr lang="en-IE"/>
-              <a:t>Mongoose Queries</a:t>
-            </a:r>
-          </a:p>
-        </p:txBody>
-      </p:sp>
-      <p:sp>
-        <p:nvSpPr>
-          <p:cNvPr id="3" name="Content Placeholder 2"/>
-          <p:cNvSpPr>
-            <a:spLocks noGrp="1"/>
-          </p:cNvSpPr>
-          <p:nvPr>
-            <p:ph idx="1"/>
-          </p:nvPr>
-        </p:nvSpPr>
-        <p:spPr/>
-        <p:txBody>
-          <a:bodyPr>
-            <a:normAutofit/>
-          </a:bodyPr>
-          <a:lstStyle/>
-          <a:p>
-            <a:r>
-              <a:rPr lang="en-IE"/>
-              <a:t>Can build complex queries and execute them later</a:t>
-            </a:r>
-          </a:p>
-          <a:p>
-            <a:pPr marL="0" indent="0">
-              <a:buNone/>
-            </a:pPr>
-            <a:endParaRPr lang="en-IE"/>
-          </a:p>
-          <a:p>
-            <a:endParaRPr lang="en-IE"/>
-          </a:p>
-          <a:p>
-            <a:r>
-              <a:rPr lang="en-IE"/>
-              <a:t>The above finds all contacts where age &gt;17 and &lt;66 and living in either Waterford, Kilkenny or Wexford</a:t>
-            </a:r>
-          </a:p>
-        </p:txBody>
-      </p:sp>
-      <p:pic>
-        <p:nvPicPr>
-          <p:cNvPr id="5" name="Picture 4"/>
-          <p:cNvPicPr>
-            <a:picLocks noChangeAspect="1"/>
-          </p:cNvPicPr>
-          <p:nvPr/>
-        </p:nvPicPr>
-        <p:blipFill>
-          <a:blip r:embed="rId2"/>
-          <a:stretch>
-            <a:fillRect/>
-          </a:stretch>
-        </p:blipFill>
-        <p:spPr>
-          <a:xfrm>
-            <a:off x="2168828" y="2133600"/>
-            <a:ext cx="8094785" cy="1295400"/>
-          </a:xfrm>
-          <a:prstGeom prst="rect">
-            <a:avLst/>
-          </a:prstGeom>
-        </p:spPr>
-      </p:pic>
-    </p:spTree>
-    <p:extLst>
-      <p:ext uri="{BB962C8B-B14F-4D97-AF65-F5344CB8AC3E}">
-        <p14:creationId xmlns:p14="http://schemas.microsoft.com/office/powerpoint/2010/main" val="3169656245"/>
-      </p:ext>
-    </p:extLst>
-  </p:cSld>
-  <p:clrMapOvr>
-    <a:masterClrMapping/>
-  </p:clrMapOvr>
-</p:sld>
-</file>
-
-<file path=ppt/slides/slide32.xml><?xml version="1.0" encoding="utf-8"?>
-<p:sld xmlns:a="http://schemas.openxmlformats.org/drawingml/2006/main" xmlns:r="http://schemas.openxmlformats.org/officeDocument/2006/relationships" xmlns:p="http://schemas.openxmlformats.org/presentationml/2006/main">
-  <p:cSld>
-    <p:spTree>
-      <p:nvGrpSpPr>
-        <p:cNvPr id="1" name=""/>
-        <p:cNvGrpSpPr/>
-        <p:nvPr/>
-      </p:nvGrpSpPr>
-      <p:grpSpPr>
-        <a:xfrm>
-          <a:off x="0" y="0"/>
-          <a:ext cx="0" cy="0"/>
-          <a:chOff x="0" y="0"/>
-          <a:chExt cx="0" cy="0"/>
-        </a:xfrm>
-      </p:grpSpPr>
-      <p:sp>
-        <p:nvSpPr>
-          <p:cNvPr id="2" name="Title 1"/>
-          <p:cNvSpPr>
-            <a:spLocks noGrp="1"/>
-          </p:cNvSpPr>
-          <p:nvPr>
-            <p:ph type="title"/>
-          </p:nvPr>
-        </p:nvSpPr>
-        <p:spPr>
-          <a:xfrm>
-            <a:off x="1981200" y="274638"/>
-            <a:ext cx="8229600" cy="1143000"/>
-          </a:xfrm>
-        </p:spPr>
-        <p:txBody>
-          <a:bodyPr/>
-          <a:lstStyle/>
-          <a:p>
-            <a:r>
-              <a:rPr lang="en-IE"/>
-              <a:t>Mongoose Sub-Docs</a:t>
-            </a:r>
-          </a:p>
-        </p:txBody>
-      </p:sp>
-      <p:sp>
-        <p:nvSpPr>
-          <p:cNvPr id="3" name="Content Placeholder 2"/>
-          <p:cNvSpPr>
-            <a:spLocks noGrp="1"/>
-          </p:cNvSpPr>
-          <p:nvPr>
-            <p:ph idx="1"/>
-          </p:nvPr>
-        </p:nvSpPr>
-        <p:spPr>
-          <a:xfrm>
-            <a:off x="1981200" y="1600201"/>
-            <a:ext cx="8229600" cy="4525963"/>
-          </a:xfrm>
-        </p:spPr>
-        <p:txBody>
-          <a:bodyPr/>
-          <a:lstStyle/>
-          <a:p>
-            <a:r>
-              <a:rPr lang="en-IE" dirty="0"/>
-              <a:t>Ex: Movies – Adding a review to a favourite movie. </a:t>
-            </a:r>
-          </a:p>
-          <a:p>
-            <a:pPr marL="0" indent="0">
-              <a:buNone/>
-            </a:pPr>
-            <a:endParaRPr lang="en-IE" dirty="0"/>
-          </a:p>
-        </p:txBody>
-      </p:sp>
-      <p:pic>
-        <p:nvPicPr>
-          <p:cNvPr id="4" name="Picture 3">
-            <a:extLst>
-              <a:ext uri="{FF2B5EF4-FFF2-40B4-BE49-F238E27FC236}">
-                <a16:creationId xmlns:a16="http://schemas.microsoft.com/office/drawing/2014/main" id="{F18226BF-2755-43B8-803A-62861BA27912}"/>
-              </a:ext>
-            </a:extLst>
-          </p:cNvPr>
-          <p:cNvPicPr>
-            <a:picLocks noChangeAspect="1"/>
-          </p:cNvPicPr>
-          <p:nvPr/>
-        </p:nvPicPr>
-        <p:blipFill>
-          <a:blip r:embed="rId2"/>
-          <a:stretch>
-            <a:fillRect/>
-          </a:stretch>
-        </p:blipFill>
-        <p:spPr>
-          <a:xfrm>
-            <a:off x="2293306" y="3294972"/>
-            <a:ext cx="7042357" cy="2012102"/>
-          </a:xfrm>
-          <a:prstGeom prst="rect">
-            <a:avLst/>
-          </a:prstGeom>
-        </p:spPr>
-      </p:pic>
-    </p:spTree>
-    <p:extLst>
-      <p:ext uri="{BB962C8B-B14F-4D97-AF65-F5344CB8AC3E}">
-        <p14:creationId xmlns:p14="http://schemas.microsoft.com/office/powerpoint/2010/main" val="2200072294"/>
-      </p:ext>
-    </p:extLst>
-  </p:cSld>
-  <p:clrMapOvr>
-    <a:masterClrMapping/>
-  </p:clrMapOvr>
-</p:sld>
-</file>
-
-<file path=ppt/slides/slide33.xml><?xml version="1.0" encoding="utf-8"?>
-<p:sld xmlns:a="http://schemas.openxmlformats.org/drawingml/2006/main" xmlns:r="http://schemas.openxmlformats.org/officeDocument/2006/relationships" xmlns:p="http://schemas.openxmlformats.org/presentationml/2006/main">
-  <p:cSld>
-    <p:spTree>
-      <p:nvGrpSpPr>
-        <p:cNvPr id="1" name=""/>
-        <p:cNvGrpSpPr/>
-        <p:nvPr/>
-      </p:nvGrpSpPr>
-      <p:grpSpPr>
-        <a:xfrm>
-          <a:off x="0" y="0"/>
-          <a:ext cx="0" cy="0"/>
-          <a:chOff x="0" y="0"/>
-          <a:chExt cx="0" cy="0"/>
-        </a:xfrm>
-      </p:grpSpPr>
-      <p:sp>
-        <p:nvSpPr>
-          <p:cNvPr id="2" name="Title 1">
-            <a:extLst>
-              <a:ext uri="{FF2B5EF4-FFF2-40B4-BE49-F238E27FC236}">
-                <a16:creationId xmlns:a16="http://schemas.microsoft.com/office/drawing/2014/main" id="{C18C39FE-CE3F-4C7A-B5A8-A8DA77312E7B}"/>
-              </a:ext>
-            </a:extLst>
-          </p:cNvPr>
-          <p:cNvSpPr>
-            <a:spLocks noGrp="1"/>
-          </p:cNvSpPr>
-          <p:nvPr>
-            <p:ph type="title"/>
-          </p:nvPr>
-        </p:nvSpPr>
-        <p:spPr/>
-        <p:txBody>
-          <a:bodyPr/>
-          <a:lstStyle/>
-          <a:p>
-            <a:r>
-              <a:rPr lang="en-IE" dirty="0"/>
-              <a:t>Schema Methods</a:t>
-            </a:r>
-          </a:p>
-        </p:txBody>
-      </p:sp>
-      <p:sp>
-        <p:nvSpPr>
-          <p:cNvPr id="3" name="Text Placeholder 2">
-            <a:extLst>
-              <a:ext uri="{FF2B5EF4-FFF2-40B4-BE49-F238E27FC236}">
-                <a16:creationId xmlns:a16="http://schemas.microsoft.com/office/drawing/2014/main" id="{BEEE69F8-B32F-42A1-A2FA-61419E85F6EB}"/>
-              </a:ext>
-            </a:extLst>
-          </p:cNvPr>
-          <p:cNvSpPr>
-            <a:spLocks noGrp="1"/>
-          </p:cNvSpPr>
-          <p:nvPr>
-            <p:ph type="body" idx="1"/>
-          </p:nvPr>
-        </p:nvSpPr>
-        <p:spPr/>
-        <p:txBody>
-          <a:bodyPr/>
-          <a:lstStyle/>
-          <a:p>
-            <a:endParaRPr lang="en-IE" dirty="0"/>
-          </a:p>
-        </p:txBody>
-      </p:sp>
-    </p:spTree>
-    <p:extLst>
-      <p:ext uri="{BB962C8B-B14F-4D97-AF65-F5344CB8AC3E}">
-        <p14:creationId xmlns:p14="http://schemas.microsoft.com/office/powerpoint/2010/main" val="3049473272"/>
-      </p:ext>
-    </p:extLst>
-  </p:cSld>
-  <p:clrMapOvr>
-    <a:masterClrMapping/>
-  </p:clrMapOvr>
-</p:sld>
-</file>
-
-<file path=ppt/slides/slide34.xml><?xml version="1.0" encoding="utf-8"?>
-<p:sld xmlns:a="http://schemas.openxmlformats.org/drawingml/2006/main" xmlns:r="http://schemas.openxmlformats.org/officeDocument/2006/relationships" xmlns:p="http://schemas.openxmlformats.org/presentationml/2006/main">
-  <p:cSld>
-    <p:spTree>
-      <p:nvGrpSpPr>
-        <p:cNvPr id="1" name=""/>
-        <p:cNvGrpSpPr/>
-        <p:nvPr/>
-      </p:nvGrpSpPr>
-      <p:grpSpPr>
-        <a:xfrm>
-          <a:off x="0" y="0"/>
-          <a:ext cx="0" cy="0"/>
-          <a:chOff x="0" y="0"/>
-          <a:chExt cx="0" cy="0"/>
-        </a:xfrm>
-      </p:grpSpPr>
-      <p:sp>
-        <p:nvSpPr>
           <p:cNvPr id="2" name="Title 1">
             <a:extLst>
               <a:ext uri="{FF2B5EF4-FFF2-40B4-BE49-F238E27FC236}">
@@ -14188,7 +12826,7 @@
           <a:p>
             <a:r>
               <a:rPr lang="en-IE" dirty="0"/>
-              <a:t>Restrict access to Posts API (require authentication):</a:t>
+              <a:t>Restrict access to API (require authentication):</a:t>
             </a:r>
           </a:p>
           <a:p>
@@ -14264,7 +12902,7 @@
 </p:sld>
 </file>
 
-<file path=ppt/slides/slide35.xml><?xml version="1.0" encoding="utf-8"?>
+<file path=ppt/slides/slide31.xml><?xml version="1.0" encoding="utf-8"?>
 <p:sld xmlns:a="http://schemas.openxmlformats.org/drawingml/2006/main" xmlns:r="http://schemas.openxmlformats.org/officeDocument/2006/relationships" xmlns:p="http://schemas.openxmlformats.org/presentationml/2006/main">
   <p:cSld>
     <p:bg>
@@ -14994,7 +13632,7 @@
 </p:sld>
 </file>
 
-<file path=ppt/slides/slide36.xml><?xml version="1.0" encoding="utf-8"?>
+<file path=ppt/slides/slide32.xml><?xml version="1.0" encoding="utf-8"?>
 <p:sld xmlns:a="http://schemas.openxmlformats.org/drawingml/2006/main" xmlns:r="http://schemas.openxmlformats.org/officeDocument/2006/relationships" xmlns:p="http://schemas.openxmlformats.org/presentationml/2006/main">
   <p:cSld>
     <p:spTree>
@@ -15340,7 +13978,7 @@
 </p:sld>
 </file>
 
-<file path=ppt/slides/slide37.xml><?xml version="1.0" encoding="utf-8"?>
+<file path=ppt/slides/slide33.xml><?xml version="1.0" encoding="utf-8"?>
 <p:sld xmlns:a="http://schemas.openxmlformats.org/drawingml/2006/main" xmlns:r="http://schemas.openxmlformats.org/officeDocument/2006/relationships" xmlns:p="http://schemas.openxmlformats.org/presentationml/2006/main">
   <p:cSld>
     <p:spTree>
@@ -15775,7 +14413,7 @@
 </p:sld>
 </file>
 
-<file path=ppt/slides/slide38.xml><?xml version="1.0" encoding="utf-8"?>
+<file path=ppt/slides/slide34.xml><?xml version="1.0" encoding="utf-8"?>
 <p:sld xmlns:a="http://schemas.openxmlformats.org/drawingml/2006/main" xmlns:r="http://schemas.openxmlformats.org/officeDocument/2006/relationships" xmlns:p="http://schemas.openxmlformats.org/presentationml/2006/main">
   <p:cSld>
     <p:spTree>
@@ -16276,7 +14914,7 @@
 </p:sld>
 </file>
 
-<file path=ppt/slides/slide39.xml><?xml version="1.0" encoding="utf-8"?>
+<file path=ppt/slides/slide35.xml><?xml version="1.0" encoding="utf-8"?>
 <p:sld xmlns:a="http://schemas.openxmlformats.org/drawingml/2006/main" xmlns:r="http://schemas.openxmlformats.org/officeDocument/2006/relationships" xmlns:p="http://schemas.openxmlformats.org/presentationml/2006/main">
   <p:cSld>
     <p:spTree>
@@ -16863,1337 +15501,7 @@
 </p:sld>
 </file>
 
-<file path=ppt/slides/slide4.xml><?xml version="1.0" encoding="utf-8"?>
-<p:sld xmlns:a="http://schemas.openxmlformats.org/drawingml/2006/main" xmlns:r="http://schemas.openxmlformats.org/officeDocument/2006/relationships" xmlns:p="http://schemas.openxmlformats.org/presentationml/2006/main">
-  <p:cSld>
-    <p:bg>
-      <p:bgPr>
-        <a:solidFill>
-          <a:schemeClr val="bg1"/>
-        </a:solidFill>
-        <a:effectLst/>
-      </p:bgPr>
-    </p:bg>
-    <p:spTree>
-      <p:nvGrpSpPr>
-        <p:cNvPr id="1" name=""/>
-        <p:cNvGrpSpPr/>
-        <p:nvPr/>
-      </p:nvGrpSpPr>
-      <p:grpSpPr>
-        <a:xfrm>
-          <a:off x="0" y="0"/>
-          <a:ext cx="0" cy="0"/>
-          <a:chOff x="0" y="0"/>
-          <a:chExt cx="0" cy="0"/>
-        </a:xfrm>
-      </p:grpSpPr>
-      <p:sp>
-        <p:nvSpPr>
-          <p:cNvPr id="17" name="Rectangle 19">
-            <a:extLst>
-              <a:ext uri="{FF2B5EF4-FFF2-40B4-BE49-F238E27FC236}">
-                <a16:creationId xmlns:a16="http://schemas.microsoft.com/office/drawing/2014/main" id="{F9DA4879-7C97-47D8-8954-7F0E54902635}"/>
-              </a:ext>
-              <a:ext uri="{C183D7F6-B498-43B3-948B-1728B52AA6E4}">
-                <adec:decorative xmlns:adec="http://schemas.microsoft.com/office/drawing/2017/decorative" val="1"/>
-              </a:ext>
-            </a:extLst>
-          </p:cNvPr>
-          <p:cNvSpPr>
-            <a:spLocks noGrp="1" noRot="1" noChangeAspect="1" noMove="1" noResize="1" noEditPoints="1" noAdjustHandles="1" noChangeArrowheads="1" noChangeShapeType="1" noTextEdit="1"/>
-          </p:cNvSpPr>
-          <p:nvPr>
-            <p:extLst>
-              <p:ext uri="{386F3935-93C4-4BCD-93E2-E3B085C9AB24}">
-                <p16:designElem xmlns:p16="http://schemas.microsoft.com/office/powerpoint/2015/main" val="1"/>
-              </p:ext>
-            </p:extLst>
-          </p:nvPr>
-        </p:nvSpPr>
-        <p:spPr bwMode="ltGray">
-          <a:xfrm>
-            <a:off x="2002630" y="639401"/>
-            <a:ext cx="4030504" cy="5577162"/>
-          </a:xfrm>
-          <a:prstGeom prst="rect">
-            <a:avLst/>
-          </a:prstGeom>
-          <a:solidFill>
-            <a:srgbClr val="404040">
-              <a:alpha val="92941"/>
-            </a:srgbClr>
-          </a:solidFill>
-          <a:ln w="127000" cap="sq" cmpd="thinThick">
-            <a:solidFill>
-              <a:srgbClr val="404040"/>
-            </a:solidFill>
-          </a:ln>
-        </p:spPr>
-        <p:style>
-          <a:lnRef idx="2">
-            <a:schemeClr val="accent1">
-              <a:shade val="50000"/>
-            </a:schemeClr>
-          </a:lnRef>
-          <a:fillRef idx="1">
-            <a:schemeClr val="accent1"/>
-          </a:fillRef>
-          <a:effectRef idx="0">
-            <a:schemeClr val="accent1"/>
-          </a:effectRef>
-          <a:fontRef idx="minor">
-            <a:schemeClr val="lt1"/>
-          </a:fontRef>
-        </p:style>
-        <p:txBody>
-          <a:bodyPr rtlCol="0" anchor="ctr"/>
-          <a:lstStyle/>
-          <a:p>
-            <a:pPr algn="ctr"/>
-            <a:endParaRPr lang="en-US"/>
-          </a:p>
-        </p:txBody>
-      </p:sp>
-      <p:sp>
-        <p:nvSpPr>
-          <p:cNvPr id="2" name="Title 1">
-            <a:extLst>
-              <a:ext uri="{FF2B5EF4-FFF2-40B4-BE49-F238E27FC236}">
-                <a16:creationId xmlns:a16="http://schemas.microsoft.com/office/drawing/2014/main" id="{DC26D093-0CD9-4621-9B32-E11A4E011E77}"/>
-              </a:ext>
-            </a:extLst>
-          </p:cNvPr>
-          <p:cNvSpPr>
-            <a:spLocks noGrp="1"/>
-          </p:cNvSpPr>
-          <p:nvPr>
-            <p:ph type="title"/>
-          </p:nvPr>
-        </p:nvSpPr>
-        <p:spPr>
-          <a:xfrm>
-            <a:off x="2302668" y="890908"/>
-            <a:ext cx="3450432" cy="1156563"/>
-          </a:xfrm>
-        </p:spPr>
-        <p:txBody>
-          <a:bodyPr>
-            <a:normAutofit/>
-          </a:bodyPr>
-          <a:lstStyle/>
-          <a:p>
-            <a:r>
-              <a:rPr lang="en-IE" sz="3200">
-                <a:solidFill>
-                  <a:srgbClr val="FFFFFF"/>
-                </a:solidFill>
-              </a:rPr>
-              <a:t>Structured &amp; Unstructured Data</a:t>
-            </a:r>
-          </a:p>
-        </p:txBody>
-      </p:sp>
-      <p:sp>
-        <p:nvSpPr>
-          <p:cNvPr id="3" name="Content Placeholder 2">
-            <a:extLst>
-              <a:ext uri="{FF2B5EF4-FFF2-40B4-BE49-F238E27FC236}">
-                <a16:creationId xmlns:a16="http://schemas.microsoft.com/office/drawing/2014/main" id="{D4DED53A-F394-40BC-8A79-E9FE873080CE}"/>
-              </a:ext>
-            </a:extLst>
-          </p:cNvPr>
-          <p:cNvSpPr>
-            <a:spLocks noGrp="1"/>
-          </p:cNvSpPr>
-          <p:nvPr>
-            <p:ph idx="1"/>
-          </p:nvPr>
-        </p:nvSpPr>
-        <p:spPr>
-          <a:xfrm>
-            <a:off x="2302668" y="2187257"/>
-            <a:ext cx="3450432" cy="3651569"/>
-          </a:xfrm>
-        </p:spPr>
-        <p:txBody>
-          <a:bodyPr>
-            <a:normAutofit/>
-          </a:bodyPr>
-          <a:lstStyle/>
-          <a:p>
-            <a:r>
-              <a:rPr lang="en-IE" sz="1600" dirty="0">
-                <a:solidFill>
-                  <a:srgbClr val="FFFFFF"/>
-                </a:solidFill>
-              </a:rPr>
-              <a:t>Relational Databases:</a:t>
-            </a:r>
-          </a:p>
-          <a:p>
-            <a:pPr lvl="1"/>
-            <a:r>
-              <a:rPr lang="en-IE" sz="1600" dirty="0">
-                <a:solidFill>
-                  <a:srgbClr val="FFFFFF"/>
-                </a:solidFill>
-              </a:rPr>
-              <a:t>Organise data into structured tables and rows</a:t>
-            </a:r>
-          </a:p>
-          <a:p>
-            <a:pPr lvl="1"/>
-            <a:r>
-              <a:rPr lang="en-GB" sz="1600" dirty="0">
-                <a:solidFill>
-                  <a:srgbClr val="FFFFFF"/>
-                </a:solidFill>
-              </a:rPr>
-              <a:t>Relations have to be simple, they cannot contain any structure such as a nested record or a list</a:t>
-            </a:r>
-          </a:p>
-          <a:p>
-            <a:r>
-              <a:rPr lang="en-GB" sz="1600" dirty="0">
-                <a:solidFill>
-                  <a:srgbClr val="FFFFFF"/>
-                </a:solidFill>
-              </a:rPr>
-              <a:t>In memory data structures</a:t>
-            </a:r>
-          </a:p>
-          <a:p>
-            <a:pPr lvl="1"/>
-            <a:r>
-              <a:rPr lang="en-GB" sz="1600" dirty="0">
-                <a:solidFill>
-                  <a:srgbClr val="FFFFFF"/>
-                </a:solidFill>
-              </a:rPr>
-              <a:t>Much more varied structure</a:t>
-            </a:r>
-          </a:p>
-          <a:p>
-            <a:pPr lvl="1"/>
-            <a:r>
-              <a:rPr lang="en-GB" sz="1600" dirty="0">
-                <a:solidFill>
-                  <a:srgbClr val="FFFFFF"/>
-                </a:solidFill>
-              </a:rPr>
-              <a:t>Lists, Queues, Stacks, Graphs, Hashing</a:t>
-            </a:r>
-            <a:endParaRPr lang="en-IE" sz="1600" dirty="0">
-              <a:solidFill>
-                <a:srgbClr val="FFFFFF"/>
-              </a:solidFill>
-            </a:endParaRPr>
-          </a:p>
-        </p:txBody>
-      </p:sp>
-      <p:pic>
-        <p:nvPicPr>
-          <p:cNvPr id="5" name="Picture 4" descr="A screenshot of a cell phone&#10;&#10;Description automatically generated">
-            <a:extLst>
-              <a:ext uri="{FF2B5EF4-FFF2-40B4-BE49-F238E27FC236}">
-                <a16:creationId xmlns:a16="http://schemas.microsoft.com/office/drawing/2014/main" id="{ECF2C06E-7B0F-476D-AA55-F83B2F38FAC4}"/>
-              </a:ext>
-            </a:extLst>
-          </p:cNvPr>
-          <p:cNvPicPr>
-            <a:picLocks noChangeAspect="1"/>
-          </p:cNvPicPr>
-          <p:nvPr/>
-        </p:nvPicPr>
-        <p:blipFill>
-          <a:blip r:embed="rId3">
-            <a:extLst>
-              <a:ext uri="{28A0092B-C50C-407E-A947-70E740481C1C}">
-                <a14:useLocalDpi xmlns:a14="http://schemas.microsoft.com/office/drawing/2010/main" val="0"/>
-              </a:ext>
-              <a:ext uri="{837473B0-CC2E-450A-ABE3-18F120FF3D39}">
-                <a1611:picAttrSrcUrl xmlns:a1611="http://schemas.microsoft.com/office/drawing/2016/11/main" r:id="rId4"/>
-              </a:ext>
-            </a:extLst>
-          </a:blip>
-          <a:stretch>
-            <a:fillRect/>
-          </a:stretch>
-        </p:blipFill>
-        <p:spPr>
-          <a:xfrm>
-            <a:off x="6798766" y="831091"/>
-            <a:ext cx="3390605" cy="2432758"/>
-          </a:xfrm>
-          <a:prstGeom prst="rect">
-            <a:avLst/>
-          </a:prstGeom>
-        </p:spPr>
-      </p:pic>
-      <p:pic>
-        <p:nvPicPr>
-          <p:cNvPr id="14" name="Picture 13">
-            <a:extLst>
-              <a:ext uri="{FF2B5EF4-FFF2-40B4-BE49-F238E27FC236}">
-                <a16:creationId xmlns:a16="http://schemas.microsoft.com/office/drawing/2014/main" id="{2F6EBABF-4FF9-47BD-BDFB-008D64324E14}"/>
-              </a:ext>
-            </a:extLst>
-          </p:cNvPr>
-          <p:cNvPicPr>
-            <a:picLocks noChangeAspect="1"/>
-          </p:cNvPicPr>
-          <p:nvPr/>
-        </p:nvPicPr>
-        <p:blipFill>
-          <a:blip r:embed="rId5" cstate="print">
-            <a:extLst>
-              <a:ext uri="{28A0092B-C50C-407E-A947-70E740481C1C}">
-                <a14:useLocalDpi xmlns:a14="http://schemas.microsoft.com/office/drawing/2010/main" val="0"/>
-              </a:ext>
-              <a:ext uri="{837473B0-CC2E-450A-ABE3-18F120FF3D39}">
-                <a1611:picAttrSrcUrl xmlns:a1611="http://schemas.microsoft.com/office/drawing/2016/11/main" r:id="rId6"/>
-              </a:ext>
-            </a:extLst>
-          </a:blip>
-          <a:stretch>
-            <a:fillRect/>
-          </a:stretch>
-        </p:blipFill>
-        <p:spPr>
-          <a:xfrm>
-            <a:off x="8601490" y="3716708"/>
-            <a:ext cx="1825979" cy="1278185"/>
-          </a:xfrm>
-          <a:prstGeom prst="rect">
-            <a:avLst/>
-          </a:prstGeom>
-        </p:spPr>
-      </p:pic>
-      <p:pic>
-        <p:nvPicPr>
-          <p:cNvPr id="8" name="Picture 7" descr="A picture containing wall, indoor, photo, text&#10;&#10;Description automatically generated">
-            <a:extLst>
-              <a:ext uri="{FF2B5EF4-FFF2-40B4-BE49-F238E27FC236}">
-                <a16:creationId xmlns:a16="http://schemas.microsoft.com/office/drawing/2014/main" id="{0EAA3197-5D0E-44AF-B34E-B9560400C7AB}"/>
-              </a:ext>
-            </a:extLst>
-          </p:cNvPr>
-          <p:cNvPicPr>
-            <a:picLocks noChangeAspect="1"/>
-          </p:cNvPicPr>
-          <p:nvPr/>
-        </p:nvPicPr>
-        <p:blipFill>
-          <a:blip r:embed="rId7" cstate="print">
-            <a:extLst>
-              <a:ext uri="{28A0092B-C50C-407E-A947-70E740481C1C}">
-                <a14:useLocalDpi xmlns:a14="http://schemas.microsoft.com/office/drawing/2010/main" val="0"/>
-              </a:ext>
-              <a:ext uri="{837473B0-CC2E-450A-ABE3-18F120FF3D39}">
-                <a1611:picAttrSrcUrl xmlns:a1611="http://schemas.microsoft.com/office/drawing/2016/11/main" r:id="rId8"/>
-              </a:ext>
-            </a:extLst>
-          </a:blip>
-          <a:stretch>
-            <a:fillRect/>
-          </a:stretch>
-        </p:blipFill>
-        <p:spPr>
-          <a:xfrm>
-            <a:off x="6350484" y="3949423"/>
-            <a:ext cx="1803554" cy="1965726"/>
-          </a:xfrm>
-          <a:prstGeom prst="rect">
-            <a:avLst/>
-          </a:prstGeom>
-        </p:spPr>
-      </p:pic>
-      <p:pic>
-        <p:nvPicPr>
-          <p:cNvPr id="11" name="Picture 10" descr="A close up of text on a white background&#10;&#10;Description automatically generated">
-            <a:extLst>
-              <a:ext uri="{FF2B5EF4-FFF2-40B4-BE49-F238E27FC236}">
-                <a16:creationId xmlns:a16="http://schemas.microsoft.com/office/drawing/2014/main" id="{27FD3DA5-D1A8-4B8A-B2D5-645FFE565DF7}"/>
-              </a:ext>
-            </a:extLst>
-          </p:cNvPr>
-          <p:cNvPicPr>
-            <a:picLocks noChangeAspect="1"/>
-          </p:cNvPicPr>
-          <p:nvPr/>
-        </p:nvPicPr>
-        <p:blipFill>
-          <a:blip r:embed="rId9" cstate="print">
-            <a:extLst>
-              <a:ext uri="{28A0092B-C50C-407E-A947-70E740481C1C}">
-                <a14:useLocalDpi xmlns:a14="http://schemas.microsoft.com/office/drawing/2010/main" val="0"/>
-              </a:ext>
-              <a:ext uri="{837473B0-CC2E-450A-ABE3-18F120FF3D39}">
-                <a1611:picAttrSrcUrl xmlns:a1611="http://schemas.microsoft.com/office/drawing/2016/11/main" r:id="rId10"/>
-              </a:ext>
-            </a:extLst>
-          </a:blip>
-          <a:stretch>
-            <a:fillRect/>
-          </a:stretch>
-        </p:blipFill>
-        <p:spPr>
-          <a:xfrm>
-            <a:off x="8561466" y="5207554"/>
-            <a:ext cx="1825979" cy="1369484"/>
-          </a:xfrm>
-          <a:prstGeom prst="rect">
-            <a:avLst/>
-          </a:prstGeom>
-        </p:spPr>
-      </p:pic>
-      <p:sp>
-        <p:nvSpPr>
-          <p:cNvPr id="6" name="TextBox 5">
-            <a:extLst>
-              <a:ext uri="{FF2B5EF4-FFF2-40B4-BE49-F238E27FC236}">
-                <a16:creationId xmlns:a16="http://schemas.microsoft.com/office/drawing/2014/main" id="{B9DFE3D5-7A60-4CC9-ADE5-8AB68F766108}"/>
-              </a:ext>
-            </a:extLst>
-          </p:cNvPr>
-          <p:cNvSpPr txBox="1"/>
-          <p:nvPr/>
-        </p:nvSpPr>
-        <p:spPr>
-          <a:xfrm>
-            <a:off x="8360958" y="6870700"/>
-            <a:ext cx="2307042" cy="200055"/>
-          </a:xfrm>
-          <a:prstGeom prst="rect">
-            <a:avLst/>
-          </a:prstGeom>
-          <a:solidFill>
-            <a:srgbClr val="000000"/>
-          </a:solidFill>
-        </p:spPr>
-        <p:txBody>
-          <a:bodyPr wrap="none" rtlCol="0">
-            <a:spAutoFit/>
-          </a:bodyPr>
-          <a:lstStyle/>
-          <a:p>
-            <a:pPr algn="r">
-              <a:spcAft>
-                <a:spcPts val="600"/>
-              </a:spcAft>
-            </a:pPr>
-            <a:r>
-              <a:rPr lang="en-IE" sz="700">
-                <a:solidFill>
-                  <a:srgbClr val="FFFFFF"/>
-                </a:solidFill>
-                <a:hlinkClick r:id="rId4" tooltip="http://dba.stackexchange.com/questions/40311/unsure-how-to-implement-certain-constraints-and-relations-in-this-relational-dat">
-                  <a:extLst>
-                    <a:ext uri="{A12FA001-AC4F-418D-AE19-62706E023703}">
-                      <ahyp:hlinkClr xmlns:ahyp="http://schemas.microsoft.com/office/drawing/2018/hyperlinkcolor" val="tx"/>
-                    </a:ext>
-                  </a:extLst>
-                </a:hlinkClick>
-              </a:rPr>
-              <a:t>This Photo</a:t>
-            </a:r>
-            <a:r>
-              <a:rPr lang="en-IE" sz="700">
-                <a:solidFill>
-                  <a:srgbClr val="FFFFFF"/>
-                </a:solidFill>
-              </a:rPr>
-              <a:t> by Unknown Author is licensed under </a:t>
-            </a:r>
-            <a:r>
-              <a:rPr lang="en-IE" sz="700">
-                <a:solidFill>
-                  <a:srgbClr val="FFFFFF"/>
-                </a:solidFill>
-                <a:hlinkClick r:id="rId11" tooltip="https://creativecommons.org/licenses/by-sa/3.0/">
-                  <a:extLst>
-                    <a:ext uri="{A12FA001-AC4F-418D-AE19-62706E023703}">
-                      <ahyp:hlinkClr xmlns:ahyp="http://schemas.microsoft.com/office/drawing/2018/hyperlinkcolor" val="tx"/>
-                    </a:ext>
-                  </a:extLst>
-                </a:hlinkClick>
-              </a:rPr>
-              <a:t>CC BY-SA</a:t>
-            </a:r>
-            <a:endParaRPr lang="en-IE" sz="700">
-              <a:solidFill>
-                <a:srgbClr val="FFFFFF"/>
-              </a:solidFill>
-            </a:endParaRPr>
-          </a:p>
-        </p:txBody>
-      </p:sp>
-      <p:sp>
-        <p:nvSpPr>
-          <p:cNvPr id="9" name="TextBox 8">
-            <a:extLst>
-              <a:ext uri="{FF2B5EF4-FFF2-40B4-BE49-F238E27FC236}">
-                <a16:creationId xmlns:a16="http://schemas.microsoft.com/office/drawing/2014/main" id="{320719B8-4F11-438F-B71D-56F422DB3E31}"/>
-              </a:ext>
-            </a:extLst>
-          </p:cNvPr>
-          <p:cNvSpPr txBox="1"/>
-          <p:nvPr/>
-        </p:nvSpPr>
-        <p:spPr>
-          <a:xfrm>
-            <a:off x="6041216" y="6870700"/>
-            <a:ext cx="2307042" cy="200055"/>
-          </a:xfrm>
-          <a:prstGeom prst="rect">
-            <a:avLst/>
-          </a:prstGeom>
-          <a:solidFill>
-            <a:srgbClr val="000000"/>
-          </a:solidFill>
-        </p:spPr>
-        <p:txBody>
-          <a:bodyPr wrap="none" rtlCol="0">
-            <a:spAutoFit/>
-          </a:bodyPr>
-          <a:lstStyle/>
-          <a:p>
-            <a:pPr algn="r">
-              <a:spcAft>
-                <a:spcPts val="600"/>
-              </a:spcAft>
-            </a:pPr>
-            <a:r>
-              <a:rPr lang="en-IE" sz="700">
-                <a:solidFill>
-                  <a:srgbClr val="FFFFFF"/>
-                </a:solidFill>
-                <a:hlinkClick r:id="rId8" tooltip="https://stackoverflow.com/questions/38415515/graph-data-structure-program-output-isnt-working-like-i-want">
-                  <a:extLst>
-                    <a:ext uri="{A12FA001-AC4F-418D-AE19-62706E023703}">
-                      <ahyp:hlinkClr xmlns:ahyp="http://schemas.microsoft.com/office/drawing/2018/hyperlinkcolor" val="tx"/>
-                    </a:ext>
-                  </a:extLst>
-                </a:hlinkClick>
-              </a:rPr>
-              <a:t>This Photo</a:t>
-            </a:r>
-            <a:r>
-              <a:rPr lang="en-IE" sz="700">
-                <a:solidFill>
-                  <a:srgbClr val="FFFFFF"/>
-                </a:solidFill>
-              </a:rPr>
-              <a:t> by Unknown Author is licensed under </a:t>
-            </a:r>
-            <a:r>
-              <a:rPr lang="en-IE" sz="700">
-                <a:solidFill>
-                  <a:srgbClr val="FFFFFF"/>
-                </a:solidFill>
-                <a:hlinkClick r:id="rId11" tooltip="https://creativecommons.org/licenses/by-sa/3.0/">
-                  <a:extLst>
-                    <a:ext uri="{A12FA001-AC4F-418D-AE19-62706E023703}">
-                      <ahyp:hlinkClr xmlns:ahyp="http://schemas.microsoft.com/office/drawing/2018/hyperlinkcolor" val="tx"/>
-                    </a:ext>
-                  </a:extLst>
-                </a:hlinkClick>
-              </a:rPr>
-              <a:t>CC BY-SA</a:t>
-            </a:r>
-            <a:endParaRPr lang="en-IE" sz="700">
-              <a:solidFill>
-                <a:srgbClr val="FFFFFF"/>
-              </a:solidFill>
-            </a:endParaRPr>
-          </a:p>
-        </p:txBody>
-      </p:sp>
-      <p:sp>
-        <p:nvSpPr>
-          <p:cNvPr id="12" name="TextBox 11">
-            <a:extLst>
-              <a:ext uri="{FF2B5EF4-FFF2-40B4-BE49-F238E27FC236}">
-                <a16:creationId xmlns:a16="http://schemas.microsoft.com/office/drawing/2014/main" id="{0DAEB3FB-5A05-4B93-8BB6-3A910CD049F9}"/>
-              </a:ext>
-            </a:extLst>
-          </p:cNvPr>
-          <p:cNvSpPr txBox="1"/>
-          <p:nvPr/>
-        </p:nvSpPr>
-        <p:spPr>
-          <a:xfrm>
-            <a:off x="3721474" y="6870700"/>
-            <a:ext cx="2307042" cy="200055"/>
-          </a:xfrm>
-          <a:prstGeom prst="rect">
-            <a:avLst/>
-          </a:prstGeom>
-          <a:solidFill>
-            <a:srgbClr val="000000"/>
-          </a:solidFill>
-        </p:spPr>
-        <p:txBody>
-          <a:bodyPr wrap="none" rtlCol="0">
-            <a:spAutoFit/>
-          </a:bodyPr>
-          <a:lstStyle/>
-          <a:p>
-            <a:pPr algn="r">
-              <a:spcAft>
-                <a:spcPts val="600"/>
-              </a:spcAft>
-            </a:pPr>
-            <a:r>
-              <a:rPr lang="en-IE" sz="700">
-                <a:solidFill>
-                  <a:srgbClr val="FFFFFF"/>
-                </a:solidFill>
-                <a:hlinkClick r:id="rId10" tooltip="http://commons.wikimedia.org/wiki/File:Linked_list_data_format.jpg">
-                  <a:extLst>
-                    <a:ext uri="{A12FA001-AC4F-418D-AE19-62706E023703}">
-                      <ahyp:hlinkClr xmlns:ahyp="http://schemas.microsoft.com/office/drawing/2018/hyperlinkcolor" val="tx"/>
-                    </a:ext>
-                  </a:extLst>
-                </a:hlinkClick>
-              </a:rPr>
-              <a:t>This Photo</a:t>
-            </a:r>
-            <a:r>
-              <a:rPr lang="en-IE" sz="700">
-                <a:solidFill>
-                  <a:srgbClr val="FFFFFF"/>
-                </a:solidFill>
-              </a:rPr>
-              <a:t> by Unknown Author is licensed under </a:t>
-            </a:r>
-            <a:r>
-              <a:rPr lang="en-IE" sz="700">
-                <a:solidFill>
-                  <a:srgbClr val="FFFFFF"/>
-                </a:solidFill>
-                <a:hlinkClick r:id="rId11" tooltip="https://creativecommons.org/licenses/by-sa/3.0/">
-                  <a:extLst>
-                    <a:ext uri="{A12FA001-AC4F-418D-AE19-62706E023703}">
-                      <ahyp:hlinkClr xmlns:ahyp="http://schemas.microsoft.com/office/drawing/2018/hyperlinkcolor" val="tx"/>
-                    </a:ext>
-                  </a:extLst>
-                </a:hlinkClick>
-              </a:rPr>
-              <a:t>CC BY-SA</a:t>
-            </a:r>
-            <a:endParaRPr lang="en-IE" sz="700">
-              <a:solidFill>
-                <a:srgbClr val="FFFFFF"/>
-              </a:solidFill>
-            </a:endParaRPr>
-          </a:p>
-        </p:txBody>
-      </p:sp>
-      <p:sp>
-        <p:nvSpPr>
-          <p:cNvPr id="15" name="TextBox 14">
-            <a:extLst>
-              <a:ext uri="{FF2B5EF4-FFF2-40B4-BE49-F238E27FC236}">
-                <a16:creationId xmlns:a16="http://schemas.microsoft.com/office/drawing/2014/main" id="{C5F26FDA-483A-4CC8-B90F-1685C1DC20BC}"/>
-              </a:ext>
-            </a:extLst>
-          </p:cNvPr>
-          <p:cNvSpPr txBox="1"/>
-          <p:nvPr/>
-        </p:nvSpPr>
-        <p:spPr>
-          <a:xfrm>
-            <a:off x="8360958" y="7083455"/>
-            <a:ext cx="2307042" cy="200055"/>
-          </a:xfrm>
-          <a:prstGeom prst="rect">
-            <a:avLst/>
-          </a:prstGeom>
-          <a:solidFill>
-            <a:srgbClr val="000000"/>
-          </a:solidFill>
-        </p:spPr>
-        <p:txBody>
-          <a:bodyPr wrap="none" rtlCol="0">
-            <a:spAutoFit/>
-          </a:bodyPr>
-          <a:lstStyle/>
-          <a:p>
-            <a:pPr algn="r">
-              <a:spcAft>
-                <a:spcPts val="600"/>
-              </a:spcAft>
-            </a:pPr>
-            <a:r>
-              <a:rPr lang="en-IE" sz="700">
-                <a:solidFill>
-                  <a:srgbClr val="FFFFFF"/>
-                </a:solidFill>
-                <a:hlinkClick r:id="rId6" tooltip="https://en.wikibooks.org/wiki/File:Hash_table_4_1_0_0_0_0_0_LL.svg">
-                  <a:extLst>
-                    <a:ext uri="{A12FA001-AC4F-418D-AE19-62706E023703}">
-                      <ahyp:hlinkClr xmlns:ahyp="http://schemas.microsoft.com/office/drawing/2018/hyperlinkcolor" val="tx"/>
-                    </a:ext>
-                  </a:extLst>
-                </a:hlinkClick>
-              </a:rPr>
-              <a:t>This Photo</a:t>
-            </a:r>
-            <a:r>
-              <a:rPr lang="en-IE" sz="700">
-                <a:solidFill>
-                  <a:srgbClr val="FFFFFF"/>
-                </a:solidFill>
-              </a:rPr>
-              <a:t> by Unknown Author is licensed under </a:t>
-            </a:r>
-            <a:r>
-              <a:rPr lang="en-IE" sz="700">
-                <a:solidFill>
-                  <a:srgbClr val="FFFFFF"/>
-                </a:solidFill>
-                <a:hlinkClick r:id="rId11" tooltip="https://creativecommons.org/licenses/by-sa/3.0/">
-                  <a:extLst>
-                    <a:ext uri="{A12FA001-AC4F-418D-AE19-62706E023703}">
-                      <ahyp:hlinkClr xmlns:ahyp="http://schemas.microsoft.com/office/drawing/2018/hyperlinkcolor" val="tx"/>
-                    </a:ext>
-                  </a:extLst>
-                </a:hlinkClick>
-              </a:rPr>
-              <a:t>CC BY-SA</a:t>
-            </a:r>
-            <a:endParaRPr lang="en-IE" sz="700">
-              <a:solidFill>
-                <a:srgbClr val="FFFFFF"/>
-              </a:solidFill>
-            </a:endParaRPr>
-          </a:p>
-        </p:txBody>
-      </p:sp>
-      <p:sp>
-        <p:nvSpPr>
-          <p:cNvPr id="16" name="TextBox 15">
-            <a:extLst>
-              <a:ext uri="{FF2B5EF4-FFF2-40B4-BE49-F238E27FC236}">
-                <a16:creationId xmlns:a16="http://schemas.microsoft.com/office/drawing/2014/main" id="{DC93DE1A-0624-4AE4-9FE4-96CE275A7642}"/>
-              </a:ext>
-            </a:extLst>
-          </p:cNvPr>
-          <p:cNvSpPr txBox="1"/>
-          <p:nvPr/>
-        </p:nvSpPr>
-        <p:spPr>
-          <a:xfrm>
-            <a:off x="7021485" y="554182"/>
-            <a:ext cx="2045881" cy="369332"/>
-          </a:xfrm>
-          <a:prstGeom prst="rect">
-            <a:avLst/>
-          </a:prstGeom>
-          <a:noFill/>
-        </p:spPr>
-        <p:txBody>
-          <a:bodyPr wrap="none" rtlCol="0">
-            <a:spAutoFit/>
-          </a:bodyPr>
-          <a:lstStyle/>
-          <a:p>
-            <a:r>
-              <a:rPr lang="en-IE" dirty="0"/>
-              <a:t>Relational Database</a:t>
-            </a:r>
-          </a:p>
-        </p:txBody>
-      </p:sp>
-      <p:sp>
-        <p:nvSpPr>
-          <p:cNvPr id="23" name="TextBox 22">
-            <a:extLst>
-              <a:ext uri="{FF2B5EF4-FFF2-40B4-BE49-F238E27FC236}">
-                <a16:creationId xmlns:a16="http://schemas.microsoft.com/office/drawing/2014/main" id="{E1A2939B-8EBE-4D92-9B76-A04183309911}"/>
-              </a:ext>
-            </a:extLst>
-          </p:cNvPr>
-          <p:cNvSpPr txBox="1"/>
-          <p:nvPr/>
-        </p:nvSpPr>
-        <p:spPr>
-          <a:xfrm>
-            <a:off x="7021484" y="3519341"/>
-            <a:ext cx="2726644" cy="369332"/>
-          </a:xfrm>
-          <a:prstGeom prst="rect">
-            <a:avLst/>
-          </a:prstGeom>
-          <a:noFill/>
-        </p:spPr>
-        <p:txBody>
-          <a:bodyPr wrap="none" rtlCol="0">
-            <a:spAutoFit/>
-          </a:bodyPr>
-          <a:lstStyle/>
-          <a:p>
-            <a:r>
-              <a:rPr lang="en-IE" dirty="0"/>
-              <a:t>In Memory Data Structures</a:t>
-            </a:r>
-          </a:p>
-        </p:txBody>
-      </p:sp>
-    </p:spTree>
-    <p:extLst>
-      <p:ext uri="{BB962C8B-B14F-4D97-AF65-F5344CB8AC3E}">
-        <p14:creationId xmlns:p14="http://schemas.microsoft.com/office/powerpoint/2010/main" val="493282372"/>
-      </p:ext>
-    </p:extLst>
-  </p:cSld>
-  <p:clrMapOvr>
-    <a:masterClrMapping/>
-  </p:clrMapOvr>
-  <p:timing>
-    <p:tnLst>
-      <p:par>
-        <p:cTn id="1" dur="indefinite" restart="never" nodeType="tmRoot">
-          <p:childTnLst>
-            <p:seq concurrent="1" nextAc="seek">
-              <p:cTn id="2" dur="indefinite" nodeType="mainSeq">
-                <p:childTnLst>
-                  <p:par>
-                    <p:cTn id="3" fill="hold">
-                      <p:stCondLst>
-                        <p:cond delay="indefinite"/>
-                      </p:stCondLst>
-                      <p:childTnLst>
-                        <p:par>
-                          <p:cTn id="4" fill="hold">
-                            <p:stCondLst>
-                              <p:cond delay="0"/>
-                            </p:stCondLst>
-                            <p:childTnLst>
-                              <p:par>
-                                <p:cTn id="5" presetID="10" presetClass="entr" presetSubtype="0" fill="hold" nodeType="clickEffect">
-                                  <p:stCondLst>
-                                    <p:cond delay="0"/>
-                                  </p:stCondLst>
-                                  <p:childTnLst>
-                                    <p:set>
-                                      <p:cBhvr>
-                                        <p:cTn id="6" dur="1" fill="hold">
-                                          <p:stCondLst>
-                                            <p:cond delay="0"/>
-                                          </p:stCondLst>
-                                        </p:cTn>
-                                        <p:tgtEl>
-                                          <p:spTgt spid="3">
-                                            <p:txEl>
-                                              <p:pRg st="0" end="0"/>
-                                            </p:txEl>
-                                          </p:spTgt>
-                                        </p:tgtEl>
-                                        <p:attrNameLst>
-                                          <p:attrName>style.visibility</p:attrName>
-                                        </p:attrNameLst>
-                                      </p:cBhvr>
-                                      <p:to>
-                                        <p:strVal val="visible"/>
-                                      </p:to>
-                                    </p:set>
-                                    <p:animEffect transition="in" filter="fade">
-                                      <p:cBhvr>
-                                        <p:cTn id="7" dur="500"/>
-                                        <p:tgtEl>
-                                          <p:spTgt spid="3">
-                                            <p:txEl>
-                                              <p:pRg st="0" end="0"/>
-                                            </p:txEl>
-                                          </p:spTgt>
-                                        </p:tgtEl>
-                                      </p:cBhvr>
-                                    </p:animEffect>
-                                  </p:childTnLst>
-                                </p:cTn>
-                              </p:par>
-                              <p:par>
-                                <p:cTn id="8" presetID="10" presetClass="entr" presetSubtype="0" fill="hold" nodeType="withEffect">
-                                  <p:stCondLst>
-                                    <p:cond delay="0"/>
-                                  </p:stCondLst>
-                                  <p:childTnLst>
-                                    <p:set>
-                                      <p:cBhvr>
-                                        <p:cTn id="9" dur="1" fill="hold">
-                                          <p:stCondLst>
-                                            <p:cond delay="0"/>
-                                          </p:stCondLst>
-                                        </p:cTn>
-                                        <p:tgtEl>
-                                          <p:spTgt spid="3">
-                                            <p:txEl>
-                                              <p:pRg st="1" end="1"/>
-                                            </p:txEl>
-                                          </p:spTgt>
-                                        </p:tgtEl>
-                                        <p:attrNameLst>
-                                          <p:attrName>style.visibility</p:attrName>
-                                        </p:attrNameLst>
-                                      </p:cBhvr>
-                                      <p:to>
-                                        <p:strVal val="visible"/>
-                                      </p:to>
-                                    </p:set>
-                                    <p:animEffect transition="in" filter="fade">
-                                      <p:cBhvr>
-                                        <p:cTn id="10" dur="500"/>
-                                        <p:tgtEl>
-                                          <p:spTgt spid="3">
-                                            <p:txEl>
-                                              <p:pRg st="1" end="1"/>
-                                            </p:txEl>
-                                          </p:spTgt>
-                                        </p:tgtEl>
-                                      </p:cBhvr>
-                                    </p:animEffect>
-                                  </p:childTnLst>
-                                </p:cTn>
-                              </p:par>
-                              <p:par>
-                                <p:cTn id="11" presetID="10" presetClass="entr" presetSubtype="0" fill="hold" nodeType="withEffect">
-                                  <p:stCondLst>
-                                    <p:cond delay="0"/>
-                                  </p:stCondLst>
-                                  <p:childTnLst>
-                                    <p:set>
-                                      <p:cBhvr>
-                                        <p:cTn id="12" dur="1" fill="hold">
-                                          <p:stCondLst>
-                                            <p:cond delay="0"/>
-                                          </p:stCondLst>
-                                        </p:cTn>
-                                        <p:tgtEl>
-                                          <p:spTgt spid="3">
-                                            <p:txEl>
-                                              <p:pRg st="2" end="2"/>
-                                            </p:txEl>
-                                          </p:spTgt>
-                                        </p:tgtEl>
-                                        <p:attrNameLst>
-                                          <p:attrName>style.visibility</p:attrName>
-                                        </p:attrNameLst>
-                                      </p:cBhvr>
-                                      <p:to>
-                                        <p:strVal val="visible"/>
-                                      </p:to>
-                                    </p:set>
-                                    <p:animEffect transition="in" filter="fade">
-                                      <p:cBhvr>
-                                        <p:cTn id="13" dur="500"/>
-                                        <p:tgtEl>
-                                          <p:spTgt spid="3">
-                                            <p:txEl>
-                                              <p:pRg st="2" end="2"/>
-                                            </p:txEl>
-                                          </p:spTgt>
-                                        </p:tgtEl>
-                                      </p:cBhvr>
-                                    </p:animEffect>
-                                  </p:childTnLst>
-                                </p:cTn>
-                              </p:par>
-                              <p:par>
-                                <p:cTn id="14" presetID="10" presetClass="entr" presetSubtype="0" fill="hold" nodeType="withEffect">
-                                  <p:stCondLst>
-                                    <p:cond delay="0"/>
-                                  </p:stCondLst>
-                                  <p:childTnLst>
-                                    <p:set>
-                                      <p:cBhvr>
-                                        <p:cTn id="15" dur="1" fill="hold">
-                                          <p:stCondLst>
-                                            <p:cond delay="0"/>
-                                          </p:stCondLst>
-                                        </p:cTn>
-                                        <p:tgtEl>
-                                          <p:spTgt spid="5"/>
-                                        </p:tgtEl>
-                                        <p:attrNameLst>
-                                          <p:attrName>style.visibility</p:attrName>
-                                        </p:attrNameLst>
-                                      </p:cBhvr>
-                                      <p:to>
-                                        <p:strVal val="visible"/>
-                                      </p:to>
-                                    </p:set>
-                                    <p:animEffect transition="in" filter="fade">
-                                      <p:cBhvr>
-                                        <p:cTn id="16" dur="500"/>
-                                        <p:tgtEl>
-                                          <p:spTgt spid="5"/>
-                                        </p:tgtEl>
-                                      </p:cBhvr>
-                                    </p:animEffect>
-                                  </p:childTnLst>
-                                </p:cTn>
-                              </p:par>
-                              <p:par>
-                                <p:cTn id="17" presetID="10" presetClass="entr" presetSubtype="0" fill="hold" grpId="0" nodeType="withEffect">
-                                  <p:stCondLst>
-                                    <p:cond delay="0"/>
-                                  </p:stCondLst>
-                                  <p:childTnLst>
-                                    <p:set>
-                                      <p:cBhvr>
-                                        <p:cTn id="18" dur="1" fill="hold">
-                                          <p:stCondLst>
-                                            <p:cond delay="0"/>
-                                          </p:stCondLst>
-                                        </p:cTn>
-                                        <p:tgtEl>
-                                          <p:spTgt spid="16"/>
-                                        </p:tgtEl>
-                                        <p:attrNameLst>
-                                          <p:attrName>style.visibility</p:attrName>
-                                        </p:attrNameLst>
-                                      </p:cBhvr>
-                                      <p:to>
-                                        <p:strVal val="visible"/>
-                                      </p:to>
-                                    </p:set>
-                                    <p:animEffect transition="in" filter="fade">
-                                      <p:cBhvr>
-                                        <p:cTn id="19" dur="500"/>
-                                        <p:tgtEl>
-                                          <p:spTgt spid="16"/>
-                                        </p:tgtEl>
-                                      </p:cBhvr>
-                                    </p:animEffect>
-                                  </p:childTnLst>
-                                </p:cTn>
-                              </p:par>
-                            </p:childTnLst>
-                          </p:cTn>
-                        </p:par>
-                      </p:childTnLst>
-                    </p:cTn>
-                  </p:par>
-                  <p:par>
-                    <p:cTn id="20" fill="hold">
-                      <p:stCondLst>
-                        <p:cond delay="indefinite"/>
-                      </p:stCondLst>
-                      <p:childTnLst>
-                        <p:par>
-                          <p:cTn id="21" fill="hold">
-                            <p:stCondLst>
-                              <p:cond delay="0"/>
-                            </p:stCondLst>
-                            <p:childTnLst>
-                              <p:par>
-                                <p:cTn id="22" presetID="10" presetClass="entr" presetSubtype="0" fill="hold" nodeType="clickEffect">
-                                  <p:stCondLst>
-                                    <p:cond delay="0"/>
-                                  </p:stCondLst>
-                                  <p:childTnLst>
-                                    <p:set>
-                                      <p:cBhvr>
-                                        <p:cTn id="23" dur="1" fill="hold">
-                                          <p:stCondLst>
-                                            <p:cond delay="0"/>
-                                          </p:stCondLst>
-                                        </p:cTn>
-                                        <p:tgtEl>
-                                          <p:spTgt spid="3">
-                                            <p:txEl>
-                                              <p:pRg st="3" end="3"/>
-                                            </p:txEl>
-                                          </p:spTgt>
-                                        </p:tgtEl>
-                                        <p:attrNameLst>
-                                          <p:attrName>style.visibility</p:attrName>
-                                        </p:attrNameLst>
-                                      </p:cBhvr>
-                                      <p:to>
-                                        <p:strVal val="visible"/>
-                                      </p:to>
-                                    </p:set>
-                                    <p:animEffect transition="in" filter="fade">
-                                      <p:cBhvr>
-                                        <p:cTn id="24" dur="500"/>
-                                        <p:tgtEl>
-                                          <p:spTgt spid="3">
-                                            <p:txEl>
-                                              <p:pRg st="3" end="3"/>
-                                            </p:txEl>
-                                          </p:spTgt>
-                                        </p:tgtEl>
-                                      </p:cBhvr>
-                                    </p:animEffect>
-                                  </p:childTnLst>
-                                </p:cTn>
-                              </p:par>
-                              <p:par>
-                                <p:cTn id="25" presetID="10" presetClass="entr" presetSubtype="0" fill="hold" nodeType="withEffect">
-                                  <p:stCondLst>
-                                    <p:cond delay="0"/>
-                                  </p:stCondLst>
-                                  <p:childTnLst>
-                                    <p:set>
-                                      <p:cBhvr>
-                                        <p:cTn id="26" dur="1" fill="hold">
-                                          <p:stCondLst>
-                                            <p:cond delay="0"/>
-                                          </p:stCondLst>
-                                        </p:cTn>
-                                        <p:tgtEl>
-                                          <p:spTgt spid="3">
-                                            <p:txEl>
-                                              <p:pRg st="4" end="4"/>
-                                            </p:txEl>
-                                          </p:spTgt>
-                                        </p:tgtEl>
-                                        <p:attrNameLst>
-                                          <p:attrName>style.visibility</p:attrName>
-                                        </p:attrNameLst>
-                                      </p:cBhvr>
-                                      <p:to>
-                                        <p:strVal val="visible"/>
-                                      </p:to>
-                                    </p:set>
-                                    <p:animEffect transition="in" filter="fade">
-                                      <p:cBhvr>
-                                        <p:cTn id="27" dur="500"/>
-                                        <p:tgtEl>
-                                          <p:spTgt spid="3">
-                                            <p:txEl>
-                                              <p:pRg st="4" end="4"/>
-                                            </p:txEl>
-                                          </p:spTgt>
-                                        </p:tgtEl>
-                                      </p:cBhvr>
-                                    </p:animEffect>
-                                  </p:childTnLst>
-                                </p:cTn>
-                              </p:par>
-                              <p:par>
-                                <p:cTn id="28" presetID="10" presetClass="entr" presetSubtype="0" fill="hold" nodeType="withEffect">
-                                  <p:stCondLst>
-                                    <p:cond delay="0"/>
-                                  </p:stCondLst>
-                                  <p:childTnLst>
-                                    <p:set>
-                                      <p:cBhvr>
-                                        <p:cTn id="29" dur="1" fill="hold">
-                                          <p:stCondLst>
-                                            <p:cond delay="0"/>
-                                          </p:stCondLst>
-                                        </p:cTn>
-                                        <p:tgtEl>
-                                          <p:spTgt spid="3">
-                                            <p:txEl>
-                                              <p:pRg st="5" end="5"/>
-                                            </p:txEl>
-                                          </p:spTgt>
-                                        </p:tgtEl>
-                                        <p:attrNameLst>
-                                          <p:attrName>style.visibility</p:attrName>
-                                        </p:attrNameLst>
-                                      </p:cBhvr>
-                                      <p:to>
-                                        <p:strVal val="visible"/>
-                                      </p:to>
-                                    </p:set>
-                                    <p:animEffect transition="in" filter="fade">
-                                      <p:cBhvr>
-                                        <p:cTn id="30" dur="500"/>
-                                        <p:tgtEl>
-                                          <p:spTgt spid="3">
-                                            <p:txEl>
-                                              <p:pRg st="5" end="5"/>
-                                            </p:txEl>
-                                          </p:spTgt>
-                                        </p:tgtEl>
-                                      </p:cBhvr>
-                                    </p:animEffect>
-                                  </p:childTnLst>
-                                </p:cTn>
-                              </p:par>
-                              <p:par>
-                                <p:cTn id="31" presetID="10" presetClass="entr" presetSubtype="0" fill="hold" grpId="0" nodeType="withEffect">
-                                  <p:stCondLst>
-                                    <p:cond delay="0"/>
-                                  </p:stCondLst>
-                                  <p:childTnLst>
-                                    <p:set>
-                                      <p:cBhvr>
-                                        <p:cTn id="32" dur="1" fill="hold">
-                                          <p:stCondLst>
-                                            <p:cond delay="0"/>
-                                          </p:stCondLst>
-                                        </p:cTn>
-                                        <p:tgtEl>
-                                          <p:spTgt spid="23"/>
-                                        </p:tgtEl>
-                                        <p:attrNameLst>
-                                          <p:attrName>style.visibility</p:attrName>
-                                        </p:attrNameLst>
-                                      </p:cBhvr>
-                                      <p:to>
-                                        <p:strVal val="visible"/>
-                                      </p:to>
-                                    </p:set>
-                                    <p:animEffect transition="in" filter="fade">
-                                      <p:cBhvr>
-                                        <p:cTn id="33" dur="500"/>
-                                        <p:tgtEl>
-                                          <p:spTgt spid="23"/>
-                                        </p:tgtEl>
-                                      </p:cBhvr>
-                                    </p:animEffect>
-                                  </p:childTnLst>
-                                </p:cTn>
-                              </p:par>
-                              <p:par>
-                                <p:cTn id="34" presetID="10" presetClass="entr" presetSubtype="0" fill="hold" nodeType="withEffect">
-                                  <p:stCondLst>
-                                    <p:cond delay="0"/>
-                                  </p:stCondLst>
-                                  <p:childTnLst>
-                                    <p:set>
-                                      <p:cBhvr>
-                                        <p:cTn id="35" dur="1" fill="hold">
-                                          <p:stCondLst>
-                                            <p:cond delay="0"/>
-                                          </p:stCondLst>
-                                        </p:cTn>
-                                        <p:tgtEl>
-                                          <p:spTgt spid="8"/>
-                                        </p:tgtEl>
-                                        <p:attrNameLst>
-                                          <p:attrName>style.visibility</p:attrName>
-                                        </p:attrNameLst>
-                                      </p:cBhvr>
-                                      <p:to>
-                                        <p:strVal val="visible"/>
-                                      </p:to>
-                                    </p:set>
-                                    <p:animEffect transition="in" filter="fade">
-                                      <p:cBhvr>
-                                        <p:cTn id="36" dur="500"/>
-                                        <p:tgtEl>
-                                          <p:spTgt spid="8"/>
-                                        </p:tgtEl>
-                                      </p:cBhvr>
-                                    </p:animEffect>
-                                  </p:childTnLst>
-                                </p:cTn>
-                              </p:par>
-                              <p:par>
-                                <p:cTn id="37" presetID="10" presetClass="entr" presetSubtype="0" fill="hold" nodeType="withEffect">
-                                  <p:stCondLst>
-                                    <p:cond delay="0"/>
-                                  </p:stCondLst>
-                                  <p:childTnLst>
-                                    <p:set>
-                                      <p:cBhvr>
-                                        <p:cTn id="38" dur="1" fill="hold">
-                                          <p:stCondLst>
-                                            <p:cond delay="0"/>
-                                          </p:stCondLst>
-                                        </p:cTn>
-                                        <p:tgtEl>
-                                          <p:spTgt spid="14"/>
-                                        </p:tgtEl>
-                                        <p:attrNameLst>
-                                          <p:attrName>style.visibility</p:attrName>
-                                        </p:attrNameLst>
-                                      </p:cBhvr>
-                                      <p:to>
-                                        <p:strVal val="visible"/>
-                                      </p:to>
-                                    </p:set>
-                                    <p:animEffect transition="in" filter="fade">
-                                      <p:cBhvr>
-                                        <p:cTn id="39" dur="500"/>
-                                        <p:tgtEl>
-                                          <p:spTgt spid="14"/>
-                                        </p:tgtEl>
-                                      </p:cBhvr>
-                                    </p:animEffect>
-                                  </p:childTnLst>
-                                </p:cTn>
-                              </p:par>
-                              <p:par>
-                                <p:cTn id="40" presetID="10" presetClass="entr" presetSubtype="0" fill="hold" nodeType="withEffect">
-                                  <p:stCondLst>
-                                    <p:cond delay="0"/>
-                                  </p:stCondLst>
-                                  <p:childTnLst>
-                                    <p:set>
-                                      <p:cBhvr>
-                                        <p:cTn id="41" dur="1" fill="hold">
-                                          <p:stCondLst>
-                                            <p:cond delay="0"/>
-                                          </p:stCondLst>
-                                        </p:cTn>
-                                        <p:tgtEl>
-                                          <p:spTgt spid="11"/>
-                                        </p:tgtEl>
-                                        <p:attrNameLst>
-                                          <p:attrName>style.visibility</p:attrName>
-                                        </p:attrNameLst>
-                                      </p:cBhvr>
-                                      <p:to>
-                                        <p:strVal val="visible"/>
-                                      </p:to>
-                                    </p:set>
-                                    <p:animEffect transition="in" filter="fade">
-                                      <p:cBhvr>
-                                        <p:cTn id="42" dur="500"/>
-                                        <p:tgtEl>
-                                          <p:spTgt spid="11"/>
-                                        </p:tgtEl>
-                                      </p:cBhvr>
-                                    </p:animEffect>
-                                  </p:childTnLst>
-                                </p:cTn>
-                              </p:par>
-                            </p:childTnLst>
-                          </p:cTn>
-                        </p:par>
-                      </p:childTnLst>
-                    </p:cTn>
-                  </p:par>
-                </p:childTnLst>
-              </p:cTn>
-              <p:prevCondLst>
-                <p:cond evt="onPrev" delay="0">
-                  <p:tgtEl>
-                    <p:sldTgt/>
-                  </p:tgtEl>
-                </p:cond>
-              </p:prevCondLst>
-              <p:nextCondLst>
-                <p:cond evt="onNext" delay="0">
-                  <p:tgtEl>
-                    <p:sldTgt/>
-                  </p:tgtEl>
-                </p:cond>
-              </p:nextCondLst>
-            </p:seq>
-          </p:childTnLst>
-        </p:cTn>
-      </p:par>
-    </p:tnLst>
-    <p:bldLst>
-      <p:bldP spid="16" grpId="0"/>
-      <p:bldP spid="23" grpId="0"/>
-    </p:bldLst>
-  </p:timing>
-</p:sld>
-</file>
-
-<file path=ppt/slides/slide40.xml><?xml version="1.0" encoding="utf-8"?>
+<file path=ppt/slides/slide36.xml><?xml version="1.0" encoding="utf-8"?>
 <p:sld xmlns:a="http://schemas.openxmlformats.org/drawingml/2006/main" xmlns:r="http://schemas.openxmlformats.org/officeDocument/2006/relationships" xmlns:p="http://schemas.openxmlformats.org/presentationml/2006/main">
   <p:cSld>
     <p:spTree>
@@ -18530,7 +15838,7 @@
 </p:sld>
 </file>
 
-<file path=ppt/slides/slide41.xml><?xml version="1.0" encoding="utf-8"?>
+<file path=ppt/slides/slide37.xml><?xml version="1.0" encoding="utf-8"?>
 <p:sld xmlns:a="http://schemas.openxmlformats.org/drawingml/2006/main" xmlns:r="http://schemas.openxmlformats.org/officeDocument/2006/relationships" xmlns:p="http://schemas.openxmlformats.org/presentationml/2006/main">
   <p:cSld>
     <p:spTree>
@@ -18818,6 +16126,1165 @@
   <p:clrMapOvr>
     <a:masterClrMapping/>
   </p:clrMapOvr>
+</p:sld>
+</file>
+
+<file path=ppt/slides/slide4.xml><?xml version="1.0" encoding="utf-8"?>
+<p:sld xmlns:a="http://schemas.openxmlformats.org/drawingml/2006/main" xmlns:r="http://schemas.openxmlformats.org/officeDocument/2006/relationships" xmlns:p="http://schemas.openxmlformats.org/presentationml/2006/main">
+  <p:cSld>
+    <p:bg>
+      <p:bgPr>
+        <a:solidFill>
+          <a:schemeClr val="bg1"/>
+        </a:solidFill>
+        <a:effectLst/>
+      </p:bgPr>
+    </p:bg>
+    <p:spTree>
+      <p:nvGrpSpPr>
+        <p:cNvPr id="1" name=""/>
+        <p:cNvGrpSpPr/>
+        <p:nvPr/>
+      </p:nvGrpSpPr>
+      <p:grpSpPr>
+        <a:xfrm>
+          <a:off x="0" y="0"/>
+          <a:ext cx="0" cy="0"/>
+          <a:chOff x="0" y="0"/>
+          <a:chExt cx="0" cy="0"/>
+        </a:xfrm>
+      </p:grpSpPr>
+      <p:sp>
+        <p:nvSpPr>
+          <p:cNvPr id="17" name="Rectangle 19">
+            <a:extLst>
+              <a:ext uri="{FF2B5EF4-FFF2-40B4-BE49-F238E27FC236}">
+                <a16:creationId xmlns:a16="http://schemas.microsoft.com/office/drawing/2014/main" id="{F9DA4879-7C97-47D8-8954-7F0E54902635}"/>
+              </a:ext>
+              <a:ext uri="{C183D7F6-B498-43B3-948B-1728B52AA6E4}">
+                <adec:decorative xmlns:adec="http://schemas.microsoft.com/office/drawing/2017/decorative" val="1"/>
+              </a:ext>
+            </a:extLst>
+          </p:cNvPr>
+          <p:cNvSpPr>
+            <a:spLocks noGrp="1" noRot="1" noChangeAspect="1" noMove="1" noResize="1" noEditPoints="1" noAdjustHandles="1" noChangeArrowheads="1" noChangeShapeType="1" noTextEdit="1"/>
+          </p:cNvSpPr>
+          <p:nvPr>
+            <p:extLst>
+              <p:ext uri="{386F3935-93C4-4BCD-93E2-E3B085C9AB24}">
+                <p16:designElem xmlns:p16="http://schemas.microsoft.com/office/powerpoint/2015/main" val="1"/>
+              </p:ext>
+            </p:extLst>
+          </p:nvPr>
+        </p:nvSpPr>
+        <p:spPr bwMode="ltGray">
+          <a:xfrm>
+            <a:off x="2002630" y="639401"/>
+            <a:ext cx="4030504" cy="5577162"/>
+          </a:xfrm>
+          <a:prstGeom prst="rect">
+            <a:avLst/>
+          </a:prstGeom>
+          <a:solidFill>
+            <a:srgbClr val="404040">
+              <a:alpha val="92941"/>
+            </a:srgbClr>
+          </a:solidFill>
+          <a:ln w="127000" cap="sq" cmpd="thinThick">
+            <a:solidFill>
+              <a:srgbClr val="404040"/>
+            </a:solidFill>
+          </a:ln>
+        </p:spPr>
+        <p:style>
+          <a:lnRef idx="2">
+            <a:schemeClr val="accent1">
+              <a:shade val="50000"/>
+            </a:schemeClr>
+          </a:lnRef>
+          <a:fillRef idx="1">
+            <a:schemeClr val="accent1"/>
+          </a:fillRef>
+          <a:effectRef idx="0">
+            <a:schemeClr val="accent1"/>
+          </a:effectRef>
+          <a:fontRef idx="minor">
+            <a:schemeClr val="lt1"/>
+          </a:fontRef>
+        </p:style>
+        <p:txBody>
+          <a:bodyPr rtlCol="0" anchor="ctr"/>
+          <a:lstStyle/>
+          <a:p>
+            <a:pPr algn="ctr"/>
+            <a:endParaRPr lang="en-US"/>
+          </a:p>
+        </p:txBody>
+      </p:sp>
+      <p:sp>
+        <p:nvSpPr>
+          <p:cNvPr id="2" name="Title 1">
+            <a:extLst>
+              <a:ext uri="{FF2B5EF4-FFF2-40B4-BE49-F238E27FC236}">
+                <a16:creationId xmlns:a16="http://schemas.microsoft.com/office/drawing/2014/main" id="{DC26D093-0CD9-4621-9B32-E11A4E011E77}"/>
+              </a:ext>
+            </a:extLst>
+          </p:cNvPr>
+          <p:cNvSpPr>
+            <a:spLocks noGrp="1"/>
+          </p:cNvSpPr>
+          <p:nvPr>
+            <p:ph type="title"/>
+          </p:nvPr>
+        </p:nvSpPr>
+        <p:spPr>
+          <a:xfrm>
+            <a:off x="2302668" y="890908"/>
+            <a:ext cx="3450432" cy="1156563"/>
+          </a:xfrm>
+        </p:spPr>
+        <p:txBody>
+          <a:bodyPr>
+            <a:normAutofit/>
+          </a:bodyPr>
+          <a:lstStyle/>
+          <a:p>
+            <a:r>
+              <a:rPr lang="en-IE" sz="3200">
+                <a:solidFill>
+                  <a:srgbClr val="FFFFFF"/>
+                </a:solidFill>
+              </a:rPr>
+              <a:t>Structured &amp; Unstructured Data</a:t>
+            </a:r>
+          </a:p>
+        </p:txBody>
+      </p:sp>
+      <p:sp>
+        <p:nvSpPr>
+          <p:cNvPr id="3" name="Content Placeholder 2">
+            <a:extLst>
+              <a:ext uri="{FF2B5EF4-FFF2-40B4-BE49-F238E27FC236}">
+                <a16:creationId xmlns:a16="http://schemas.microsoft.com/office/drawing/2014/main" id="{D4DED53A-F394-40BC-8A79-E9FE873080CE}"/>
+              </a:ext>
+            </a:extLst>
+          </p:cNvPr>
+          <p:cNvSpPr>
+            <a:spLocks noGrp="1"/>
+          </p:cNvSpPr>
+          <p:nvPr>
+            <p:ph idx="1"/>
+          </p:nvPr>
+        </p:nvSpPr>
+        <p:spPr>
+          <a:xfrm>
+            <a:off x="2302668" y="2187257"/>
+            <a:ext cx="3450432" cy="3651569"/>
+          </a:xfrm>
+        </p:spPr>
+        <p:txBody>
+          <a:bodyPr>
+            <a:normAutofit fontScale="85000" lnSpcReduction="10000"/>
+          </a:bodyPr>
+          <a:lstStyle/>
+          <a:p>
+            <a:r>
+              <a:rPr lang="en-IE" sz="1600" dirty="0">
+                <a:solidFill>
+                  <a:srgbClr val="FFFFFF"/>
+                </a:solidFill>
+              </a:rPr>
+              <a:t>Structured data:</a:t>
+            </a:r>
+          </a:p>
+          <a:p>
+            <a:pPr lvl="1"/>
+            <a:r>
+              <a:rPr lang="en-IE" sz="1600" dirty="0">
+                <a:solidFill>
+                  <a:srgbClr val="FFFFFF"/>
+                </a:solidFill>
+              </a:rPr>
+              <a:t>Organise data into structured tables and rows</a:t>
+            </a:r>
+          </a:p>
+          <a:p>
+            <a:pPr lvl="1"/>
+            <a:r>
+              <a:rPr lang="en-GB" sz="1600" dirty="0">
+                <a:solidFill>
+                  <a:srgbClr val="FFFFFF"/>
+                </a:solidFill>
+              </a:rPr>
+              <a:t>Relations have to be simple, they cannot contain any structure such as a nested record or a list</a:t>
+            </a:r>
+          </a:p>
+          <a:p>
+            <a:r>
+              <a:rPr lang="en-GB" sz="1600" dirty="0">
+                <a:solidFill>
+                  <a:srgbClr val="FFFFFF"/>
+                </a:solidFill>
+              </a:rPr>
+              <a:t>Unstructured Data</a:t>
+            </a:r>
+          </a:p>
+          <a:p>
+            <a:pPr lvl="1"/>
+            <a:r>
+              <a:rPr lang="en-GB" sz="1600" dirty="0">
+                <a:solidFill>
+                  <a:srgbClr val="FFFFFF"/>
+                </a:solidFill>
+              </a:rPr>
+              <a:t>Much more varied</a:t>
+            </a:r>
+          </a:p>
+          <a:p>
+            <a:pPr lvl="1"/>
+            <a:r>
+              <a:rPr lang="en-GB" sz="1600" dirty="0">
+                <a:solidFill>
+                  <a:srgbClr val="FFFFFF"/>
+                </a:solidFill>
+              </a:rPr>
+              <a:t>No pre-defined Structure</a:t>
+            </a:r>
+          </a:p>
+          <a:p>
+            <a:pPr lvl="1"/>
+            <a:r>
+              <a:rPr lang="en-GB" sz="1600" dirty="0">
+                <a:solidFill>
+                  <a:srgbClr val="FFFFFF"/>
+                </a:solidFill>
+              </a:rPr>
+              <a:t>E.g. text files, images, audio</a:t>
+            </a:r>
+          </a:p>
+          <a:p>
+            <a:r>
+              <a:rPr lang="en-GB" sz="2000" dirty="0">
+                <a:solidFill>
+                  <a:srgbClr val="FFFFFF"/>
+                </a:solidFill>
+              </a:rPr>
+              <a:t>Semi-structured data:</a:t>
+            </a:r>
+          </a:p>
+          <a:p>
+            <a:pPr lvl="1"/>
+            <a:r>
+              <a:rPr lang="en-GB" sz="1600" dirty="0">
+                <a:solidFill>
+                  <a:srgbClr val="FFFFFF"/>
+                </a:solidFill>
+              </a:rPr>
+              <a:t>JSON/XML</a:t>
+            </a:r>
+          </a:p>
+          <a:p>
+            <a:pPr lvl="1"/>
+            <a:r>
+              <a:rPr lang="en-GB" sz="1600" dirty="0">
+                <a:solidFill>
+                  <a:srgbClr val="FFFFFF"/>
+                </a:solidFill>
+              </a:rPr>
+              <a:t>Doesn’t obey tabular structure of Relational DB</a:t>
+            </a:r>
+          </a:p>
+          <a:p>
+            <a:pPr lvl="1"/>
+            <a:r>
+              <a:rPr lang="en-GB" sz="1600" dirty="0">
+                <a:solidFill>
+                  <a:srgbClr val="FFFFFF"/>
+                </a:solidFill>
+              </a:rPr>
+              <a:t>Sometime “self-describing” using tags</a:t>
+            </a:r>
+          </a:p>
+        </p:txBody>
+      </p:sp>
+      <p:pic>
+        <p:nvPicPr>
+          <p:cNvPr id="5" name="Picture 4" descr="A screenshot of a cell phone&#10;&#10;Description automatically generated">
+            <a:extLst>
+              <a:ext uri="{FF2B5EF4-FFF2-40B4-BE49-F238E27FC236}">
+                <a16:creationId xmlns:a16="http://schemas.microsoft.com/office/drawing/2014/main" id="{ECF2C06E-7B0F-476D-AA55-F83B2F38FAC4}"/>
+              </a:ext>
+            </a:extLst>
+          </p:cNvPr>
+          <p:cNvPicPr>
+            <a:picLocks noChangeAspect="1"/>
+          </p:cNvPicPr>
+          <p:nvPr/>
+        </p:nvPicPr>
+        <p:blipFill>
+          <a:blip r:embed="rId3">
+            <a:extLst>
+              <a:ext uri="{28A0092B-C50C-407E-A947-70E740481C1C}">
+                <a14:useLocalDpi xmlns:a14="http://schemas.microsoft.com/office/drawing/2010/main" val="0"/>
+              </a:ext>
+              <a:ext uri="{837473B0-CC2E-450A-ABE3-18F120FF3D39}">
+                <a1611:picAttrSrcUrl xmlns:a1611="http://schemas.microsoft.com/office/drawing/2016/11/main" r:id="rId4"/>
+              </a:ext>
+            </a:extLst>
+          </a:blip>
+          <a:stretch>
+            <a:fillRect/>
+          </a:stretch>
+        </p:blipFill>
+        <p:spPr>
+          <a:xfrm>
+            <a:off x="6798766" y="831091"/>
+            <a:ext cx="3390605" cy="2432758"/>
+          </a:xfrm>
+          <a:prstGeom prst="rect">
+            <a:avLst/>
+          </a:prstGeom>
+        </p:spPr>
+      </p:pic>
+      <p:sp>
+        <p:nvSpPr>
+          <p:cNvPr id="6" name="TextBox 5">
+            <a:extLst>
+              <a:ext uri="{FF2B5EF4-FFF2-40B4-BE49-F238E27FC236}">
+                <a16:creationId xmlns:a16="http://schemas.microsoft.com/office/drawing/2014/main" id="{B9DFE3D5-7A60-4CC9-ADE5-8AB68F766108}"/>
+              </a:ext>
+            </a:extLst>
+          </p:cNvPr>
+          <p:cNvSpPr txBox="1"/>
+          <p:nvPr/>
+        </p:nvSpPr>
+        <p:spPr>
+          <a:xfrm>
+            <a:off x="8360958" y="6870700"/>
+            <a:ext cx="2307042" cy="200055"/>
+          </a:xfrm>
+          <a:prstGeom prst="rect">
+            <a:avLst/>
+          </a:prstGeom>
+          <a:solidFill>
+            <a:srgbClr val="000000"/>
+          </a:solidFill>
+        </p:spPr>
+        <p:txBody>
+          <a:bodyPr wrap="none" rtlCol="0">
+            <a:spAutoFit/>
+          </a:bodyPr>
+          <a:lstStyle/>
+          <a:p>
+            <a:pPr algn="r">
+              <a:spcAft>
+                <a:spcPts val="600"/>
+              </a:spcAft>
+            </a:pPr>
+            <a:r>
+              <a:rPr lang="en-IE" sz="700">
+                <a:solidFill>
+                  <a:srgbClr val="FFFFFF"/>
+                </a:solidFill>
+                <a:hlinkClick r:id="rId4" tooltip="http://dba.stackexchange.com/questions/40311/unsure-how-to-implement-certain-constraints-and-relations-in-this-relational-dat">
+                  <a:extLst>
+                    <a:ext uri="{A12FA001-AC4F-418D-AE19-62706E023703}">
+                      <ahyp:hlinkClr xmlns:ahyp="http://schemas.microsoft.com/office/drawing/2018/hyperlinkcolor" val="tx"/>
+                    </a:ext>
+                  </a:extLst>
+                </a:hlinkClick>
+              </a:rPr>
+              <a:t>This Photo</a:t>
+            </a:r>
+            <a:r>
+              <a:rPr lang="en-IE" sz="700">
+                <a:solidFill>
+                  <a:srgbClr val="FFFFFF"/>
+                </a:solidFill>
+              </a:rPr>
+              <a:t> by Unknown Author is licensed under </a:t>
+            </a:r>
+            <a:r>
+              <a:rPr lang="en-IE" sz="700">
+                <a:solidFill>
+                  <a:srgbClr val="FFFFFF"/>
+                </a:solidFill>
+                <a:hlinkClick r:id="rId5" tooltip="https://creativecommons.org/licenses/by-sa/3.0/">
+                  <a:extLst>
+                    <a:ext uri="{A12FA001-AC4F-418D-AE19-62706E023703}">
+                      <ahyp:hlinkClr xmlns:ahyp="http://schemas.microsoft.com/office/drawing/2018/hyperlinkcolor" val="tx"/>
+                    </a:ext>
+                  </a:extLst>
+                </a:hlinkClick>
+              </a:rPr>
+              <a:t>CC BY-SA</a:t>
+            </a:r>
+            <a:endParaRPr lang="en-IE" sz="700">
+              <a:solidFill>
+                <a:srgbClr val="FFFFFF"/>
+              </a:solidFill>
+            </a:endParaRPr>
+          </a:p>
+        </p:txBody>
+      </p:sp>
+      <p:sp>
+        <p:nvSpPr>
+          <p:cNvPr id="16" name="TextBox 15">
+            <a:extLst>
+              <a:ext uri="{FF2B5EF4-FFF2-40B4-BE49-F238E27FC236}">
+                <a16:creationId xmlns:a16="http://schemas.microsoft.com/office/drawing/2014/main" id="{DC93DE1A-0624-4AE4-9FE4-96CE275A7642}"/>
+              </a:ext>
+            </a:extLst>
+          </p:cNvPr>
+          <p:cNvSpPr txBox="1"/>
+          <p:nvPr/>
+        </p:nvSpPr>
+        <p:spPr>
+          <a:xfrm>
+            <a:off x="7021485" y="554182"/>
+            <a:ext cx="2045881" cy="369332"/>
+          </a:xfrm>
+          <a:prstGeom prst="rect">
+            <a:avLst/>
+          </a:prstGeom>
+          <a:noFill/>
+        </p:spPr>
+        <p:txBody>
+          <a:bodyPr wrap="none" rtlCol="0">
+            <a:spAutoFit/>
+          </a:bodyPr>
+          <a:lstStyle/>
+          <a:p>
+            <a:r>
+              <a:rPr lang="en-IE" dirty="0"/>
+              <a:t>Relational Database</a:t>
+            </a:r>
+          </a:p>
+        </p:txBody>
+      </p:sp>
+      <p:sp>
+        <p:nvSpPr>
+          <p:cNvPr id="23" name="TextBox 22">
+            <a:extLst>
+              <a:ext uri="{FF2B5EF4-FFF2-40B4-BE49-F238E27FC236}">
+                <a16:creationId xmlns:a16="http://schemas.microsoft.com/office/drawing/2014/main" id="{E1A2939B-8EBE-4D92-9B76-A04183309911}"/>
+              </a:ext>
+            </a:extLst>
+          </p:cNvPr>
+          <p:cNvSpPr txBox="1"/>
+          <p:nvPr/>
+        </p:nvSpPr>
+        <p:spPr>
+          <a:xfrm>
+            <a:off x="7021484" y="3519341"/>
+            <a:ext cx="665567" cy="369332"/>
+          </a:xfrm>
+          <a:prstGeom prst="rect">
+            <a:avLst/>
+          </a:prstGeom>
+          <a:noFill/>
+        </p:spPr>
+        <p:txBody>
+          <a:bodyPr wrap="none" rtlCol="0">
+            <a:spAutoFit/>
+          </a:bodyPr>
+          <a:lstStyle/>
+          <a:p>
+            <a:r>
+              <a:rPr lang="en-IE" dirty="0"/>
+              <a:t>JSON</a:t>
+            </a:r>
+          </a:p>
+        </p:txBody>
+      </p:sp>
+      <p:pic>
+        <p:nvPicPr>
+          <p:cNvPr id="7" name="Picture 6">
+            <a:extLst>
+              <a:ext uri="{FF2B5EF4-FFF2-40B4-BE49-F238E27FC236}">
+                <a16:creationId xmlns:a16="http://schemas.microsoft.com/office/drawing/2014/main" id="{0FA938F1-6396-408D-9A09-FFA6FB81092C}"/>
+              </a:ext>
+            </a:extLst>
+          </p:cNvPr>
+          <p:cNvPicPr>
+            <a:picLocks noChangeAspect="1"/>
+          </p:cNvPicPr>
+          <p:nvPr/>
+        </p:nvPicPr>
+        <p:blipFill>
+          <a:blip r:embed="rId6"/>
+          <a:stretch>
+            <a:fillRect/>
+          </a:stretch>
+        </p:blipFill>
+        <p:spPr>
+          <a:xfrm>
+            <a:off x="7687051" y="3688618"/>
+            <a:ext cx="3105722" cy="2887660"/>
+          </a:xfrm>
+          <a:prstGeom prst="rect">
+            <a:avLst/>
+          </a:prstGeom>
+        </p:spPr>
+      </p:pic>
+    </p:spTree>
+    <p:extLst>
+      <p:ext uri="{BB962C8B-B14F-4D97-AF65-F5344CB8AC3E}">
+        <p14:creationId xmlns:p14="http://schemas.microsoft.com/office/powerpoint/2010/main" val="493282372"/>
+      </p:ext>
+    </p:extLst>
+  </p:cSld>
+  <p:clrMapOvr>
+    <a:masterClrMapping/>
+  </p:clrMapOvr>
+  <p:timing>
+    <p:tnLst>
+      <p:par>
+        <p:cTn id="1" dur="indefinite" restart="never" nodeType="tmRoot">
+          <p:childTnLst>
+            <p:seq concurrent="1" nextAc="seek">
+              <p:cTn id="2" dur="indefinite" nodeType="mainSeq">
+                <p:childTnLst>
+                  <p:par>
+                    <p:cTn id="3" fill="hold">
+                      <p:stCondLst>
+                        <p:cond delay="indefinite"/>
+                      </p:stCondLst>
+                      <p:childTnLst>
+                        <p:par>
+                          <p:cTn id="4" fill="hold">
+                            <p:stCondLst>
+                              <p:cond delay="0"/>
+                            </p:stCondLst>
+                            <p:childTnLst>
+                              <p:par>
+                                <p:cTn id="5" presetID="10" presetClass="entr" presetSubtype="0" fill="hold" nodeType="clickEffect">
+                                  <p:stCondLst>
+                                    <p:cond delay="0"/>
+                                  </p:stCondLst>
+                                  <p:childTnLst>
+                                    <p:set>
+                                      <p:cBhvr>
+                                        <p:cTn id="6" dur="1" fill="hold">
+                                          <p:stCondLst>
+                                            <p:cond delay="0"/>
+                                          </p:stCondLst>
+                                        </p:cTn>
+                                        <p:tgtEl>
+                                          <p:spTgt spid="3">
+                                            <p:txEl>
+                                              <p:pRg st="0" end="0"/>
+                                            </p:txEl>
+                                          </p:spTgt>
+                                        </p:tgtEl>
+                                        <p:attrNameLst>
+                                          <p:attrName>style.visibility</p:attrName>
+                                        </p:attrNameLst>
+                                      </p:cBhvr>
+                                      <p:to>
+                                        <p:strVal val="visible"/>
+                                      </p:to>
+                                    </p:set>
+                                    <p:animEffect transition="in" filter="fade">
+                                      <p:cBhvr>
+                                        <p:cTn id="7" dur="500"/>
+                                        <p:tgtEl>
+                                          <p:spTgt spid="3">
+                                            <p:txEl>
+                                              <p:pRg st="0" end="0"/>
+                                            </p:txEl>
+                                          </p:spTgt>
+                                        </p:tgtEl>
+                                      </p:cBhvr>
+                                    </p:animEffect>
+                                  </p:childTnLst>
+                                </p:cTn>
+                              </p:par>
+                              <p:par>
+                                <p:cTn id="8" presetID="10" presetClass="entr" presetSubtype="0" fill="hold" nodeType="withEffect">
+                                  <p:stCondLst>
+                                    <p:cond delay="0"/>
+                                  </p:stCondLst>
+                                  <p:childTnLst>
+                                    <p:set>
+                                      <p:cBhvr>
+                                        <p:cTn id="9" dur="1" fill="hold">
+                                          <p:stCondLst>
+                                            <p:cond delay="0"/>
+                                          </p:stCondLst>
+                                        </p:cTn>
+                                        <p:tgtEl>
+                                          <p:spTgt spid="3">
+                                            <p:txEl>
+                                              <p:pRg st="1" end="1"/>
+                                            </p:txEl>
+                                          </p:spTgt>
+                                        </p:tgtEl>
+                                        <p:attrNameLst>
+                                          <p:attrName>style.visibility</p:attrName>
+                                        </p:attrNameLst>
+                                      </p:cBhvr>
+                                      <p:to>
+                                        <p:strVal val="visible"/>
+                                      </p:to>
+                                    </p:set>
+                                    <p:animEffect transition="in" filter="fade">
+                                      <p:cBhvr>
+                                        <p:cTn id="10" dur="500"/>
+                                        <p:tgtEl>
+                                          <p:spTgt spid="3">
+                                            <p:txEl>
+                                              <p:pRg st="1" end="1"/>
+                                            </p:txEl>
+                                          </p:spTgt>
+                                        </p:tgtEl>
+                                      </p:cBhvr>
+                                    </p:animEffect>
+                                  </p:childTnLst>
+                                </p:cTn>
+                              </p:par>
+                              <p:par>
+                                <p:cTn id="11" presetID="10" presetClass="entr" presetSubtype="0" fill="hold" nodeType="withEffect">
+                                  <p:stCondLst>
+                                    <p:cond delay="0"/>
+                                  </p:stCondLst>
+                                  <p:childTnLst>
+                                    <p:set>
+                                      <p:cBhvr>
+                                        <p:cTn id="12" dur="1" fill="hold">
+                                          <p:stCondLst>
+                                            <p:cond delay="0"/>
+                                          </p:stCondLst>
+                                        </p:cTn>
+                                        <p:tgtEl>
+                                          <p:spTgt spid="3">
+                                            <p:txEl>
+                                              <p:pRg st="2" end="2"/>
+                                            </p:txEl>
+                                          </p:spTgt>
+                                        </p:tgtEl>
+                                        <p:attrNameLst>
+                                          <p:attrName>style.visibility</p:attrName>
+                                        </p:attrNameLst>
+                                      </p:cBhvr>
+                                      <p:to>
+                                        <p:strVal val="visible"/>
+                                      </p:to>
+                                    </p:set>
+                                    <p:animEffect transition="in" filter="fade">
+                                      <p:cBhvr>
+                                        <p:cTn id="13" dur="500"/>
+                                        <p:tgtEl>
+                                          <p:spTgt spid="3">
+                                            <p:txEl>
+                                              <p:pRg st="2" end="2"/>
+                                            </p:txEl>
+                                          </p:spTgt>
+                                        </p:tgtEl>
+                                      </p:cBhvr>
+                                    </p:animEffect>
+                                  </p:childTnLst>
+                                </p:cTn>
+                              </p:par>
+                              <p:par>
+                                <p:cTn id="14" presetID="10" presetClass="entr" presetSubtype="0" fill="hold" nodeType="withEffect">
+                                  <p:stCondLst>
+                                    <p:cond delay="0"/>
+                                  </p:stCondLst>
+                                  <p:childTnLst>
+                                    <p:set>
+                                      <p:cBhvr>
+                                        <p:cTn id="15" dur="1" fill="hold">
+                                          <p:stCondLst>
+                                            <p:cond delay="0"/>
+                                          </p:stCondLst>
+                                        </p:cTn>
+                                        <p:tgtEl>
+                                          <p:spTgt spid="5"/>
+                                        </p:tgtEl>
+                                        <p:attrNameLst>
+                                          <p:attrName>style.visibility</p:attrName>
+                                        </p:attrNameLst>
+                                      </p:cBhvr>
+                                      <p:to>
+                                        <p:strVal val="visible"/>
+                                      </p:to>
+                                    </p:set>
+                                    <p:animEffect transition="in" filter="fade">
+                                      <p:cBhvr>
+                                        <p:cTn id="16" dur="500"/>
+                                        <p:tgtEl>
+                                          <p:spTgt spid="5"/>
+                                        </p:tgtEl>
+                                      </p:cBhvr>
+                                    </p:animEffect>
+                                  </p:childTnLst>
+                                </p:cTn>
+                              </p:par>
+                              <p:par>
+                                <p:cTn id="17" presetID="10" presetClass="entr" presetSubtype="0" fill="hold" grpId="0" nodeType="withEffect">
+                                  <p:stCondLst>
+                                    <p:cond delay="0"/>
+                                  </p:stCondLst>
+                                  <p:childTnLst>
+                                    <p:set>
+                                      <p:cBhvr>
+                                        <p:cTn id="18" dur="1" fill="hold">
+                                          <p:stCondLst>
+                                            <p:cond delay="0"/>
+                                          </p:stCondLst>
+                                        </p:cTn>
+                                        <p:tgtEl>
+                                          <p:spTgt spid="16"/>
+                                        </p:tgtEl>
+                                        <p:attrNameLst>
+                                          <p:attrName>style.visibility</p:attrName>
+                                        </p:attrNameLst>
+                                      </p:cBhvr>
+                                      <p:to>
+                                        <p:strVal val="visible"/>
+                                      </p:to>
+                                    </p:set>
+                                    <p:animEffect transition="in" filter="fade">
+                                      <p:cBhvr>
+                                        <p:cTn id="19" dur="500"/>
+                                        <p:tgtEl>
+                                          <p:spTgt spid="16"/>
+                                        </p:tgtEl>
+                                      </p:cBhvr>
+                                    </p:animEffect>
+                                  </p:childTnLst>
+                                </p:cTn>
+                              </p:par>
+                            </p:childTnLst>
+                          </p:cTn>
+                        </p:par>
+                      </p:childTnLst>
+                    </p:cTn>
+                  </p:par>
+                  <p:par>
+                    <p:cTn id="20" fill="hold">
+                      <p:stCondLst>
+                        <p:cond delay="indefinite"/>
+                      </p:stCondLst>
+                      <p:childTnLst>
+                        <p:par>
+                          <p:cTn id="21" fill="hold">
+                            <p:stCondLst>
+                              <p:cond delay="0"/>
+                            </p:stCondLst>
+                            <p:childTnLst>
+                              <p:par>
+                                <p:cTn id="22" presetID="10" presetClass="entr" presetSubtype="0" fill="hold" nodeType="clickEffect">
+                                  <p:stCondLst>
+                                    <p:cond delay="0"/>
+                                  </p:stCondLst>
+                                  <p:childTnLst>
+                                    <p:set>
+                                      <p:cBhvr>
+                                        <p:cTn id="23" dur="1" fill="hold">
+                                          <p:stCondLst>
+                                            <p:cond delay="0"/>
+                                          </p:stCondLst>
+                                        </p:cTn>
+                                        <p:tgtEl>
+                                          <p:spTgt spid="3">
+                                            <p:txEl>
+                                              <p:pRg st="3" end="3"/>
+                                            </p:txEl>
+                                          </p:spTgt>
+                                        </p:tgtEl>
+                                        <p:attrNameLst>
+                                          <p:attrName>style.visibility</p:attrName>
+                                        </p:attrNameLst>
+                                      </p:cBhvr>
+                                      <p:to>
+                                        <p:strVal val="visible"/>
+                                      </p:to>
+                                    </p:set>
+                                    <p:animEffect transition="in" filter="fade">
+                                      <p:cBhvr>
+                                        <p:cTn id="24" dur="500"/>
+                                        <p:tgtEl>
+                                          <p:spTgt spid="3">
+                                            <p:txEl>
+                                              <p:pRg st="3" end="3"/>
+                                            </p:txEl>
+                                          </p:spTgt>
+                                        </p:tgtEl>
+                                      </p:cBhvr>
+                                    </p:animEffect>
+                                  </p:childTnLst>
+                                </p:cTn>
+                              </p:par>
+                              <p:par>
+                                <p:cTn id="25" presetID="10" presetClass="entr" presetSubtype="0" fill="hold" nodeType="withEffect">
+                                  <p:stCondLst>
+                                    <p:cond delay="0"/>
+                                  </p:stCondLst>
+                                  <p:childTnLst>
+                                    <p:set>
+                                      <p:cBhvr>
+                                        <p:cTn id="26" dur="1" fill="hold">
+                                          <p:stCondLst>
+                                            <p:cond delay="0"/>
+                                          </p:stCondLst>
+                                        </p:cTn>
+                                        <p:tgtEl>
+                                          <p:spTgt spid="3">
+                                            <p:txEl>
+                                              <p:pRg st="4" end="4"/>
+                                            </p:txEl>
+                                          </p:spTgt>
+                                        </p:tgtEl>
+                                        <p:attrNameLst>
+                                          <p:attrName>style.visibility</p:attrName>
+                                        </p:attrNameLst>
+                                      </p:cBhvr>
+                                      <p:to>
+                                        <p:strVal val="visible"/>
+                                      </p:to>
+                                    </p:set>
+                                    <p:animEffect transition="in" filter="fade">
+                                      <p:cBhvr>
+                                        <p:cTn id="27" dur="500"/>
+                                        <p:tgtEl>
+                                          <p:spTgt spid="3">
+                                            <p:txEl>
+                                              <p:pRg st="4" end="4"/>
+                                            </p:txEl>
+                                          </p:spTgt>
+                                        </p:tgtEl>
+                                      </p:cBhvr>
+                                    </p:animEffect>
+                                  </p:childTnLst>
+                                </p:cTn>
+                              </p:par>
+                              <p:par>
+                                <p:cTn id="28" presetID="10" presetClass="entr" presetSubtype="0" fill="hold" nodeType="withEffect">
+                                  <p:stCondLst>
+                                    <p:cond delay="0"/>
+                                  </p:stCondLst>
+                                  <p:childTnLst>
+                                    <p:set>
+                                      <p:cBhvr>
+                                        <p:cTn id="29" dur="1" fill="hold">
+                                          <p:stCondLst>
+                                            <p:cond delay="0"/>
+                                          </p:stCondLst>
+                                        </p:cTn>
+                                        <p:tgtEl>
+                                          <p:spTgt spid="3">
+                                            <p:txEl>
+                                              <p:pRg st="5" end="5"/>
+                                            </p:txEl>
+                                          </p:spTgt>
+                                        </p:tgtEl>
+                                        <p:attrNameLst>
+                                          <p:attrName>style.visibility</p:attrName>
+                                        </p:attrNameLst>
+                                      </p:cBhvr>
+                                      <p:to>
+                                        <p:strVal val="visible"/>
+                                      </p:to>
+                                    </p:set>
+                                    <p:animEffect transition="in" filter="fade">
+                                      <p:cBhvr>
+                                        <p:cTn id="30" dur="500"/>
+                                        <p:tgtEl>
+                                          <p:spTgt spid="3">
+                                            <p:txEl>
+                                              <p:pRg st="5" end="5"/>
+                                            </p:txEl>
+                                          </p:spTgt>
+                                        </p:tgtEl>
+                                      </p:cBhvr>
+                                    </p:animEffect>
+                                  </p:childTnLst>
+                                </p:cTn>
+                              </p:par>
+                              <p:par>
+                                <p:cTn id="31" presetID="10" presetClass="entr" presetSubtype="0" fill="hold" nodeType="withEffect">
+                                  <p:stCondLst>
+                                    <p:cond delay="0"/>
+                                  </p:stCondLst>
+                                  <p:childTnLst>
+                                    <p:set>
+                                      <p:cBhvr>
+                                        <p:cTn id="32" dur="1" fill="hold">
+                                          <p:stCondLst>
+                                            <p:cond delay="0"/>
+                                          </p:stCondLst>
+                                        </p:cTn>
+                                        <p:tgtEl>
+                                          <p:spTgt spid="3">
+                                            <p:txEl>
+                                              <p:pRg st="6" end="6"/>
+                                            </p:txEl>
+                                          </p:spTgt>
+                                        </p:tgtEl>
+                                        <p:attrNameLst>
+                                          <p:attrName>style.visibility</p:attrName>
+                                        </p:attrNameLst>
+                                      </p:cBhvr>
+                                      <p:to>
+                                        <p:strVal val="visible"/>
+                                      </p:to>
+                                    </p:set>
+                                    <p:animEffect transition="in" filter="fade">
+                                      <p:cBhvr>
+                                        <p:cTn id="33" dur="500"/>
+                                        <p:tgtEl>
+                                          <p:spTgt spid="3">
+                                            <p:txEl>
+                                              <p:pRg st="6" end="6"/>
+                                            </p:txEl>
+                                          </p:spTgt>
+                                        </p:tgtEl>
+                                      </p:cBhvr>
+                                    </p:animEffect>
+                                  </p:childTnLst>
+                                </p:cTn>
+                              </p:par>
+                              <p:par>
+                                <p:cTn id="34" presetID="10" presetClass="entr" presetSubtype="0" fill="hold" nodeType="withEffect">
+                                  <p:stCondLst>
+                                    <p:cond delay="0"/>
+                                  </p:stCondLst>
+                                  <p:childTnLst>
+                                    <p:set>
+                                      <p:cBhvr>
+                                        <p:cTn id="35" dur="1" fill="hold">
+                                          <p:stCondLst>
+                                            <p:cond delay="0"/>
+                                          </p:stCondLst>
+                                        </p:cTn>
+                                        <p:tgtEl>
+                                          <p:spTgt spid="3">
+                                            <p:txEl>
+                                              <p:pRg st="7" end="7"/>
+                                            </p:txEl>
+                                          </p:spTgt>
+                                        </p:tgtEl>
+                                        <p:attrNameLst>
+                                          <p:attrName>style.visibility</p:attrName>
+                                        </p:attrNameLst>
+                                      </p:cBhvr>
+                                      <p:to>
+                                        <p:strVal val="visible"/>
+                                      </p:to>
+                                    </p:set>
+                                    <p:animEffect transition="in" filter="fade">
+                                      <p:cBhvr>
+                                        <p:cTn id="36" dur="500"/>
+                                        <p:tgtEl>
+                                          <p:spTgt spid="3">
+                                            <p:txEl>
+                                              <p:pRg st="7" end="7"/>
+                                            </p:txEl>
+                                          </p:spTgt>
+                                        </p:tgtEl>
+                                      </p:cBhvr>
+                                    </p:animEffect>
+                                  </p:childTnLst>
+                                </p:cTn>
+                              </p:par>
+                              <p:par>
+                                <p:cTn id="37" presetID="10" presetClass="entr" presetSubtype="0" fill="hold" nodeType="withEffect">
+                                  <p:stCondLst>
+                                    <p:cond delay="0"/>
+                                  </p:stCondLst>
+                                  <p:childTnLst>
+                                    <p:set>
+                                      <p:cBhvr>
+                                        <p:cTn id="38" dur="1" fill="hold">
+                                          <p:stCondLst>
+                                            <p:cond delay="0"/>
+                                          </p:stCondLst>
+                                        </p:cTn>
+                                        <p:tgtEl>
+                                          <p:spTgt spid="3">
+                                            <p:txEl>
+                                              <p:pRg st="8" end="8"/>
+                                            </p:txEl>
+                                          </p:spTgt>
+                                        </p:tgtEl>
+                                        <p:attrNameLst>
+                                          <p:attrName>style.visibility</p:attrName>
+                                        </p:attrNameLst>
+                                      </p:cBhvr>
+                                      <p:to>
+                                        <p:strVal val="visible"/>
+                                      </p:to>
+                                    </p:set>
+                                    <p:animEffect transition="in" filter="fade">
+                                      <p:cBhvr>
+                                        <p:cTn id="39" dur="500"/>
+                                        <p:tgtEl>
+                                          <p:spTgt spid="3">
+                                            <p:txEl>
+                                              <p:pRg st="8" end="8"/>
+                                            </p:txEl>
+                                          </p:spTgt>
+                                        </p:tgtEl>
+                                      </p:cBhvr>
+                                    </p:animEffect>
+                                  </p:childTnLst>
+                                </p:cTn>
+                              </p:par>
+                              <p:par>
+                                <p:cTn id="40" presetID="10" presetClass="entr" presetSubtype="0" fill="hold" nodeType="withEffect">
+                                  <p:stCondLst>
+                                    <p:cond delay="0"/>
+                                  </p:stCondLst>
+                                  <p:childTnLst>
+                                    <p:set>
+                                      <p:cBhvr>
+                                        <p:cTn id="41" dur="1" fill="hold">
+                                          <p:stCondLst>
+                                            <p:cond delay="0"/>
+                                          </p:stCondLst>
+                                        </p:cTn>
+                                        <p:tgtEl>
+                                          <p:spTgt spid="3">
+                                            <p:txEl>
+                                              <p:pRg st="9" end="9"/>
+                                            </p:txEl>
+                                          </p:spTgt>
+                                        </p:tgtEl>
+                                        <p:attrNameLst>
+                                          <p:attrName>style.visibility</p:attrName>
+                                        </p:attrNameLst>
+                                      </p:cBhvr>
+                                      <p:to>
+                                        <p:strVal val="visible"/>
+                                      </p:to>
+                                    </p:set>
+                                    <p:animEffect transition="in" filter="fade">
+                                      <p:cBhvr>
+                                        <p:cTn id="42" dur="500"/>
+                                        <p:tgtEl>
+                                          <p:spTgt spid="3">
+                                            <p:txEl>
+                                              <p:pRg st="9" end="9"/>
+                                            </p:txEl>
+                                          </p:spTgt>
+                                        </p:tgtEl>
+                                      </p:cBhvr>
+                                    </p:animEffect>
+                                  </p:childTnLst>
+                                </p:cTn>
+                              </p:par>
+                              <p:par>
+                                <p:cTn id="43" presetID="10" presetClass="entr" presetSubtype="0" fill="hold" nodeType="withEffect">
+                                  <p:stCondLst>
+                                    <p:cond delay="0"/>
+                                  </p:stCondLst>
+                                  <p:childTnLst>
+                                    <p:set>
+                                      <p:cBhvr>
+                                        <p:cTn id="44" dur="1" fill="hold">
+                                          <p:stCondLst>
+                                            <p:cond delay="0"/>
+                                          </p:stCondLst>
+                                        </p:cTn>
+                                        <p:tgtEl>
+                                          <p:spTgt spid="3">
+                                            <p:txEl>
+                                              <p:pRg st="10" end="10"/>
+                                            </p:txEl>
+                                          </p:spTgt>
+                                        </p:tgtEl>
+                                        <p:attrNameLst>
+                                          <p:attrName>style.visibility</p:attrName>
+                                        </p:attrNameLst>
+                                      </p:cBhvr>
+                                      <p:to>
+                                        <p:strVal val="visible"/>
+                                      </p:to>
+                                    </p:set>
+                                    <p:animEffect transition="in" filter="fade">
+                                      <p:cBhvr>
+                                        <p:cTn id="45" dur="500"/>
+                                        <p:tgtEl>
+                                          <p:spTgt spid="3">
+                                            <p:txEl>
+                                              <p:pRg st="10" end="10"/>
+                                            </p:txEl>
+                                          </p:spTgt>
+                                        </p:tgtEl>
+                                      </p:cBhvr>
+                                    </p:animEffect>
+                                  </p:childTnLst>
+                                </p:cTn>
+                              </p:par>
+                              <p:par>
+                                <p:cTn id="46" presetID="10" presetClass="entr" presetSubtype="0" fill="hold" grpId="0" nodeType="withEffect">
+                                  <p:stCondLst>
+                                    <p:cond delay="0"/>
+                                  </p:stCondLst>
+                                  <p:childTnLst>
+                                    <p:set>
+                                      <p:cBhvr>
+                                        <p:cTn id="47" dur="1" fill="hold">
+                                          <p:stCondLst>
+                                            <p:cond delay="0"/>
+                                          </p:stCondLst>
+                                        </p:cTn>
+                                        <p:tgtEl>
+                                          <p:spTgt spid="23"/>
+                                        </p:tgtEl>
+                                        <p:attrNameLst>
+                                          <p:attrName>style.visibility</p:attrName>
+                                        </p:attrNameLst>
+                                      </p:cBhvr>
+                                      <p:to>
+                                        <p:strVal val="visible"/>
+                                      </p:to>
+                                    </p:set>
+                                    <p:animEffect transition="in" filter="fade">
+                                      <p:cBhvr>
+                                        <p:cTn id="48" dur="500"/>
+                                        <p:tgtEl>
+                                          <p:spTgt spid="23"/>
+                                        </p:tgtEl>
+                                      </p:cBhvr>
+                                    </p:animEffect>
+                                  </p:childTnLst>
+                                </p:cTn>
+                              </p:par>
+                            </p:childTnLst>
+                          </p:cTn>
+                        </p:par>
+                      </p:childTnLst>
+                    </p:cTn>
+                  </p:par>
+                </p:childTnLst>
+              </p:cTn>
+              <p:prevCondLst>
+                <p:cond evt="onPrev" delay="0">
+                  <p:tgtEl>
+                    <p:sldTgt/>
+                  </p:tgtEl>
+                </p:cond>
+              </p:prevCondLst>
+              <p:nextCondLst>
+                <p:cond evt="onNext" delay="0">
+                  <p:tgtEl>
+                    <p:sldTgt/>
+                  </p:tgtEl>
+                </p:cond>
+              </p:nextCondLst>
+            </p:seq>
+          </p:childTnLst>
+        </p:cTn>
+      </p:par>
+    </p:tnLst>
+    <p:bldLst>
+      <p:bldP spid="16" grpId="0"/>
+      <p:bldP spid="23" grpId="0"/>
+    </p:bldLst>
+  </p:timing>
 </p:sld>
 </file>
 
@@ -19205,7 +17672,7 @@
             </a:pPr>
             <a:r>
               <a:rPr lang="en-IE" sz="2000" dirty="0"/>
-              <a:t>For some apps, a traditional relational database may not be the best fit</a:t>
+              <a:t>For some apps, a traditional relational database (structured data) may not be the best fit</a:t>
             </a:r>
           </a:p>
           <a:p>
@@ -19260,7 +17727,7 @@
             </a:pPr>
             <a:r>
               <a:rPr lang="en-IE" sz="2000" dirty="0"/>
-              <a:t>Are you going to do Data mining?</a:t>
+              <a:t>Data mining?</a:t>
             </a:r>
           </a:p>
           <a:p>
@@ -20483,6 +18950,644 @@
 <file path=ppt/slides/slide8.xml><?xml version="1.0" encoding="utf-8"?>
 <p:sld xmlns:a="http://schemas.openxmlformats.org/drawingml/2006/main" xmlns:r="http://schemas.openxmlformats.org/officeDocument/2006/relationships" xmlns:p="http://schemas.openxmlformats.org/presentationml/2006/main">
   <p:cSld>
+    <p:bg>
+      <p:bgPr>
+        <a:solidFill>
+          <a:schemeClr val="bg1"/>
+        </a:solidFill>
+        <a:effectLst/>
+      </p:bgPr>
+    </p:bg>
+    <p:spTree>
+      <p:nvGrpSpPr>
+        <p:cNvPr id="1" name=""/>
+        <p:cNvGrpSpPr/>
+        <p:nvPr/>
+      </p:nvGrpSpPr>
+      <p:grpSpPr>
+        <a:xfrm>
+          <a:off x="0" y="0"/>
+          <a:ext cx="0" cy="0"/>
+          <a:chOff x="0" y="0"/>
+          <a:chExt cx="0" cy="0"/>
+        </a:xfrm>
+      </p:grpSpPr>
+      <p:sp>
+        <p:nvSpPr>
+          <p:cNvPr id="16" name="Rectangle 10">
+            <a:extLst>
+              <a:ext uri="{FF2B5EF4-FFF2-40B4-BE49-F238E27FC236}">
+                <a16:creationId xmlns:a16="http://schemas.microsoft.com/office/drawing/2014/main" id="{C0B27210-D0CA-4654-B3E3-9ABB4F178EA1}"/>
+              </a:ext>
+              <a:ext uri="{C183D7F6-B498-43B3-948B-1728B52AA6E4}">
+                <adec:decorative xmlns:adec="http://schemas.microsoft.com/office/drawing/2017/decorative" val="1"/>
+              </a:ext>
+            </a:extLst>
+          </p:cNvPr>
+          <p:cNvSpPr>
+            <a:spLocks noGrp="1" noRot="1" noChangeAspect="1" noMove="1" noResize="1" noEditPoints="1" noAdjustHandles="1" noChangeArrowheads="1" noChangeShapeType="1" noTextEdit="1"/>
+          </p:cNvSpPr>
+          <p:nvPr>
+            <p:extLst>
+              <p:ext uri="{386F3935-93C4-4BCD-93E2-E3B085C9AB24}">
+                <p16:designElem xmlns:p16="http://schemas.microsoft.com/office/powerpoint/2015/main" val="1"/>
+              </p:ext>
+            </p:extLst>
+          </p:nvPr>
+        </p:nvSpPr>
+        <p:spPr>
+          <a:xfrm>
+            <a:off x="0" y="0"/>
+            <a:ext cx="12192000" cy="6858000"/>
+          </a:xfrm>
+          <a:prstGeom prst="rect">
+            <a:avLst/>
+          </a:prstGeom>
+          <a:solidFill>
+            <a:schemeClr val="tx1">
+              <a:lumMod val="75000"/>
+              <a:lumOff val="25000"/>
+            </a:schemeClr>
+          </a:solidFill>
+          <a:ln>
+            <a:noFill/>
+          </a:ln>
+        </p:spPr>
+        <p:style>
+          <a:lnRef idx="2">
+            <a:schemeClr val="accent1">
+              <a:shade val="50000"/>
+            </a:schemeClr>
+          </a:lnRef>
+          <a:fillRef idx="1">
+            <a:schemeClr val="accent1"/>
+          </a:fillRef>
+          <a:effectRef idx="0">
+            <a:schemeClr val="accent1"/>
+          </a:effectRef>
+          <a:fontRef idx="minor">
+            <a:schemeClr val="lt1"/>
+          </a:fontRef>
+        </p:style>
+        <p:txBody>
+          <a:bodyPr rtlCol="0" anchor="ctr"/>
+          <a:lstStyle/>
+          <a:p>
+            <a:pPr algn="ctr"/>
+            <a:endParaRPr lang="en-US"/>
+          </a:p>
+        </p:txBody>
+      </p:sp>
+      <p:sp>
+        <p:nvSpPr>
+          <p:cNvPr id="2" name="Title 1"/>
+          <p:cNvSpPr>
+            <a:spLocks noGrp="1"/>
+          </p:cNvSpPr>
+          <p:nvPr>
+            <p:ph type="title"/>
+          </p:nvPr>
+        </p:nvSpPr>
+        <p:spPr>
+          <a:xfrm>
+            <a:off x="6746628" y="1783959"/>
+            <a:ext cx="4645250" cy="2889114"/>
+          </a:xfrm>
+        </p:spPr>
+        <p:txBody>
+          <a:bodyPr vert="horz" lIns="91440" tIns="45720" rIns="91440" bIns="45720" rtlCol="0" anchor="b">
+            <a:normAutofit/>
+          </a:bodyPr>
+          <a:lstStyle/>
+          <a:p>
+            <a:pPr>
+              <a:lnSpc>
+                <a:spcPct val="90000"/>
+              </a:lnSpc>
+            </a:pPr>
+            <a:r>
+              <a:rPr lang="en-US" sz="6000" kern="1200">
+                <a:solidFill>
+                  <a:schemeClr val="bg1"/>
+                </a:solidFill>
+                <a:latin typeface="+mj-lt"/>
+                <a:ea typeface="+mj-ea"/>
+                <a:cs typeface="+mj-cs"/>
+              </a:rPr>
+              <a:t>Mongodb</a:t>
+            </a:r>
+          </a:p>
+        </p:txBody>
+      </p:sp>
+      <p:sp>
+        <p:nvSpPr>
+          <p:cNvPr id="3" name="Text Placeholder 2"/>
+          <p:cNvSpPr>
+            <a:spLocks noGrp="1"/>
+          </p:cNvSpPr>
+          <p:nvPr>
+            <p:ph type="body" idx="1"/>
+          </p:nvPr>
+        </p:nvSpPr>
+        <p:spPr>
+          <a:xfrm>
+            <a:off x="6746627" y="4750893"/>
+            <a:ext cx="4645250" cy="1147863"/>
+          </a:xfrm>
+        </p:spPr>
+        <p:txBody>
+          <a:bodyPr vert="horz" lIns="91440" tIns="45720" rIns="91440" bIns="45720" rtlCol="0" anchor="t">
+            <a:normAutofit/>
+          </a:bodyPr>
+          <a:lstStyle/>
+          <a:p>
+            <a:pPr>
+              <a:lnSpc>
+                <a:spcPct val="90000"/>
+              </a:lnSpc>
+              <a:spcBef>
+                <a:spcPts val="1000"/>
+              </a:spcBef>
+            </a:pPr>
+            <a:endParaRPr lang="en-US" kern="1200">
+              <a:solidFill>
+                <a:schemeClr val="bg1"/>
+              </a:solidFill>
+              <a:latin typeface="+mn-lt"/>
+              <a:ea typeface="+mn-ea"/>
+              <a:cs typeface="+mn-cs"/>
+            </a:endParaRPr>
+          </a:p>
+        </p:txBody>
+      </p:sp>
+      <p:sp>
+        <p:nvSpPr>
+          <p:cNvPr id="17" name="Freeform: Shape 12">
+            <a:extLst>
+              <a:ext uri="{FF2B5EF4-FFF2-40B4-BE49-F238E27FC236}">
+                <a16:creationId xmlns:a16="http://schemas.microsoft.com/office/drawing/2014/main" id="{1DB7C82F-AB7E-4F0C-B829-FA1B9C415180}"/>
+              </a:ext>
+              <a:ext uri="{C183D7F6-B498-43B3-948B-1728B52AA6E4}">
+                <adec:decorative xmlns:adec="http://schemas.microsoft.com/office/drawing/2017/decorative" val="1"/>
+              </a:ext>
+            </a:extLst>
+          </p:cNvPr>
+          <p:cNvSpPr>
+            <a:spLocks noGrp="1" noRot="1" noChangeAspect="1" noMove="1" noResize="1" noEditPoints="1" noAdjustHandles="1" noChangeArrowheads="1" noChangeShapeType="1" noTextEdit="1"/>
+          </p:cNvSpPr>
+          <p:nvPr>
+            <p:extLst>
+              <p:ext uri="{386F3935-93C4-4BCD-93E2-E3B085C9AB24}">
+                <p16:designElem xmlns:p16="http://schemas.microsoft.com/office/powerpoint/2015/main" val="1"/>
+              </p:ext>
+            </p:extLst>
+          </p:nvPr>
+        </p:nvSpPr>
+        <p:spPr>
+          <a:xfrm flipH="1">
+            <a:off x="0" y="0"/>
+            <a:ext cx="6172782" cy="6858000"/>
+          </a:xfrm>
+          <a:custGeom>
+            <a:avLst/>
+            <a:gdLst>
+              <a:gd name="connsiteX0" fmla="*/ 6172782 w 6172782"/>
+              <a:gd name="connsiteY0" fmla="*/ 0 h 6858000"/>
+              <a:gd name="connsiteX1" fmla="*/ 69075 w 6172782"/>
+              <a:gd name="connsiteY1" fmla="*/ 0 h 6858000"/>
+              <a:gd name="connsiteX2" fmla="*/ 35131 w 6172782"/>
+              <a:gd name="connsiteY2" fmla="*/ 267128 h 6858000"/>
+              <a:gd name="connsiteX3" fmla="*/ 0 w 6172782"/>
+              <a:gd name="connsiteY3" fmla="*/ 962845 h 6858000"/>
+              <a:gd name="connsiteX4" fmla="*/ 3276103 w 6172782"/>
+              <a:gd name="connsiteY4" fmla="*/ 6782205 h 6858000"/>
+              <a:gd name="connsiteX5" fmla="*/ 3407923 w 6172782"/>
+              <a:gd name="connsiteY5" fmla="*/ 6858000 h 6858000"/>
+              <a:gd name="connsiteX6" fmla="*/ 6172782 w 6172782"/>
+              <a:gd name="connsiteY6" fmla="*/ 6858000 h 6858000"/>
+            </a:gdLst>
+            <a:ahLst/>
+            <a:cxnLst>
+              <a:cxn ang="0">
+                <a:pos x="connsiteX0" y="connsiteY0"/>
+              </a:cxn>
+              <a:cxn ang="0">
+                <a:pos x="connsiteX1" y="connsiteY1"/>
+              </a:cxn>
+              <a:cxn ang="0">
+                <a:pos x="connsiteX2" y="connsiteY2"/>
+              </a:cxn>
+              <a:cxn ang="0">
+                <a:pos x="connsiteX3" y="connsiteY3"/>
+              </a:cxn>
+              <a:cxn ang="0">
+                <a:pos x="connsiteX4" y="connsiteY4"/>
+              </a:cxn>
+              <a:cxn ang="0">
+                <a:pos x="connsiteX5" y="connsiteY5"/>
+              </a:cxn>
+              <a:cxn ang="0">
+                <a:pos x="connsiteX6" y="connsiteY6"/>
+              </a:cxn>
+            </a:cxnLst>
+            <a:rect l="l" t="t" r="r" b="b"/>
+            <a:pathLst>
+              <a:path w="6172782" h="6858000">
+                <a:moveTo>
+                  <a:pt x="6172782" y="0"/>
+                </a:moveTo>
+                <a:lnTo>
+                  <a:pt x="69075" y="0"/>
+                </a:lnTo>
+                <a:lnTo>
+                  <a:pt x="35131" y="267128"/>
+                </a:lnTo>
+                <a:cubicBezTo>
+                  <a:pt x="11901" y="495874"/>
+                  <a:pt x="0" y="727970"/>
+                  <a:pt x="0" y="962845"/>
+                </a:cubicBezTo>
+                <a:cubicBezTo>
+                  <a:pt x="0" y="3429034"/>
+                  <a:pt x="1312002" y="5588789"/>
+                  <a:pt x="3276103" y="6782205"/>
+                </a:cubicBezTo>
+                <a:lnTo>
+                  <a:pt x="3407923" y="6858000"/>
+                </a:lnTo>
+                <a:lnTo>
+                  <a:pt x="6172782" y="6858000"/>
+                </a:lnTo>
+                <a:close/>
+              </a:path>
+            </a:pathLst>
+          </a:custGeom>
+          <a:solidFill>
+            <a:schemeClr val="bg1">
+              <a:alpha val="80000"/>
+            </a:schemeClr>
+          </a:solidFill>
+          <a:ln>
+            <a:noFill/>
+          </a:ln>
+        </p:spPr>
+        <p:style>
+          <a:lnRef idx="2">
+            <a:schemeClr val="accent1">
+              <a:shade val="50000"/>
+            </a:schemeClr>
+          </a:lnRef>
+          <a:fillRef idx="1">
+            <a:schemeClr val="accent1"/>
+          </a:fillRef>
+          <a:effectRef idx="0">
+            <a:schemeClr val="accent1"/>
+          </a:effectRef>
+          <a:fontRef idx="minor">
+            <a:schemeClr val="lt1"/>
+          </a:fontRef>
+        </p:style>
+        <p:txBody>
+          <a:bodyPr wrap="square" rtlCol="0" anchor="ctr">
+            <a:noAutofit/>
+          </a:bodyPr>
+          <a:lstStyle/>
+          <a:p>
+            <a:pPr marL="0" marR="0" lvl="0" indent="0" algn="ctr" defTabSz="914400" rtl="0" eaLnBrk="1" fontAlgn="auto" latinLnBrk="0" hangingPunct="1">
+              <a:lnSpc>
+                <a:spcPct val="100000"/>
+              </a:lnSpc>
+              <a:spcBef>
+                <a:spcPts val="0"/>
+              </a:spcBef>
+              <a:spcAft>
+                <a:spcPts val="0"/>
+              </a:spcAft>
+              <a:buClrTx/>
+              <a:buSzTx/>
+              <a:buFontTx/>
+              <a:buNone/>
+              <a:tabLst/>
+              <a:defRPr/>
+            </a:pPr>
+            <a:endParaRPr kumimoji="0" lang="en-US" sz="1800" b="0" i="0" u="none" strike="noStrike" kern="1200" cap="none" spc="0" normalizeH="0" baseline="0" noProof="0">
+              <a:ln>
+                <a:noFill/>
+              </a:ln>
+              <a:solidFill>
+                <a:prstClr val="white"/>
+              </a:solidFill>
+              <a:effectLst/>
+              <a:uLnTx/>
+              <a:uFillTx/>
+              <a:latin typeface="Calibri" panose="020F0502020204030204"/>
+              <a:ea typeface="+mn-ea"/>
+              <a:cs typeface="+mn-cs"/>
+            </a:endParaRPr>
+          </a:p>
+        </p:txBody>
+      </p:sp>
+      <p:sp>
+        <p:nvSpPr>
+          <p:cNvPr id="15" name="Freeform: Shape 14">
+            <a:extLst>
+              <a:ext uri="{FF2B5EF4-FFF2-40B4-BE49-F238E27FC236}">
+                <a16:creationId xmlns:a16="http://schemas.microsoft.com/office/drawing/2014/main" id="{70B66945-4967-4040-926D-DCA44313CDAB}"/>
+              </a:ext>
+              <a:ext uri="{C183D7F6-B498-43B3-948B-1728B52AA6E4}">
+                <adec:decorative xmlns:adec="http://schemas.microsoft.com/office/drawing/2017/decorative" val="1"/>
+              </a:ext>
+            </a:extLst>
+          </p:cNvPr>
+          <p:cNvSpPr>
+            <a:spLocks noGrp="1" noRot="1" noChangeAspect="1" noMove="1" noResize="1" noEditPoints="1" noAdjustHandles="1" noChangeArrowheads="1" noChangeShapeType="1" noTextEdit="1"/>
+          </p:cNvSpPr>
+          <p:nvPr>
+            <p:extLst>
+              <p:ext uri="{386F3935-93C4-4BCD-93E2-E3B085C9AB24}">
+                <p16:designElem xmlns:p16="http://schemas.microsoft.com/office/powerpoint/2015/main" val="1"/>
+              </p:ext>
+            </p:extLst>
+          </p:nvPr>
+        </p:nvSpPr>
+        <p:spPr>
+          <a:xfrm>
+            <a:off x="0" y="0"/>
+            <a:ext cx="6024154" cy="6858000"/>
+          </a:xfrm>
+          <a:custGeom>
+            <a:avLst/>
+            <a:gdLst>
+              <a:gd name="connsiteX0" fmla="*/ 0 w 6024154"/>
+              <a:gd name="connsiteY0" fmla="*/ 0 h 6858000"/>
+              <a:gd name="connsiteX1" fmla="*/ 5953780 w 6024154"/>
+              <a:gd name="connsiteY1" fmla="*/ 0 h 6858000"/>
+              <a:gd name="connsiteX2" fmla="*/ 5989880 w 6024154"/>
+              <a:gd name="connsiteY2" fmla="*/ 284091 h 6858000"/>
+              <a:gd name="connsiteX3" fmla="*/ 6024154 w 6024154"/>
+              <a:gd name="connsiteY3" fmla="*/ 962844 h 6858000"/>
+              <a:gd name="connsiteX4" fmla="*/ 2549934 w 6024154"/>
+              <a:gd name="connsiteY4" fmla="*/ 6800152 h 6858000"/>
+              <a:gd name="connsiteX5" fmla="*/ 2436987 w 6024154"/>
+              <a:gd name="connsiteY5" fmla="*/ 6858000 h 6858000"/>
+              <a:gd name="connsiteX6" fmla="*/ 0 w 6024154"/>
+              <a:gd name="connsiteY6" fmla="*/ 6858000 h 6858000"/>
+            </a:gdLst>
+            <a:ahLst/>
+            <a:cxnLst>
+              <a:cxn ang="0">
+                <a:pos x="connsiteX0" y="connsiteY0"/>
+              </a:cxn>
+              <a:cxn ang="0">
+                <a:pos x="connsiteX1" y="connsiteY1"/>
+              </a:cxn>
+              <a:cxn ang="0">
+                <a:pos x="connsiteX2" y="connsiteY2"/>
+              </a:cxn>
+              <a:cxn ang="0">
+                <a:pos x="connsiteX3" y="connsiteY3"/>
+              </a:cxn>
+              <a:cxn ang="0">
+                <a:pos x="connsiteX4" y="connsiteY4"/>
+              </a:cxn>
+              <a:cxn ang="0">
+                <a:pos x="connsiteX5" y="connsiteY5"/>
+              </a:cxn>
+              <a:cxn ang="0">
+                <a:pos x="connsiteX6" y="connsiteY6"/>
+              </a:cxn>
+            </a:cxnLst>
+            <a:rect l="l" t="t" r="r" b="b"/>
+            <a:pathLst>
+              <a:path w="6024154" h="6858000">
+                <a:moveTo>
+                  <a:pt x="0" y="0"/>
+                </a:moveTo>
+                <a:lnTo>
+                  <a:pt x="5953780" y="0"/>
+                </a:lnTo>
+                <a:lnTo>
+                  <a:pt x="5989880" y="284091"/>
+                </a:lnTo>
+                <a:cubicBezTo>
+                  <a:pt x="6012544" y="507260"/>
+                  <a:pt x="6024154" y="733696"/>
+                  <a:pt x="6024154" y="962844"/>
+                </a:cubicBezTo>
+                <a:cubicBezTo>
+                  <a:pt x="6024154" y="3483472"/>
+                  <a:pt x="4619336" y="5675986"/>
+                  <a:pt x="2549934" y="6800152"/>
+                </a:cubicBezTo>
+                <a:lnTo>
+                  <a:pt x="2436987" y="6858000"/>
+                </a:lnTo>
+                <a:lnTo>
+                  <a:pt x="0" y="6858000"/>
+                </a:lnTo>
+                <a:close/>
+              </a:path>
+            </a:pathLst>
+          </a:custGeom>
+          <a:solidFill>
+            <a:schemeClr val="bg1"/>
+          </a:solidFill>
+          <a:ln>
+            <a:noFill/>
+          </a:ln>
+        </p:spPr>
+        <p:style>
+          <a:lnRef idx="2">
+            <a:schemeClr val="accent1">
+              <a:shade val="50000"/>
+            </a:schemeClr>
+          </a:lnRef>
+          <a:fillRef idx="1">
+            <a:schemeClr val="accent1"/>
+          </a:fillRef>
+          <a:effectRef idx="0">
+            <a:schemeClr val="accent1"/>
+          </a:effectRef>
+          <a:fontRef idx="minor">
+            <a:schemeClr val="lt1"/>
+          </a:fontRef>
+        </p:style>
+        <p:txBody>
+          <a:bodyPr wrap="square" rtlCol="0" anchor="ctr">
+            <a:noAutofit/>
+          </a:bodyPr>
+          <a:lstStyle/>
+          <a:p>
+            <a:pPr marL="0" marR="0" lvl="0" indent="0" algn="ctr" defTabSz="914400" rtl="0" eaLnBrk="1" fontAlgn="auto" latinLnBrk="0" hangingPunct="1">
+              <a:lnSpc>
+                <a:spcPct val="100000"/>
+              </a:lnSpc>
+              <a:spcBef>
+                <a:spcPts val="0"/>
+              </a:spcBef>
+              <a:spcAft>
+                <a:spcPts val="0"/>
+              </a:spcAft>
+              <a:buClrTx/>
+              <a:buSzTx/>
+              <a:buFontTx/>
+              <a:buNone/>
+              <a:tabLst/>
+              <a:defRPr/>
+            </a:pPr>
+            <a:endParaRPr kumimoji="0" lang="en-US" sz="1800" b="0" i="0" u="none" strike="noStrike" kern="1200" cap="none" spc="0" normalizeH="0" baseline="0" noProof="0">
+              <a:ln>
+                <a:noFill/>
+              </a:ln>
+              <a:solidFill>
+                <a:prstClr val="white"/>
+              </a:solidFill>
+              <a:effectLst/>
+              <a:uLnTx/>
+              <a:uFillTx/>
+              <a:latin typeface="Calibri" panose="020F0502020204030204"/>
+              <a:ea typeface="+mn-ea"/>
+              <a:cs typeface="+mn-cs"/>
+            </a:endParaRPr>
+          </a:p>
+        </p:txBody>
+      </p:sp>
+      <p:pic>
+        <p:nvPicPr>
+          <p:cNvPr id="5" name="Picture 4">
+            <a:extLst>
+              <a:ext uri="{FF2B5EF4-FFF2-40B4-BE49-F238E27FC236}">
+                <a16:creationId xmlns:a16="http://schemas.microsoft.com/office/drawing/2014/main" id="{1D74D354-CAA1-4AF4-83A2-01BC04242EC8}"/>
+              </a:ext>
+            </a:extLst>
+          </p:cNvPr>
+          <p:cNvPicPr>
+            <a:picLocks noChangeAspect="1"/>
+          </p:cNvPicPr>
+          <p:nvPr/>
+        </p:nvPicPr>
+        <p:blipFill>
+          <a:blip r:embed="rId2">
+            <a:extLst>
+              <a:ext uri="{28A0092B-C50C-407E-A947-70E740481C1C}">
+                <a14:useLocalDpi xmlns:a14="http://schemas.microsoft.com/office/drawing/2010/main" val="0"/>
+              </a:ext>
+              <a:ext uri="{837473B0-CC2E-450A-ABE3-18F120FF3D39}">
+                <a1611:picAttrSrcUrl xmlns:a1611="http://schemas.microsoft.com/office/drawing/2016/11/main" r:id="rId3"/>
+              </a:ext>
+            </a:extLst>
+          </a:blip>
+          <a:stretch>
+            <a:fillRect/>
+          </a:stretch>
+        </p:blipFill>
+        <p:spPr>
+          <a:xfrm>
+            <a:off x="419382" y="720993"/>
+            <a:ext cx="4047843" cy="4047843"/>
+          </a:xfrm>
+          <a:prstGeom prst="rect">
+            <a:avLst/>
+          </a:prstGeom>
+        </p:spPr>
+      </p:pic>
+      <p:sp>
+        <p:nvSpPr>
+          <p:cNvPr id="6" name="TextBox 5">
+            <a:extLst>
+              <a:ext uri="{FF2B5EF4-FFF2-40B4-BE49-F238E27FC236}">
+                <a16:creationId xmlns:a16="http://schemas.microsoft.com/office/drawing/2014/main" id="{DAE6B08B-4930-4D30-BCA5-ADF5601944A9}"/>
+              </a:ext>
+            </a:extLst>
+          </p:cNvPr>
+          <p:cNvSpPr txBox="1"/>
+          <p:nvPr/>
+        </p:nvSpPr>
+        <p:spPr>
+          <a:xfrm>
+            <a:off x="2007897" y="4568781"/>
+            <a:ext cx="2459328" cy="200055"/>
+          </a:xfrm>
+          <a:prstGeom prst="rect">
+            <a:avLst/>
+          </a:prstGeom>
+          <a:solidFill>
+            <a:srgbClr val="000000"/>
+          </a:solidFill>
+        </p:spPr>
+        <p:txBody>
+          <a:bodyPr wrap="none" rtlCol="0">
+            <a:spAutoFit/>
+          </a:bodyPr>
+          <a:lstStyle/>
+          <a:p>
+            <a:pPr algn="r">
+              <a:spcAft>
+                <a:spcPts val="600"/>
+              </a:spcAft>
+            </a:pPr>
+            <a:r>
+              <a:rPr lang="en-IE" sz="700">
+                <a:solidFill>
+                  <a:srgbClr val="FFFFFF"/>
+                </a:solidFill>
+                <a:hlinkClick r:id="rId3" tooltip="https://xkneo.deviantart.com/art/Icon-MongoDB-168052730">
+                  <a:extLst>
+                    <a:ext uri="{A12FA001-AC4F-418D-AE19-62706E023703}">
+                      <ahyp:hlinkClr xmlns:ahyp="http://schemas.microsoft.com/office/drawing/2018/hyperlinkcolor" val="tx"/>
+                    </a:ext>
+                  </a:extLst>
+                </a:hlinkClick>
+              </a:rPr>
+              <a:t>This Photo</a:t>
+            </a:r>
+            <a:r>
+              <a:rPr lang="en-IE" sz="700">
+                <a:solidFill>
+                  <a:srgbClr val="FFFFFF"/>
+                </a:solidFill>
+              </a:rPr>
+              <a:t> by Unknown Author is licensed under </a:t>
+            </a:r>
+            <a:r>
+              <a:rPr lang="en-IE" sz="700">
+                <a:solidFill>
+                  <a:srgbClr val="FFFFFF"/>
+                </a:solidFill>
+                <a:hlinkClick r:id="rId4" tooltip="https://creativecommons.org/licenses/by-nc-nd/3.0/">
+                  <a:extLst>
+                    <a:ext uri="{A12FA001-AC4F-418D-AE19-62706E023703}">
+                      <ahyp:hlinkClr xmlns:ahyp="http://schemas.microsoft.com/office/drawing/2018/hyperlinkcolor" val="tx"/>
+                    </a:ext>
+                  </a:extLst>
+                </a:hlinkClick>
+              </a:rPr>
+              <a:t>CC BY-NC-ND</a:t>
+            </a:r>
+            <a:endParaRPr lang="en-IE" sz="700">
+              <a:solidFill>
+                <a:srgbClr val="FFFFFF"/>
+              </a:solidFill>
+            </a:endParaRPr>
+          </a:p>
+        </p:txBody>
+      </p:sp>
+    </p:spTree>
+    <p:extLst>
+      <p:ext uri="{BB962C8B-B14F-4D97-AF65-F5344CB8AC3E}">
+        <p14:creationId xmlns:p14="http://schemas.microsoft.com/office/powerpoint/2010/main" val="804027773"/>
+      </p:ext>
+    </p:extLst>
+  </p:cSld>
+  <p:clrMapOvr>
+    <a:masterClrMapping/>
+  </p:clrMapOvr>
+</p:sld>
+</file>
+
+<file path=ppt/slides/slide9.xml><?xml version="1.0" encoding="utf-8"?>
+<p:sld xmlns:a="http://schemas.openxmlformats.org/drawingml/2006/main" xmlns:r="http://schemas.openxmlformats.org/officeDocument/2006/relationships" xmlns:p="http://schemas.openxmlformats.org/presentationml/2006/main">
+  <p:cSld>
     <p:spTree>
       <p:nvGrpSpPr>
         <p:cNvPr id="1" name=""/>
@@ -20507,16 +19612,21 @@
             <p:ph type="title"/>
           </p:nvPr>
         </p:nvSpPr>
-        <p:spPr/>
+        <p:spPr>
+          <a:xfrm>
+            <a:off x="1981200" y="274638"/>
+            <a:ext cx="8229600" cy="1143000"/>
+          </a:xfrm>
+        </p:spPr>
         <p:txBody>
           <a:bodyPr/>
           <a:lstStyle/>
           <a:p>
             <a:r>
-              <a:rPr lang="en-IE" dirty="0"/>
-              <a:t>Cloud Database Practices</a:t>
-            </a:r>
-            <a:endParaRPr lang="en-US" dirty="0"/>
+              <a:rPr lang="en-IE"/>
+              <a:t>Introduction</a:t>
+            </a:r>
+            <a:endParaRPr lang="en-US"/>
           </a:p>
         </p:txBody>
       </p:sp>
@@ -20530,93 +19640,95 @@
             <p:ph idx="1"/>
           </p:nvPr>
         </p:nvSpPr>
-        <p:spPr/>
+        <p:spPr>
+          <a:xfrm>
+            <a:off x="962198" y="1378527"/>
+            <a:ext cx="9718964" cy="3304309"/>
+          </a:xfrm>
+        </p:spPr>
         <p:txBody>
-          <a:bodyPr>
-            <a:normAutofit fontScale="92500" lnSpcReduction="10000"/>
+          <a:bodyPr vert="horz" lIns="91440" tIns="45720" rIns="91440" bIns="45720" rtlCol="0" anchor="t">
+            <a:normAutofit fontScale="85000" lnSpcReduction="20000"/>
           </a:bodyPr>
           <a:lstStyle/>
           <a:p>
             <a:r>
               <a:rPr lang="en-US" dirty="0"/>
-              <a:t>Drop Consistency</a:t>
+              <a:t>Document-oriented database</a:t>
+            </a:r>
+          </a:p>
+          <a:p>
+            <a:r>
+              <a:rPr lang="en-GB" dirty="0"/>
+              <a:t>A record in MongoDB is a document, which is a data structure composed of ﬁeld and value pairs. </a:t>
+            </a:r>
+          </a:p>
+          <a:p>
+            <a:r>
+              <a:rPr lang="en-US" dirty="0"/>
+              <a:t>MongoDB documents are  similar to JSON objects</a:t>
+            </a:r>
+          </a:p>
+          <a:p>
+            <a:r>
+              <a:rPr lang="en-US" dirty="0"/>
+              <a:t>Field Values can be other documents, arrays, arrays of other documents. </a:t>
             </a:r>
           </a:p>
           <a:p>
             <a:pPr lvl="1"/>
             <a:r>
               <a:rPr lang="en-US" dirty="0"/>
-              <a:t>this makes distributed systems much easier to build</a:t>
+              <a:t>Reduces need for “Joins”</a:t>
             </a:r>
           </a:p>
           <a:p>
             <a:r>
               <a:rPr lang="en-US" dirty="0"/>
-              <a:t>Drop SQL and the relational model </a:t>
-            </a:r>
-          </a:p>
-          <a:p>
-            <a:pPr lvl="1"/>
-            <a:r>
-              <a:rPr lang="en-US" dirty="0"/>
-              <a:t>simpler structures are easier to distribute:</a:t>
-            </a:r>
-          </a:p>
-          <a:p>
-            <a:pPr lvl="2"/>
-            <a:r>
-              <a:rPr lang="en-US" dirty="0"/>
-              <a:t>key/value pairs </a:t>
-            </a:r>
-          </a:p>
-          <a:p>
-            <a:pPr lvl="2"/>
-            <a:r>
-              <a:rPr lang="en-US" b="1" dirty="0"/>
-              <a:t>structured documents </a:t>
-            </a:r>
-          </a:p>
-          <a:p>
-            <a:pPr lvl="2"/>
-            <a:r>
-              <a:rPr lang="en-US" b="1" dirty="0"/>
-              <a:t>pseudo-tables </a:t>
-            </a:r>
-          </a:p>
-          <a:p>
-            <a:pPr lvl="2"/>
-            <a:r>
-              <a:rPr lang="en-US" dirty="0"/>
-              <a:t>tend to be schema-free, accepting data as-is</a:t>
-            </a:r>
-          </a:p>
-          <a:p>
-            <a:r>
-              <a:rPr lang="en-US" dirty="0"/>
-              <a:t>Offer HTTP interfaces using XML or </a:t>
-            </a:r>
-            <a:r>
-              <a:rPr lang="en-US" b="1" dirty="0"/>
-              <a:t>JSON</a:t>
-            </a:r>
-            <a:r>
-              <a:rPr lang="en-US" dirty="0"/>
-              <a:t> </a:t>
-            </a:r>
-          </a:p>
-          <a:p>
-            <a:pPr lvl="1"/>
-            <a:r>
-              <a:rPr lang="en-US" dirty="0"/>
-              <a:t>Web APIs!!!</a:t>
+              <a:t>Community support - popular choice</a:t>
             </a:r>
           </a:p>
         </p:txBody>
       </p:sp>
+      <p:pic>
+        <p:nvPicPr>
+          <p:cNvPr id="4" name="Picture 3">
+            <a:extLst>
+              <a:ext uri="{FF2B5EF4-FFF2-40B4-BE49-F238E27FC236}">
+                <a16:creationId xmlns:a16="http://schemas.microsoft.com/office/drawing/2014/main" id="{D546B720-8F6C-45D4-8617-844BF1E05C44}"/>
+              </a:ext>
+            </a:extLst>
+          </p:cNvPr>
+          <p:cNvPicPr>
+            <a:picLocks noChangeAspect="1"/>
+          </p:cNvPicPr>
+          <p:nvPr/>
+        </p:nvPicPr>
+        <p:blipFill>
+          <a:blip r:embed="rId3"/>
+          <a:stretch>
+            <a:fillRect/>
+          </a:stretch>
+        </p:blipFill>
+        <p:spPr>
+          <a:xfrm>
+            <a:off x="2324099" y="4761490"/>
+            <a:ext cx="6450585" cy="1821872"/>
+          </a:xfrm>
+          <a:prstGeom prst="rect">
+            <a:avLst/>
+          </a:prstGeom>
+          <a:ln>
+            <a:solidFill>
+              <a:schemeClr val="accent1"/>
+            </a:solidFill>
+          </a:ln>
+        </p:spPr>
+      </p:pic>
     </p:spTree>
     <p:extLst>
       <p:ext uri="{BB962C8B-B14F-4D97-AF65-F5344CB8AC3E}">
-        <p14:creationId xmlns:p14="http://schemas.microsoft.com/office/powerpoint/2010/main" val="4230631624"/>
+        <p14:creationId xmlns:p14="http://schemas.microsoft.com/office/powerpoint/2010/main" val="2105440200"/>
       </p:ext>
     </p:extLst>
   </p:cSld>
@@ -20686,15 +19798,33 @@
                                   </p:childTnLst>
                                 </p:cTn>
                               </p:par>
+                            </p:childTnLst>
+                          </p:cTn>
+                        </p:par>
+                      </p:childTnLst>
+                    </p:cTn>
+                  </p:par>
+                  <p:par>
+                    <p:cTn id="8" fill="hold">
+                      <p:stCondLst>
+                        <p:cond delay="indefinite"/>
+                      </p:stCondLst>
+                      <p:childTnLst>
+                        <p:par>
+                          <p:cTn id="9" fill="hold">
+                            <p:stCondLst>
+                              <p:cond delay="0"/>
+                            </p:stCondLst>
+                            <p:childTnLst>
                               <p:par>
-                                <p:cTn id="8" presetID="10" presetClass="entr" presetSubtype="0" fill="hold" nodeType="withEffect">
+                                <p:cTn id="10" presetID="10" presetClass="entr" presetSubtype="0" fill="hold" nodeType="clickEffect">
                                   <p:stCondLst>
                                     <p:cond delay="0"/>
                                   </p:stCondLst>
                                   <p:childTnLst>
                                     <p:set>
                                       <p:cBhvr>
-                                        <p:cTn id="9" dur="1" fill="hold">
+                                        <p:cTn id="11" dur="1" fill="hold">
                                           <p:stCondLst>
                                             <p:cond delay="0"/>
                                           </p:stCondLst>
@@ -20716,7 +19846,7 @@
                                     </p:set>
                                     <p:animEffect transition="in" filter="fade">
                                       <p:cBhvr>
-                                        <p:cTn id="10" dur="500"/>
+                                        <p:cTn id="12" dur="500"/>
                                         <p:tgtEl>
                                           <p:spTgt spid="3">
                                             <p:txEl>
@@ -20736,26 +19866,26 @@
                     </p:cTn>
                   </p:par>
                   <p:par>
-                    <p:cTn id="11" fill="hold">
+                    <p:cTn id="13" fill="hold">
                       <p:stCondLst>
                         <p:cond delay="indefinite"/>
                       </p:stCondLst>
                       <p:childTnLst>
                         <p:par>
-                          <p:cTn id="12" fill="hold">
+                          <p:cTn id="14" fill="hold">
                             <p:stCondLst>
                               <p:cond delay="0"/>
                             </p:stCondLst>
                             <p:childTnLst>
                               <p:par>
-                                <p:cTn id="13" presetID="10" presetClass="entr" presetSubtype="0" fill="hold" nodeType="clickEffect">
+                                <p:cTn id="15" presetID="10" presetClass="entr" presetSubtype="0" fill="hold" nodeType="clickEffect">
                                   <p:stCondLst>
                                     <p:cond delay="0"/>
                                   </p:stCondLst>
                                   <p:childTnLst>
                                     <p:set>
                                       <p:cBhvr>
-                                        <p:cTn id="14" dur="1" fill="hold">
+                                        <p:cTn id="16" dur="1" fill="hold">
                                           <p:stCondLst>
                                             <p:cond delay="0"/>
                                           </p:stCondLst>
@@ -20777,226 +19907,11 @@
                                     </p:set>
                                     <p:animEffect transition="in" filter="fade">
                                       <p:cBhvr>
-                                        <p:cTn id="15" dur="500"/>
+                                        <p:cTn id="17" dur="500"/>
                                         <p:tgtEl>
                                           <p:spTgt spid="3">
                                             <p:txEl>
                                               <p:pRg st="2" end="2"/>
-                                            </p:txEl>
-                                          </p:spTgt>
-                                        </p:tgtEl>
-                                      </p:cBhvr>
-                                    </p:animEffect>
-                                  </p:childTnLst>
-                                </p:cTn>
-                              </p:par>
-                              <p:par>
-                                <p:cTn id="16" presetID="10" presetClass="entr" presetSubtype="0" fill="hold" nodeType="withEffect">
-                                  <p:stCondLst>
-                                    <p:cond delay="0"/>
-                                  </p:stCondLst>
-                                  <p:childTnLst>
-                                    <p:set>
-                                      <p:cBhvr>
-                                        <p:cTn id="17" dur="1" fill="hold">
-                                          <p:stCondLst>
-                                            <p:cond delay="0"/>
-                                          </p:stCondLst>
-                                        </p:cTn>
-                                        <p:tgtEl>
-                                          <p:spTgt spid="3">
-                                            <p:txEl>
-                                              <p:pRg st="3" end="3"/>
-                                            </p:txEl>
-                                          </p:spTgt>
-                                        </p:tgtEl>
-                                        <p:attrNameLst>
-                                          <p:attrName>style.visibility</p:attrName>
-                                        </p:attrNameLst>
-                                      </p:cBhvr>
-                                      <p:to>
-                                        <p:strVal val="visible"/>
-                                      </p:to>
-                                    </p:set>
-                                    <p:animEffect transition="in" filter="fade">
-                                      <p:cBhvr>
-                                        <p:cTn id="18" dur="500"/>
-                                        <p:tgtEl>
-                                          <p:spTgt spid="3">
-                                            <p:txEl>
-                                              <p:pRg st="3" end="3"/>
-                                            </p:txEl>
-                                          </p:spTgt>
-                                        </p:tgtEl>
-                                      </p:cBhvr>
-                                    </p:animEffect>
-                                  </p:childTnLst>
-                                </p:cTn>
-                              </p:par>
-                              <p:par>
-                                <p:cTn id="19" presetID="10" presetClass="entr" presetSubtype="0" fill="hold" nodeType="withEffect">
-                                  <p:stCondLst>
-                                    <p:cond delay="0"/>
-                                  </p:stCondLst>
-                                  <p:childTnLst>
-                                    <p:set>
-                                      <p:cBhvr>
-                                        <p:cTn id="20" dur="1" fill="hold">
-                                          <p:stCondLst>
-                                            <p:cond delay="0"/>
-                                          </p:stCondLst>
-                                        </p:cTn>
-                                        <p:tgtEl>
-                                          <p:spTgt spid="3">
-                                            <p:txEl>
-                                              <p:pRg st="4" end="4"/>
-                                            </p:txEl>
-                                          </p:spTgt>
-                                        </p:tgtEl>
-                                        <p:attrNameLst>
-                                          <p:attrName>style.visibility</p:attrName>
-                                        </p:attrNameLst>
-                                      </p:cBhvr>
-                                      <p:to>
-                                        <p:strVal val="visible"/>
-                                      </p:to>
-                                    </p:set>
-                                    <p:animEffect transition="in" filter="fade">
-                                      <p:cBhvr>
-                                        <p:cTn id="21" dur="500"/>
-                                        <p:tgtEl>
-                                          <p:spTgt spid="3">
-                                            <p:txEl>
-                                              <p:pRg st="4" end="4"/>
-                                            </p:txEl>
-                                          </p:spTgt>
-                                        </p:tgtEl>
-                                      </p:cBhvr>
-                                    </p:animEffect>
-                                  </p:childTnLst>
-                                </p:cTn>
-                              </p:par>
-                              <p:par>
-                                <p:cTn id="22" presetID="10" presetClass="entr" presetSubtype="0" fill="hold" nodeType="withEffect">
-                                  <p:stCondLst>
-                                    <p:cond delay="0"/>
-                                  </p:stCondLst>
-                                  <p:childTnLst>
-                                    <p:set>
-                                      <p:cBhvr>
-                                        <p:cTn id="23" dur="1" fill="hold">
-                                          <p:stCondLst>
-                                            <p:cond delay="0"/>
-                                          </p:stCondLst>
-                                        </p:cTn>
-                                        <p:tgtEl>
-                                          <p:spTgt spid="3">
-                                            <p:txEl>
-                                              <p:pRg st="5" end="5"/>
-                                            </p:txEl>
-                                          </p:spTgt>
-                                        </p:tgtEl>
-                                        <p:attrNameLst>
-                                          <p:attrName>style.visibility</p:attrName>
-                                        </p:attrNameLst>
-                                      </p:cBhvr>
-                                      <p:to>
-                                        <p:strVal val="visible"/>
-                                      </p:to>
-                                    </p:set>
-                                    <p:animEffect transition="in" filter="fade">
-                                      <p:cBhvr>
-                                        <p:cTn id="24" dur="500"/>
-                                        <p:tgtEl>
-                                          <p:spTgt spid="3">
-                                            <p:txEl>
-                                              <p:pRg st="5" end="5"/>
-                                            </p:txEl>
-                                          </p:spTgt>
-                                        </p:tgtEl>
-                                      </p:cBhvr>
-                                    </p:animEffect>
-                                  </p:childTnLst>
-                                </p:cTn>
-                              </p:par>
-                              <p:par>
-                                <p:cTn id="25" presetID="10" presetClass="entr" presetSubtype="0" fill="hold" nodeType="withEffect">
-                                  <p:stCondLst>
-                                    <p:cond delay="0"/>
-                                  </p:stCondLst>
-                                  <p:childTnLst>
-                                    <p:set>
-                                      <p:cBhvr>
-                                        <p:cTn id="26" dur="1" fill="hold">
-                                          <p:stCondLst>
-                                            <p:cond delay="0"/>
-                                          </p:stCondLst>
-                                        </p:cTn>
-                                        <p:tgtEl>
-                                          <p:spTgt spid="3">
-                                            <p:txEl>
-                                              <p:pRg st="6" end="6"/>
-                                            </p:txEl>
-                                          </p:spTgt>
-                                        </p:tgtEl>
-                                        <p:attrNameLst>
-                                          <p:attrName>style.visibility</p:attrName>
-                                        </p:attrNameLst>
-                                      </p:cBhvr>
-                                      <p:to>
-                                        <p:strVal val="visible"/>
-                                      </p:to>
-                                    </p:set>
-                                    <p:animEffect transition="in" filter="fade">
-                                      <p:cBhvr>
-                                        <p:cTn id="27" dur="500"/>
-                                        <p:tgtEl>
-                                          <p:spTgt spid="3">
-                                            <p:txEl>
-                                              <p:pRg st="6" end="6"/>
-                                            </p:txEl>
-                                          </p:spTgt>
-                                        </p:tgtEl>
-                                      </p:cBhvr>
-                                    </p:animEffect>
-                                  </p:childTnLst>
-                                </p:cTn>
-                              </p:par>
-                              <p:par>
-                                <p:cTn id="28" presetID="10" presetClass="entr" presetSubtype="0" fill="hold" nodeType="withEffect">
-                                  <p:stCondLst>
-                                    <p:cond delay="0"/>
-                                  </p:stCondLst>
-                                  <p:childTnLst>
-                                    <p:set>
-                                      <p:cBhvr>
-                                        <p:cTn id="29" dur="1" fill="hold">
-                                          <p:stCondLst>
-                                            <p:cond delay="0"/>
-                                          </p:stCondLst>
-                                        </p:cTn>
-                                        <p:tgtEl>
-                                          <p:spTgt spid="3">
-                                            <p:txEl>
-                                              <p:pRg st="7" end="7"/>
-                                            </p:txEl>
-                                          </p:spTgt>
-                                        </p:tgtEl>
-                                        <p:attrNameLst>
-                                          <p:attrName>style.visibility</p:attrName>
-                                        </p:attrNameLst>
-                                      </p:cBhvr>
-                                      <p:to>
-                                        <p:strVal val="visible"/>
-                                      </p:to>
-                                    </p:set>
-                                    <p:animEffect transition="in" filter="fade">
-                                      <p:cBhvr>
-                                        <p:cTn id="30" dur="500"/>
-                                        <p:tgtEl>
-                                          <p:spTgt spid="3">
-                                            <p:txEl>
-                                              <p:pRg st="7" end="7"/>
                                             </p:txEl>
                                           </p:spTgt>
                                         </p:tgtEl>
@@ -21012,26 +19927,26 @@
                     </p:cTn>
                   </p:par>
                   <p:par>
-                    <p:cTn id="31" fill="hold">
+                    <p:cTn id="18" fill="hold">
                       <p:stCondLst>
                         <p:cond delay="indefinite"/>
                       </p:stCondLst>
                       <p:childTnLst>
                         <p:par>
-                          <p:cTn id="32" fill="hold">
+                          <p:cTn id="19" fill="hold">
                             <p:stCondLst>
                               <p:cond delay="0"/>
                             </p:stCondLst>
                             <p:childTnLst>
                               <p:par>
-                                <p:cTn id="33" presetID="10" presetClass="entr" presetSubtype="0" fill="hold" nodeType="clickEffect">
+                                <p:cTn id="20" presetID="10" presetClass="entr" presetSubtype="0" fill="hold" nodeType="clickEffect">
                                   <p:stCondLst>
                                     <p:cond delay="0"/>
                                   </p:stCondLst>
                                   <p:childTnLst>
                                     <p:set>
                                       <p:cBhvr>
-                                        <p:cTn id="34" dur="1" fill="hold">
+                                        <p:cTn id="21" dur="1" fill="hold">
                                           <p:stCondLst>
                                             <p:cond delay="0"/>
                                           </p:stCondLst>
@@ -21039,7 +19954,7 @@
                                         <p:tgtEl>
                                           <p:spTgt spid="3">
                                             <p:txEl>
-                                              <p:pRg st="8" end="8"/>
+                                              <p:pRg st="3" end="3"/>
                                             </p:txEl>
                                           </p:spTgt>
                                         </p:tgtEl>
@@ -21053,11 +19968,11 @@
                                     </p:set>
                                     <p:animEffect transition="in" filter="fade">
                                       <p:cBhvr>
-                                        <p:cTn id="35" dur="500"/>
+                                        <p:cTn id="22" dur="500"/>
                                         <p:tgtEl>
                                           <p:spTgt spid="3">
                                             <p:txEl>
-                                              <p:pRg st="8" end="8"/>
+                                              <p:pRg st="3" end="3"/>
                                             </p:txEl>
                                           </p:spTgt>
                                         </p:tgtEl>
@@ -21067,14 +19982,14 @@
                                 </p:cTn>
                               </p:par>
                               <p:par>
-                                <p:cTn id="36" presetID="10" presetClass="entr" presetSubtype="0" fill="hold" nodeType="withEffect">
+                                <p:cTn id="23" presetID="10" presetClass="entr" presetSubtype="0" fill="hold" nodeType="withEffect">
                                   <p:stCondLst>
                                     <p:cond delay="0"/>
                                   </p:stCondLst>
                                   <p:childTnLst>
                                     <p:set>
                                       <p:cBhvr>
-                                        <p:cTn id="37" dur="1" fill="hold">
+                                        <p:cTn id="24" dur="1" fill="hold">
                                           <p:stCondLst>
                                             <p:cond delay="0"/>
                                           </p:stCondLst>
@@ -21082,7 +19997,7 @@
                                         <p:tgtEl>
                                           <p:spTgt spid="3">
                                             <p:txEl>
-                                              <p:pRg st="9" end="9"/>
+                                              <p:pRg st="4" end="4"/>
                                             </p:txEl>
                                           </p:spTgt>
                                         </p:tgtEl>
@@ -21096,293 +20011,11 @@
                                     </p:set>
                                     <p:animEffect transition="in" filter="fade">
                                       <p:cBhvr>
-                                        <p:cTn id="38" dur="500"/>
+                                        <p:cTn id="25" dur="500"/>
                                         <p:tgtEl>
                                           <p:spTgt spid="3">
                                             <p:txEl>
-                                              <p:pRg st="9" end="9"/>
-                                            </p:txEl>
-                                          </p:spTgt>
-                                        </p:tgtEl>
-                                      </p:cBhvr>
-                                    </p:animEffect>
-                                  </p:childTnLst>
-                                </p:cTn>
-                              </p:par>
-                            </p:childTnLst>
-                          </p:cTn>
-                        </p:par>
-                      </p:childTnLst>
-                    </p:cTn>
-                  </p:par>
-                </p:childTnLst>
-              </p:cTn>
-              <p:prevCondLst>
-                <p:cond evt="onPrev" delay="0">
-                  <p:tgtEl>
-                    <p:sldTgt/>
-                  </p:tgtEl>
-                </p:cond>
-              </p:prevCondLst>
-              <p:nextCondLst>
-                <p:cond evt="onNext" delay="0">
-                  <p:tgtEl>
-                    <p:sldTgt/>
-                  </p:tgtEl>
-                </p:cond>
-              </p:nextCondLst>
-            </p:seq>
-          </p:childTnLst>
-        </p:cTn>
-      </p:par>
-    </p:tnLst>
-  </p:timing>
-</p:sld>
-</file>
-
-<file path=ppt/slides/slide9.xml><?xml version="1.0" encoding="utf-8"?>
-<p:sld xmlns:a="http://schemas.openxmlformats.org/drawingml/2006/main" xmlns:r="http://schemas.openxmlformats.org/officeDocument/2006/relationships" xmlns:p="http://schemas.openxmlformats.org/presentationml/2006/main">
-  <p:cSld>
-    <p:spTree>
-      <p:nvGrpSpPr>
-        <p:cNvPr id="1" name=""/>
-        <p:cNvGrpSpPr/>
-        <p:nvPr/>
-      </p:nvGrpSpPr>
-      <p:grpSpPr>
-        <a:xfrm>
-          <a:off x="0" y="0"/>
-          <a:ext cx="0" cy="0"/>
-          <a:chOff x="0" y="0"/>
-          <a:chExt cx="0" cy="0"/>
-        </a:xfrm>
-      </p:grpSpPr>
-      <p:sp>
-        <p:nvSpPr>
-          <p:cNvPr id="2" name="Title 1"/>
-          <p:cNvSpPr>
-            <a:spLocks noGrp="1"/>
-          </p:cNvSpPr>
-          <p:nvPr>
-            <p:ph type="title"/>
-          </p:nvPr>
-        </p:nvSpPr>
-        <p:spPr/>
-        <p:txBody>
-          <a:bodyPr/>
-          <a:lstStyle/>
-          <a:p>
-            <a:r>
-              <a:rPr lang="en-US"/>
-              <a:t>Designing Distributed Data </a:t>
-            </a:r>
-          </a:p>
-        </p:txBody>
-      </p:sp>
-      <p:sp>
-        <p:nvSpPr>
-          <p:cNvPr id="3" name="Content Placeholder 2"/>
-          <p:cNvSpPr>
-            <a:spLocks noGrp="1"/>
-          </p:cNvSpPr>
-          <p:nvPr>
-            <p:ph idx="1"/>
-          </p:nvPr>
-        </p:nvSpPr>
-        <p:spPr/>
-        <p:txBody>
-          <a:bodyPr>
-            <a:normAutofit fontScale="92500" lnSpcReduction="10000"/>
-          </a:bodyPr>
-          <a:lstStyle/>
-          <a:p>
-            <a:r>
-              <a:rPr lang="en-US" dirty="0"/>
-              <a:t>App data is not homogeneous</a:t>
-            </a:r>
-          </a:p>
-          <a:p>
-            <a:pPr lvl="1"/>
-            <a:r>
-              <a:rPr lang="en-US" dirty="0"/>
-              <a:t>some kinds of data will be much larger</a:t>
-            </a:r>
-          </a:p>
-          <a:p>
-            <a:r>
-              <a:rPr lang="en-US" dirty="0"/>
-              <a:t>consider using different databases for different requirements.</a:t>
-            </a:r>
-          </a:p>
-          <a:p>
-            <a:r>
-              <a:rPr lang="en-US" dirty="0"/>
-              <a:t>user </a:t>
-            </a:r>
-            <a:r>
-              <a:rPr lang="en-US" dirty="0" err="1"/>
-              <a:t>details,billing</a:t>
-            </a:r>
-            <a:r>
-              <a:rPr lang="en-US" dirty="0"/>
-              <a:t> - needs consistency</a:t>
-            </a:r>
-          </a:p>
-          <a:p>
-            <a:pPr lvl="1"/>
-            <a:r>
-              <a:rPr lang="en-US" dirty="0"/>
-              <a:t> require traditional database</a:t>
-            </a:r>
-          </a:p>
-          <a:p>
-            <a:r>
-              <a:rPr lang="en-US" dirty="0"/>
-              <a:t>user </a:t>
-            </a:r>
-            <a:r>
-              <a:rPr lang="en-US" dirty="0" err="1"/>
-              <a:t>data,content</a:t>
-            </a:r>
-            <a:r>
-              <a:rPr lang="en-US" dirty="0"/>
-              <a:t> - needs partition tolerance</a:t>
-            </a:r>
-          </a:p>
-          <a:p>
-            <a:pPr lvl="1"/>
-            <a:r>
-              <a:rPr lang="en-US" dirty="0"/>
-              <a:t>replicate to keep safe</a:t>
-            </a:r>
-          </a:p>
-          <a:p>
-            <a:r>
-              <a:rPr lang="en-US" dirty="0" err="1"/>
-              <a:t>analytics,sessions</a:t>
-            </a:r>
-            <a:r>
-              <a:rPr lang="en-US" dirty="0"/>
-              <a:t> - needs availability</a:t>
-            </a:r>
-          </a:p>
-          <a:p>
-            <a:pPr lvl="1"/>
-            <a:r>
-              <a:rPr lang="en-US" dirty="0"/>
-              <a:t>"eventually consistent" is good enough</a:t>
-            </a:r>
-          </a:p>
-        </p:txBody>
-      </p:sp>
-    </p:spTree>
-    <p:extLst>
-      <p:ext uri="{BB962C8B-B14F-4D97-AF65-F5344CB8AC3E}">
-        <p14:creationId xmlns:p14="http://schemas.microsoft.com/office/powerpoint/2010/main" val="3183367105"/>
-      </p:ext>
-    </p:extLst>
-  </p:cSld>
-  <p:clrMapOvr>
-    <a:masterClrMapping/>
-  </p:clrMapOvr>
-  <p:timing>
-    <p:tnLst>
-      <p:par>
-        <p:cTn id="1" dur="indefinite" restart="never" nodeType="tmRoot">
-          <p:childTnLst>
-            <p:seq concurrent="1" nextAc="seek">
-              <p:cTn id="2" dur="indefinite" nodeType="mainSeq">
-                <p:childTnLst>
-                  <p:par>
-                    <p:cTn id="3" fill="hold">
-                      <p:stCondLst>
-                        <p:cond delay="indefinite"/>
-                      </p:stCondLst>
-                      <p:childTnLst>
-                        <p:par>
-                          <p:cTn id="4" fill="hold">
-                            <p:stCondLst>
-                              <p:cond delay="0"/>
-                            </p:stCondLst>
-                            <p:childTnLst>
-                              <p:par>
-                                <p:cTn id="5" presetID="10" presetClass="entr" presetSubtype="0" fill="hold" nodeType="clickEffect">
-                                  <p:stCondLst>
-                                    <p:cond delay="0"/>
-                                  </p:stCondLst>
-                                  <p:childTnLst>
-                                    <p:set>
-                                      <p:cBhvr>
-                                        <p:cTn id="6" dur="1" fill="hold">
-                                          <p:stCondLst>
-                                            <p:cond delay="0"/>
-                                          </p:stCondLst>
-                                        </p:cTn>
-                                        <p:tgtEl>
-                                          <p:spTgt spid="3">
-                                            <p:txEl>
-                                              <p:pRg st="0" end="0"/>
-                                            </p:txEl>
-                                          </p:spTgt>
-                                        </p:tgtEl>
-                                        <p:attrNameLst>
-                                          <p:attrName>style.visibility</p:attrName>
-                                        </p:attrNameLst>
-                                      </p:cBhvr>
-                                      <p:to>
-                                        <p:strVal val="visible"/>
-                                      </p:to>
-                                    </p:set>
-                                    <p:animEffect transition="in" filter="fade">
-                                      <p:cBhvr>
-                                        <p:cTn id="7" dur="500"/>
-                                        <p:tgtEl>
-                                          <p:spTgt spid="3">
-                                            <p:txEl>
-                                              <p:pRg st="0" end="0"/>
-                                            </p:txEl>
-                                          </p:spTgt>
-                                        </p:tgtEl>
-                                      </p:cBhvr>
-                                    </p:animEffect>
-                                  </p:childTnLst>
-                                </p:cTn>
-                              </p:par>
-                              <p:par>
-                                <p:cTn id="8" presetID="10" presetClass="entr" presetSubtype="0" fill="hold" nodeType="withEffect">
-                                  <p:stCondLst>
-                                    <p:cond delay="0"/>
-                                  </p:stCondLst>
-                                  <p:childTnLst>
-                                    <p:set>
-                                      <p:cBhvr>
-                                        <p:cTn id="9" dur="1" fill="hold">
-                                          <p:stCondLst>
-                                            <p:cond delay="0"/>
-                                          </p:stCondLst>
-                                        </p:cTn>
-                                        <p:tgtEl>
-                                          <p:spTgt spid="3">
-                                            <p:txEl>
-                                              <p:pRg st="1" end="1"/>
-                                            </p:txEl>
-                                          </p:spTgt>
-                                        </p:tgtEl>
-                                        <p:attrNameLst>
-                                          <p:attrName>style.visibility</p:attrName>
-                                        </p:attrNameLst>
-                                      </p:cBhvr>
-                                      <p:to>
-                                        <p:strVal val="visible"/>
-                                      </p:to>
-                                    </p:set>
-                                    <p:animEffect transition="in" filter="fade">
-                                      <p:cBhvr>
-                                        <p:cTn id="10" dur="500"/>
-                                        <p:tgtEl>
-                                          <p:spTgt spid="3">
-                                            <p:txEl>
-                                              <p:pRg st="1" end="1"/>
+                                              <p:pRg st="4" end="4"/>
                                             </p:txEl>
                                           </p:spTgt>
                                         </p:tgtEl>
@@ -21398,26 +20031,26 @@
                     </p:cTn>
                   </p:par>
                   <p:par>
-                    <p:cTn id="11" fill="hold">
+                    <p:cTn id="26" fill="hold">
                       <p:stCondLst>
                         <p:cond delay="indefinite"/>
                       </p:stCondLst>
                       <p:childTnLst>
                         <p:par>
-                          <p:cTn id="12" fill="hold">
+                          <p:cTn id="27" fill="hold">
                             <p:stCondLst>
                               <p:cond delay="0"/>
                             </p:stCondLst>
                             <p:childTnLst>
                               <p:par>
-                                <p:cTn id="13" presetID="10" presetClass="entr" presetSubtype="0" fill="hold" nodeType="clickEffect">
+                                <p:cTn id="28" presetID="10" presetClass="entr" presetSubtype="0" fill="hold" nodeType="clickEffect">
                                   <p:stCondLst>
                                     <p:cond delay="0"/>
                                   </p:stCondLst>
                                   <p:childTnLst>
                                     <p:set>
                                       <p:cBhvr>
-                                        <p:cTn id="14" dur="1" fill="hold">
+                                        <p:cTn id="29" dur="1" fill="hold">
                                           <p:stCondLst>
                                             <p:cond delay="0"/>
                                           </p:stCondLst>
@@ -21425,7 +20058,7 @@
                                         <p:tgtEl>
                                           <p:spTgt spid="3">
                                             <p:txEl>
-                                              <p:pRg st="2" end="2"/>
+                                              <p:pRg st="5" end="5"/>
                                             </p:txEl>
                                           </p:spTgt>
                                         </p:tgtEl>
@@ -21439,323 +20072,11 @@
                                     </p:set>
                                     <p:animEffect transition="in" filter="fade">
                                       <p:cBhvr>
-                                        <p:cTn id="15" dur="500"/>
-                                        <p:tgtEl>
-                                          <p:spTgt spid="3">
-                                            <p:txEl>
-                                              <p:pRg st="2" end="2"/>
-                                            </p:txEl>
-                                          </p:spTgt>
-                                        </p:tgtEl>
-                                      </p:cBhvr>
-                                    </p:animEffect>
-                                  </p:childTnLst>
-                                </p:cTn>
-                              </p:par>
-                            </p:childTnLst>
-                          </p:cTn>
-                        </p:par>
-                      </p:childTnLst>
-                    </p:cTn>
-                  </p:par>
-                  <p:par>
-                    <p:cTn id="16" fill="hold">
-                      <p:stCondLst>
-                        <p:cond delay="indefinite"/>
-                      </p:stCondLst>
-                      <p:childTnLst>
-                        <p:par>
-                          <p:cTn id="17" fill="hold">
-                            <p:stCondLst>
-                              <p:cond delay="0"/>
-                            </p:stCondLst>
-                            <p:childTnLst>
-                              <p:par>
-                                <p:cTn id="18" presetID="10" presetClass="entr" presetSubtype="0" fill="hold" nodeType="clickEffect">
-                                  <p:stCondLst>
-                                    <p:cond delay="0"/>
-                                  </p:stCondLst>
-                                  <p:childTnLst>
-                                    <p:set>
-                                      <p:cBhvr>
-                                        <p:cTn id="19" dur="1" fill="hold">
-                                          <p:stCondLst>
-                                            <p:cond delay="0"/>
-                                          </p:stCondLst>
-                                        </p:cTn>
-                                        <p:tgtEl>
-                                          <p:spTgt spid="3">
-                                            <p:txEl>
-                                              <p:pRg st="3" end="3"/>
-                                            </p:txEl>
-                                          </p:spTgt>
-                                        </p:tgtEl>
-                                        <p:attrNameLst>
-                                          <p:attrName>style.visibility</p:attrName>
-                                        </p:attrNameLst>
-                                      </p:cBhvr>
-                                      <p:to>
-                                        <p:strVal val="visible"/>
-                                      </p:to>
-                                    </p:set>
-                                    <p:animEffect transition="in" filter="fade">
-                                      <p:cBhvr>
-                                        <p:cTn id="20" dur="500"/>
-                                        <p:tgtEl>
-                                          <p:spTgt spid="3">
-                                            <p:txEl>
-                                              <p:pRg st="3" end="3"/>
-                                            </p:txEl>
-                                          </p:spTgt>
-                                        </p:tgtEl>
-                                      </p:cBhvr>
-                                    </p:animEffect>
-                                  </p:childTnLst>
-                                </p:cTn>
-                              </p:par>
-                              <p:par>
-                                <p:cTn id="21" presetID="10" presetClass="entr" presetSubtype="0" fill="hold" nodeType="withEffect">
-                                  <p:stCondLst>
-                                    <p:cond delay="0"/>
-                                  </p:stCondLst>
-                                  <p:childTnLst>
-                                    <p:set>
-                                      <p:cBhvr>
-                                        <p:cTn id="22" dur="1" fill="hold">
-                                          <p:stCondLst>
-                                            <p:cond delay="0"/>
-                                          </p:stCondLst>
-                                        </p:cTn>
-                                        <p:tgtEl>
-                                          <p:spTgt spid="3">
-                                            <p:txEl>
-                                              <p:pRg st="4" end="4"/>
-                                            </p:txEl>
-                                          </p:spTgt>
-                                        </p:tgtEl>
-                                        <p:attrNameLst>
-                                          <p:attrName>style.visibility</p:attrName>
-                                        </p:attrNameLst>
-                                      </p:cBhvr>
-                                      <p:to>
-                                        <p:strVal val="visible"/>
-                                      </p:to>
-                                    </p:set>
-                                    <p:animEffect transition="in" filter="fade">
-                                      <p:cBhvr>
-                                        <p:cTn id="23" dur="500"/>
-                                        <p:tgtEl>
-                                          <p:spTgt spid="3">
-                                            <p:txEl>
-                                              <p:pRg st="4" end="4"/>
-                                            </p:txEl>
-                                          </p:spTgt>
-                                        </p:tgtEl>
-                                      </p:cBhvr>
-                                    </p:animEffect>
-                                  </p:childTnLst>
-                                </p:cTn>
-                              </p:par>
-                            </p:childTnLst>
-                          </p:cTn>
-                        </p:par>
-                      </p:childTnLst>
-                    </p:cTn>
-                  </p:par>
-                  <p:par>
-                    <p:cTn id="24" fill="hold">
-                      <p:stCondLst>
-                        <p:cond delay="indefinite"/>
-                      </p:stCondLst>
-                      <p:childTnLst>
-                        <p:par>
-                          <p:cTn id="25" fill="hold">
-                            <p:stCondLst>
-                              <p:cond delay="0"/>
-                            </p:stCondLst>
-                            <p:childTnLst>
-                              <p:par>
-                                <p:cTn id="26" presetID="10" presetClass="entr" presetSubtype="0" fill="hold" nodeType="clickEffect">
-                                  <p:stCondLst>
-                                    <p:cond delay="0"/>
-                                  </p:stCondLst>
-                                  <p:childTnLst>
-                                    <p:set>
-                                      <p:cBhvr>
-                                        <p:cTn id="27" dur="1" fill="hold">
-                                          <p:stCondLst>
-                                            <p:cond delay="0"/>
-                                          </p:stCondLst>
-                                        </p:cTn>
+                                        <p:cTn id="30" dur="500"/>
                                         <p:tgtEl>
                                           <p:spTgt spid="3">
                                             <p:txEl>
                                               <p:pRg st="5" end="5"/>
-                                            </p:txEl>
-                                          </p:spTgt>
-                                        </p:tgtEl>
-                                        <p:attrNameLst>
-                                          <p:attrName>style.visibility</p:attrName>
-                                        </p:attrNameLst>
-                                      </p:cBhvr>
-                                      <p:to>
-                                        <p:strVal val="visible"/>
-                                      </p:to>
-                                    </p:set>
-                                    <p:animEffect transition="in" filter="fade">
-                                      <p:cBhvr>
-                                        <p:cTn id="28" dur="500"/>
-                                        <p:tgtEl>
-                                          <p:spTgt spid="3">
-                                            <p:txEl>
-                                              <p:pRg st="5" end="5"/>
-                                            </p:txEl>
-                                          </p:spTgt>
-                                        </p:tgtEl>
-                                      </p:cBhvr>
-                                    </p:animEffect>
-                                  </p:childTnLst>
-                                </p:cTn>
-                              </p:par>
-                              <p:par>
-                                <p:cTn id="29" presetID="10" presetClass="entr" presetSubtype="0" fill="hold" nodeType="withEffect">
-                                  <p:stCondLst>
-                                    <p:cond delay="0"/>
-                                  </p:stCondLst>
-                                  <p:childTnLst>
-                                    <p:set>
-                                      <p:cBhvr>
-                                        <p:cTn id="30" dur="1" fill="hold">
-                                          <p:stCondLst>
-                                            <p:cond delay="0"/>
-                                          </p:stCondLst>
-                                        </p:cTn>
-                                        <p:tgtEl>
-                                          <p:spTgt spid="3">
-                                            <p:txEl>
-                                              <p:pRg st="6" end="6"/>
-                                            </p:txEl>
-                                          </p:spTgt>
-                                        </p:tgtEl>
-                                        <p:attrNameLst>
-                                          <p:attrName>style.visibility</p:attrName>
-                                        </p:attrNameLst>
-                                      </p:cBhvr>
-                                      <p:to>
-                                        <p:strVal val="visible"/>
-                                      </p:to>
-                                    </p:set>
-                                    <p:animEffect transition="in" filter="fade">
-                                      <p:cBhvr>
-                                        <p:cTn id="31" dur="500"/>
-                                        <p:tgtEl>
-                                          <p:spTgt spid="3">
-                                            <p:txEl>
-                                              <p:pRg st="6" end="6"/>
-                                            </p:txEl>
-                                          </p:spTgt>
-                                        </p:tgtEl>
-                                      </p:cBhvr>
-                                    </p:animEffect>
-                                  </p:childTnLst>
-                                </p:cTn>
-                              </p:par>
-                            </p:childTnLst>
-                          </p:cTn>
-                        </p:par>
-                      </p:childTnLst>
-                    </p:cTn>
-                  </p:par>
-                  <p:par>
-                    <p:cTn id="32" fill="hold">
-                      <p:stCondLst>
-                        <p:cond delay="indefinite"/>
-                      </p:stCondLst>
-                      <p:childTnLst>
-                        <p:par>
-                          <p:cTn id="33" fill="hold">
-                            <p:stCondLst>
-                              <p:cond delay="0"/>
-                            </p:stCondLst>
-                            <p:childTnLst>
-                              <p:par>
-                                <p:cTn id="34" presetID="10" presetClass="entr" presetSubtype="0" fill="hold" nodeType="clickEffect">
-                                  <p:stCondLst>
-                                    <p:cond delay="0"/>
-                                  </p:stCondLst>
-                                  <p:childTnLst>
-                                    <p:set>
-                                      <p:cBhvr>
-                                        <p:cTn id="35" dur="1" fill="hold">
-                                          <p:stCondLst>
-                                            <p:cond delay="0"/>
-                                          </p:stCondLst>
-                                        </p:cTn>
-                                        <p:tgtEl>
-                                          <p:spTgt spid="3">
-                                            <p:txEl>
-                                              <p:pRg st="7" end="7"/>
-                                            </p:txEl>
-                                          </p:spTgt>
-                                        </p:tgtEl>
-                                        <p:attrNameLst>
-                                          <p:attrName>style.visibility</p:attrName>
-                                        </p:attrNameLst>
-                                      </p:cBhvr>
-                                      <p:to>
-                                        <p:strVal val="visible"/>
-                                      </p:to>
-                                    </p:set>
-                                    <p:animEffect transition="in" filter="fade">
-                                      <p:cBhvr>
-                                        <p:cTn id="36" dur="500"/>
-                                        <p:tgtEl>
-                                          <p:spTgt spid="3">
-                                            <p:txEl>
-                                              <p:pRg st="7" end="7"/>
-                                            </p:txEl>
-                                          </p:spTgt>
-                                        </p:tgtEl>
-                                      </p:cBhvr>
-                                    </p:animEffect>
-                                  </p:childTnLst>
-                                </p:cTn>
-                              </p:par>
-                              <p:par>
-                                <p:cTn id="37" presetID="10" presetClass="entr" presetSubtype="0" fill="hold" nodeType="withEffect">
-                                  <p:stCondLst>
-                                    <p:cond delay="0"/>
-                                  </p:stCondLst>
-                                  <p:childTnLst>
-                                    <p:set>
-                                      <p:cBhvr>
-                                        <p:cTn id="38" dur="1" fill="hold">
-                                          <p:stCondLst>
-                                            <p:cond delay="0"/>
-                                          </p:stCondLst>
-                                        </p:cTn>
-                                        <p:tgtEl>
-                                          <p:spTgt spid="3">
-                                            <p:txEl>
-                                              <p:pRg st="8" end="8"/>
-                                            </p:txEl>
-                                          </p:spTgt>
-                                        </p:tgtEl>
-                                        <p:attrNameLst>
-                                          <p:attrName>style.visibility</p:attrName>
-                                        </p:attrNameLst>
-                                      </p:cBhvr>
-                                      <p:to>
-                                        <p:strVal val="visible"/>
-                                      </p:to>
-                                    </p:set>
-                                    <p:animEffect transition="in" filter="fade">
-                                      <p:cBhvr>
-                                        <p:cTn id="39" dur="500"/>
-                                        <p:tgtEl>
-                                          <p:spTgt spid="3">
-                                            <p:txEl>
-                                              <p:pRg st="8" end="8"/>
                                             </p:txEl>
                                           </p:spTgt>
                                         </p:tgtEl>
